--- a/slides/geracao_codigo.pptx
+++ b/slides/geracao_codigo.pptx
@@ -5,7 +5,7 @@
     <p:sldMasterId id="2147483659" r:id="rId1"/>
   </p:sldMasterIdLst>
   <p:notesMasterIdLst>
-    <p:notesMasterId r:id="rId20"/>
+    <p:notesMasterId r:id="rId23"/>
   </p:notesMasterIdLst>
   <p:sldIdLst>
     <p:sldId id="256" r:id="rId2"/>
@@ -17,30 +17,33 @@
     <p:sldId id="272" r:id="rId8"/>
     <p:sldId id="261" r:id="rId9"/>
     <p:sldId id="271" r:id="rId10"/>
-    <p:sldId id="262" r:id="rId11"/>
-    <p:sldId id="267" r:id="rId12"/>
-    <p:sldId id="273" r:id="rId13"/>
-    <p:sldId id="265" r:id="rId14"/>
-    <p:sldId id="274" r:id="rId15"/>
+    <p:sldId id="278" r:id="rId11"/>
+    <p:sldId id="262" r:id="rId12"/>
+    <p:sldId id="265" r:id="rId13"/>
+    <p:sldId id="274" r:id="rId14"/>
+    <p:sldId id="279" r:id="rId15"/>
     <p:sldId id="275" r:id="rId16"/>
     <p:sldId id="266" r:id="rId17"/>
-    <p:sldId id="269" r:id="rId18"/>
-    <p:sldId id="276" r:id="rId19"/>
+    <p:sldId id="280" r:id="rId18"/>
+    <p:sldId id="267" r:id="rId19"/>
+    <p:sldId id="273" r:id="rId20"/>
+    <p:sldId id="269" r:id="rId21"/>
+    <p:sldId id="276" r:id="rId22"/>
   </p:sldIdLst>
   <p:sldSz cx="9144000" cy="5143500" type="screen16x9"/>
   <p:notesSz cx="6858000" cy="9144000"/>
   <p:embeddedFontLst>
     <p:embeddedFont>
       <p:font typeface="Maven Pro" panose="020B0604020202020204" charset="0"/>
-      <p:regular r:id="rId21"/>
-      <p:bold r:id="rId22"/>
+      <p:regular r:id="rId24"/>
+      <p:bold r:id="rId25"/>
     </p:embeddedFont>
     <p:embeddedFont>
       <p:font typeface="Nunito" pitchFamily="2" charset="0"/>
-      <p:regular r:id="rId23"/>
-      <p:bold r:id="rId24"/>
-      <p:italic r:id="rId25"/>
-      <p:boldItalic r:id="rId26"/>
+      <p:regular r:id="rId26"/>
+      <p:bold r:id="rId27"/>
+      <p:italic r:id="rId28"/>
+      <p:boldItalic r:id="rId29"/>
     </p:embeddedFont>
   </p:embeddedFontLst>
   <p:defaultTextStyle>
@@ -2455,11 +2458,6 @@
         </p:txBody>
       </p:sp>
     </p:spTree>
-    <p:extLst>
-      <p:ext uri="{BB962C8B-B14F-4D97-AF65-F5344CB8AC3E}">
-        <p14:creationId xmlns:p14="http://schemas.microsoft.com/office/powerpoint/2010/main" val="949397482"/>
-      </p:ext>
-    </p:extLst>
   </p:cSld>
   <p:clrMapOvr>
     <a:masterClrMapping/>
@@ -2472,7 +2470,7 @@
   <p:cSld>
     <p:spTree>
       <p:nvGrpSpPr>
-        <p:cNvPr id="1" name="Shape 391"/>
+        <p:cNvPr id="1" name="Shape 409"/>
         <p:cNvGrpSpPr/>
         <p:nvPr/>
       </p:nvGrpSpPr>
@@ -2486,7 +2484,7 @@
       </p:grpSpPr>
       <p:sp>
         <p:nvSpPr>
-          <p:cNvPr id="392" name="Google Shape;392;gfb7a7546e6_0_504:notes"/>
+          <p:cNvPr id="410" name="Google Shape;410;gfca990509c_0_5:notes"/>
           <p:cNvSpPr>
             <a:spLocks noGrp="1" noRot="1" noChangeAspect="1"/>
           </p:cNvSpPr>
@@ -2527,7 +2525,7 @@
       </p:sp>
       <p:sp>
         <p:nvSpPr>
-          <p:cNvPr id="393" name="Google Shape;393;gfb7a7546e6_0_504:notes"/>
+          <p:cNvPr id="411" name="Google Shape;411;gfca990509c_0_5:notes"/>
           <p:cNvSpPr txBox="1">
             <a:spLocks noGrp="1"/>
           </p:cNvSpPr>
@@ -2566,7 +2564,7 @@
     </p:spTree>
     <p:extLst>
       <p:ext uri="{BB962C8B-B14F-4D97-AF65-F5344CB8AC3E}">
-        <p14:creationId xmlns:p14="http://schemas.microsoft.com/office/powerpoint/2010/main" val="3513344075"/>
+        <p14:creationId xmlns:p14="http://schemas.microsoft.com/office/powerpoint/2010/main" val="895113053"/>
       </p:ext>
     </p:extLst>
   </p:cSld>
@@ -2577,11 +2575,11 @@
 </file>
 
 <file path=ppt/notesSlides/notesSlide12.xml><?xml version="1.0" encoding="utf-8"?>
-<p:notes xmlns:a="http://schemas.openxmlformats.org/drawingml/2006/main" xmlns:r="http://schemas.openxmlformats.org/officeDocument/2006/relationships" xmlns:p="http://schemas.openxmlformats.org/presentationml/2006/main" showMasterSp="0" showMasterPhAnim="0">
+<p:notes xmlns:a="http://schemas.openxmlformats.org/drawingml/2006/main" xmlns:r="http://schemas.openxmlformats.org/officeDocument/2006/relationships" xmlns:p="http://schemas.openxmlformats.org/presentationml/2006/main">
   <p:cSld>
     <p:spTree>
       <p:nvGrpSpPr>
-        <p:cNvPr id="1" name="Shape 401"/>
+        <p:cNvPr id="1" name=""/>
         <p:cNvGrpSpPr/>
         <p:nvPr/>
       </p:nvGrpSpPr>
@@ -2595,12 +2593,12 @@
       </p:grpSpPr>
       <p:sp>
         <p:nvSpPr>
-          <p:cNvPr id="402" name="Google Shape;402;gfb7a7546e6_0_439:notes"/>
+          <p:cNvPr id="2" name="Espaço Reservado para Imagem de Slide 1"/>
           <p:cNvSpPr>
             <a:spLocks noGrp="1" noRot="1" noChangeAspect="1"/>
           </p:cNvSpPr>
           <p:nvPr>
-            <p:ph type="sldImg" idx="2"/>
+            <p:ph type="sldImg"/>
           </p:nvPr>
         </p:nvSpPr>
         <p:spPr>
@@ -2608,71 +2606,47 @@
             <a:off x="381000" y="685800"/>
             <a:ext cx="6096000" cy="3429000"/>
           </a:xfrm>
-          <a:custGeom>
-            <a:avLst/>
-            <a:gdLst/>
-            <a:ahLst/>
-            <a:cxnLst/>
-            <a:rect l="l" t="t" r="r" b="b"/>
-            <a:pathLst>
-              <a:path w="120000" h="120000" extrusionOk="0">
-                <a:moveTo>
-                  <a:pt x="0" y="0"/>
-                </a:moveTo>
-                <a:lnTo>
-                  <a:pt x="120000" y="0"/>
-                </a:lnTo>
-                <a:lnTo>
-                  <a:pt x="120000" y="120000"/>
-                </a:lnTo>
-                <a:lnTo>
-                  <a:pt x="0" y="120000"/>
-                </a:lnTo>
-                <a:close/>
-              </a:path>
-            </a:pathLst>
-          </a:custGeom>
         </p:spPr>
       </p:sp>
       <p:sp>
         <p:nvSpPr>
-          <p:cNvPr id="403" name="Google Shape;403;gfb7a7546e6_0_439:notes"/>
-          <p:cNvSpPr txBox="1">
+          <p:cNvPr id="3" name="Espaço Reservado para Anotações 2"/>
+          <p:cNvSpPr>
             <a:spLocks noGrp="1"/>
           </p:cNvSpPr>
           <p:nvPr>
             <p:ph type="body" idx="1"/>
           </p:nvPr>
         </p:nvSpPr>
-        <p:spPr>
-          <a:xfrm>
-            <a:off x="685800" y="4343400"/>
-            <a:ext cx="5486400" cy="4114800"/>
-          </a:xfrm>
-          <a:prstGeom prst="rect">
-            <a:avLst/>
-          </a:prstGeom>
-        </p:spPr>
+        <p:spPr/>
         <p:txBody>
-          <a:bodyPr spcFirstLastPara="1" wrap="square" lIns="91425" tIns="91425" rIns="91425" bIns="91425" anchor="t" anchorCtr="0">
-            <a:noAutofit/>
-          </a:bodyPr>
+          <a:bodyPr/>
           <a:lstStyle/>
           <a:p>
-            <a:pPr marL="0" lvl="0" indent="0" algn="l" rtl="0">
-              <a:spcBef>
-                <a:spcPts val="0"/>
-              </a:spcBef>
-              <a:spcAft>
-                <a:spcPts val="0"/>
-              </a:spcAft>
-              <a:buNone/>
-            </a:pPr>
-            <a:endParaRPr/>
+            <a:r>
+              <a:rPr lang="pt-BR" dirty="0"/>
+              <a:t>Jr – jump </a:t>
+            </a:r>
+            <a:r>
+              <a:rPr lang="pt-BR" dirty="0" err="1"/>
+              <a:t>register</a:t>
+            </a:r>
+            <a:endParaRPr lang="pt-BR" dirty="0"/>
+          </a:p>
+          <a:p>
+            <a:r>
+              <a:rPr lang="pt-BR" dirty="0"/>
+              <a:t>Percurso em árvores - https://builtin.com/software-engineering-perspectives/tree-traversal</a:t>
+            </a:r>
           </a:p>
         </p:txBody>
       </p:sp>
     </p:spTree>
+    <p:extLst>
+      <p:ext uri="{BB962C8B-B14F-4D97-AF65-F5344CB8AC3E}">
+        <p14:creationId xmlns:p14="http://schemas.microsoft.com/office/powerpoint/2010/main" val="669700073"/>
+      </p:ext>
+    </p:extLst>
   </p:cSld>
   <p:clrMapOvr>
     <a:masterClrMapping/>
@@ -3317,7 +3291,7 @@
   <p:cSld>
     <p:spTree>
       <p:nvGrpSpPr>
-        <p:cNvPr id="1" name="Shape 409"/>
+        <p:cNvPr id="1" name="Shape 391"/>
         <p:cNvGrpSpPr/>
         <p:nvPr/>
       </p:nvGrpSpPr>
@@ -3331,7 +3305,7 @@
       </p:grpSpPr>
       <p:sp>
         <p:nvSpPr>
-          <p:cNvPr id="410" name="Google Shape;410;gfca990509c_0_5:notes"/>
+          <p:cNvPr id="392" name="Google Shape;392;gfb7a7546e6_0_504:notes"/>
           <p:cNvSpPr>
             <a:spLocks noGrp="1" noRot="1" noChangeAspect="1"/>
           </p:cNvSpPr>
@@ -3372,7 +3346,7 @@
       </p:sp>
       <p:sp>
         <p:nvSpPr>
-          <p:cNvPr id="411" name="Google Shape;411;gfca990509c_0_5:notes"/>
+          <p:cNvPr id="393" name="Google Shape;393;gfb7a7546e6_0_504:notes"/>
           <p:cNvSpPr txBox="1">
             <a:spLocks noGrp="1"/>
           </p:cNvSpPr>
@@ -3417,11 +3391,11 @@
 </file>
 
 <file path=ppt/notesSlides/notesSlide8.xml><?xml version="1.0" encoding="utf-8"?>
-<p:notes xmlns:a="http://schemas.openxmlformats.org/drawingml/2006/main" xmlns:r="http://schemas.openxmlformats.org/officeDocument/2006/relationships" xmlns:p="http://schemas.openxmlformats.org/presentationml/2006/main">
+<p:notes xmlns:a="http://schemas.openxmlformats.org/drawingml/2006/main" xmlns:r="http://schemas.openxmlformats.org/officeDocument/2006/relationships" xmlns:p="http://schemas.openxmlformats.org/presentationml/2006/main" showMasterSp="0" showMasterPhAnim="0">
   <p:cSld>
     <p:spTree>
       <p:nvGrpSpPr>
-        <p:cNvPr id="1" name=""/>
+        <p:cNvPr id="1" name="Shape 401"/>
         <p:cNvGrpSpPr/>
         <p:nvPr/>
       </p:nvGrpSpPr>
@@ -3435,12 +3409,12 @@
       </p:grpSpPr>
       <p:sp>
         <p:nvSpPr>
-          <p:cNvPr id="2" name="Espaço Reservado para Imagem de Slide 1"/>
+          <p:cNvPr id="402" name="Google Shape;402;gfb7a7546e6_0_439:notes"/>
           <p:cNvSpPr>
             <a:spLocks noGrp="1" noRot="1" noChangeAspect="1"/>
           </p:cNvSpPr>
           <p:nvPr>
-            <p:ph type="sldImg"/>
+            <p:ph type="sldImg" idx="2"/>
           </p:nvPr>
         </p:nvSpPr>
         <p:spPr>
@@ -3448,45 +3422,74 @@
             <a:off x="381000" y="685800"/>
             <a:ext cx="6096000" cy="3429000"/>
           </a:xfrm>
+          <a:custGeom>
+            <a:avLst/>
+            <a:gdLst/>
+            <a:ahLst/>
+            <a:cxnLst/>
+            <a:rect l="l" t="t" r="r" b="b"/>
+            <a:pathLst>
+              <a:path w="120000" h="120000" extrusionOk="0">
+                <a:moveTo>
+                  <a:pt x="0" y="0"/>
+                </a:moveTo>
+                <a:lnTo>
+                  <a:pt x="120000" y="0"/>
+                </a:lnTo>
+                <a:lnTo>
+                  <a:pt x="120000" y="120000"/>
+                </a:lnTo>
+                <a:lnTo>
+                  <a:pt x="0" y="120000"/>
+                </a:lnTo>
+                <a:close/>
+              </a:path>
+            </a:pathLst>
+          </a:custGeom>
         </p:spPr>
       </p:sp>
       <p:sp>
         <p:nvSpPr>
-          <p:cNvPr id="3" name="Espaço Reservado para Anotações 2"/>
-          <p:cNvSpPr>
+          <p:cNvPr id="403" name="Google Shape;403;gfb7a7546e6_0_439:notes"/>
+          <p:cNvSpPr txBox="1">
             <a:spLocks noGrp="1"/>
           </p:cNvSpPr>
           <p:nvPr>
             <p:ph type="body" idx="1"/>
           </p:nvPr>
         </p:nvSpPr>
-        <p:spPr/>
+        <p:spPr>
+          <a:xfrm>
+            <a:off x="685800" y="4343400"/>
+            <a:ext cx="5486400" cy="4114800"/>
+          </a:xfrm>
+          <a:prstGeom prst="rect">
+            <a:avLst/>
+          </a:prstGeom>
+        </p:spPr>
         <p:txBody>
-          <a:bodyPr/>
+          <a:bodyPr spcFirstLastPara="1" wrap="square" lIns="91425" tIns="91425" rIns="91425" bIns="91425" anchor="t" anchorCtr="0">
+            <a:noAutofit/>
+          </a:bodyPr>
           <a:lstStyle/>
           <a:p>
-            <a:r>
-              <a:rPr lang="pt-BR" dirty="0"/>
-              <a:t>Jr – jump </a:t>
-            </a:r>
-            <a:r>
-              <a:rPr lang="pt-BR" dirty="0" err="1"/>
-              <a:t>register</a:t>
-            </a:r>
-            <a:endParaRPr lang="pt-BR" dirty="0"/>
-          </a:p>
-          <a:p>
-            <a:r>
-              <a:rPr lang="pt-BR" dirty="0"/>
-              <a:t>Percurso em árvores - https://builtin.com/software-engineering-perspectives/tree-traversal</a:t>
-            </a:r>
+            <a:pPr marL="0" lvl="0" indent="0" algn="l" rtl="0">
+              <a:spcBef>
+                <a:spcPts val="0"/>
+              </a:spcBef>
+              <a:spcAft>
+                <a:spcPts val="0"/>
+              </a:spcAft>
+              <a:buNone/>
+            </a:pPr>
+            <a:endParaRPr/>
           </a:p>
         </p:txBody>
       </p:sp>
     </p:spTree>
     <p:extLst>
       <p:ext uri="{BB962C8B-B14F-4D97-AF65-F5344CB8AC3E}">
-        <p14:creationId xmlns:p14="http://schemas.microsoft.com/office/powerpoint/2010/main" val="318535635"/>
+        <p14:creationId xmlns:p14="http://schemas.microsoft.com/office/powerpoint/2010/main" val="949397482"/>
       </p:ext>
     </p:extLst>
   </p:cSld>
@@ -3593,6 +3596,11 @@
         </p:txBody>
       </p:sp>
     </p:spTree>
+    <p:extLst>
+      <p:ext uri="{BB962C8B-B14F-4D97-AF65-F5344CB8AC3E}">
+        <p14:creationId xmlns:p14="http://schemas.microsoft.com/office/powerpoint/2010/main" val="3513344075"/>
+      </p:ext>
+    </p:extLst>
   </p:cSld>
   <p:clrMapOvr>
     <a:masterClrMapping/>
@@ -16778,7 +16786,7 @@
         <p:push/>
       </p:transition>
     </mc:Choice>
-    <mc:Fallback xmlns="" xmlns:mv="urn:schemas-microsoft-com:mac:vml" xmlns:c="http://schemas.openxmlformats.org/drawingml/2006/chart" xmlns:dgm="http://schemas.openxmlformats.org/drawingml/2006/diagram" xmlns:o="urn:schemas-microsoft-com:office:office" xmlns:v="urn:schemas-microsoft-com:vml" xmlns:pvml="urn:schemas-microsoft-com:office:powerpoint" xmlns:com="http://schemas.openxmlformats.org/drawingml/2006/compatibility" xmlns:p15="http://schemas.microsoft.com/office/powerpoint/2012/main" xmlns:ahyp="http://schemas.microsoft.com/office/drawing/2018/hyperlinkcolor">
+    <mc:Fallback xmlns:ahyp="http://schemas.microsoft.com/office/drawing/2018/hyperlinkcolor" xmlns:p15="http://schemas.microsoft.com/office/powerpoint/2012/main" xmlns:com="http://schemas.openxmlformats.org/drawingml/2006/compatibility" xmlns:pvml="urn:schemas-microsoft-com:office:powerpoint" xmlns:v="urn:schemas-microsoft-com:vml" xmlns:o="urn:schemas-microsoft-com:office:office" xmlns:dgm="http://schemas.openxmlformats.org/drawingml/2006/diagram" xmlns:c="http://schemas.openxmlformats.org/drawingml/2006/chart" xmlns:mv="urn:schemas-microsoft-com:mac:vml" xmlns="">
       <p:transition spd="slow">
         <p:fade/>
       </p:transition>
@@ -17615,6 +17623,578 @@
   <p:cSld>
     <p:spTree>
       <p:nvGrpSpPr>
+        <p:cNvPr id="1" name=""/>
+        <p:cNvGrpSpPr/>
+        <p:nvPr/>
+      </p:nvGrpSpPr>
+      <p:grpSpPr>
+        <a:xfrm>
+          <a:off x="0" y="0"/>
+          <a:ext cx="0" cy="0"/>
+          <a:chOff x="0" y="0"/>
+          <a:chExt cx="0" cy="0"/>
+        </a:xfrm>
+      </p:grpSpPr>
+      <p:sp>
+        <p:nvSpPr>
+          <p:cNvPr id="2" name="Título 1">
+            <a:extLst>
+              <a:ext uri="{FF2B5EF4-FFF2-40B4-BE49-F238E27FC236}">
+                <a16:creationId xmlns:a16="http://schemas.microsoft.com/office/drawing/2014/main" id="{E17D508D-A97D-4EC5-95C4-4D020BAF2126}"/>
+              </a:ext>
+            </a:extLst>
+          </p:cNvPr>
+          <p:cNvSpPr>
+            <a:spLocks noGrp="1"/>
+          </p:cNvSpPr>
+          <p:nvPr>
+            <p:ph type="title"/>
+          </p:nvPr>
+        </p:nvSpPr>
+        <p:spPr/>
+        <p:txBody>
+          <a:bodyPr/>
+          <a:lstStyle/>
+          <a:p>
+            <a:r>
+              <a:rPr lang="pt-BR" dirty="0"/>
+              <a:t>GIMPLE- GCC</a:t>
+            </a:r>
+          </a:p>
+        </p:txBody>
+      </p:sp>
+      <p:sp>
+        <p:nvSpPr>
+          <p:cNvPr id="4" name="CaixaDeTexto 3">
+            <a:extLst>
+              <a:ext uri="{FF2B5EF4-FFF2-40B4-BE49-F238E27FC236}">
+                <a16:creationId xmlns:a16="http://schemas.microsoft.com/office/drawing/2014/main" id="{34D0B4F4-54D7-4AEB-8859-16BC6B0EE65B}"/>
+              </a:ext>
+            </a:extLst>
+          </p:cNvPr>
+          <p:cNvSpPr txBox="1"/>
+          <p:nvPr/>
+        </p:nvSpPr>
+        <p:spPr>
+          <a:xfrm>
+            <a:off x="5417127" y="1312711"/>
+            <a:ext cx="3587540" cy="2246769"/>
+          </a:xfrm>
+          <a:prstGeom prst="rect">
+            <a:avLst/>
+          </a:prstGeom>
+          <a:noFill/>
+          <a:ln>
+            <a:solidFill>
+              <a:schemeClr val="accent1"/>
+            </a:solidFill>
+          </a:ln>
+        </p:spPr>
+        <p:txBody>
+          <a:bodyPr wrap="square" rtlCol="0">
+            <a:spAutoFit/>
+          </a:bodyPr>
+          <a:lstStyle>
+            <a:defPPr marR="0" lvl="0" algn="l" rtl="0">
+              <a:lnSpc>
+                <a:spcPct val="100000"/>
+              </a:lnSpc>
+              <a:spcBef>
+                <a:spcPts val="0"/>
+              </a:spcBef>
+              <a:spcAft>
+                <a:spcPts val="0"/>
+              </a:spcAft>
+            </a:defPPr>
+            <a:lvl1pPr>
+              <a:defRPr>
+                <a:latin typeface="Courier New" panose="02070309020205020404" pitchFamily="49" charset="0"/>
+                <a:cs typeface="Courier New" panose="02070309020205020404" pitchFamily="49" charset="0"/>
+              </a:defRPr>
+            </a:lvl1pPr>
+          </a:lstStyle>
+          <a:p>
+            <a:r>
+              <a:rPr lang="en-US" dirty="0"/>
+              <a:t>int compute (int a, int b) { </a:t>
+            </a:r>
+          </a:p>
+          <a:p>
+            <a:r>
+              <a:rPr lang="en-US" dirty="0"/>
+              <a:t>	int _t1; </a:t>
+            </a:r>
+          </a:p>
+          <a:p>
+            <a:r>
+              <a:rPr lang="en-US" dirty="0"/>
+              <a:t>	int _t2; </a:t>
+            </a:r>
+          </a:p>
+          <a:p>
+            <a:r>
+              <a:rPr lang="en-US" dirty="0"/>
+              <a:t>	int result; </a:t>
+            </a:r>
+          </a:p>
+          <a:p>
+            <a:endParaRPr lang="en-US" dirty="0"/>
+          </a:p>
+          <a:p>
+            <a:r>
+              <a:rPr lang="en-US" dirty="0"/>
+              <a:t>	_t1 = a + b; </a:t>
+            </a:r>
+          </a:p>
+          <a:p>
+            <a:r>
+              <a:rPr lang="en-US" dirty="0"/>
+              <a:t>	_t2 = a - b; </a:t>
+            </a:r>
+          </a:p>
+          <a:p>
+            <a:r>
+              <a:rPr lang="en-US" dirty="0"/>
+              <a:t>	result = _t1 * _t2; </a:t>
+            </a:r>
+          </a:p>
+          <a:p>
+            <a:r>
+              <a:rPr lang="en-US" dirty="0"/>
+              <a:t>	return result; </a:t>
+            </a:r>
+          </a:p>
+          <a:p>
+            <a:r>
+              <a:rPr lang="en-US" dirty="0"/>
+              <a:t>}</a:t>
+            </a:r>
+            <a:endParaRPr lang="pt-BR" dirty="0"/>
+          </a:p>
+        </p:txBody>
+      </p:sp>
+      <p:sp>
+        <p:nvSpPr>
+          <p:cNvPr id="5" name="CaixaDeTexto 4">
+            <a:extLst>
+              <a:ext uri="{FF2B5EF4-FFF2-40B4-BE49-F238E27FC236}">
+                <a16:creationId xmlns:a16="http://schemas.microsoft.com/office/drawing/2014/main" id="{D2DCBB3C-694B-46A5-8FDD-F4A964A09B02}"/>
+              </a:ext>
+            </a:extLst>
+          </p:cNvPr>
+          <p:cNvSpPr txBox="1"/>
+          <p:nvPr/>
+        </p:nvSpPr>
+        <p:spPr>
+          <a:xfrm>
+            <a:off x="139334" y="1967105"/>
+            <a:ext cx="4238704" cy="954107"/>
+          </a:xfrm>
+          <a:prstGeom prst="rect">
+            <a:avLst/>
+          </a:prstGeom>
+          <a:noFill/>
+          <a:ln>
+            <a:solidFill>
+              <a:schemeClr val="accent1"/>
+            </a:solidFill>
+          </a:ln>
+        </p:spPr>
+        <p:txBody>
+          <a:bodyPr wrap="square" rtlCol="0">
+            <a:spAutoFit/>
+          </a:bodyPr>
+          <a:lstStyle/>
+          <a:p>
+            <a:r>
+              <a:rPr lang="en-US" dirty="0">
+                <a:latin typeface="Courier New" panose="02070309020205020404" pitchFamily="49" charset="0"/>
+                <a:cs typeface="Courier New" panose="02070309020205020404" pitchFamily="49" charset="0"/>
+              </a:rPr>
+              <a:t>int compute(int a, int b) {</a:t>
+            </a:r>
+          </a:p>
+          <a:p>
+            <a:r>
+              <a:rPr lang="en-US" dirty="0">
+                <a:latin typeface="Courier New" panose="02070309020205020404" pitchFamily="49" charset="0"/>
+                <a:cs typeface="Courier New" panose="02070309020205020404" pitchFamily="49" charset="0"/>
+              </a:rPr>
+              <a:t>    int result = (a + b) * (a - b);</a:t>
+            </a:r>
+          </a:p>
+          <a:p>
+            <a:r>
+              <a:rPr lang="en-US" dirty="0">
+                <a:latin typeface="Courier New" panose="02070309020205020404" pitchFamily="49" charset="0"/>
+                <a:cs typeface="Courier New" panose="02070309020205020404" pitchFamily="49" charset="0"/>
+              </a:rPr>
+              <a:t>    return result;</a:t>
+            </a:r>
+          </a:p>
+          <a:p>
+            <a:r>
+              <a:rPr lang="en-US" dirty="0">
+                <a:latin typeface="Courier New" panose="02070309020205020404" pitchFamily="49" charset="0"/>
+                <a:cs typeface="Courier New" panose="02070309020205020404" pitchFamily="49" charset="0"/>
+              </a:rPr>
+              <a:t>}</a:t>
+            </a:r>
+          </a:p>
+        </p:txBody>
+      </p:sp>
+      <p:cxnSp>
+        <p:nvCxnSpPr>
+          <p:cNvPr id="7" name="Conector de Seta Reta 6">
+            <a:extLst>
+              <a:ext uri="{FF2B5EF4-FFF2-40B4-BE49-F238E27FC236}">
+                <a16:creationId xmlns:a16="http://schemas.microsoft.com/office/drawing/2014/main" id="{39E54086-D78C-46A9-9434-5BAF82D07D36}"/>
+              </a:ext>
+            </a:extLst>
+          </p:cNvPr>
+          <p:cNvCxnSpPr>
+            <a:cxnSpLocks/>
+            <a:stCxn id="5" idx="3"/>
+            <a:endCxn id="4" idx="1"/>
+          </p:cNvCxnSpPr>
+          <p:nvPr/>
+        </p:nvCxnSpPr>
+        <p:spPr>
+          <a:xfrm flipV="1">
+            <a:off x="4378038" y="2436096"/>
+            <a:ext cx="1039089" cy="8063"/>
+          </a:xfrm>
+          <a:prstGeom prst="straightConnector1">
+            <a:avLst/>
+          </a:prstGeom>
+          <a:ln>
+            <a:tailEnd type="triangle"/>
+          </a:ln>
+        </p:spPr>
+        <p:style>
+          <a:lnRef idx="1">
+            <a:schemeClr val="accent1"/>
+          </a:lnRef>
+          <a:fillRef idx="0">
+            <a:schemeClr val="accent1"/>
+          </a:fillRef>
+          <a:effectRef idx="0">
+            <a:schemeClr val="accent1"/>
+          </a:effectRef>
+          <a:fontRef idx="minor">
+            <a:schemeClr val="tx1"/>
+          </a:fontRef>
+        </p:style>
+      </p:cxnSp>
+      <p:sp>
+        <p:nvSpPr>
+          <p:cNvPr id="14" name="CaixaDeTexto 13">
+            <a:extLst>
+              <a:ext uri="{FF2B5EF4-FFF2-40B4-BE49-F238E27FC236}">
+                <a16:creationId xmlns:a16="http://schemas.microsoft.com/office/drawing/2014/main" id="{A2A32BF5-24AB-4313-AF86-A5106787E7B5}"/>
+              </a:ext>
+            </a:extLst>
+          </p:cNvPr>
+          <p:cNvSpPr txBox="1"/>
+          <p:nvPr/>
+        </p:nvSpPr>
+        <p:spPr>
+          <a:xfrm>
+            <a:off x="139334" y="4170217"/>
+            <a:ext cx="3628795" cy="523220"/>
+          </a:xfrm>
+          <a:prstGeom prst="rect">
+            <a:avLst/>
+          </a:prstGeom>
+          <a:noFill/>
+          <a:ln>
+            <a:solidFill>
+              <a:schemeClr val="accent1"/>
+            </a:solidFill>
+          </a:ln>
+        </p:spPr>
+        <p:txBody>
+          <a:bodyPr wrap="square" rtlCol="0">
+            <a:spAutoFit/>
+          </a:bodyPr>
+          <a:lstStyle>
+            <a:defPPr marR="0" lvl="0" algn="l" rtl="0">
+              <a:lnSpc>
+                <a:spcPct val="100000"/>
+              </a:lnSpc>
+              <a:spcBef>
+                <a:spcPts val="0"/>
+              </a:spcBef>
+              <a:spcAft>
+                <a:spcPts val="0"/>
+              </a:spcAft>
+            </a:defPPr>
+            <a:lvl1pPr>
+              <a:defRPr>
+                <a:latin typeface="Courier New" panose="02070309020205020404" pitchFamily="49" charset="0"/>
+                <a:cs typeface="Courier New" panose="02070309020205020404" pitchFamily="49" charset="0"/>
+              </a:defRPr>
+            </a:lvl1pPr>
+          </a:lstStyle>
+          <a:p>
+            <a:r>
+              <a:rPr lang="en-US" b="1" dirty="0"/>
+              <a:t>$ </a:t>
+            </a:r>
+            <a:r>
+              <a:rPr lang="en-US" b="1" dirty="0" err="1"/>
+              <a:t>gcc</a:t>
+            </a:r>
+            <a:r>
+              <a:rPr lang="en-US" b="1" dirty="0"/>
+              <a:t> -</a:t>
+            </a:r>
+            <a:r>
+              <a:rPr lang="en-US" b="1" dirty="0" err="1"/>
+              <a:t>fdump</a:t>
+            </a:r>
+            <a:r>
+              <a:rPr lang="en-US" b="1" dirty="0"/>
+              <a:t>-tree-</a:t>
+            </a:r>
+            <a:r>
+              <a:rPr lang="en-US" b="1" dirty="0" err="1"/>
+              <a:t>gimple</a:t>
+            </a:r>
+            <a:r>
+              <a:rPr lang="en-US" b="1" dirty="0"/>
+              <a:t> </a:t>
+            </a:r>
+            <a:r>
+              <a:rPr lang="en-US" b="1" dirty="0" err="1"/>
+              <a:t>file.c</a:t>
+            </a:r>
+            <a:endParaRPr lang="en-US" b="1" dirty="0"/>
+          </a:p>
+          <a:p>
+            <a:endParaRPr lang="pt-BR" b="1" dirty="0"/>
+          </a:p>
+        </p:txBody>
+      </p:sp>
+    </p:spTree>
+    <p:extLst>
+      <p:ext uri="{BB962C8B-B14F-4D97-AF65-F5344CB8AC3E}">
+        <p14:creationId xmlns:p14="http://schemas.microsoft.com/office/powerpoint/2010/main" val="2731779218"/>
+      </p:ext>
+    </p:extLst>
+  </p:cSld>
+  <p:clrMapOvr>
+    <a:masterClrMapping/>
+  </p:clrMapOvr>
+  <p:timing>
+    <p:tnLst>
+      <p:par>
+        <p:cTn id="1" dur="indefinite" restart="never" nodeType="tmRoot">
+          <p:childTnLst>
+            <p:seq concurrent="1" nextAc="seek">
+              <p:cTn id="2" dur="indefinite" nodeType="mainSeq">
+                <p:childTnLst>
+                  <p:par>
+                    <p:cTn id="3" fill="hold">
+                      <p:stCondLst>
+                        <p:cond delay="indefinite"/>
+                        <p:cond evt="onBegin" delay="0">
+                          <p:tn val="2"/>
+                        </p:cond>
+                      </p:stCondLst>
+                      <p:childTnLst>
+                        <p:par>
+                          <p:cTn id="4" fill="hold">
+                            <p:stCondLst>
+                              <p:cond delay="0"/>
+                            </p:stCondLst>
+                            <p:childTnLst>
+                              <p:par>
+                                <p:cTn id="5" presetID="2" presetClass="entr" presetSubtype="4" fill="hold" grpId="0" nodeType="withEffect">
+                                  <p:stCondLst>
+                                    <p:cond delay="0"/>
+                                  </p:stCondLst>
+                                  <p:childTnLst>
+                                    <p:set>
+                                      <p:cBhvr>
+                                        <p:cTn id="6" dur="1" fill="hold">
+                                          <p:stCondLst>
+                                            <p:cond delay="0"/>
+                                          </p:stCondLst>
+                                        </p:cTn>
+                                        <p:tgtEl>
+                                          <p:spTgt spid="4"/>
+                                        </p:tgtEl>
+                                        <p:attrNameLst>
+                                          <p:attrName>style.visibility</p:attrName>
+                                        </p:attrNameLst>
+                                      </p:cBhvr>
+                                      <p:to>
+                                        <p:strVal val="visible"/>
+                                      </p:to>
+                                    </p:set>
+                                    <p:anim calcmode="lin" valueType="num">
+                                      <p:cBhvr additive="base">
+                                        <p:cTn id="7" dur="500" fill="hold"/>
+                                        <p:tgtEl>
+                                          <p:spTgt spid="4"/>
+                                        </p:tgtEl>
+                                        <p:attrNameLst>
+                                          <p:attrName>ppt_x</p:attrName>
+                                        </p:attrNameLst>
+                                      </p:cBhvr>
+                                      <p:tavLst>
+                                        <p:tav tm="0">
+                                          <p:val>
+                                            <p:strVal val="#ppt_x"/>
+                                          </p:val>
+                                        </p:tav>
+                                        <p:tav tm="100000">
+                                          <p:val>
+                                            <p:strVal val="#ppt_x"/>
+                                          </p:val>
+                                        </p:tav>
+                                      </p:tavLst>
+                                    </p:anim>
+                                    <p:anim calcmode="lin" valueType="num">
+                                      <p:cBhvr additive="base">
+                                        <p:cTn id="8" dur="500" fill="hold"/>
+                                        <p:tgtEl>
+                                          <p:spTgt spid="4"/>
+                                        </p:tgtEl>
+                                        <p:attrNameLst>
+                                          <p:attrName>ppt_y</p:attrName>
+                                        </p:attrNameLst>
+                                      </p:cBhvr>
+                                      <p:tavLst>
+                                        <p:tav tm="0">
+                                          <p:val>
+                                            <p:strVal val="1+#ppt_h/2"/>
+                                          </p:val>
+                                        </p:tav>
+                                        <p:tav tm="100000">
+                                          <p:val>
+                                            <p:strVal val="#ppt_y"/>
+                                          </p:val>
+                                        </p:tav>
+                                      </p:tavLst>
+                                    </p:anim>
+                                  </p:childTnLst>
+                                </p:cTn>
+                              </p:par>
+                              <p:par>
+                                <p:cTn id="9" presetID="2" presetClass="entr" presetSubtype="4" fill="hold" grpId="0" nodeType="withEffect">
+                                  <p:stCondLst>
+                                    <p:cond delay="0"/>
+                                  </p:stCondLst>
+                                  <p:childTnLst>
+                                    <p:set>
+                                      <p:cBhvr>
+                                        <p:cTn id="10" dur="1" fill="hold">
+                                          <p:stCondLst>
+                                            <p:cond delay="0"/>
+                                          </p:stCondLst>
+                                        </p:cTn>
+                                        <p:tgtEl>
+                                          <p:spTgt spid="5"/>
+                                        </p:tgtEl>
+                                        <p:attrNameLst>
+                                          <p:attrName>style.visibility</p:attrName>
+                                        </p:attrNameLst>
+                                      </p:cBhvr>
+                                      <p:to>
+                                        <p:strVal val="visible"/>
+                                      </p:to>
+                                    </p:set>
+                                    <p:anim calcmode="lin" valueType="num">
+                                      <p:cBhvr additive="base">
+                                        <p:cTn id="11" dur="500" fill="hold"/>
+                                        <p:tgtEl>
+                                          <p:spTgt spid="5"/>
+                                        </p:tgtEl>
+                                        <p:attrNameLst>
+                                          <p:attrName>ppt_x</p:attrName>
+                                        </p:attrNameLst>
+                                      </p:cBhvr>
+                                      <p:tavLst>
+                                        <p:tav tm="0">
+                                          <p:val>
+                                            <p:strVal val="#ppt_x"/>
+                                          </p:val>
+                                        </p:tav>
+                                        <p:tav tm="100000">
+                                          <p:val>
+                                            <p:strVal val="#ppt_x"/>
+                                          </p:val>
+                                        </p:tav>
+                                      </p:tavLst>
+                                    </p:anim>
+                                    <p:anim calcmode="lin" valueType="num">
+                                      <p:cBhvr additive="base">
+                                        <p:cTn id="12" dur="500" fill="hold"/>
+                                        <p:tgtEl>
+                                          <p:spTgt spid="5"/>
+                                        </p:tgtEl>
+                                        <p:attrNameLst>
+                                          <p:attrName>ppt_y</p:attrName>
+                                        </p:attrNameLst>
+                                      </p:cBhvr>
+                                      <p:tavLst>
+                                        <p:tav tm="0">
+                                          <p:val>
+                                            <p:strVal val="1+#ppt_h/2"/>
+                                          </p:val>
+                                        </p:tav>
+                                        <p:tav tm="100000">
+                                          <p:val>
+                                            <p:strVal val="#ppt_y"/>
+                                          </p:val>
+                                        </p:tav>
+                                      </p:tavLst>
+                                    </p:anim>
+                                  </p:childTnLst>
+                                </p:cTn>
+                              </p:par>
+                            </p:childTnLst>
+                          </p:cTn>
+                        </p:par>
+                      </p:childTnLst>
+                    </p:cTn>
+                  </p:par>
+                </p:childTnLst>
+              </p:cTn>
+              <p:prevCondLst>
+                <p:cond evt="onPrev" delay="0">
+                  <p:tgtEl>
+                    <p:sldTgt/>
+                  </p:tgtEl>
+                </p:cond>
+              </p:prevCondLst>
+              <p:nextCondLst>
+                <p:cond evt="onNext" delay="0">
+                  <p:tgtEl>
+                    <p:sldTgt/>
+                  </p:tgtEl>
+                </p:cond>
+              </p:nextCondLst>
+            </p:seq>
+          </p:childTnLst>
+        </p:cTn>
+      </p:par>
+    </p:tnLst>
+    <p:bldLst>
+      <p:bldP spid="4" grpId="0"/>
+      <p:bldP spid="5" grpId="0"/>
+    </p:bldLst>
+  </p:timing>
+</p:sld>
+</file>
+
+<file path=ppt/slides/slide11.xml><?xml version="1.0" encoding="utf-8"?>
+<p:sld xmlns:a="http://schemas.openxmlformats.org/drawingml/2006/main" xmlns:r="http://schemas.openxmlformats.org/officeDocument/2006/relationships" xmlns:p="http://schemas.openxmlformats.org/presentationml/2006/main">
+  <p:cSld>
+    <p:spTree>
+      <p:nvGrpSpPr>
         <p:cNvPr id="1" name="Shape 346"/>
         <p:cNvGrpSpPr/>
         <p:nvPr/>
@@ -17754,7 +18334,4748 @@
 </p:sld>
 </file>
 
-<file path=ppt/slides/slide11.xml><?xml version="1.0" encoding="utf-8"?>
+<file path=ppt/slides/slide12.xml><?xml version="1.0" encoding="utf-8"?>
+<p:sld xmlns:a="http://schemas.openxmlformats.org/drawingml/2006/main" xmlns:r="http://schemas.openxmlformats.org/officeDocument/2006/relationships" xmlns:p="http://schemas.openxmlformats.org/presentationml/2006/main">
+  <p:cSld>
+    <p:spTree>
+      <p:nvGrpSpPr>
+        <p:cNvPr id="1" name="Shape 394"/>
+        <p:cNvGrpSpPr/>
+        <p:nvPr/>
+      </p:nvGrpSpPr>
+      <p:grpSpPr>
+        <a:xfrm>
+          <a:off x="0" y="0"/>
+          <a:ext cx="0" cy="0"/>
+          <a:chOff x="0" y="0"/>
+          <a:chExt cx="0" cy="0"/>
+        </a:xfrm>
+      </p:grpSpPr>
+      <p:sp>
+        <p:nvSpPr>
+          <p:cNvPr id="395" name="Google Shape;395;p22"/>
+          <p:cNvSpPr txBox="1">
+            <a:spLocks noGrp="1"/>
+          </p:cNvSpPr>
+          <p:nvPr>
+            <p:ph type="title"/>
+          </p:nvPr>
+        </p:nvSpPr>
+        <p:spPr>
+          <a:xfrm>
+            <a:off x="1303800" y="598575"/>
+            <a:ext cx="7030500" cy="999300"/>
+          </a:xfrm>
+          <a:prstGeom prst="rect">
+            <a:avLst/>
+          </a:prstGeom>
+        </p:spPr>
+        <p:txBody>
+          <a:bodyPr spcFirstLastPara="1" wrap="square" lIns="91425" tIns="91425" rIns="91425" bIns="91425" anchor="t" anchorCtr="0">
+            <a:normAutofit/>
+          </a:bodyPr>
+          <a:lstStyle/>
+          <a:p>
+            <a:pPr marL="0" lvl="0" indent="0" algn="l" rtl="0">
+              <a:spcBef>
+                <a:spcPts val="0"/>
+              </a:spcBef>
+              <a:spcAft>
+                <a:spcPts val="0"/>
+              </a:spcAft>
+              <a:buNone/>
+            </a:pPr>
+            <a:r>
+              <a:rPr lang="pt-BR" dirty="0"/>
+              <a:t>Desvio de fluxo (expressão condicional)</a:t>
+            </a:r>
+            <a:endParaRPr dirty="0"/>
+          </a:p>
+        </p:txBody>
+      </p:sp>
+      <p:sp>
+        <p:nvSpPr>
+          <p:cNvPr id="396" name="Google Shape;396;p22"/>
+          <p:cNvSpPr txBox="1">
+            <a:spLocks noGrp="1"/>
+          </p:cNvSpPr>
+          <p:nvPr>
+            <p:ph type="body" idx="1"/>
+          </p:nvPr>
+        </p:nvSpPr>
+        <p:spPr>
+          <a:xfrm>
+            <a:off x="149550" y="1817925"/>
+            <a:ext cx="3485400" cy="2541600"/>
+          </a:xfrm>
+          <a:prstGeom prst="rect">
+            <a:avLst/>
+          </a:prstGeom>
+          <a:ln w="9525" cap="flat" cmpd="sng">
+            <a:solidFill>
+              <a:srgbClr val="000000"/>
+            </a:solidFill>
+            <a:prstDash val="dot"/>
+            <a:round/>
+            <a:headEnd type="none" w="sm" len="sm"/>
+            <a:tailEnd type="none" w="sm" len="sm"/>
+          </a:ln>
+        </p:spPr>
+        <p:txBody>
+          <a:bodyPr spcFirstLastPara="1" wrap="square" lIns="91425" tIns="91425" rIns="91425" bIns="91425" anchor="t" anchorCtr="0">
+            <a:normAutofit/>
+          </a:bodyPr>
+          <a:lstStyle/>
+          <a:p>
+            <a:pPr marL="0" lvl="0" indent="0" algn="l" rtl="0">
+              <a:spcBef>
+                <a:spcPts val="0"/>
+              </a:spcBef>
+              <a:spcAft>
+                <a:spcPts val="0"/>
+              </a:spcAft>
+              <a:buNone/>
+            </a:pPr>
+            <a:r>
+              <a:rPr lang="pt-BR" sz="1700" dirty="0" err="1">
+                <a:latin typeface="Courier"/>
+                <a:ea typeface="Courier"/>
+                <a:cs typeface="Courier"/>
+                <a:sym typeface="Courier"/>
+              </a:rPr>
+              <a:t>if</a:t>
+            </a:r>
+            <a:r>
+              <a:rPr lang="pt-BR" sz="1700" dirty="0">
+                <a:latin typeface="Courier"/>
+                <a:ea typeface="Courier"/>
+                <a:cs typeface="Courier"/>
+                <a:sym typeface="Courier"/>
+              </a:rPr>
+              <a:t> (</a:t>
+            </a:r>
+            <a:r>
+              <a:rPr lang="pt-BR" sz="1700" dirty="0" err="1">
+                <a:latin typeface="Courier"/>
+                <a:ea typeface="Courier"/>
+                <a:cs typeface="Courier"/>
+                <a:sym typeface="Courier"/>
+              </a:rPr>
+              <a:t>expr</a:t>
+            </a:r>
+            <a:r>
+              <a:rPr lang="pt-BR" sz="1700" dirty="0">
+                <a:latin typeface="Courier"/>
+                <a:ea typeface="Courier"/>
+                <a:cs typeface="Courier"/>
+                <a:sym typeface="Courier"/>
+              </a:rPr>
+              <a:t>) {</a:t>
+            </a:r>
+            <a:endParaRPr sz="1700" dirty="0">
+              <a:latin typeface="Courier"/>
+              <a:ea typeface="Courier"/>
+              <a:cs typeface="Courier"/>
+              <a:sym typeface="Courier"/>
+            </a:endParaRPr>
+          </a:p>
+          <a:p>
+            <a:pPr marL="0" lvl="0" indent="0" algn="l" rtl="0">
+              <a:spcBef>
+                <a:spcPts val="1200"/>
+              </a:spcBef>
+              <a:spcAft>
+                <a:spcPts val="0"/>
+              </a:spcAft>
+              <a:buNone/>
+            </a:pPr>
+            <a:r>
+              <a:rPr lang="pt-BR" sz="1700" dirty="0">
+                <a:latin typeface="Courier"/>
+                <a:ea typeface="Courier"/>
+                <a:cs typeface="Courier"/>
+                <a:sym typeface="Courier"/>
+              </a:rPr>
+              <a:t>   </a:t>
+            </a:r>
+            <a:r>
+              <a:rPr lang="pt-BR" sz="1700" dirty="0" err="1">
+                <a:latin typeface="Courier"/>
+                <a:ea typeface="Courier"/>
+                <a:cs typeface="Courier"/>
+                <a:sym typeface="Courier"/>
+              </a:rPr>
+              <a:t>true-stmts</a:t>
+            </a:r>
+            <a:endParaRPr sz="1700" dirty="0">
+              <a:latin typeface="Courier"/>
+              <a:ea typeface="Courier"/>
+              <a:cs typeface="Courier"/>
+              <a:sym typeface="Courier"/>
+            </a:endParaRPr>
+          </a:p>
+          <a:p>
+            <a:pPr marL="0" lvl="0" indent="0" algn="l" rtl="0">
+              <a:spcBef>
+                <a:spcPts val="1200"/>
+              </a:spcBef>
+              <a:spcAft>
+                <a:spcPts val="0"/>
+              </a:spcAft>
+              <a:buNone/>
+            </a:pPr>
+            <a:r>
+              <a:rPr lang="pt-BR" sz="1700" dirty="0">
+                <a:latin typeface="Courier"/>
+                <a:ea typeface="Courier"/>
+                <a:cs typeface="Courier"/>
+                <a:sym typeface="Courier"/>
+              </a:rPr>
+              <a:t>} else {</a:t>
+            </a:r>
+            <a:endParaRPr sz="1700" dirty="0">
+              <a:latin typeface="Courier"/>
+              <a:ea typeface="Courier"/>
+              <a:cs typeface="Courier"/>
+              <a:sym typeface="Courier"/>
+            </a:endParaRPr>
+          </a:p>
+          <a:p>
+            <a:pPr marL="0" lvl="0" indent="0" algn="l" rtl="0">
+              <a:spcBef>
+                <a:spcPts val="1200"/>
+              </a:spcBef>
+              <a:spcAft>
+                <a:spcPts val="0"/>
+              </a:spcAft>
+              <a:buNone/>
+            </a:pPr>
+            <a:r>
+              <a:rPr lang="pt-BR" sz="1700" dirty="0">
+                <a:latin typeface="Courier"/>
+                <a:ea typeface="Courier"/>
+                <a:cs typeface="Courier"/>
+                <a:sym typeface="Courier"/>
+              </a:rPr>
+              <a:t>  false-</a:t>
+            </a:r>
+            <a:r>
+              <a:rPr lang="pt-BR" sz="1700" dirty="0" err="1">
+                <a:latin typeface="Courier"/>
+                <a:ea typeface="Courier"/>
+                <a:cs typeface="Courier"/>
+                <a:sym typeface="Courier"/>
+              </a:rPr>
+              <a:t>stmts</a:t>
+            </a:r>
+            <a:endParaRPr sz="1700" dirty="0">
+              <a:latin typeface="Courier"/>
+              <a:ea typeface="Courier"/>
+              <a:cs typeface="Courier"/>
+              <a:sym typeface="Courier"/>
+            </a:endParaRPr>
+          </a:p>
+          <a:p>
+            <a:pPr marL="0" lvl="0" indent="0" algn="l" rtl="0">
+              <a:spcBef>
+                <a:spcPts val="1200"/>
+              </a:spcBef>
+              <a:spcAft>
+                <a:spcPts val="1200"/>
+              </a:spcAft>
+              <a:buNone/>
+            </a:pPr>
+            <a:r>
+              <a:rPr lang="pt-BR" sz="1700" dirty="0">
+                <a:latin typeface="Courier"/>
+                <a:ea typeface="Courier"/>
+                <a:cs typeface="Courier"/>
+                <a:sym typeface="Courier"/>
+              </a:rPr>
+              <a:t>}</a:t>
+            </a:r>
+            <a:endParaRPr sz="1700" dirty="0">
+              <a:latin typeface="Courier"/>
+              <a:ea typeface="Courier"/>
+              <a:cs typeface="Courier"/>
+              <a:sym typeface="Courier"/>
+            </a:endParaRPr>
+          </a:p>
+        </p:txBody>
+      </p:sp>
+      <p:sp>
+        <p:nvSpPr>
+          <p:cNvPr id="397" name="Google Shape;397;p22"/>
+          <p:cNvSpPr txBox="1">
+            <a:spLocks noGrp="1"/>
+          </p:cNvSpPr>
+          <p:nvPr>
+            <p:ph type="body" idx="1"/>
+          </p:nvPr>
+        </p:nvSpPr>
+        <p:spPr>
+          <a:xfrm>
+            <a:off x="4819500" y="1817925"/>
+            <a:ext cx="4192200" cy="2541600"/>
+          </a:xfrm>
+          <a:prstGeom prst="rect">
+            <a:avLst/>
+          </a:prstGeom>
+          <a:ln w="9525" cap="flat" cmpd="sng">
+            <a:solidFill>
+              <a:srgbClr val="000000"/>
+            </a:solidFill>
+            <a:prstDash val="solid"/>
+            <a:round/>
+            <a:headEnd type="none" w="sm" len="sm"/>
+            <a:tailEnd type="none" w="sm" len="sm"/>
+          </a:ln>
+        </p:spPr>
+        <p:txBody>
+          <a:bodyPr spcFirstLastPara="1" wrap="square" lIns="91425" tIns="91425" rIns="91425" bIns="91425" anchor="t" anchorCtr="0">
+            <a:normAutofit fontScale="85000" lnSpcReduction="10000"/>
+          </a:bodyPr>
+          <a:lstStyle/>
+          <a:p>
+            <a:pPr marL="0" lvl="0" indent="0" algn="l" rtl="0">
+              <a:spcBef>
+                <a:spcPts val="0"/>
+              </a:spcBef>
+              <a:spcAft>
+                <a:spcPts val="0"/>
+              </a:spcAft>
+              <a:buNone/>
+            </a:pPr>
+            <a:r>
+              <a:rPr lang="pt-BR" sz="1700">
+                <a:latin typeface="Courier"/>
+                <a:ea typeface="Courier"/>
+                <a:cs typeface="Courier"/>
+                <a:sym typeface="Courier"/>
+              </a:rPr>
+              <a:t>if_stmt: T_IF ‘(‘ expr ‘)’ ‘{‘</a:t>
+            </a:r>
+            <a:endParaRPr sz="1700">
+              <a:latin typeface="Courier"/>
+              <a:ea typeface="Courier"/>
+              <a:cs typeface="Courier"/>
+              <a:sym typeface="Courier"/>
+            </a:endParaRPr>
+          </a:p>
+          <a:p>
+            <a:pPr marL="0" lvl="0" indent="0" algn="l" rtl="0">
+              <a:spcBef>
+                <a:spcPts val="1200"/>
+              </a:spcBef>
+              <a:spcAft>
+                <a:spcPts val="0"/>
+              </a:spcAft>
+              <a:buNone/>
+            </a:pPr>
+            <a:r>
+              <a:rPr lang="pt-BR" sz="1700">
+                <a:latin typeface="Courier"/>
+                <a:ea typeface="Courier"/>
+                <a:cs typeface="Courier"/>
+                <a:sym typeface="Courier"/>
+              </a:rPr>
+              <a:t>		  		stmt_list</a:t>
+            </a:r>
+            <a:endParaRPr sz="1700">
+              <a:latin typeface="Courier"/>
+              <a:ea typeface="Courier"/>
+              <a:cs typeface="Courier"/>
+              <a:sym typeface="Courier"/>
+            </a:endParaRPr>
+          </a:p>
+          <a:p>
+            <a:pPr marL="914400" lvl="0" indent="0" algn="l" rtl="0">
+              <a:spcBef>
+                <a:spcPts val="1200"/>
+              </a:spcBef>
+              <a:spcAft>
+                <a:spcPts val="0"/>
+              </a:spcAft>
+              <a:buNone/>
+            </a:pPr>
+            <a:r>
+              <a:rPr lang="pt-BR" sz="1700">
+                <a:latin typeface="Courier"/>
+                <a:ea typeface="Courier"/>
+                <a:cs typeface="Courier"/>
+                <a:sym typeface="Courier"/>
+              </a:rPr>
+              <a:t>  ‘}’ T_ELSE ‘{‘</a:t>
+            </a:r>
+            <a:endParaRPr sz="1700">
+              <a:latin typeface="Courier"/>
+              <a:ea typeface="Courier"/>
+              <a:cs typeface="Courier"/>
+              <a:sym typeface="Courier"/>
+            </a:endParaRPr>
+          </a:p>
+          <a:p>
+            <a:pPr marL="0" lvl="0" indent="0" algn="l" rtl="0">
+              <a:spcBef>
+                <a:spcPts val="1200"/>
+              </a:spcBef>
+              <a:spcAft>
+                <a:spcPts val="0"/>
+              </a:spcAft>
+              <a:buNone/>
+            </a:pPr>
+            <a:r>
+              <a:rPr lang="pt-BR" sz="1700">
+                <a:latin typeface="Courier"/>
+                <a:ea typeface="Courier"/>
+                <a:cs typeface="Courier"/>
+                <a:sym typeface="Courier"/>
+              </a:rPr>
+              <a:t>				stmt_list</a:t>
+            </a:r>
+            <a:endParaRPr sz="1700">
+              <a:latin typeface="Courier"/>
+              <a:ea typeface="Courier"/>
+              <a:cs typeface="Courier"/>
+              <a:sym typeface="Courier"/>
+            </a:endParaRPr>
+          </a:p>
+          <a:p>
+            <a:pPr marL="914400" lvl="0" indent="457200" algn="l" rtl="0">
+              <a:spcBef>
+                <a:spcPts val="1200"/>
+              </a:spcBef>
+              <a:spcAft>
+                <a:spcPts val="1200"/>
+              </a:spcAft>
+              <a:buNone/>
+            </a:pPr>
+            <a:r>
+              <a:rPr lang="pt-BR" sz="1700">
+                <a:latin typeface="Courier"/>
+                <a:ea typeface="Courier"/>
+                <a:cs typeface="Courier"/>
+                <a:sym typeface="Courier"/>
+              </a:rPr>
+              <a:t>‘}’</a:t>
+            </a:r>
+            <a:endParaRPr sz="1700">
+              <a:latin typeface="Courier"/>
+              <a:ea typeface="Courier"/>
+              <a:cs typeface="Courier"/>
+              <a:sym typeface="Courier"/>
+            </a:endParaRPr>
+          </a:p>
+        </p:txBody>
+      </p:sp>
+      <p:cxnSp>
+        <p:nvCxnSpPr>
+          <p:cNvPr id="398" name="Google Shape;398;p22"/>
+          <p:cNvCxnSpPr>
+            <a:stCxn id="396" idx="3"/>
+            <a:endCxn id="397" idx="1"/>
+          </p:cNvCxnSpPr>
+          <p:nvPr/>
+        </p:nvCxnSpPr>
+        <p:spPr>
+          <a:xfrm>
+            <a:off x="3634950" y="3088725"/>
+            <a:ext cx="1184700" cy="0"/>
+          </a:xfrm>
+          <a:prstGeom prst="straightConnector1">
+            <a:avLst/>
+          </a:prstGeom>
+          <a:noFill/>
+          <a:ln w="9525" cap="flat" cmpd="sng">
+            <a:solidFill>
+              <a:schemeClr val="dk2"/>
+            </a:solidFill>
+            <a:prstDash val="solid"/>
+            <a:round/>
+            <a:headEnd type="none" w="med" len="med"/>
+            <a:tailEnd type="triangle" w="med" len="med"/>
+          </a:ln>
+        </p:spPr>
+      </p:cxnSp>
+      <p:sp>
+        <p:nvSpPr>
+          <p:cNvPr id="399" name="Google Shape;399;p22"/>
+          <p:cNvSpPr txBox="1"/>
+          <p:nvPr/>
+        </p:nvSpPr>
+        <p:spPr>
+          <a:xfrm>
+            <a:off x="1022625" y="1270025"/>
+            <a:ext cx="1741500" cy="431100"/>
+          </a:xfrm>
+          <a:prstGeom prst="rect">
+            <a:avLst/>
+          </a:prstGeom>
+          <a:noFill/>
+          <a:ln>
+            <a:noFill/>
+          </a:ln>
+        </p:spPr>
+        <p:txBody>
+          <a:bodyPr spcFirstLastPara="1" wrap="square" lIns="91425" tIns="91425" rIns="91425" bIns="91425" anchor="t" anchorCtr="0">
+            <a:spAutoFit/>
+          </a:bodyPr>
+          <a:lstStyle/>
+          <a:p>
+            <a:pPr marL="0" lvl="0" indent="0" algn="ctr" rtl="0">
+              <a:spcBef>
+                <a:spcPts val="0"/>
+              </a:spcBef>
+              <a:spcAft>
+                <a:spcPts val="0"/>
+              </a:spcAft>
+              <a:buNone/>
+            </a:pPr>
+            <a:r>
+              <a:rPr lang="pt-BR" sz="1600" b="1">
+                <a:latin typeface="Nunito"/>
+                <a:ea typeface="Nunito"/>
+                <a:cs typeface="Nunito"/>
+                <a:sym typeface="Nunito"/>
+              </a:rPr>
+              <a:t>pseudo-código</a:t>
+            </a:r>
+            <a:endParaRPr sz="1600" b="1">
+              <a:latin typeface="Nunito"/>
+              <a:ea typeface="Nunito"/>
+              <a:cs typeface="Nunito"/>
+              <a:sym typeface="Nunito"/>
+            </a:endParaRPr>
+          </a:p>
+        </p:txBody>
+      </p:sp>
+      <p:sp>
+        <p:nvSpPr>
+          <p:cNvPr id="400" name="Google Shape;400;p22"/>
+          <p:cNvSpPr txBox="1"/>
+          <p:nvPr/>
+        </p:nvSpPr>
+        <p:spPr>
+          <a:xfrm>
+            <a:off x="6273600" y="1319175"/>
+            <a:ext cx="1284000" cy="431100"/>
+          </a:xfrm>
+          <a:prstGeom prst="rect">
+            <a:avLst/>
+          </a:prstGeom>
+          <a:noFill/>
+          <a:ln>
+            <a:noFill/>
+          </a:ln>
+        </p:spPr>
+        <p:txBody>
+          <a:bodyPr spcFirstLastPara="1" wrap="square" lIns="91425" tIns="91425" rIns="91425" bIns="91425" anchor="t" anchorCtr="0">
+            <a:spAutoFit/>
+          </a:bodyPr>
+          <a:lstStyle/>
+          <a:p>
+            <a:pPr marL="0" lvl="0" indent="0" algn="ctr" rtl="0">
+              <a:spcBef>
+                <a:spcPts val="0"/>
+              </a:spcBef>
+              <a:spcAft>
+                <a:spcPts val="0"/>
+              </a:spcAft>
+              <a:buNone/>
+            </a:pPr>
+            <a:r>
+              <a:rPr lang="pt-BR" sz="1600" b="1">
+                <a:latin typeface="Nunito"/>
+                <a:ea typeface="Nunito"/>
+                <a:cs typeface="Nunito"/>
+                <a:sym typeface="Nunito"/>
+              </a:rPr>
+              <a:t>gramática</a:t>
+            </a:r>
+            <a:endParaRPr sz="1600" b="1">
+              <a:latin typeface="Nunito"/>
+              <a:ea typeface="Nunito"/>
+              <a:cs typeface="Nunito"/>
+              <a:sym typeface="Nunito"/>
+            </a:endParaRPr>
+          </a:p>
+        </p:txBody>
+      </p:sp>
+    </p:spTree>
+  </p:cSld>
+  <p:clrMapOvr>
+    <a:masterClrMapping/>
+  </p:clrMapOvr>
+  <p:timing>
+    <p:tnLst>
+      <p:par>
+        <p:cTn id="1" dur="indefinite" restart="never" nodeType="tmRoot">
+          <p:childTnLst>
+            <p:seq concurrent="1" nextAc="seek">
+              <p:cTn id="2" dur="indefinite" nodeType="mainSeq">
+                <p:childTnLst>
+                  <p:par>
+                    <p:cTn id="3" fill="hold">
+                      <p:stCondLst>
+                        <p:cond delay="indefinite"/>
+                      </p:stCondLst>
+                      <p:childTnLst>
+                        <p:par>
+                          <p:cTn id="4" fill="hold">
+                            <p:stCondLst>
+                              <p:cond delay="0"/>
+                            </p:stCondLst>
+                            <p:childTnLst>
+                              <p:par>
+                                <p:cTn id="5" presetID="10" presetClass="entr" presetSubtype="0" fill="hold" nodeType="clickEffect">
+                                  <p:stCondLst>
+                                    <p:cond delay="0"/>
+                                  </p:stCondLst>
+                                  <p:childTnLst>
+                                    <p:set>
+                                      <p:cBhvr>
+                                        <p:cTn id="6" dur="1" fill="hold">
+                                          <p:stCondLst>
+                                            <p:cond delay="0"/>
+                                          </p:stCondLst>
+                                        </p:cTn>
+                                        <p:tgtEl>
+                                          <p:spTgt spid="397"/>
+                                        </p:tgtEl>
+                                        <p:attrNameLst>
+                                          <p:attrName>style.visibility</p:attrName>
+                                        </p:attrNameLst>
+                                      </p:cBhvr>
+                                      <p:to>
+                                        <p:strVal val="visible"/>
+                                      </p:to>
+                                    </p:set>
+                                    <p:animEffect transition="in" filter="fade">
+                                      <p:cBhvr>
+                                        <p:cTn id="7" dur="1000"/>
+                                        <p:tgtEl>
+                                          <p:spTgt spid="397"/>
+                                        </p:tgtEl>
+                                      </p:cBhvr>
+                                    </p:animEffect>
+                                  </p:childTnLst>
+                                </p:cTn>
+                              </p:par>
+                              <p:par>
+                                <p:cTn id="8" presetID="10" presetClass="entr" presetSubtype="0" fill="hold" nodeType="withEffect">
+                                  <p:stCondLst>
+                                    <p:cond delay="0"/>
+                                  </p:stCondLst>
+                                  <p:childTnLst>
+                                    <p:set>
+                                      <p:cBhvr>
+                                        <p:cTn id="9" dur="1" fill="hold">
+                                          <p:stCondLst>
+                                            <p:cond delay="0"/>
+                                          </p:stCondLst>
+                                        </p:cTn>
+                                        <p:tgtEl>
+                                          <p:spTgt spid="398"/>
+                                        </p:tgtEl>
+                                        <p:attrNameLst>
+                                          <p:attrName>style.visibility</p:attrName>
+                                        </p:attrNameLst>
+                                      </p:cBhvr>
+                                      <p:to>
+                                        <p:strVal val="visible"/>
+                                      </p:to>
+                                    </p:set>
+                                    <p:animEffect transition="in" filter="fade">
+                                      <p:cBhvr>
+                                        <p:cTn id="10" dur="1000"/>
+                                        <p:tgtEl>
+                                          <p:spTgt spid="398"/>
+                                        </p:tgtEl>
+                                      </p:cBhvr>
+                                    </p:animEffect>
+                                  </p:childTnLst>
+                                </p:cTn>
+                              </p:par>
+                              <p:par>
+                                <p:cTn id="11" presetID="10" presetClass="entr" presetSubtype="0" fill="hold" nodeType="withEffect">
+                                  <p:stCondLst>
+                                    <p:cond delay="0"/>
+                                  </p:stCondLst>
+                                  <p:childTnLst>
+                                    <p:set>
+                                      <p:cBhvr>
+                                        <p:cTn id="12" dur="1" fill="hold">
+                                          <p:stCondLst>
+                                            <p:cond delay="0"/>
+                                          </p:stCondLst>
+                                        </p:cTn>
+                                        <p:tgtEl>
+                                          <p:spTgt spid="400"/>
+                                        </p:tgtEl>
+                                        <p:attrNameLst>
+                                          <p:attrName>style.visibility</p:attrName>
+                                        </p:attrNameLst>
+                                      </p:cBhvr>
+                                      <p:to>
+                                        <p:strVal val="visible"/>
+                                      </p:to>
+                                    </p:set>
+                                    <p:animEffect transition="in" filter="fade">
+                                      <p:cBhvr>
+                                        <p:cTn id="13" dur="1000"/>
+                                        <p:tgtEl>
+                                          <p:spTgt spid="400"/>
+                                        </p:tgtEl>
+                                      </p:cBhvr>
+                                    </p:animEffect>
+                                  </p:childTnLst>
+                                </p:cTn>
+                              </p:par>
+                            </p:childTnLst>
+                          </p:cTn>
+                        </p:par>
+                      </p:childTnLst>
+                    </p:cTn>
+                  </p:par>
+                </p:childTnLst>
+              </p:cTn>
+              <p:prevCondLst>
+                <p:cond evt="onPrev" delay="0">
+                  <p:tgtEl>
+                    <p:sldTgt/>
+                  </p:tgtEl>
+                </p:cond>
+              </p:prevCondLst>
+              <p:nextCondLst>
+                <p:cond evt="onNext" delay="0">
+                  <p:tgtEl>
+                    <p:sldTgt/>
+                  </p:tgtEl>
+                </p:cond>
+              </p:nextCondLst>
+            </p:seq>
+          </p:childTnLst>
+        </p:cTn>
+      </p:par>
+    </p:tnLst>
+  </p:timing>
+</p:sld>
+</file>
+
+<file path=ppt/slides/slide13.xml><?xml version="1.0" encoding="utf-8"?>
+<p:sld xmlns:a="http://schemas.openxmlformats.org/drawingml/2006/main" xmlns:r="http://schemas.openxmlformats.org/officeDocument/2006/relationships" xmlns:p="http://schemas.openxmlformats.org/presentationml/2006/main">
+  <p:cSld>
+    <p:spTree>
+      <p:nvGrpSpPr>
+        <p:cNvPr id="1" name="Shape 404"/>
+        <p:cNvGrpSpPr/>
+        <p:nvPr/>
+      </p:nvGrpSpPr>
+      <p:grpSpPr>
+        <a:xfrm>
+          <a:off x="0" y="0"/>
+          <a:ext cx="0" cy="0"/>
+          <a:chOff x="0" y="0"/>
+          <a:chExt cx="0" cy="0"/>
+        </a:xfrm>
+      </p:grpSpPr>
+      <p:sp>
+        <p:nvSpPr>
+          <p:cNvPr id="405" name="Google Shape;405;p23"/>
+          <p:cNvSpPr txBox="1">
+            <a:spLocks noGrp="1"/>
+          </p:cNvSpPr>
+          <p:nvPr>
+            <p:ph type="title"/>
+          </p:nvPr>
+        </p:nvSpPr>
+        <p:spPr>
+          <a:xfrm>
+            <a:off x="1303800" y="598575"/>
+            <a:ext cx="7030500" cy="999300"/>
+          </a:xfrm>
+          <a:prstGeom prst="rect">
+            <a:avLst/>
+          </a:prstGeom>
+        </p:spPr>
+        <p:txBody>
+          <a:bodyPr spcFirstLastPara="1" wrap="square" lIns="91425" tIns="91425" rIns="91425" bIns="91425" anchor="t" anchorCtr="0">
+            <a:normAutofit/>
+          </a:bodyPr>
+          <a:lstStyle/>
+          <a:p>
+            <a:pPr marL="0" lvl="0" indent="0" algn="l" rtl="0">
+              <a:spcBef>
+                <a:spcPts val="0"/>
+              </a:spcBef>
+              <a:spcAft>
+                <a:spcPts val="0"/>
+              </a:spcAft>
+              <a:buNone/>
+            </a:pPr>
+            <a:r>
+              <a:rPr lang="pt-BR" dirty="0"/>
+              <a:t>Expressão condicional</a:t>
+            </a:r>
+            <a:endParaRPr dirty="0"/>
+          </a:p>
+        </p:txBody>
+      </p:sp>
+      <p:sp>
+        <p:nvSpPr>
+          <p:cNvPr id="406" name="Google Shape;406;p23"/>
+          <p:cNvSpPr txBox="1"/>
+          <p:nvPr/>
+        </p:nvSpPr>
+        <p:spPr>
+          <a:xfrm>
+            <a:off x="5213725" y="2101293"/>
+            <a:ext cx="3609300" cy="2154406"/>
+          </a:xfrm>
+          <a:prstGeom prst="rect">
+            <a:avLst/>
+          </a:prstGeom>
+          <a:noFill/>
+          <a:ln w="9525" cap="flat" cmpd="sng">
+            <a:solidFill>
+              <a:srgbClr val="000000"/>
+            </a:solidFill>
+            <a:prstDash val="dot"/>
+            <a:round/>
+            <a:headEnd type="none" w="sm" len="sm"/>
+            <a:tailEnd type="none" w="sm" len="sm"/>
+          </a:ln>
+        </p:spPr>
+        <p:txBody>
+          <a:bodyPr spcFirstLastPara="1" wrap="square" lIns="91425" tIns="91425" rIns="91425" bIns="91425" anchor="t" anchorCtr="0">
+            <a:spAutoFit/>
+          </a:bodyPr>
+          <a:lstStyle/>
+          <a:p>
+            <a:pPr marL="0" lvl="0" indent="457200" algn="l" rtl="0">
+              <a:spcBef>
+                <a:spcPts val="0"/>
+              </a:spcBef>
+              <a:spcAft>
+                <a:spcPts val="0"/>
+              </a:spcAft>
+              <a:buNone/>
+            </a:pPr>
+            <a:r>
+              <a:rPr lang="pt-BR" sz="1600" b="1" dirty="0" err="1">
+                <a:solidFill>
+                  <a:schemeClr val="dk1"/>
+                </a:solidFill>
+                <a:latin typeface="Courier New"/>
+                <a:ea typeface="Courier New"/>
+                <a:cs typeface="Courier New"/>
+                <a:sym typeface="Courier New"/>
+              </a:rPr>
+              <a:t>ld</a:t>
+            </a:r>
+            <a:r>
+              <a:rPr lang="pt-BR" sz="1600" b="1" dirty="0">
+                <a:latin typeface="Courier New"/>
+                <a:ea typeface="Courier New"/>
+                <a:cs typeface="Courier New"/>
+                <a:sym typeface="Courier New"/>
+              </a:rPr>
+              <a:t>      </a:t>
+            </a:r>
+            <a:r>
+              <a:rPr lang="pt-BR" sz="1600" b="1" dirty="0">
+                <a:solidFill>
+                  <a:srgbClr val="073763"/>
+                </a:solidFill>
+                <a:latin typeface="Courier New"/>
+                <a:ea typeface="Courier New"/>
+                <a:cs typeface="Courier New"/>
+                <a:sym typeface="Courier New"/>
+              </a:rPr>
+              <a:t>t0</a:t>
+            </a:r>
+            <a:r>
+              <a:rPr lang="pt-BR" sz="1600" b="1" dirty="0">
+                <a:latin typeface="Courier New"/>
+                <a:ea typeface="Courier New"/>
+                <a:cs typeface="Courier New"/>
+                <a:sym typeface="Courier New"/>
+              </a:rPr>
+              <a:t>,0(#i)</a:t>
+            </a:r>
+            <a:endParaRPr sz="1600" b="1" dirty="0">
+              <a:latin typeface="Courier New"/>
+              <a:ea typeface="Courier New"/>
+              <a:cs typeface="Courier New"/>
+              <a:sym typeface="Courier New"/>
+            </a:endParaRPr>
+          </a:p>
+          <a:p>
+            <a:pPr marL="0" lvl="0" indent="457200" algn="l" rtl="0">
+              <a:spcBef>
+                <a:spcPts val="0"/>
+              </a:spcBef>
+              <a:spcAft>
+                <a:spcPts val="0"/>
+              </a:spcAft>
+              <a:buNone/>
+            </a:pPr>
+            <a:r>
+              <a:rPr lang="pt-BR" sz="1600" b="1" dirty="0">
+                <a:solidFill>
+                  <a:schemeClr val="dk1"/>
+                </a:solidFill>
+                <a:latin typeface="Courier New"/>
+                <a:ea typeface="Courier New"/>
+                <a:cs typeface="Courier New"/>
+                <a:sym typeface="Courier New"/>
+              </a:rPr>
+              <a:t>li</a:t>
+            </a:r>
+            <a:r>
+              <a:rPr lang="pt-BR" sz="1600" b="1" dirty="0">
+                <a:latin typeface="Courier New"/>
+                <a:ea typeface="Courier New"/>
+                <a:cs typeface="Courier New"/>
+                <a:sym typeface="Courier New"/>
+              </a:rPr>
+              <a:t>      </a:t>
+            </a:r>
+            <a:r>
+              <a:rPr lang="pt-BR" sz="1600" b="1" dirty="0">
+                <a:solidFill>
+                  <a:srgbClr val="073763"/>
+                </a:solidFill>
+                <a:latin typeface="Courier New"/>
+                <a:ea typeface="Courier New"/>
+                <a:cs typeface="Courier New"/>
+                <a:sym typeface="Courier New"/>
+              </a:rPr>
+              <a:t>t1</a:t>
+            </a:r>
+            <a:r>
+              <a:rPr lang="pt-BR" sz="1600" b="1" dirty="0">
+                <a:latin typeface="Courier New"/>
+                <a:ea typeface="Courier New"/>
+                <a:cs typeface="Courier New"/>
+                <a:sym typeface="Courier New"/>
+              </a:rPr>
+              <a:t>,10</a:t>
+            </a:r>
+            <a:endParaRPr sz="1600" b="1" dirty="0">
+              <a:solidFill>
+                <a:srgbClr val="274E13"/>
+              </a:solidFill>
+              <a:latin typeface="Courier New"/>
+              <a:ea typeface="Courier New"/>
+              <a:cs typeface="Courier New"/>
+              <a:sym typeface="Courier New"/>
+            </a:endParaRPr>
+          </a:p>
+          <a:p>
+            <a:pPr marL="0" marR="0" lvl="0" indent="457200" algn="l" rtl="0">
+              <a:lnSpc>
+                <a:spcPct val="100000"/>
+              </a:lnSpc>
+              <a:spcBef>
+                <a:spcPts val="0"/>
+              </a:spcBef>
+              <a:spcAft>
+                <a:spcPts val="0"/>
+              </a:spcAft>
+              <a:buNone/>
+            </a:pPr>
+            <a:r>
+              <a:rPr lang="pt-BR" sz="1600" b="1" dirty="0" err="1">
+                <a:solidFill>
+                  <a:schemeClr val="dk1"/>
+                </a:solidFill>
+                <a:latin typeface="Courier New"/>
+                <a:ea typeface="Courier New"/>
+                <a:cs typeface="Courier New"/>
+                <a:sym typeface="Courier New"/>
+              </a:rPr>
+              <a:t>ble</a:t>
+            </a:r>
+            <a:r>
+              <a:rPr lang="pt-BR" sz="1600" b="1" dirty="0">
+                <a:latin typeface="Courier New"/>
+                <a:ea typeface="Courier New"/>
+                <a:cs typeface="Courier New"/>
+                <a:sym typeface="Courier New"/>
+              </a:rPr>
+              <a:t>     </a:t>
+            </a:r>
+            <a:r>
+              <a:rPr lang="pt-BR" sz="1600" b="1" dirty="0">
+                <a:solidFill>
+                  <a:srgbClr val="073763"/>
+                </a:solidFill>
+                <a:latin typeface="Courier New"/>
+                <a:ea typeface="Courier New"/>
+                <a:cs typeface="Courier New"/>
+                <a:sym typeface="Courier New"/>
+              </a:rPr>
+              <a:t>t0</a:t>
+            </a:r>
+            <a:r>
+              <a:rPr lang="pt-BR" sz="1600" b="1" dirty="0">
+                <a:latin typeface="Courier New"/>
+                <a:ea typeface="Courier New"/>
+                <a:cs typeface="Courier New"/>
+                <a:sym typeface="Courier New"/>
+              </a:rPr>
+              <a:t>,t1,true_label</a:t>
+            </a:r>
+          </a:p>
+          <a:p>
+            <a:pPr marL="0" marR="0" lvl="0" indent="457200" algn="l" rtl="0">
+              <a:lnSpc>
+                <a:spcPct val="100000"/>
+              </a:lnSpc>
+              <a:spcBef>
+                <a:spcPts val="0"/>
+              </a:spcBef>
+              <a:spcAft>
+                <a:spcPts val="0"/>
+              </a:spcAft>
+              <a:buNone/>
+            </a:pPr>
+            <a:r>
+              <a:rPr lang="pt-BR" sz="1600" b="1" dirty="0">
+                <a:solidFill>
+                  <a:schemeClr val="dk1"/>
+                </a:solidFill>
+                <a:latin typeface="Courier New"/>
+                <a:cs typeface="Courier New"/>
+                <a:sym typeface="Courier New"/>
+              </a:rPr>
+              <a:t>j</a:t>
+            </a:r>
+            <a:r>
+              <a:rPr lang="pt-BR" sz="1600" b="1" dirty="0">
+                <a:latin typeface="Courier New"/>
+                <a:ea typeface="Courier New"/>
+                <a:cs typeface="Courier New"/>
+                <a:sym typeface="Courier New"/>
+              </a:rPr>
+              <a:t>	     </a:t>
+            </a:r>
+            <a:r>
+              <a:rPr lang="pt-BR" sz="1600" b="1" dirty="0" err="1">
+                <a:latin typeface="Courier New"/>
+                <a:ea typeface="Courier New"/>
+                <a:cs typeface="Courier New"/>
+                <a:sym typeface="Courier New"/>
+              </a:rPr>
+              <a:t>false_label</a:t>
+            </a:r>
+            <a:endParaRPr lang="pt-BR" sz="1600" b="1" dirty="0">
+              <a:latin typeface="Courier New"/>
+              <a:ea typeface="Courier New"/>
+              <a:cs typeface="Courier New"/>
+              <a:sym typeface="Courier New"/>
+            </a:endParaRPr>
+          </a:p>
+          <a:p>
+            <a:pPr marL="0" lvl="0" indent="0" algn="l" rtl="0">
+              <a:spcBef>
+                <a:spcPts val="0"/>
+              </a:spcBef>
+              <a:spcAft>
+                <a:spcPts val="0"/>
+              </a:spcAft>
+              <a:buNone/>
+            </a:pPr>
+            <a:r>
+              <a:rPr lang="pt-BR" sz="1600" b="1" dirty="0" err="1">
+                <a:solidFill>
+                  <a:srgbClr val="274E13"/>
+                </a:solidFill>
+                <a:latin typeface="Courier New"/>
+                <a:ea typeface="Courier New"/>
+                <a:cs typeface="Courier New"/>
+                <a:sym typeface="Courier New"/>
+              </a:rPr>
+              <a:t>true_label</a:t>
+            </a:r>
+            <a:r>
+              <a:rPr lang="pt-BR" sz="1600" b="1" dirty="0">
+                <a:solidFill>
+                  <a:srgbClr val="274E13"/>
+                </a:solidFill>
+                <a:latin typeface="Courier New"/>
+                <a:ea typeface="Courier New"/>
+                <a:cs typeface="Courier New"/>
+                <a:sym typeface="Courier New"/>
+              </a:rPr>
+              <a:t>:</a:t>
+            </a:r>
+          </a:p>
+          <a:p>
+            <a:r>
+              <a:rPr lang="pt-BR" sz="1600" b="1" dirty="0">
+                <a:solidFill>
+                  <a:srgbClr val="666666"/>
+                </a:solidFill>
+                <a:latin typeface="Courier New"/>
+                <a:ea typeface="Courier New"/>
+                <a:cs typeface="Courier New"/>
+                <a:sym typeface="Courier New"/>
+              </a:rPr>
+              <a:t>    &lt;</a:t>
+            </a:r>
+            <a:r>
+              <a:rPr lang="pt-BR" sz="1600" b="1" dirty="0" err="1">
+                <a:solidFill>
+                  <a:srgbClr val="666666"/>
+                </a:solidFill>
+                <a:latin typeface="Courier New"/>
+                <a:ea typeface="Courier New"/>
+                <a:cs typeface="Courier New"/>
+                <a:sym typeface="Courier New"/>
+              </a:rPr>
+              <a:t>true-stmts</a:t>
+            </a:r>
+            <a:r>
+              <a:rPr lang="pt-BR" sz="1600" b="1" dirty="0">
+                <a:solidFill>
+                  <a:srgbClr val="666666"/>
+                </a:solidFill>
+                <a:latin typeface="Courier New"/>
+                <a:ea typeface="Courier New"/>
+                <a:cs typeface="Courier New"/>
+                <a:sym typeface="Courier New"/>
+              </a:rPr>
+              <a:t>&gt;</a:t>
+            </a:r>
+          </a:p>
+          <a:p>
+            <a:r>
+              <a:rPr lang="pt-BR" sz="1600" b="1" dirty="0" err="1">
+                <a:solidFill>
+                  <a:srgbClr val="274E13"/>
+                </a:solidFill>
+                <a:latin typeface="Courier New"/>
+                <a:cs typeface="Courier New"/>
+                <a:sym typeface="Courier New"/>
+              </a:rPr>
+              <a:t>false_label</a:t>
+            </a:r>
+            <a:r>
+              <a:rPr lang="pt-BR" sz="1600" b="1" dirty="0">
+                <a:solidFill>
+                  <a:srgbClr val="274E13"/>
+                </a:solidFill>
+                <a:latin typeface="Courier New"/>
+                <a:cs typeface="Courier New"/>
+                <a:sym typeface="Courier New"/>
+              </a:rPr>
+              <a:t>:</a:t>
+            </a:r>
+          </a:p>
+          <a:p>
+            <a:r>
+              <a:rPr lang="pt-BR" sz="1600" b="1" dirty="0">
+                <a:solidFill>
+                  <a:srgbClr val="666666"/>
+                </a:solidFill>
+                <a:latin typeface="Courier New"/>
+                <a:ea typeface="Courier New"/>
+                <a:cs typeface="Courier New"/>
+                <a:sym typeface="Courier New"/>
+              </a:rPr>
+              <a:t>    &lt;false-</a:t>
+            </a:r>
+            <a:r>
+              <a:rPr lang="pt-BR" sz="1600" b="1" dirty="0" err="1">
+                <a:solidFill>
+                  <a:srgbClr val="666666"/>
+                </a:solidFill>
+                <a:latin typeface="Courier New"/>
+                <a:ea typeface="Courier New"/>
+                <a:cs typeface="Courier New"/>
+                <a:sym typeface="Courier New"/>
+              </a:rPr>
+              <a:t>stmts</a:t>
+            </a:r>
+            <a:r>
+              <a:rPr lang="pt-BR" sz="1600" b="1" dirty="0">
+                <a:solidFill>
+                  <a:srgbClr val="666666"/>
+                </a:solidFill>
+                <a:latin typeface="Courier New"/>
+                <a:ea typeface="Courier New"/>
+                <a:cs typeface="Courier New"/>
+                <a:sym typeface="Courier New"/>
+              </a:rPr>
+              <a:t>&gt;</a:t>
+            </a:r>
+          </a:p>
+        </p:txBody>
+      </p:sp>
+      <p:sp>
+        <p:nvSpPr>
+          <p:cNvPr id="407" name="Google Shape;407;p23"/>
+          <p:cNvSpPr txBox="1"/>
+          <p:nvPr/>
+        </p:nvSpPr>
+        <p:spPr>
+          <a:xfrm>
+            <a:off x="190500" y="2470625"/>
+            <a:ext cx="4221000" cy="1415742"/>
+          </a:xfrm>
+          <a:prstGeom prst="rect">
+            <a:avLst/>
+          </a:prstGeom>
+          <a:noFill/>
+          <a:ln w="9525" cap="flat" cmpd="sng">
+            <a:solidFill>
+              <a:srgbClr val="000000"/>
+            </a:solidFill>
+            <a:prstDash val="dot"/>
+            <a:round/>
+            <a:headEnd type="none" w="sm" len="sm"/>
+            <a:tailEnd type="none" w="sm" len="sm"/>
+          </a:ln>
+        </p:spPr>
+        <p:txBody>
+          <a:bodyPr spcFirstLastPara="1" wrap="square" lIns="91425" tIns="91425" rIns="91425" bIns="91425" anchor="t" anchorCtr="0">
+            <a:spAutoFit/>
+          </a:bodyPr>
+          <a:lstStyle/>
+          <a:p>
+            <a:pPr marL="0" marR="0" lvl="0" indent="0" algn="l" rtl="0">
+              <a:lnSpc>
+                <a:spcPct val="100000"/>
+              </a:lnSpc>
+              <a:spcBef>
+                <a:spcPts val="0"/>
+              </a:spcBef>
+              <a:spcAft>
+                <a:spcPts val="0"/>
+              </a:spcAft>
+              <a:buNone/>
+            </a:pPr>
+            <a:r>
+              <a:rPr lang="pt-BR" sz="1600" b="1" dirty="0" err="1">
+                <a:solidFill>
+                  <a:schemeClr val="dk1"/>
+                </a:solidFill>
+                <a:latin typeface="Courier New"/>
+                <a:ea typeface="Courier New"/>
+                <a:cs typeface="Courier New"/>
+                <a:sym typeface="Courier New"/>
+              </a:rPr>
+              <a:t>if</a:t>
+            </a:r>
+            <a:r>
+              <a:rPr lang="pt-BR" sz="1600" b="1" dirty="0">
+                <a:latin typeface="Courier New"/>
+                <a:ea typeface="Courier New"/>
+                <a:cs typeface="Courier New"/>
+                <a:sym typeface="Courier New"/>
+              </a:rPr>
+              <a:t> (i &lt;= 10) {</a:t>
+            </a:r>
+            <a:r>
+              <a:rPr lang="pt-BR" sz="1600" b="1" dirty="0">
+                <a:solidFill>
+                  <a:srgbClr val="274E13"/>
+                </a:solidFill>
+                <a:latin typeface="Courier New"/>
+                <a:ea typeface="Courier New"/>
+                <a:cs typeface="Courier New"/>
+                <a:sym typeface="Courier New"/>
+              </a:rPr>
+              <a:t> </a:t>
+            </a:r>
+            <a:endParaRPr sz="1600" b="1" dirty="0">
+              <a:latin typeface="Courier New"/>
+              <a:ea typeface="Courier New"/>
+              <a:cs typeface="Courier New"/>
+              <a:sym typeface="Courier New"/>
+            </a:endParaRPr>
+          </a:p>
+          <a:p>
+            <a:pPr marL="0" lvl="0" indent="457200" algn="l" rtl="0">
+              <a:spcBef>
+                <a:spcPts val="0"/>
+              </a:spcBef>
+              <a:spcAft>
+                <a:spcPts val="0"/>
+              </a:spcAft>
+              <a:buNone/>
+            </a:pPr>
+            <a:r>
+              <a:rPr lang="pt-BR" sz="1600" b="1" dirty="0">
+                <a:solidFill>
+                  <a:srgbClr val="666666"/>
+                </a:solidFill>
+                <a:latin typeface="Courier New"/>
+                <a:ea typeface="Courier New"/>
+                <a:cs typeface="Courier New"/>
+                <a:sym typeface="Courier New"/>
+              </a:rPr>
+              <a:t>&lt;</a:t>
+            </a:r>
+            <a:r>
+              <a:rPr lang="pt-BR" sz="1600" b="1" dirty="0" err="1">
+                <a:solidFill>
+                  <a:srgbClr val="666666"/>
+                </a:solidFill>
+                <a:latin typeface="Courier New"/>
+                <a:ea typeface="Courier New"/>
+                <a:cs typeface="Courier New"/>
+                <a:sym typeface="Courier New"/>
+              </a:rPr>
+              <a:t>true-stmts</a:t>
+            </a:r>
+            <a:r>
+              <a:rPr lang="pt-BR" sz="1600" b="1" dirty="0">
+                <a:solidFill>
+                  <a:srgbClr val="666666"/>
+                </a:solidFill>
+                <a:latin typeface="Courier New"/>
+                <a:ea typeface="Courier New"/>
+                <a:cs typeface="Courier New"/>
+                <a:sym typeface="Courier New"/>
+              </a:rPr>
+              <a:t>&gt;</a:t>
+            </a:r>
+            <a:endParaRPr sz="1600" b="1" dirty="0">
+              <a:solidFill>
+                <a:srgbClr val="666666"/>
+              </a:solidFill>
+              <a:latin typeface="Courier New"/>
+              <a:ea typeface="Courier New"/>
+              <a:cs typeface="Courier New"/>
+              <a:sym typeface="Courier New"/>
+            </a:endParaRPr>
+          </a:p>
+          <a:p>
+            <a:pPr marL="0" lvl="0" indent="0" algn="l" rtl="0">
+              <a:spcBef>
+                <a:spcPts val="0"/>
+              </a:spcBef>
+              <a:spcAft>
+                <a:spcPts val="0"/>
+              </a:spcAft>
+              <a:buNone/>
+            </a:pPr>
+            <a:r>
+              <a:rPr lang="pt-BR" sz="1600" b="1" dirty="0">
+                <a:latin typeface="Courier New"/>
+                <a:ea typeface="Courier New"/>
+                <a:cs typeface="Courier New"/>
+                <a:sym typeface="Courier New"/>
+              </a:rPr>
+              <a:t>} else {</a:t>
+            </a:r>
+          </a:p>
+          <a:p>
+            <a:pPr marL="0" lvl="0" indent="0" algn="l" rtl="0">
+              <a:spcBef>
+                <a:spcPts val="0"/>
+              </a:spcBef>
+              <a:spcAft>
+                <a:spcPts val="0"/>
+              </a:spcAft>
+              <a:buNone/>
+            </a:pPr>
+            <a:r>
+              <a:rPr lang="pt-BR" sz="1600" b="1" dirty="0">
+                <a:latin typeface="Courier New"/>
+                <a:ea typeface="Courier New"/>
+                <a:cs typeface="Courier New"/>
+                <a:sym typeface="Courier New"/>
+              </a:rPr>
+              <a:t>    &lt;false-</a:t>
+            </a:r>
+            <a:r>
+              <a:rPr lang="pt-BR" sz="1600" b="1" dirty="0" err="1">
+                <a:latin typeface="Courier New"/>
+                <a:ea typeface="Courier New"/>
+                <a:cs typeface="Courier New"/>
+                <a:sym typeface="Courier New"/>
+              </a:rPr>
+              <a:t>stmts</a:t>
+            </a:r>
+            <a:r>
+              <a:rPr lang="pt-BR" sz="1600" b="1" dirty="0">
+                <a:latin typeface="Courier New"/>
+                <a:ea typeface="Courier New"/>
+                <a:cs typeface="Courier New"/>
+                <a:sym typeface="Courier New"/>
+              </a:rPr>
+              <a:t>&gt;</a:t>
+            </a:r>
+          </a:p>
+          <a:p>
+            <a:pPr marL="0" lvl="0" indent="0" algn="l" rtl="0">
+              <a:spcBef>
+                <a:spcPts val="0"/>
+              </a:spcBef>
+              <a:spcAft>
+                <a:spcPts val="0"/>
+              </a:spcAft>
+              <a:buNone/>
+            </a:pPr>
+            <a:r>
+              <a:rPr lang="pt-BR" sz="1600" b="1" dirty="0">
+                <a:latin typeface="Courier New"/>
+                <a:ea typeface="Courier New"/>
+                <a:cs typeface="Courier New"/>
+                <a:sym typeface="Courier New"/>
+              </a:rPr>
+              <a:t>}</a:t>
+            </a:r>
+            <a:endParaRPr sz="1600" b="1" dirty="0">
+              <a:latin typeface="Courier New"/>
+              <a:ea typeface="Courier New"/>
+              <a:cs typeface="Courier New"/>
+              <a:sym typeface="Courier New"/>
+            </a:endParaRPr>
+          </a:p>
+        </p:txBody>
+      </p:sp>
+      <p:cxnSp>
+        <p:nvCxnSpPr>
+          <p:cNvPr id="408" name="Google Shape;408;p23"/>
+          <p:cNvCxnSpPr>
+            <a:stCxn id="407" idx="3"/>
+            <a:endCxn id="406" idx="1"/>
+          </p:cNvCxnSpPr>
+          <p:nvPr/>
+        </p:nvCxnSpPr>
+        <p:spPr>
+          <a:xfrm>
+            <a:off x="4411500" y="3178496"/>
+            <a:ext cx="802225" cy="0"/>
+          </a:xfrm>
+          <a:prstGeom prst="straightConnector1">
+            <a:avLst/>
+          </a:prstGeom>
+          <a:noFill/>
+          <a:ln w="9525" cap="flat" cmpd="sng">
+            <a:solidFill>
+              <a:schemeClr val="dk2"/>
+            </a:solidFill>
+            <a:prstDash val="solid"/>
+            <a:round/>
+            <a:headEnd type="none" w="med" len="med"/>
+            <a:tailEnd type="triangle" w="med" len="med"/>
+          </a:ln>
+        </p:spPr>
+      </p:cxnSp>
+    </p:spTree>
+    <p:extLst>
+      <p:ext uri="{BB962C8B-B14F-4D97-AF65-F5344CB8AC3E}">
+        <p14:creationId xmlns:p14="http://schemas.microsoft.com/office/powerpoint/2010/main" val="3738270323"/>
+      </p:ext>
+    </p:extLst>
+  </p:cSld>
+  <p:clrMapOvr>
+    <a:masterClrMapping/>
+  </p:clrMapOvr>
+</p:sld>
+</file>
+
+<file path=ppt/slides/slide14.xml><?xml version="1.0" encoding="utf-8"?>
+<p:sld xmlns:a="http://schemas.openxmlformats.org/drawingml/2006/main" xmlns:r="http://schemas.openxmlformats.org/officeDocument/2006/relationships" xmlns:p="http://schemas.openxmlformats.org/presentationml/2006/main">
+  <p:cSld>
+    <p:spTree>
+      <p:nvGrpSpPr>
+        <p:cNvPr id="1" name=""/>
+        <p:cNvGrpSpPr/>
+        <p:nvPr/>
+      </p:nvGrpSpPr>
+      <p:grpSpPr>
+        <a:xfrm>
+          <a:off x="0" y="0"/>
+          <a:ext cx="0" cy="0"/>
+          <a:chOff x="0" y="0"/>
+          <a:chExt cx="0" cy="0"/>
+        </a:xfrm>
+      </p:grpSpPr>
+      <p:sp>
+        <p:nvSpPr>
+          <p:cNvPr id="2" name="Título 1">
+            <a:extLst>
+              <a:ext uri="{FF2B5EF4-FFF2-40B4-BE49-F238E27FC236}">
+                <a16:creationId xmlns:a16="http://schemas.microsoft.com/office/drawing/2014/main" id="{E17D508D-A97D-4EC5-95C4-4D020BAF2126}"/>
+              </a:ext>
+            </a:extLst>
+          </p:cNvPr>
+          <p:cNvSpPr>
+            <a:spLocks noGrp="1"/>
+          </p:cNvSpPr>
+          <p:nvPr>
+            <p:ph type="title"/>
+          </p:nvPr>
+        </p:nvSpPr>
+        <p:spPr>
+          <a:xfrm>
+            <a:off x="139332" y="134448"/>
+            <a:ext cx="2790218" cy="999300"/>
+          </a:xfrm>
+        </p:spPr>
+        <p:txBody>
+          <a:bodyPr/>
+          <a:lstStyle/>
+          <a:p>
+            <a:r>
+              <a:rPr lang="pt-BR" dirty="0"/>
+              <a:t>GIMPLE- GCC</a:t>
+            </a:r>
+          </a:p>
+        </p:txBody>
+      </p:sp>
+      <p:sp>
+        <p:nvSpPr>
+          <p:cNvPr id="4" name="CaixaDeTexto 3">
+            <a:extLst>
+              <a:ext uri="{FF2B5EF4-FFF2-40B4-BE49-F238E27FC236}">
+                <a16:creationId xmlns:a16="http://schemas.microsoft.com/office/drawing/2014/main" id="{34D0B4F4-54D7-4AEB-8859-16BC6B0EE65B}"/>
+              </a:ext>
+            </a:extLst>
+          </p:cNvPr>
+          <p:cNvSpPr txBox="1"/>
+          <p:nvPr/>
+        </p:nvSpPr>
+        <p:spPr>
+          <a:xfrm>
+            <a:off x="4184074" y="448653"/>
+            <a:ext cx="4820594" cy="3970318"/>
+          </a:xfrm>
+          <a:prstGeom prst="rect">
+            <a:avLst/>
+          </a:prstGeom>
+          <a:noFill/>
+          <a:ln>
+            <a:solidFill>
+              <a:schemeClr val="accent1"/>
+            </a:solidFill>
+          </a:ln>
+        </p:spPr>
+        <p:txBody>
+          <a:bodyPr wrap="square" rtlCol="0">
+            <a:spAutoFit/>
+          </a:bodyPr>
+          <a:lstStyle>
+            <a:defPPr marR="0" lvl="0" algn="l" rtl="0">
+              <a:lnSpc>
+                <a:spcPct val="100000"/>
+              </a:lnSpc>
+              <a:spcBef>
+                <a:spcPts val="0"/>
+              </a:spcBef>
+              <a:spcAft>
+                <a:spcPts val="0"/>
+              </a:spcAft>
+            </a:defPPr>
+            <a:lvl1pPr>
+              <a:defRPr>
+                <a:latin typeface="Courier New" panose="02070309020205020404" pitchFamily="49" charset="0"/>
+                <a:cs typeface="Courier New" panose="02070309020205020404" pitchFamily="49" charset="0"/>
+              </a:defRPr>
+            </a:lvl1pPr>
+          </a:lstStyle>
+          <a:p>
+            <a:r>
+              <a:rPr lang="en-US" sz="1200" dirty="0"/>
+              <a:t>int main (int </a:t>
+            </a:r>
+            <a:r>
+              <a:rPr lang="en-US" sz="1200" dirty="0" err="1"/>
+              <a:t>argc</a:t>
+            </a:r>
+            <a:r>
+              <a:rPr lang="en-US" sz="1200" dirty="0"/>
+              <a:t>, char * * </a:t>
+            </a:r>
+            <a:r>
+              <a:rPr lang="en-US" sz="1200" dirty="0" err="1"/>
+              <a:t>argv</a:t>
+            </a:r>
+            <a:r>
+              <a:rPr lang="en-US" sz="1200" dirty="0"/>
+              <a:t>)</a:t>
+            </a:r>
+          </a:p>
+          <a:p>
+            <a:r>
+              <a:rPr lang="en-US" sz="1200" dirty="0"/>
+              <a:t>{</a:t>
+            </a:r>
+          </a:p>
+          <a:p>
+            <a:r>
+              <a:rPr lang="en-US" sz="1200" dirty="0"/>
+              <a:t>  int D.1987;</a:t>
+            </a:r>
+          </a:p>
+          <a:p>
+            <a:endParaRPr lang="en-US" sz="1200" dirty="0"/>
+          </a:p>
+          <a:p>
+            <a:r>
+              <a:rPr lang="en-US" sz="1200" dirty="0"/>
+              <a:t>  {</a:t>
+            </a:r>
+          </a:p>
+          <a:p>
+            <a:r>
+              <a:rPr lang="en-US" sz="1200" dirty="0"/>
+              <a:t>    int </a:t>
+            </a:r>
+            <a:r>
+              <a:rPr lang="en-US" sz="1200" dirty="0" err="1"/>
+              <a:t>i</a:t>
+            </a:r>
+            <a:r>
+              <a:rPr lang="en-US" sz="1200" dirty="0"/>
+              <a:t>;</a:t>
+            </a:r>
+          </a:p>
+          <a:p>
+            <a:endParaRPr lang="en-US" sz="1200" dirty="0"/>
+          </a:p>
+          <a:p>
+            <a:r>
+              <a:rPr lang="en-US" sz="1200" dirty="0"/>
+              <a:t>    </a:t>
+            </a:r>
+            <a:r>
+              <a:rPr lang="en-US" sz="1200" dirty="0" err="1"/>
+              <a:t>i</a:t>
+            </a:r>
+            <a:r>
+              <a:rPr lang="en-US" sz="1200" dirty="0"/>
+              <a:t> = </a:t>
+            </a:r>
+            <a:r>
+              <a:rPr lang="en-US" sz="1200" dirty="0" err="1"/>
+              <a:t>argc</a:t>
+            </a:r>
+            <a:r>
+              <a:rPr lang="en-US" sz="1200" dirty="0"/>
+              <a:t>;</a:t>
+            </a:r>
+          </a:p>
+          <a:p>
+            <a:r>
+              <a:rPr lang="en-US" sz="1200" dirty="0"/>
+              <a:t>    if (</a:t>
+            </a:r>
+            <a:r>
+              <a:rPr lang="en-US" sz="1200" dirty="0" err="1"/>
+              <a:t>i</a:t>
+            </a:r>
+            <a:r>
+              <a:rPr lang="en-US" sz="1200" dirty="0"/>
+              <a:t> &lt;= 9) </a:t>
+            </a:r>
+            <a:r>
+              <a:rPr lang="en-US" sz="1200" dirty="0" err="1"/>
+              <a:t>goto</a:t>
+            </a:r>
+            <a:r>
+              <a:rPr lang="en-US" sz="1200" dirty="0"/>
+              <a:t> &lt;D.1984&gt;; else </a:t>
+            </a:r>
+            <a:r>
+              <a:rPr lang="en-US" sz="1200" dirty="0" err="1"/>
+              <a:t>goto</a:t>
+            </a:r>
+            <a:r>
+              <a:rPr lang="en-US" sz="1200" dirty="0"/>
+              <a:t> &lt;D.1985&gt;;</a:t>
+            </a:r>
+          </a:p>
+          <a:p>
+            <a:r>
+              <a:rPr lang="en-US" sz="1200" dirty="0"/>
+              <a:t>    &lt;D.1984&gt;:</a:t>
+            </a:r>
+          </a:p>
+          <a:p>
+            <a:r>
+              <a:rPr lang="en-US" sz="1200" dirty="0"/>
+              <a:t>    </a:t>
+            </a:r>
+            <a:r>
+              <a:rPr lang="en-US" sz="1200" dirty="0" err="1"/>
+              <a:t>i</a:t>
+            </a:r>
+            <a:r>
+              <a:rPr lang="en-US" sz="1200" dirty="0"/>
+              <a:t> = 0;</a:t>
+            </a:r>
+          </a:p>
+          <a:p>
+            <a:r>
+              <a:rPr lang="en-US" sz="1200" dirty="0"/>
+              <a:t>    </a:t>
+            </a:r>
+            <a:r>
+              <a:rPr lang="en-US" sz="1200" dirty="0" err="1"/>
+              <a:t>goto</a:t>
+            </a:r>
+            <a:r>
+              <a:rPr lang="en-US" sz="1200" dirty="0"/>
+              <a:t> &lt;D.1986&gt;;</a:t>
+            </a:r>
+          </a:p>
+          <a:p>
+            <a:r>
+              <a:rPr lang="en-US" sz="1200" dirty="0"/>
+              <a:t>    &lt;D.1985&gt;:</a:t>
+            </a:r>
+          </a:p>
+          <a:p>
+            <a:r>
+              <a:rPr lang="en-US" sz="1200" dirty="0"/>
+              <a:t>    </a:t>
+            </a:r>
+            <a:r>
+              <a:rPr lang="en-US" sz="1200" dirty="0" err="1"/>
+              <a:t>i</a:t>
+            </a:r>
+            <a:r>
+              <a:rPr lang="en-US" sz="1200" dirty="0"/>
+              <a:t> = 1;</a:t>
+            </a:r>
+          </a:p>
+          <a:p>
+            <a:r>
+              <a:rPr lang="en-US" sz="1200" dirty="0"/>
+              <a:t>    &lt;D.1986&gt;:</a:t>
+            </a:r>
+          </a:p>
+          <a:p>
+            <a:r>
+              <a:rPr lang="en-US" sz="1200" dirty="0"/>
+              <a:t>    D.1987 = 0;</a:t>
+            </a:r>
+          </a:p>
+          <a:p>
+            <a:r>
+              <a:rPr lang="en-US" sz="1200" dirty="0"/>
+              <a:t>    return D.1987;</a:t>
+            </a:r>
+          </a:p>
+          <a:p>
+            <a:r>
+              <a:rPr lang="en-US" sz="1200" dirty="0"/>
+              <a:t>  }</a:t>
+            </a:r>
+          </a:p>
+          <a:p>
+            <a:r>
+              <a:rPr lang="en-US" sz="1200" dirty="0"/>
+              <a:t>  D.1987 = 0;</a:t>
+            </a:r>
+          </a:p>
+          <a:p>
+            <a:r>
+              <a:rPr lang="en-US" sz="1200" dirty="0"/>
+              <a:t>  return D.1987;</a:t>
+            </a:r>
+          </a:p>
+          <a:p>
+            <a:r>
+              <a:rPr lang="en-US" sz="1200" dirty="0"/>
+              <a:t>}</a:t>
+            </a:r>
+            <a:endParaRPr lang="pt-BR" sz="1200" dirty="0"/>
+          </a:p>
+        </p:txBody>
+      </p:sp>
+      <p:sp>
+        <p:nvSpPr>
+          <p:cNvPr id="5" name="CaixaDeTexto 4">
+            <a:extLst>
+              <a:ext uri="{FF2B5EF4-FFF2-40B4-BE49-F238E27FC236}">
+                <a16:creationId xmlns:a16="http://schemas.microsoft.com/office/drawing/2014/main" id="{D2DCBB3C-694B-46A5-8FDD-F4A964A09B02}"/>
+              </a:ext>
+            </a:extLst>
+          </p:cNvPr>
+          <p:cNvSpPr txBox="1"/>
+          <p:nvPr/>
+        </p:nvSpPr>
+        <p:spPr>
+          <a:xfrm>
+            <a:off x="111659" y="1420431"/>
+            <a:ext cx="3816105" cy="2031325"/>
+          </a:xfrm>
+          <a:prstGeom prst="rect">
+            <a:avLst/>
+          </a:prstGeom>
+          <a:noFill/>
+          <a:ln>
+            <a:solidFill>
+              <a:schemeClr val="accent1"/>
+            </a:solidFill>
+          </a:ln>
+        </p:spPr>
+        <p:txBody>
+          <a:bodyPr wrap="square" rtlCol="0">
+            <a:spAutoFit/>
+          </a:bodyPr>
+          <a:lstStyle/>
+          <a:p>
+            <a:r>
+              <a:rPr lang="en-US" dirty="0">
+                <a:latin typeface="Courier New" panose="02070309020205020404" pitchFamily="49" charset="0"/>
+                <a:cs typeface="Courier New" panose="02070309020205020404" pitchFamily="49" charset="0"/>
+              </a:rPr>
+              <a:t>int main(int </a:t>
+            </a:r>
+            <a:r>
+              <a:rPr lang="en-US" dirty="0" err="1">
+                <a:latin typeface="Courier New" panose="02070309020205020404" pitchFamily="49" charset="0"/>
+                <a:cs typeface="Courier New" panose="02070309020205020404" pitchFamily="49" charset="0"/>
+              </a:rPr>
+              <a:t>argc</a:t>
+            </a:r>
+            <a:r>
+              <a:rPr lang="en-US" dirty="0">
+                <a:latin typeface="Courier New" panose="02070309020205020404" pitchFamily="49" charset="0"/>
+                <a:cs typeface="Courier New" panose="02070309020205020404" pitchFamily="49" charset="0"/>
+              </a:rPr>
+              <a:t>, char**</a:t>
+            </a:r>
+            <a:r>
+              <a:rPr lang="en-US" dirty="0" err="1">
+                <a:latin typeface="Courier New" panose="02070309020205020404" pitchFamily="49" charset="0"/>
+                <a:cs typeface="Courier New" panose="02070309020205020404" pitchFamily="49" charset="0"/>
+              </a:rPr>
+              <a:t>argv</a:t>
+            </a:r>
+            <a:r>
+              <a:rPr lang="en-US" dirty="0">
+                <a:latin typeface="Courier New" panose="02070309020205020404" pitchFamily="49" charset="0"/>
+                <a:cs typeface="Courier New" panose="02070309020205020404" pitchFamily="49" charset="0"/>
+              </a:rPr>
+              <a:t>) {</a:t>
+            </a:r>
+          </a:p>
+          <a:p>
+            <a:r>
+              <a:rPr lang="en-US" dirty="0">
+                <a:latin typeface="Courier New" panose="02070309020205020404" pitchFamily="49" charset="0"/>
+                <a:cs typeface="Courier New" panose="02070309020205020404" pitchFamily="49" charset="0"/>
+              </a:rPr>
+              <a:t>    int </a:t>
+            </a:r>
+            <a:r>
+              <a:rPr lang="en-US" dirty="0" err="1">
+                <a:latin typeface="Courier New" panose="02070309020205020404" pitchFamily="49" charset="0"/>
+                <a:cs typeface="Courier New" panose="02070309020205020404" pitchFamily="49" charset="0"/>
+              </a:rPr>
+              <a:t>i</a:t>
+            </a:r>
+            <a:r>
+              <a:rPr lang="en-US" dirty="0">
+                <a:latin typeface="Courier New" panose="02070309020205020404" pitchFamily="49" charset="0"/>
+                <a:cs typeface="Courier New" panose="02070309020205020404" pitchFamily="49" charset="0"/>
+              </a:rPr>
+              <a:t> = </a:t>
+            </a:r>
+            <a:r>
+              <a:rPr lang="en-US" dirty="0" err="1">
+                <a:latin typeface="Courier New" panose="02070309020205020404" pitchFamily="49" charset="0"/>
+                <a:cs typeface="Courier New" panose="02070309020205020404" pitchFamily="49" charset="0"/>
+              </a:rPr>
+              <a:t>argc</a:t>
+            </a:r>
+            <a:r>
+              <a:rPr lang="en-US" dirty="0">
+                <a:latin typeface="Courier New" panose="02070309020205020404" pitchFamily="49" charset="0"/>
+                <a:cs typeface="Courier New" panose="02070309020205020404" pitchFamily="49" charset="0"/>
+              </a:rPr>
+              <a:t>;</a:t>
+            </a:r>
+          </a:p>
+          <a:p>
+            <a:r>
+              <a:rPr lang="en-US" dirty="0">
+                <a:latin typeface="Courier New" panose="02070309020205020404" pitchFamily="49" charset="0"/>
+                <a:cs typeface="Courier New" panose="02070309020205020404" pitchFamily="49" charset="0"/>
+              </a:rPr>
+              <a:t>    if (</a:t>
+            </a:r>
+            <a:r>
+              <a:rPr lang="en-US" dirty="0" err="1">
+                <a:latin typeface="Courier New" panose="02070309020205020404" pitchFamily="49" charset="0"/>
+                <a:cs typeface="Courier New" panose="02070309020205020404" pitchFamily="49" charset="0"/>
+              </a:rPr>
+              <a:t>i</a:t>
+            </a:r>
+            <a:r>
+              <a:rPr lang="en-US" dirty="0">
+                <a:latin typeface="Courier New" panose="02070309020205020404" pitchFamily="49" charset="0"/>
+                <a:cs typeface="Courier New" panose="02070309020205020404" pitchFamily="49" charset="0"/>
+              </a:rPr>
+              <a:t> &lt; 10)</a:t>
+            </a:r>
+          </a:p>
+          <a:p>
+            <a:r>
+              <a:rPr lang="en-US" dirty="0">
+                <a:latin typeface="Courier New" panose="02070309020205020404" pitchFamily="49" charset="0"/>
+                <a:cs typeface="Courier New" panose="02070309020205020404" pitchFamily="49" charset="0"/>
+              </a:rPr>
+              <a:t>	</a:t>
+            </a:r>
+            <a:r>
+              <a:rPr lang="en-US" dirty="0" err="1">
+                <a:latin typeface="Courier New" panose="02070309020205020404" pitchFamily="49" charset="0"/>
+                <a:cs typeface="Courier New" panose="02070309020205020404" pitchFamily="49" charset="0"/>
+              </a:rPr>
+              <a:t>i</a:t>
+            </a:r>
+            <a:r>
+              <a:rPr lang="en-US" dirty="0">
+                <a:latin typeface="Courier New" panose="02070309020205020404" pitchFamily="49" charset="0"/>
+                <a:cs typeface="Courier New" panose="02070309020205020404" pitchFamily="49" charset="0"/>
+              </a:rPr>
+              <a:t> = 0;</a:t>
+            </a:r>
+          </a:p>
+          <a:p>
+            <a:r>
+              <a:rPr lang="en-US" dirty="0">
+                <a:latin typeface="Courier New" panose="02070309020205020404" pitchFamily="49" charset="0"/>
+                <a:cs typeface="Courier New" panose="02070309020205020404" pitchFamily="49" charset="0"/>
+              </a:rPr>
+              <a:t>    else</a:t>
+            </a:r>
+          </a:p>
+          <a:p>
+            <a:r>
+              <a:rPr lang="en-US" dirty="0">
+                <a:latin typeface="Courier New" panose="02070309020205020404" pitchFamily="49" charset="0"/>
+                <a:cs typeface="Courier New" panose="02070309020205020404" pitchFamily="49" charset="0"/>
+              </a:rPr>
+              <a:t>	</a:t>
+            </a:r>
+            <a:r>
+              <a:rPr lang="en-US" dirty="0" err="1">
+                <a:latin typeface="Courier New" panose="02070309020205020404" pitchFamily="49" charset="0"/>
+                <a:cs typeface="Courier New" panose="02070309020205020404" pitchFamily="49" charset="0"/>
+              </a:rPr>
+              <a:t>i</a:t>
+            </a:r>
+            <a:r>
+              <a:rPr lang="en-US" dirty="0">
+                <a:latin typeface="Courier New" panose="02070309020205020404" pitchFamily="49" charset="0"/>
+                <a:cs typeface="Courier New" panose="02070309020205020404" pitchFamily="49" charset="0"/>
+              </a:rPr>
+              <a:t> = 1;</a:t>
+            </a:r>
+          </a:p>
+          <a:p>
+            <a:endParaRPr lang="en-US" dirty="0">
+              <a:latin typeface="Courier New" panose="02070309020205020404" pitchFamily="49" charset="0"/>
+              <a:cs typeface="Courier New" panose="02070309020205020404" pitchFamily="49" charset="0"/>
+            </a:endParaRPr>
+          </a:p>
+          <a:p>
+            <a:r>
+              <a:rPr lang="en-US" dirty="0">
+                <a:latin typeface="Courier New" panose="02070309020205020404" pitchFamily="49" charset="0"/>
+                <a:cs typeface="Courier New" panose="02070309020205020404" pitchFamily="49" charset="0"/>
+              </a:rPr>
+              <a:t>    return 0;</a:t>
+            </a:r>
+          </a:p>
+          <a:p>
+            <a:r>
+              <a:rPr lang="en-US" dirty="0">
+                <a:latin typeface="Courier New" panose="02070309020205020404" pitchFamily="49" charset="0"/>
+                <a:cs typeface="Courier New" panose="02070309020205020404" pitchFamily="49" charset="0"/>
+              </a:rPr>
+              <a:t>}</a:t>
+            </a:r>
+          </a:p>
+        </p:txBody>
+      </p:sp>
+      <p:cxnSp>
+        <p:nvCxnSpPr>
+          <p:cNvPr id="7" name="Conector de Seta Reta 6">
+            <a:extLst>
+              <a:ext uri="{FF2B5EF4-FFF2-40B4-BE49-F238E27FC236}">
+                <a16:creationId xmlns:a16="http://schemas.microsoft.com/office/drawing/2014/main" id="{39E54086-D78C-46A9-9434-5BAF82D07D36}"/>
+              </a:ext>
+            </a:extLst>
+          </p:cNvPr>
+          <p:cNvCxnSpPr>
+            <a:cxnSpLocks/>
+            <a:stCxn id="5" idx="3"/>
+            <a:endCxn id="4" idx="1"/>
+          </p:cNvCxnSpPr>
+          <p:nvPr/>
+        </p:nvCxnSpPr>
+        <p:spPr>
+          <a:xfrm flipV="1">
+            <a:off x="3927764" y="2433812"/>
+            <a:ext cx="256310" cy="2282"/>
+          </a:xfrm>
+          <a:prstGeom prst="straightConnector1">
+            <a:avLst/>
+          </a:prstGeom>
+          <a:ln>
+            <a:tailEnd type="triangle"/>
+          </a:ln>
+        </p:spPr>
+        <p:style>
+          <a:lnRef idx="1">
+            <a:schemeClr val="accent1"/>
+          </a:lnRef>
+          <a:fillRef idx="0">
+            <a:schemeClr val="accent1"/>
+          </a:fillRef>
+          <a:effectRef idx="0">
+            <a:schemeClr val="accent1"/>
+          </a:effectRef>
+          <a:fontRef idx="minor">
+            <a:schemeClr val="tx1"/>
+          </a:fontRef>
+        </p:style>
+      </p:cxnSp>
+      <p:sp>
+        <p:nvSpPr>
+          <p:cNvPr id="14" name="CaixaDeTexto 13">
+            <a:extLst>
+              <a:ext uri="{FF2B5EF4-FFF2-40B4-BE49-F238E27FC236}">
+                <a16:creationId xmlns:a16="http://schemas.microsoft.com/office/drawing/2014/main" id="{A2A32BF5-24AB-4313-AF86-A5106787E7B5}"/>
+              </a:ext>
+            </a:extLst>
+          </p:cNvPr>
+          <p:cNvSpPr txBox="1"/>
+          <p:nvPr/>
+        </p:nvSpPr>
+        <p:spPr>
+          <a:xfrm>
+            <a:off x="139334" y="4170217"/>
+            <a:ext cx="3628795" cy="523220"/>
+          </a:xfrm>
+          <a:prstGeom prst="rect">
+            <a:avLst/>
+          </a:prstGeom>
+          <a:noFill/>
+          <a:ln>
+            <a:solidFill>
+              <a:schemeClr val="accent1"/>
+            </a:solidFill>
+          </a:ln>
+        </p:spPr>
+        <p:txBody>
+          <a:bodyPr wrap="square" rtlCol="0">
+            <a:spAutoFit/>
+          </a:bodyPr>
+          <a:lstStyle>
+            <a:defPPr marR="0" lvl="0" algn="l" rtl="0">
+              <a:lnSpc>
+                <a:spcPct val="100000"/>
+              </a:lnSpc>
+              <a:spcBef>
+                <a:spcPts val="0"/>
+              </a:spcBef>
+              <a:spcAft>
+                <a:spcPts val="0"/>
+              </a:spcAft>
+            </a:defPPr>
+            <a:lvl1pPr>
+              <a:defRPr>
+                <a:latin typeface="Courier New" panose="02070309020205020404" pitchFamily="49" charset="0"/>
+                <a:cs typeface="Courier New" panose="02070309020205020404" pitchFamily="49" charset="0"/>
+              </a:defRPr>
+            </a:lvl1pPr>
+          </a:lstStyle>
+          <a:p>
+            <a:r>
+              <a:rPr lang="en-US" b="1" dirty="0"/>
+              <a:t>$ </a:t>
+            </a:r>
+            <a:r>
+              <a:rPr lang="en-US" b="1" dirty="0" err="1"/>
+              <a:t>gcc</a:t>
+            </a:r>
+            <a:r>
+              <a:rPr lang="en-US" b="1" dirty="0"/>
+              <a:t> -</a:t>
+            </a:r>
+            <a:r>
+              <a:rPr lang="en-US" b="1" dirty="0" err="1"/>
+              <a:t>fdump</a:t>
+            </a:r>
+            <a:r>
+              <a:rPr lang="en-US" b="1" dirty="0"/>
+              <a:t>-tree-</a:t>
+            </a:r>
+            <a:r>
+              <a:rPr lang="en-US" b="1" dirty="0" err="1"/>
+              <a:t>gimple</a:t>
+            </a:r>
+            <a:r>
+              <a:rPr lang="en-US" b="1" dirty="0"/>
+              <a:t> </a:t>
+            </a:r>
+            <a:r>
+              <a:rPr lang="en-US" b="1" dirty="0" err="1"/>
+              <a:t>file.c</a:t>
+            </a:r>
+            <a:endParaRPr lang="en-US" b="1" dirty="0"/>
+          </a:p>
+          <a:p>
+            <a:endParaRPr lang="pt-BR" b="1" dirty="0"/>
+          </a:p>
+        </p:txBody>
+      </p:sp>
+    </p:spTree>
+    <p:extLst>
+      <p:ext uri="{BB962C8B-B14F-4D97-AF65-F5344CB8AC3E}">
+        <p14:creationId xmlns:p14="http://schemas.microsoft.com/office/powerpoint/2010/main" val="2508007794"/>
+      </p:ext>
+    </p:extLst>
+  </p:cSld>
+  <p:clrMapOvr>
+    <a:masterClrMapping/>
+  </p:clrMapOvr>
+  <p:timing>
+    <p:tnLst>
+      <p:par>
+        <p:cTn id="1" dur="indefinite" restart="never" nodeType="tmRoot">
+          <p:childTnLst>
+            <p:seq concurrent="1" nextAc="seek">
+              <p:cTn id="2" dur="indefinite" nodeType="mainSeq">
+                <p:childTnLst>
+                  <p:par>
+                    <p:cTn id="3" fill="hold">
+                      <p:stCondLst>
+                        <p:cond delay="indefinite"/>
+                        <p:cond evt="onBegin" delay="0">
+                          <p:tn val="2"/>
+                        </p:cond>
+                      </p:stCondLst>
+                      <p:childTnLst>
+                        <p:par>
+                          <p:cTn id="4" fill="hold">
+                            <p:stCondLst>
+                              <p:cond delay="0"/>
+                            </p:stCondLst>
+                            <p:childTnLst>
+                              <p:par>
+                                <p:cTn id="5" presetID="2" presetClass="entr" presetSubtype="4" fill="hold" grpId="0" nodeType="withEffect">
+                                  <p:stCondLst>
+                                    <p:cond delay="0"/>
+                                  </p:stCondLst>
+                                  <p:childTnLst>
+                                    <p:set>
+                                      <p:cBhvr>
+                                        <p:cTn id="6" dur="1" fill="hold">
+                                          <p:stCondLst>
+                                            <p:cond delay="0"/>
+                                          </p:stCondLst>
+                                        </p:cTn>
+                                        <p:tgtEl>
+                                          <p:spTgt spid="4"/>
+                                        </p:tgtEl>
+                                        <p:attrNameLst>
+                                          <p:attrName>style.visibility</p:attrName>
+                                        </p:attrNameLst>
+                                      </p:cBhvr>
+                                      <p:to>
+                                        <p:strVal val="visible"/>
+                                      </p:to>
+                                    </p:set>
+                                    <p:anim calcmode="lin" valueType="num">
+                                      <p:cBhvr additive="base">
+                                        <p:cTn id="7" dur="500" fill="hold"/>
+                                        <p:tgtEl>
+                                          <p:spTgt spid="4"/>
+                                        </p:tgtEl>
+                                        <p:attrNameLst>
+                                          <p:attrName>ppt_x</p:attrName>
+                                        </p:attrNameLst>
+                                      </p:cBhvr>
+                                      <p:tavLst>
+                                        <p:tav tm="0">
+                                          <p:val>
+                                            <p:strVal val="#ppt_x"/>
+                                          </p:val>
+                                        </p:tav>
+                                        <p:tav tm="100000">
+                                          <p:val>
+                                            <p:strVal val="#ppt_x"/>
+                                          </p:val>
+                                        </p:tav>
+                                      </p:tavLst>
+                                    </p:anim>
+                                    <p:anim calcmode="lin" valueType="num">
+                                      <p:cBhvr additive="base">
+                                        <p:cTn id="8" dur="500" fill="hold"/>
+                                        <p:tgtEl>
+                                          <p:spTgt spid="4"/>
+                                        </p:tgtEl>
+                                        <p:attrNameLst>
+                                          <p:attrName>ppt_y</p:attrName>
+                                        </p:attrNameLst>
+                                      </p:cBhvr>
+                                      <p:tavLst>
+                                        <p:tav tm="0">
+                                          <p:val>
+                                            <p:strVal val="1+#ppt_h/2"/>
+                                          </p:val>
+                                        </p:tav>
+                                        <p:tav tm="100000">
+                                          <p:val>
+                                            <p:strVal val="#ppt_y"/>
+                                          </p:val>
+                                        </p:tav>
+                                      </p:tavLst>
+                                    </p:anim>
+                                  </p:childTnLst>
+                                </p:cTn>
+                              </p:par>
+                              <p:par>
+                                <p:cTn id="9" presetID="2" presetClass="entr" presetSubtype="4" fill="hold" grpId="0" nodeType="withEffect">
+                                  <p:stCondLst>
+                                    <p:cond delay="0"/>
+                                  </p:stCondLst>
+                                  <p:childTnLst>
+                                    <p:set>
+                                      <p:cBhvr>
+                                        <p:cTn id="10" dur="1" fill="hold">
+                                          <p:stCondLst>
+                                            <p:cond delay="0"/>
+                                          </p:stCondLst>
+                                        </p:cTn>
+                                        <p:tgtEl>
+                                          <p:spTgt spid="5"/>
+                                        </p:tgtEl>
+                                        <p:attrNameLst>
+                                          <p:attrName>style.visibility</p:attrName>
+                                        </p:attrNameLst>
+                                      </p:cBhvr>
+                                      <p:to>
+                                        <p:strVal val="visible"/>
+                                      </p:to>
+                                    </p:set>
+                                    <p:anim calcmode="lin" valueType="num">
+                                      <p:cBhvr additive="base">
+                                        <p:cTn id="11" dur="500" fill="hold"/>
+                                        <p:tgtEl>
+                                          <p:spTgt spid="5"/>
+                                        </p:tgtEl>
+                                        <p:attrNameLst>
+                                          <p:attrName>ppt_x</p:attrName>
+                                        </p:attrNameLst>
+                                      </p:cBhvr>
+                                      <p:tavLst>
+                                        <p:tav tm="0">
+                                          <p:val>
+                                            <p:strVal val="#ppt_x"/>
+                                          </p:val>
+                                        </p:tav>
+                                        <p:tav tm="100000">
+                                          <p:val>
+                                            <p:strVal val="#ppt_x"/>
+                                          </p:val>
+                                        </p:tav>
+                                      </p:tavLst>
+                                    </p:anim>
+                                    <p:anim calcmode="lin" valueType="num">
+                                      <p:cBhvr additive="base">
+                                        <p:cTn id="12" dur="500" fill="hold"/>
+                                        <p:tgtEl>
+                                          <p:spTgt spid="5"/>
+                                        </p:tgtEl>
+                                        <p:attrNameLst>
+                                          <p:attrName>ppt_y</p:attrName>
+                                        </p:attrNameLst>
+                                      </p:cBhvr>
+                                      <p:tavLst>
+                                        <p:tav tm="0">
+                                          <p:val>
+                                            <p:strVal val="1+#ppt_h/2"/>
+                                          </p:val>
+                                        </p:tav>
+                                        <p:tav tm="100000">
+                                          <p:val>
+                                            <p:strVal val="#ppt_y"/>
+                                          </p:val>
+                                        </p:tav>
+                                      </p:tavLst>
+                                    </p:anim>
+                                  </p:childTnLst>
+                                </p:cTn>
+                              </p:par>
+                            </p:childTnLst>
+                          </p:cTn>
+                        </p:par>
+                      </p:childTnLst>
+                    </p:cTn>
+                  </p:par>
+                </p:childTnLst>
+              </p:cTn>
+              <p:prevCondLst>
+                <p:cond evt="onPrev" delay="0">
+                  <p:tgtEl>
+                    <p:sldTgt/>
+                  </p:tgtEl>
+                </p:cond>
+              </p:prevCondLst>
+              <p:nextCondLst>
+                <p:cond evt="onNext" delay="0">
+                  <p:tgtEl>
+                    <p:sldTgt/>
+                  </p:tgtEl>
+                </p:cond>
+              </p:nextCondLst>
+            </p:seq>
+          </p:childTnLst>
+        </p:cTn>
+      </p:par>
+    </p:tnLst>
+    <p:bldLst>
+      <p:bldP spid="4" grpId="0"/>
+      <p:bldP spid="5" grpId="0"/>
+    </p:bldLst>
+  </p:timing>
+</p:sld>
+</file>
+
+<file path=ppt/slides/slide15.xml><?xml version="1.0" encoding="utf-8"?>
+<p:sld xmlns:a="http://schemas.openxmlformats.org/drawingml/2006/main" xmlns:r="http://schemas.openxmlformats.org/officeDocument/2006/relationships" xmlns:p="http://schemas.openxmlformats.org/presentationml/2006/main">
+  <p:cSld>
+    <p:spTree>
+      <p:nvGrpSpPr>
+        <p:cNvPr id="1" name="Shape 394"/>
+        <p:cNvGrpSpPr/>
+        <p:nvPr/>
+      </p:nvGrpSpPr>
+      <p:grpSpPr>
+        <a:xfrm>
+          <a:off x="0" y="0"/>
+          <a:ext cx="0" cy="0"/>
+          <a:chOff x="0" y="0"/>
+          <a:chExt cx="0" cy="0"/>
+        </a:xfrm>
+      </p:grpSpPr>
+      <p:sp>
+        <p:nvSpPr>
+          <p:cNvPr id="395" name="Google Shape;395;p22"/>
+          <p:cNvSpPr txBox="1">
+            <a:spLocks noGrp="1"/>
+          </p:cNvSpPr>
+          <p:nvPr>
+            <p:ph type="title"/>
+          </p:nvPr>
+        </p:nvSpPr>
+        <p:spPr>
+          <a:xfrm>
+            <a:off x="1303800" y="598575"/>
+            <a:ext cx="7030500" cy="999300"/>
+          </a:xfrm>
+          <a:prstGeom prst="rect">
+            <a:avLst/>
+          </a:prstGeom>
+        </p:spPr>
+        <p:txBody>
+          <a:bodyPr spcFirstLastPara="1" wrap="square" lIns="91425" tIns="91425" rIns="91425" bIns="91425" anchor="t" anchorCtr="0">
+            <a:normAutofit/>
+          </a:bodyPr>
+          <a:lstStyle/>
+          <a:p>
+            <a:pPr marL="0" lvl="0" indent="0" algn="l" rtl="0">
+              <a:spcBef>
+                <a:spcPts val="0"/>
+              </a:spcBef>
+              <a:spcAft>
+                <a:spcPts val="0"/>
+              </a:spcAft>
+              <a:buNone/>
+            </a:pPr>
+            <a:r>
+              <a:rPr lang="pt-BR"/>
+              <a:t>Desvio de fluxo (laço ou </a:t>
+            </a:r>
+            <a:r>
+              <a:rPr lang="pt-BR" i="1"/>
+              <a:t>loop</a:t>
+            </a:r>
+            <a:r>
+              <a:rPr lang="pt-BR"/>
+              <a:t>)</a:t>
+            </a:r>
+            <a:endParaRPr/>
+          </a:p>
+        </p:txBody>
+      </p:sp>
+      <p:sp>
+        <p:nvSpPr>
+          <p:cNvPr id="396" name="Google Shape;396;p22"/>
+          <p:cNvSpPr txBox="1">
+            <a:spLocks noGrp="1"/>
+          </p:cNvSpPr>
+          <p:nvPr>
+            <p:ph type="body" idx="1"/>
+          </p:nvPr>
+        </p:nvSpPr>
+        <p:spPr>
+          <a:xfrm>
+            <a:off x="149549" y="1817925"/>
+            <a:ext cx="4055305" cy="2541600"/>
+          </a:xfrm>
+          <a:prstGeom prst="rect">
+            <a:avLst/>
+          </a:prstGeom>
+          <a:ln w="9525" cap="flat" cmpd="sng">
+            <a:solidFill>
+              <a:srgbClr val="000000"/>
+            </a:solidFill>
+            <a:prstDash val="dot"/>
+            <a:round/>
+            <a:headEnd type="none" w="sm" len="sm"/>
+            <a:tailEnd type="none" w="sm" len="sm"/>
+          </a:ln>
+        </p:spPr>
+        <p:txBody>
+          <a:bodyPr spcFirstLastPara="1" wrap="square" lIns="91425" tIns="91425" rIns="91425" bIns="91425" anchor="t" anchorCtr="0">
+            <a:normAutofit/>
+          </a:bodyPr>
+          <a:lstStyle/>
+          <a:p>
+            <a:pPr marL="0" lvl="0" indent="0" algn="l" rtl="0">
+              <a:spcBef>
+                <a:spcPts val="0"/>
+              </a:spcBef>
+              <a:spcAft>
+                <a:spcPts val="0"/>
+              </a:spcAft>
+              <a:buNone/>
+            </a:pPr>
+            <a:r>
+              <a:rPr lang="pt-BR" sz="1400" dirty="0">
+                <a:latin typeface="Courier"/>
+                <a:ea typeface="Courier"/>
+                <a:cs typeface="Courier"/>
+                <a:sym typeface="Courier"/>
+              </a:rPr>
+              <a:t>for (</a:t>
+            </a:r>
+            <a:r>
+              <a:rPr lang="pt-BR" sz="1400" dirty="0" err="1">
+                <a:latin typeface="Courier"/>
+                <a:ea typeface="Courier"/>
+                <a:cs typeface="Courier"/>
+                <a:sym typeface="Courier"/>
+              </a:rPr>
+              <a:t>init-expr</a:t>
+            </a:r>
+            <a:r>
+              <a:rPr lang="pt-BR" sz="1400" dirty="0">
+                <a:latin typeface="Courier"/>
+                <a:ea typeface="Courier"/>
+                <a:cs typeface="Courier"/>
+                <a:sym typeface="Courier"/>
+              </a:rPr>
+              <a:t>; </a:t>
+            </a:r>
+            <a:r>
+              <a:rPr lang="pt-BR" sz="1400" dirty="0" err="1">
+                <a:latin typeface="Courier"/>
+                <a:ea typeface="Courier"/>
+                <a:cs typeface="Courier"/>
+                <a:sym typeface="Courier"/>
+              </a:rPr>
+              <a:t>expr</a:t>
+            </a:r>
+            <a:r>
+              <a:rPr lang="pt-BR" sz="1400" dirty="0">
+                <a:latin typeface="Courier"/>
+                <a:ea typeface="Courier"/>
+                <a:cs typeface="Courier"/>
+                <a:sym typeface="Courier"/>
+              </a:rPr>
+              <a:t>; </a:t>
+            </a:r>
+            <a:r>
+              <a:rPr lang="pt-BR" sz="1400" dirty="0" err="1">
+                <a:latin typeface="Courier"/>
+                <a:ea typeface="Courier"/>
+                <a:cs typeface="Courier"/>
+                <a:sym typeface="Courier"/>
+              </a:rPr>
+              <a:t>next-expr</a:t>
+            </a:r>
+            <a:r>
+              <a:rPr lang="pt-BR" sz="1400" dirty="0">
+                <a:latin typeface="Courier"/>
+                <a:ea typeface="Courier"/>
+                <a:cs typeface="Courier"/>
+                <a:sym typeface="Courier"/>
+              </a:rPr>
+              <a:t>) {</a:t>
+            </a:r>
+            <a:endParaRPr sz="1400" dirty="0">
+              <a:latin typeface="Courier"/>
+              <a:ea typeface="Courier"/>
+              <a:cs typeface="Courier"/>
+              <a:sym typeface="Courier"/>
+            </a:endParaRPr>
+          </a:p>
+          <a:p>
+            <a:pPr marL="0" lvl="0" indent="0" algn="l" rtl="0">
+              <a:spcBef>
+                <a:spcPts val="1200"/>
+              </a:spcBef>
+              <a:spcAft>
+                <a:spcPts val="0"/>
+              </a:spcAft>
+              <a:buNone/>
+            </a:pPr>
+            <a:r>
+              <a:rPr lang="pt-BR" sz="1400" dirty="0">
+                <a:latin typeface="Courier"/>
+                <a:ea typeface="Courier"/>
+                <a:cs typeface="Courier"/>
+                <a:sym typeface="Courier"/>
+              </a:rPr>
+              <a:t>   body-</a:t>
+            </a:r>
+            <a:r>
+              <a:rPr lang="pt-BR" sz="1400" dirty="0" err="1">
+                <a:latin typeface="Courier"/>
+                <a:ea typeface="Courier"/>
+                <a:cs typeface="Courier"/>
+                <a:sym typeface="Courier"/>
+              </a:rPr>
+              <a:t>stmts</a:t>
+            </a:r>
+            <a:endParaRPr sz="1400" dirty="0">
+              <a:latin typeface="Courier"/>
+              <a:ea typeface="Courier"/>
+              <a:cs typeface="Courier"/>
+              <a:sym typeface="Courier"/>
+            </a:endParaRPr>
+          </a:p>
+          <a:p>
+            <a:pPr marL="0" lvl="0" indent="0" algn="l" rtl="0">
+              <a:spcBef>
+                <a:spcPts val="1200"/>
+              </a:spcBef>
+              <a:spcAft>
+                <a:spcPts val="0"/>
+              </a:spcAft>
+              <a:buNone/>
+            </a:pPr>
+            <a:r>
+              <a:rPr lang="pt-BR" sz="1400" dirty="0">
+                <a:latin typeface="Courier"/>
+                <a:ea typeface="Courier"/>
+                <a:cs typeface="Courier"/>
+                <a:sym typeface="Courier"/>
+              </a:rPr>
+              <a:t>}</a:t>
+            </a:r>
+            <a:endParaRPr sz="1400" dirty="0">
+              <a:latin typeface="Courier"/>
+              <a:ea typeface="Courier"/>
+              <a:cs typeface="Courier"/>
+              <a:sym typeface="Courier"/>
+            </a:endParaRPr>
+          </a:p>
+        </p:txBody>
+      </p:sp>
+      <p:sp>
+        <p:nvSpPr>
+          <p:cNvPr id="397" name="Google Shape;397;p22"/>
+          <p:cNvSpPr txBox="1">
+            <a:spLocks noGrp="1"/>
+          </p:cNvSpPr>
+          <p:nvPr>
+            <p:ph type="body" idx="1"/>
+          </p:nvPr>
+        </p:nvSpPr>
+        <p:spPr>
+          <a:xfrm>
+            <a:off x="4473136" y="1817925"/>
+            <a:ext cx="4192200" cy="2541600"/>
+          </a:xfrm>
+          <a:prstGeom prst="rect">
+            <a:avLst/>
+          </a:prstGeom>
+          <a:ln w="9525" cap="flat" cmpd="sng">
+            <a:solidFill>
+              <a:srgbClr val="000000"/>
+            </a:solidFill>
+            <a:prstDash val="solid"/>
+            <a:round/>
+            <a:headEnd type="none" w="sm" len="sm"/>
+            <a:tailEnd type="none" w="sm" len="sm"/>
+          </a:ln>
+        </p:spPr>
+        <p:txBody>
+          <a:bodyPr spcFirstLastPara="1" wrap="square" lIns="91425" tIns="91425" rIns="91425" bIns="91425" anchor="t" anchorCtr="0">
+            <a:normAutofit/>
+          </a:bodyPr>
+          <a:lstStyle/>
+          <a:p>
+            <a:pPr marL="0" lvl="0" indent="0" algn="l" rtl="0">
+              <a:spcBef>
+                <a:spcPts val="0"/>
+              </a:spcBef>
+              <a:spcAft>
+                <a:spcPts val="0"/>
+              </a:spcAft>
+              <a:buNone/>
+            </a:pPr>
+            <a:r>
+              <a:rPr lang="pt-BR" sz="1400" dirty="0">
+                <a:latin typeface="Courier"/>
+                <a:ea typeface="Courier"/>
+                <a:cs typeface="Courier"/>
+                <a:sym typeface="Courier"/>
+              </a:rPr>
+              <a:t>for: T_FOR ‘(‘ </a:t>
+            </a:r>
+            <a:r>
+              <a:rPr lang="pt-BR" sz="1400" dirty="0" err="1">
+                <a:latin typeface="Courier"/>
+                <a:ea typeface="Courier"/>
+                <a:cs typeface="Courier"/>
+                <a:sym typeface="Courier"/>
+              </a:rPr>
+              <a:t>init_expr</a:t>
+            </a:r>
+            <a:r>
+              <a:rPr lang="pt-BR" sz="1400" dirty="0">
+                <a:latin typeface="Courier"/>
+                <a:ea typeface="Courier"/>
+                <a:cs typeface="Courier"/>
+                <a:sym typeface="Courier"/>
+              </a:rPr>
+              <a:t> `;´ </a:t>
+            </a:r>
+            <a:r>
+              <a:rPr lang="pt-BR" sz="1400" dirty="0" err="1">
+                <a:latin typeface="Courier"/>
+                <a:ea typeface="Courier"/>
+                <a:cs typeface="Courier"/>
+                <a:sym typeface="Courier"/>
+              </a:rPr>
+              <a:t>expr</a:t>
+            </a:r>
+            <a:r>
+              <a:rPr lang="pt-BR" sz="1400" dirty="0">
+                <a:latin typeface="Courier"/>
+                <a:ea typeface="Courier"/>
+                <a:cs typeface="Courier"/>
+                <a:sym typeface="Courier"/>
+              </a:rPr>
+              <a:t> `;´ </a:t>
+            </a:r>
+            <a:r>
+              <a:rPr lang="pt-BR" sz="1400" dirty="0" err="1">
+                <a:latin typeface="Courier"/>
+                <a:ea typeface="Courier"/>
+                <a:cs typeface="Courier"/>
+                <a:sym typeface="Courier"/>
+              </a:rPr>
+              <a:t>next_expr</a:t>
+            </a:r>
+            <a:r>
+              <a:rPr lang="pt-BR" sz="1400" dirty="0">
+                <a:latin typeface="Courier"/>
+                <a:ea typeface="Courier"/>
+                <a:cs typeface="Courier"/>
+                <a:sym typeface="Courier"/>
+              </a:rPr>
+              <a:t>‘)’ 	‘{‘</a:t>
+            </a:r>
+            <a:endParaRPr sz="1400" dirty="0">
+              <a:latin typeface="Courier"/>
+              <a:ea typeface="Courier"/>
+              <a:cs typeface="Courier"/>
+              <a:sym typeface="Courier"/>
+            </a:endParaRPr>
+          </a:p>
+          <a:p>
+            <a:pPr marL="0" lvl="0" indent="0" algn="l" rtl="0">
+              <a:spcBef>
+                <a:spcPts val="1200"/>
+              </a:spcBef>
+              <a:spcAft>
+                <a:spcPts val="0"/>
+              </a:spcAft>
+              <a:buNone/>
+            </a:pPr>
+            <a:r>
+              <a:rPr lang="pt-BR" sz="1400" dirty="0">
+                <a:latin typeface="Courier"/>
+                <a:ea typeface="Courier"/>
+                <a:cs typeface="Courier"/>
+                <a:sym typeface="Courier"/>
+              </a:rPr>
+              <a:t>		</a:t>
+            </a:r>
+            <a:r>
+              <a:rPr lang="pt-BR" sz="1400" dirty="0" err="1">
+                <a:latin typeface="Courier"/>
+                <a:ea typeface="Courier"/>
+                <a:cs typeface="Courier"/>
+                <a:sym typeface="Courier"/>
+              </a:rPr>
+              <a:t>stmt_list</a:t>
+            </a:r>
+            <a:endParaRPr sz="1400" dirty="0">
+              <a:latin typeface="Courier"/>
+              <a:ea typeface="Courier"/>
+              <a:cs typeface="Courier"/>
+              <a:sym typeface="Courier"/>
+            </a:endParaRPr>
+          </a:p>
+          <a:p>
+            <a:pPr marL="914400" lvl="0" indent="0" algn="l" rtl="0">
+              <a:spcBef>
+                <a:spcPts val="1200"/>
+              </a:spcBef>
+              <a:spcAft>
+                <a:spcPts val="0"/>
+              </a:spcAft>
+              <a:buNone/>
+            </a:pPr>
+            <a:r>
+              <a:rPr lang="pt-BR" sz="1400" dirty="0">
+                <a:latin typeface="Courier"/>
+                <a:ea typeface="Courier"/>
+                <a:cs typeface="Courier"/>
+                <a:sym typeface="Courier"/>
+              </a:rPr>
+              <a:t>‘}’</a:t>
+            </a:r>
+            <a:endParaRPr sz="1400" dirty="0">
+              <a:latin typeface="Courier"/>
+              <a:ea typeface="Courier"/>
+              <a:cs typeface="Courier"/>
+              <a:sym typeface="Courier"/>
+            </a:endParaRPr>
+          </a:p>
+        </p:txBody>
+      </p:sp>
+      <p:cxnSp>
+        <p:nvCxnSpPr>
+          <p:cNvPr id="398" name="Google Shape;398;p22"/>
+          <p:cNvCxnSpPr>
+            <a:cxnSpLocks/>
+            <a:stCxn id="396" idx="3"/>
+            <a:endCxn id="397" idx="1"/>
+          </p:cNvCxnSpPr>
+          <p:nvPr/>
+        </p:nvCxnSpPr>
+        <p:spPr>
+          <a:xfrm>
+            <a:off x="4204854" y="3088725"/>
+            <a:ext cx="268282" cy="0"/>
+          </a:xfrm>
+          <a:prstGeom prst="straightConnector1">
+            <a:avLst/>
+          </a:prstGeom>
+          <a:noFill/>
+          <a:ln w="9525" cap="flat" cmpd="sng">
+            <a:solidFill>
+              <a:schemeClr val="dk2"/>
+            </a:solidFill>
+            <a:prstDash val="solid"/>
+            <a:round/>
+            <a:headEnd type="none" w="med" len="med"/>
+            <a:tailEnd type="triangle" w="med" len="med"/>
+          </a:ln>
+        </p:spPr>
+      </p:cxnSp>
+      <p:sp>
+        <p:nvSpPr>
+          <p:cNvPr id="399" name="Google Shape;399;p22"/>
+          <p:cNvSpPr txBox="1"/>
+          <p:nvPr/>
+        </p:nvSpPr>
+        <p:spPr>
+          <a:xfrm>
+            <a:off x="1022625" y="1270025"/>
+            <a:ext cx="1741500" cy="431100"/>
+          </a:xfrm>
+          <a:prstGeom prst="rect">
+            <a:avLst/>
+          </a:prstGeom>
+          <a:noFill/>
+          <a:ln>
+            <a:noFill/>
+          </a:ln>
+        </p:spPr>
+        <p:txBody>
+          <a:bodyPr spcFirstLastPara="1" wrap="square" lIns="91425" tIns="91425" rIns="91425" bIns="91425" anchor="t" anchorCtr="0">
+            <a:spAutoFit/>
+          </a:bodyPr>
+          <a:lstStyle/>
+          <a:p>
+            <a:pPr marL="0" lvl="0" indent="0" algn="ctr" rtl="0">
+              <a:spcBef>
+                <a:spcPts val="0"/>
+              </a:spcBef>
+              <a:spcAft>
+                <a:spcPts val="0"/>
+              </a:spcAft>
+              <a:buNone/>
+            </a:pPr>
+            <a:r>
+              <a:rPr lang="pt-BR" sz="1600" b="1">
+                <a:latin typeface="Nunito"/>
+                <a:ea typeface="Nunito"/>
+                <a:cs typeface="Nunito"/>
+                <a:sym typeface="Nunito"/>
+              </a:rPr>
+              <a:t>pseudo-código</a:t>
+            </a:r>
+            <a:endParaRPr sz="1600" b="1">
+              <a:latin typeface="Nunito"/>
+              <a:ea typeface="Nunito"/>
+              <a:cs typeface="Nunito"/>
+              <a:sym typeface="Nunito"/>
+            </a:endParaRPr>
+          </a:p>
+        </p:txBody>
+      </p:sp>
+      <p:sp>
+        <p:nvSpPr>
+          <p:cNvPr id="400" name="Google Shape;400;p22"/>
+          <p:cNvSpPr txBox="1"/>
+          <p:nvPr/>
+        </p:nvSpPr>
+        <p:spPr>
+          <a:xfrm>
+            <a:off x="6273600" y="1319175"/>
+            <a:ext cx="1284000" cy="431100"/>
+          </a:xfrm>
+          <a:prstGeom prst="rect">
+            <a:avLst/>
+          </a:prstGeom>
+          <a:noFill/>
+          <a:ln>
+            <a:noFill/>
+          </a:ln>
+        </p:spPr>
+        <p:txBody>
+          <a:bodyPr spcFirstLastPara="1" wrap="square" lIns="91425" tIns="91425" rIns="91425" bIns="91425" anchor="t" anchorCtr="0">
+            <a:spAutoFit/>
+          </a:bodyPr>
+          <a:lstStyle/>
+          <a:p>
+            <a:pPr marL="0" lvl="0" indent="0" algn="ctr" rtl="0">
+              <a:spcBef>
+                <a:spcPts val="0"/>
+              </a:spcBef>
+              <a:spcAft>
+                <a:spcPts val="0"/>
+              </a:spcAft>
+              <a:buNone/>
+            </a:pPr>
+            <a:r>
+              <a:rPr lang="pt-BR" sz="1600" b="1">
+                <a:latin typeface="Nunito"/>
+                <a:ea typeface="Nunito"/>
+                <a:cs typeface="Nunito"/>
+                <a:sym typeface="Nunito"/>
+              </a:rPr>
+              <a:t>gramática</a:t>
+            </a:r>
+            <a:endParaRPr sz="1600" b="1">
+              <a:latin typeface="Nunito"/>
+              <a:ea typeface="Nunito"/>
+              <a:cs typeface="Nunito"/>
+              <a:sym typeface="Nunito"/>
+            </a:endParaRPr>
+          </a:p>
+        </p:txBody>
+      </p:sp>
+    </p:spTree>
+    <p:extLst>
+      <p:ext uri="{BB962C8B-B14F-4D97-AF65-F5344CB8AC3E}">
+        <p14:creationId xmlns:p14="http://schemas.microsoft.com/office/powerpoint/2010/main" val="3692901359"/>
+      </p:ext>
+    </p:extLst>
+  </p:cSld>
+  <p:clrMapOvr>
+    <a:masterClrMapping/>
+  </p:clrMapOvr>
+  <p:timing>
+    <p:tnLst>
+      <p:par>
+        <p:cTn id="1" dur="indefinite" restart="never" nodeType="tmRoot">
+          <p:childTnLst>
+            <p:seq concurrent="1" nextAc="seek">
+              <p:cTn id="2" dur="indefinite" nodeType="mainSeq">
+                <p:childTnLst>
+                  <p:par>
+                    <p:cTn id="3" fill="hold">
+                      <p:stCondLst>
+                        <p:cond delay="indefinite"/>
+                      </p:stCondLst>
+                      <p:childTnLst>
+                        <p:par>
+                          <p:cTn id="4" fill="hold">
+                            <p:stCondLst>
+                              <p:cond delay="0"/>
+                            </p:stCondLst>
+                            <p:childTnLst>
+                              <p:par>
+                                <p:cTn id="5" presetID="10" presetClass="entr" presetSubtype="0" fill="hold" nodeType="clickEffect">
+                                  <p:stCondLst>
+                                    <p:cond delay="0"/>
+                                  </p:stCondLst>
+                                  <p:childTnLst>
+                                    <p:set>
+                                      <p:cBhvr>
+                                        <p:cTn id="6" dur="1" fill="hold">
+                                          <p:stCondLst>
+                                            <p:cond delay="0"/>
+                                          </p:stCondLst>
+                                        </p:cTn>
+                                        <p:tgtEl>
+                                          <p:spTgt spid="397"/>
+                                        </p:tgtEl>
+                                        <p:attrNameLst>
+                                          <p:attrName>style.visibility</p:attrName>
+                                        </p:attrNameLst>
+                                      </p:cBhvr>
+                                      <p:to>
+                                        <p:strVal val="visible"/>
+                                      </p:to>
+                                    </p:set>
+                                    <p:animEffect transition="in" filter="fade">
+                                      <p:cBhvr>
+                                        <p:cTn id="7" dur="1000"/>
+                                        <p:tgtEl>
+                                          <p:spTgt spid="397"/>
+                                        </p:tgtEl>
+                                      </p:cBhvr>
+                                    </p:animEffect>
+                                  </p:childTnLst>
+                                </p:cTn>
+                              </p:par>
+                              <p:par>
+                                <p:cTn id="8" presetID="10" presetClass="entr" presetSubtype="0" fill="hold" nodeType="withEffect">
+                                  <p:stCondLst>
+                                    <p:cond delay="0"/>
+                                  </p:stCondLst>
+                                  <p:childTnLst>
+                                    <p:set>
+                                      <p:cBhvr>
+                                        <p:cTn id="9" dur="1" fill="hold">
+                                          <p:stCondLst>
+                                            <p:cond delay="0"/>
+                                          </p:stCondLst>
+                                        </p:cTn>
+                                        <p:tgtEl>
+                                          <p:spTgt spid="398"/>
+                                        </p:tgtEl>
+                                        <p:attrNameLst>
+                                          <p:attrName>style.visibility</p:attrName>
+                                        </p:attrNameLst>
+                                      </p:cBhvr>
+                                      <p:to>
+                                        <p:strVal val="visible"/>
+                                      </p:to>
+                                    </p:set>
+                                    <p:animEffect transition="in" filter="fade">
+                                      <p:cBhvr>
+                                        <p:cTn id="10" dur="1000"/>
+                                        <p:tgtEl>
+                                          <p:spTgt spid="398"/>
+                                        </p:tgtEl>
+                                      </p:cBhvr>
+                                    </p:animEffect>
+                                  </p:childTnLst>
+                                </p:cTn>
+                              </p:par>
+                              <p:par>
+                                <p:cTn id="11" presetID="10" presetClass="entr" presetSubtype="0" fill="hold" nodeType="withEffect">
+                                  <p:stCondLst>
+                                    <p:cond delay="0"/>
+                                  </p:stCondLst>
+                                  <p:childTnLst>
+                                    <p:set>
+                                      <p:cBhvr>
+                                        <p:cTn id="12" dur="1" fill="hold">
+                                          <p:stCondLst>
+                                            <p:cond delay="0"/>
+                                          </p:stCondLst>
+                                        </p:cTn>
+                                        <p:tgtEl>
+                                          <p:spTgt spid="400"/>
+                                        </p:tgtEl>
+                                        <p:attrNameLst>
+                                          <p:attrName>style.visibility</p:attrName>
+                                        </p:attrNameLst>
+                                      </p:cBhvr>
+                                      <p:to>
+                                        <p:strVal val="visible"/>
+                                      </p:to>
+                                    </p:set>
+                                    <p:animEffect transition="in" filter="fade">
+                                      <p:cBhvr>
+                                        <p:cTn id="13" dur="1000"/>
+                                        <p:tgtEl>
+                                          <p:spTgt spid="400"/>
+                                        </p:tgtEl>
+                                      </p:cBhvr>
+                                    </p:animEffect>
+                                  </p:childTnLst>
+                                </p:cTn>
+                              </p:par>
+                            </p:childTnLst>
+                          </p:cTn>
+                        </p:par>
+                      </p:childTnLst>
+                    </p:cTn>
+                  </p:par>
+                </p:childTnLst>
+              </p:cTn>
+              <p:prevCondLst>
+                <p:cond evt="onPrev" delay="0">
+                  <p:tgtEl>
+                    <p:sldTgt/>
+                  </p:tgtEl>
+                </p:cond>
+              </p:prevCondLst>
+              <p:nextCondLst>
+                <p:cond evt="onNext" delay="0">
+                  <p:tgtEl>
+                    <p:sldTgt/>
+                  </p:tgtEl>
+                </p:cond>
+              </p:nextCondLst>
+            </p:seq>
+          </p:childTnLst>
+        </p:cTn>
+      </p:par>
+    </p:tnLst>
+  </p:timing>
+</p:sld>
+</file>
+
+<file path=ppt/slides/slide16.xml><?xml version="1.0" encoding="utf-8"?>
+<p:sld xmlns:a="http://schemas.openxmlformats.org/drawingml/2006/main" xmlns:r="http://schemas.openxmlformats.org/officeDocument/2006/relationships" xmlns:p="http://schemas.openxmlformats.org/presentationml/2006/main">
+  <p:cSld>
+    <p:spTree>
+      <p:nvGrpSpPr>
+        <p:cNvPr id="1" name="Shape 404"/>
+        <p:cNvGrpSpPr/>
+        <p:nvPr/>
+      </p:nvGrpSpPr>
+      <p:grpSpPr>
+        <a:xfrm>
+          <a:off x="0" y="0"/>
+          <a:ext cx="0" cy="0"/>
+          <a:chOff x="0" y="0"/>
+          <a:chExt cx="0" cy="0"/>
+        </a:xfrm>
+      </p:grpSpPr>
+      <p:sp>
+        <p:nvSpPr>
+          <p:cNvPr id="405" name="Google Shape;405;p23"/>
+          <p:cNvSpPr txBox="1">
+            <a:spLocks noGrp="1"/>
+          </p:cNvSpPr>
+          <p:nvPr>
+            <p:ph type="title"/>
+          </p:nvPr>
+        </p:nvSpPr>
+        <p:spPr>
+          <a:xfrm>
+            <a:off x="1303800" y="598575"/>
+            <a:ext cx="7030500" cy="999300"/>
+          </a:xfrm>
+          <a:prstGeom prst="rect">
+            <a:avLst/>
+          </a:prstGeom>
+        </p:spPr>
+        <p:txBody>
+          <a:bodyPr spcFirstLastPara="1" wrap="square" lIns="91425" tIns="91425" rIns="91425" bIns="91425" anchor="t" anchorCtr="0">
+            <a:normAutofit/>
+          </a:bodyPr>
+          <a:lstStyle/>
+          <a:p>
+            <a:pPr marL="0" lvl="0" indent="0" algn="l" rtl="0">
+              <a:spcBef>
+                <a:spcPts val="0"/>
+              </a:spcBef>
+              <a:spcAft>
+                <a:spcPts val="0"/>
+              </a:spcAft>
+              <a:buNone/>
+            </a:pPr>
+            <a:r>
+              <a:rPr lang="pt-BR" dirty="0"/>
+              <a:t>Laço (</a:t>
+            </a:r>
+            <a:r>
+              <a:rPr lang="pt-BR" i="1" dirty="0"/>
+              <a:t>loop</a:t>
+            </a:r>
+            <a:r>
+              <a:rPr lang="pt-BR" dirty="0"/>
+              <a:t>)</a:t>
+            </a:r>
+            <a:endParaRPr dirty="0"/>
+          </a:p>
+        </p:txBody>
+      </p:sp>
+      <p:sp>
+        <p:nvSpPr>
+          <p:cNvPr id="406" name="Google Shape;406;p23"/>
+          <p:cNvSpPr txBox="1"/>
+          <p:nvPr/>
+        </p:nvSpPr>
+        <p:spPr>
+          <a:xfrm>
+            <a:off x="5213725" y="1854875"/>
+            <a:ext cx="3609300" cy="2401200"/>
+          </a:xfrm>
+          <a:prstGeom prst="rect">
+            <a:avLst/>
+          </a:prstGeom>
+          <a:noFill/>
+          <a:ln w="9525" cap="flat" cmpd="sng">
+            <a:solidFill>
+              <a:srgbClr val="000000"/>
+            </a:solidFill>
+            <a:prstDash val="dot"/>
+            <a:round/>
+            <a:headEnd type="none" w="sm" len="sm"/>
+            <a:tailEnd type="none" w="sm" len="sm"/>
+          </a:ln>
+        </p:spPr>
+        <p:txBody>
+          <a:bodyPr spcFirstLastPara="1" wrap="square" lIns="91425" tIns="91425" rIns="91425" bIns="91425" anchor="t" anchorCtr="0">
+            <a:spAutoFit/>
+          </a:bodyPr>
+          <a:lstStyle/>
+          <a:p>
+            <a:pPr marL="0" lvl="0" indent="457200" algn="l" rtl="0">
+              <a:spcBef>
+                <a:spcPts val="0"/>
+              </a:spcBef>
+              <a:spcAft>
+                <a:spcPts val="0"/>
+              </a:spcAft>
+              <a:buNone/>
+            </a:pPr>
+            <a:r>
+              <a:rPr lang="pt-BR" sz="1600" b="1" dirty="0">
+                <a:solidFill>
+                  <a:srgbClr val="666666"/>
+                </a:solidFill>
+                <a:latin typeface="Courier New"/>
+                <a:ea typeface="Courier New"/>
+                <a:cs typeface="Courier New"/>
+                <a:sym typeface="Courier New"/>
+              </a:rPr>
+              <a:t># escrever #i → t0</a:t>
+            </a:r>
+            <a:endParaRPr sz="1600" b="1" dirty="0">
+              <a:solidFill>
+                <a:srgbClr val="666666"/>
+              </a:solidFill>
+              <a:latin typeface="Courier New"/>
+              <a:ea typeface="Courier New"/>
+              <a:cs typeface="Courier New"/>
+              <a:sym typeface="Courier New"/>
+            </a:endParaRPr>
+          </a:p>
+          <a:p>
+            <a:pPr marL="0" lvl="0" indent="457200" algn="l" rtl="0">
+              <a:spcBef>
+                <a:spcPts val="0"/>
+              </a:spcBef>
+              <a:spcAft>
+                <a:spcPts val="0"/>
+              </a:spcAft>
+              <a:buNone/>
+            </a:pPr>
+            <a:r>
+              <a:rPr lang="pt-BR" sz="1600" b="1" dirty="0" err="1">
+                <a:solidFill>
+                  <a:schemeClr val="dk1"/>
+                </a:solidFill>
+                <a:latin typeface="Courier New"/>
+                <a:ea typeface="Courier New"/>
+                <a:cs typeface="Courier New"/>
+                <a:sym typeface="Courier New"/>
+              </a:rPr>
+              <a:t>ld</a:t>
+            </a:r>
+            <a:r>
+              <a:rPr lang="pt-BR" sz="1600" b="1" dirty="0">
+                <a:latin typeface="Courier New"/>
+                <a:ea typeface="Courier New"/>
+                <a:cs typeface="Courier New"/>
+                <a:sym typeface="Courier New"/>
+              </a:rPr>
+              <a:t>      </a:t>
+            </a:r>
+            <a:r>
+              <a:rPr lang="pt-BR" sz="1600" b="1" dirty="0">
+                <a:solidFill>
+                  <a:srgbClr val="073763"/>
+                </a:solidFill>
+                <a:latin typeface="Courier New"/>
+                <a:ea typeface="Courier New"/>
+                <a:cs typeface="Courier New"/>
+                <a:sym typeface="Courier New"/>
+              </a:rPr>
+              <a:t>t0</a:t>
+            </a:r>
+            <a:r>
+              <a:rPr lang="pt-BR" sz="1600" b="1" dirty="0">
+                <a:latin typeface="Courier New"/>
+                <a:ea typeface="Courier New"/>
+                <a:cs typeface="Courier New"/>
+                <a:sym typeface="Courier New"/>
+              </a:rPr>
+              <a:t>,0</a:t>
+            </a:r>
+            <a:endParaRPr sz="1600" b="1" dirty="0">
+              <a:latin typeface="Courier New"/>
+              <a:ea typeface="Courier New"/>
+              <a:cs typeface="Courier New"/>
+              <a:sym typeface="Courier New"/>
+            </a:endParaRPr>
+          </a:p>
+          <a:p>
+            <a:pPr marL="0" lvl="0" indent="457200" algn="l" rtl="0">
+              <a:spcBef>
+                <a:spcPts val="0"/>
+              </a:spcBef>
+              <a:spcAft>
+                <a:spcPts val="0"/>
+              </a:spcAft>
+              <a:buNone/>
+            </a:pPr>
+            <a:r>
+              <a:rPr lang="pt-BR" sz="1600" b="1" dirty="0">
+                <a:solidFill>
+                  <a:schemeClr val="dk1"/>
+                </a:solidFill>
+                <a:latin typeface="Courier New"/>
+                <a:ea typeface="Courier New"/>
+                <a:cs typeface="Courier New"/>
+                <a:sym typeface="Courier New"/>
+              </a:rPr>
+              <a:t>li</a:t>
+            </a:r>
+            <a:r>
+              <a:rPr lang="pt-BR" sz="1600" b="1" dirty="0">
+                <a:latin typeface="Courier New"/>
+                <a:ea typeface="Courier New"/>
+                <a:cs typeface="Courier New"/>
+                <a:sym typeface="Courier New"/>
+              </a:rPr>
+              <a:t>      </a:t>
+            </a:r>
+            <a:r>
+              <a:rPr lang="pt-BR" sz="1600" b="1" dirty="0">
+                <a:solidFill>
+                  <a:srgbClr val="073763"/>
+                </a:solidFill>
+                <a:latin typeface="Courier New"/>
+                <a:ea typeface="Courier New"/>
+                <a:cs typeface="Courier New"/>
+                <a:sym typeface="Courier New"/>
+              </a:rPr>
+              <a:t>t1</a:t>
+            </a:r>
+            <a:r>
+              <a:rPr lang="pt-BR" sz="1600" b="1" dirty="0">
+                <a:latin typeface="Courier New"/>
+                <a:ea typeface="Courier New"/>
+                <a:cs typeface="Courier New"/>
+                <a:sym typeface="Courier New"/>
+              </a:rPr>
+              <a:t>,10</a:t>
+            </a:r>
+            <a:endParaRPr sz="1600" b="1" dirty="0">
+              <a:latin typeface="Courier New"/>
+              <a:ea typeface="Courier New"/>
+              <a:cs typeface="Courier New"/>
+              <a:sym typeface="Courier New"/>
+            </a:endParaRPr>
+          </a:p>
+          <a:p>
+            <a:pPr marL="0" lvl="0" indent="0" algn="l" rtl="0">
+              <a:spcBef>
+                <a:spcPts val="0"/>
+              </a:spcBef>
+              <a:spcAft>
+                <a:spcPts val="0"/>
+              </a:spcAft>
+              <a:buNone/>
+            </a:pPr>
+            <a:r>
+              <a:rPr lang="pt-BR" sz="1600" b="1" dirty="0">
+                <a:solidFill>
+                  <a:srgbClr val="274E13"/>
+                </a:solidFill>
+                <a:latin typeface="Courier New"/>
+                <a:ea typeface="Courier New"/>
+                <a:cs typeface="Courier New"/>
+                <a:sym typeface="Courier New"/>
+              </a:rPr>
+              <a:t>loop:</a:t>
+            </a:r>
+            <a:endParaRPr sz="1600" b="1" dirty="0">
+              <a:solidFill>
+                <a:srgbClr val="274E13"/>
+              </a:solidFill>
+              <a:latin typeface="Courier New"/>
+              <a:ea typeface="Courier New"/>
+              <a:cs typeface="Courier New"/>
+              <a:sym typeface="Courier New"/>
+            </a:endParaRPr>
+          </a:p>
+          <a:p>
+            <a:pPr marL="0" marR="0" lvl="0" indent="457200" algn="l" rtl="0">
+              <a:lnSpc>
+                <a:spcPct val="100000"/>
+              </a:lnSpc>
+              <a:spcBef>
+                <a:spcPts val="0"/>
+              </a:spcBef>
+              <a:spcAft>
+                <a:spcPts val="0"/>
+              </a:spcAft>
+              <a:buNone/>
+            </a:pPr>
+            <a:r>
+              <a:rPr lang="pt-BR" sz="1600" b="1" dirty="0" err="1">
+                <a:solidFill>
+                  <a:schemeClr val="dk1"/>
+                </a:solidFill>
+                <a:latin typeface="Courier New"/>
+                <a:ea typeface="Courier New"/>
+                <a:cs typeface="Courier New"/>
+                <a:sym typeface="Courier New"/>
+              </a:rPr>
+              <a:t>bge</a:t>
+            </a:r>
+            <a:r>
+              <a:rPr lang="pt-BR" sz="1600" b="1" dirty="0">
+                <a:latin typeface="Courier New"/>
+                <a:ea typeface="Courier New"/>
+                <a:cs typeface="Courier New"/>
+                <a:sym typeface="Courier New"/>
+              </a:rPr>
+              <a:t>     </a:t>
+            </a:r>
+            <a:r>
+              <a:rPr lang="pt-BR" sz="1600" b="1" dirty="0">
+                <a:solidFill>
+                  <a:srgbClr val="073763"/>
+                </a:solidFill>
+                <a:latin typeface="Courier New"/>
+                <a:ea typeface="Courier New"/>
+                <a:cs typeface="Courier New"/>
+                <a:sym typeface="Courier New"/>
+              </a:rPr>
+              <a:t>t0</a:t>
+            </a:r>
+            <a:r>
+              <a:rPr lang="pt-BR" sz="1600" b="1" dirty="0">
+                <a:latin typeface="Courier New"/>
+                <a:ea typeface="Courier New"/>
+                <a:cs typeface="Courier New"/>
+                <a:sym typeface="Courier New"/>
+              </a:rPr>
+              <a:t>,</a:t>
+            </a:r>
+            <a:r>
+              <a:rPr lang="pt-BR" sz="1600" b="1">
+                <a:latin typeface="Courier New"/>
+                <a:ea typeface="Courier New"/>
+                <a:cs typeface="Courier New"/>
+                <a:sym typeface="Courier New"/>
+              </a:rPr>
+              <a:t>t1,exit</a:t>
+            </a:r>
+            <a:endParaRPr sz="1600" b="1" dirty="0">
+              <a:latin typeface="Courier New"/>
+              <a:ea typeface="Courier New"/>
+              <a:cs typeface="Courier New"/>
+              <a:sym typeface="Courier New"/>
+            </a:endParaRPr>
+          </a:p>
+          <a:p>
+            <a:pPr marL="0" lvl="0" indent="457200" algn="l" rtl="0">
+              <a:spcBef>
+                <a:spcPts val="0"/>
+              </a:spcBef>
+              <a:spcAft>
+                <a:spcPts val="0"/>
+              </a:spcAft>
+              <a:buNone/>
+            </a:pPr>
+            <a:r>
+              <a:rPr lang="pt-BR" sz="1600" b="1" dirty="0">
+                <a:solidFill>
+                  <a:srgbClr val="666666"/>
+                </a:solidFill>
+                <a:latin typeface="Courier New"/>
+                <a:ea typeface="Courier New"/>
+                <a:cs typeface="Courier New"/>
+                <a:sym typeface="Courier New"/>
+              </a:rPr>
+              <a:t>&lt;body-</a:t>
+            </a:r>
+            <a:r>
+              <a:rPr lang="pt-BR" sz="1600" b="1" dirty="0" err="1">
+                <a:solidFill>
+                  <a:srgbClr val="666666"/>
+                </a:solidFill>
+                <a:latin typeface="Courier New"/>
+                <a:ea typeface="Courier New"/>
+                <a:cs typeface="Courier New"/>
+                <a:sym typeface="Courier New"/>
+              </a:rPr>
+              <a:t>stmts</a:t>
+            </a:r>
+            <a:r>
+              <a:rPr lang="pt-BR" sz="1600" b="1" dirty="0">
+                <a:solidFill>
+                  <a:srgbClr val="666666"/>
+                </a:solidFill>
+                <a:latin typeface="Courier New"/>
+                <a:ea typeface="Courier New"/>
+                <a:cs typeface="Courier New"/>
+                <a:sym typeface="Courier New"/>
+              </a:rPr>
+              <a:t>&gt;</a:t>
+            </a:r>
+            <a:endParaRPr sz="1600" b="1" dirty="0">
+              <a:solidFill>
+                <a:srgbClr val="666666"/>
+              </a:solidFill>
+              <a:latin typeface="Courier New"/>
+              <a:ea typeface="Courier New"/>
+              <a:cs typeface="Courier New"/>
+              <a:sym typeface="Courier New"/>
+            </a:endParaRPr>
+          </a:p>
+          <a:p>
+            <a:pPr marL="0" lvl="0" indent="457200" algn="l" rtl="0">
+              <a:spcBef>
+                <a:spcPts val="0"/>
+              </a:spcBef>
+              <a:spcAft>
+                <a:spcPts val="0"/>
+              </a:spcAft>
+              <a:buNone/>
+            </a:pPr>
+            <a:r>
+              <a:rPr lang="pt-BR" sz="1600" b="1" dirty="0" err="1">
+                <a:solidFill>
+                  <a:schemeClr val="dk1"/>
+                </a:solidFill>
+                <a:latin typeface="Courier New"/>
+                <a:ea typeface="Courier New"/>
+                <a:cs typeface="Courier New"/>
+                <a:sym typeface="Courier New"/>
+              </a:rPr>
+              <a:t>addi</a:t>
+            </a:r>
+            <a:r>
+              <a:rPr lang="pt-BR" sz="1600" b="1" dirty="0">
+                <a:latin typeface="Courier New"/>
+                <a:ea typeface="Courier New"/>
+                <a:cs typeface="Courier New"/>
+                <a:sym typeface="Courier New"/>
+              </a:rPr>
+              <a:t>    </a:t>
+            </a:r>
+            <a:r>
+              <a:rPr lang="pt-BR" sz="1600" b="1" dirty="0">
+                <a:solidFill>
+                  <a:srgbClr val="073763"/>
+                </a:solidFill>
+                <a:latin typeface="Courier New"/>
+                <a:ea typeface="Courier New"/>
+                <a:cs typeface="Courier New"/>
+                <a:sym typeface="Courier New"/>
+              </a:rPr>
+              <a:t>t0</a:t>
+            </a:r>
+            <a:r>
+              <a:rPr lang="pt-BR" sz="1600" b="1" dirty="0">
+                <a:latin typeface="Courier New"/>
+                <a:ea typeface="Courier New"/>
+                <a:cs typeface="Courier New"/>
+                <a:sym typeface="Courier New"/>
+              </a:rPr>
+              <a:t>,t0,1</a:t>
+            </a:r>
+            <a:endParaRPr sz="1600" b="1" dirty="0">
+              <a:latin typeface="Courier New"/>
+              <a:ea typeface="Courier New"/>
+              <a:cs typeface="Courier New"/>
+              <a:sym typeface="Courier New"/>
+            </a:endParaRPr>
+          </a:p>
+          <a:p>
+            <a:pPr marL="0" lvl="0" indent="457200" algn="l" rtl="0">
+              <a:spcBef>
+                <a:spcPts val="0"/>
+              </a:spcBef>
+              <a:spcAft>
+                <a:spcPts val="0"/>
+              </a:spcAft>
+              <a:buNone/>
+            </a:pPr>
+            <a:r>
+              <a:rPr lang="pt-BR" sz="1600" b="1" dirty="0">
+                <a:solidFill>
+                  <a:schemeClr val="dk1"/>
+                </a:solidFill>
+                <a:latin typeface="Courier New"/>
+                <a:ea typeface="Courier New"/>
+                <a:cs typeface="Courier New"/>
+                <a:sym typeface="Courier New"/>
+              </a:rPr>
+              <a:t>j</a:t>
+            </a:r>
+            <a:r>
+              <a:rPr lang="pt-BR" sz="1600" b="1" dirty="0">
+                <a:latin typeface="Courier New"/>
+                <a:ea typeface="Courier New"/>
+                <a:cs typeface="Courier New"/>
+                <a:sym typeface="Courier New"/>
+              </a:rPr>
+              <a:t>		</a:t>
+            </a:r>
+            <a:r>
+              <a:rPr lang="pt-BR" sz="1600" b="1" dirty="0">
+                <a:solidFill>
+                  <a:srgbClr val="274E13"/>
+                </a:solidFill>
+                <a:latin typeface="Courier New"/>
+                <a:ea typeface="Courier New"/>
+                <a:cs typeface="Courier New"/>
+                <a:sym typeface="Courier New"/>
+              </a:rPr>
+              <a:t>loop</a:t>
+            </a:r>
+            <a:endParaRPr sz="1600" b="1" dirty="0">
+              <a:solidFill>
+                <a:srgbClr val="274E13"/>
+              </a:solidFill>
+              <a:latin typeface="Courier New"/>
+              <a:ea typeface="Courier New"/>
+              <a:cs typeface="Courier New"/>
+              <a:sym typeface="Courier New"/>
+            </a:endParaRPr>
+          </a:p>
+          <a:p>
+            <a:pPr marL="0" lvl="0" indent="0" algn="l" rtl="0">
+              <a:spcBef>
+                <a:spcPts val="0"/>
+              </a:spcBef>
+              <a:spcAft>
+                <a:spcPts val="0"/>
+              </a:spcAft>
+              <a:buNone/>
+            </a:pPr>
+            <a:r>
+              <a:rPr lang="pt-BR" sz="1600" b="1" dirty="0" err="1">
+                <a:solidFill>
+                  <a:srgbClr val="274E13"/>
+                </a:solidFill>
+                <a:latin typeface="Courier New"/>
+                <a:ea typeface="Courier New"/>
+                <a:cs typeface="Courier New"/>
+                <a:sym typeface="Courier New"/>
+              </a:rPr>
+              <a:t>exit</a:t>
+            </a:r>
+            <a:r>
+              <a:rPr lang="pt-BR" sz="1600" b="1" dirty="0">
+                <a:solidFill>
+                  <a:srgbClr val="274E13"/>
+                </a:solidFill>
+                <a:latin typeface="Courier New"/>
+                <a:ea typeface="Courier New"/>
+                <a:cs typeface="Courier New"/>
+                <a:sym typeface="Courier New"/>
+              </a:rPr>
+              <a:t>:</a:t>
+            </a:r>
+            <a:endParaRPr sz="1600" b="1" dirty="0">
+              <a:latin typeface="Courier New"/>
+              <a:ea typeface="Courier New"/>
+              <a:cs typeface="Courier New"/>
+              <a:sym typeface="Courier New"/>
+            </a:endParaRPr>
+          </a:p>
+        </p:txBody>
+      </p:sp>
+      <p:sp>
+        <p:nvSpPr>
+          <p:cNvPr id="407" name="Google Shape;407;p23"/>
+          <p:cNvSpPr txBox="1"/>
+          <p:nvPr/>
+        </p:nvSpPr>
+        <p:spPr>
+          <a:xfrm>
+            <a:off x="142009" y="2347604"/>
+            <a:ext cx="4221000" cy="1415742"/>
+          </a:xfrm>
+          <a:prstGeom prst="rect">
+            <a:avLst/>
+          </a:prstGeom>
+          <a:noFill/>
+          <a:ln w="9525" cap="flat" cmpd="sng">
+            <a:solidFill>
+              <a:srgbClr val="000000"/>
+            </a:solidFill>
+            <a:prstDash val="dot"/>
+            <a:round/>
+            <a:headEnd type="none" w="sm" len="sm"/>
+            <a:tailEnd type="none" w="sm" len="sm"/>
+          </a:ln>
+        </p:spPr>
+        <p:txBody>
+          <a:bodyPr spcFirstLastPara="1" wrap="square" lIns="91425" tIns="91425" rIns="91425" bIns="91425" anchor="t" anchorCtr="0">
+            <a:spAutoFit/>
+          </a:bodyPr>
+          <a:lstStyle/>
+          <a:p>
+            <a:r>
+              <a:rPr lang="pt-BR" sz="1600" b="1" dirty="0">
+                <a:solidFill>
+                  <a:srgbClr val="666666"/>
+                </a:solidFill>
+                <a:latin typeface="Courier New"/>
+                <a:cs typeface="Courier New"/>
+                <a:sym typeface="Courier New"/>
+              </a:rPr>
+              <a:t>// for(i=0; i&lt;10; i++)</a:t>
+            </a:r>
+            <a:endParaRPr lang="pt-BR" sz="1600" b="1" dirty="0">
+              <a:solidFill>
+                <a:srgbClr val="274E13"/>
+              </a:solidFill>
+              <a:latin typeface="Courier New"/>
+              <a:ea typeface="Courier New"/>
+              <a:cs typeface="Courier New"/>
+              <a:sym typeface="Courier New"/>
+            </a:endParaRPr>
+          </a:p>
+          <a:p>
+            <a:pPr marL="0" lvl="0" indent="0" algn="l" rtl="0">
+              <a:spcBef>
+                <a:spcPts val="0"/>
+              </a:spcBef>
+              <a:spcAft>
+                <a:spcPts val="0"/>
+              </a:spcAft>
+              <a:buNone/>
+            </a:pPr>
+            <a:r>
+              <a:rPr lang="pt-BR" sz="1600" b="1" dirty="0" err="1">
+                <a:solidFill>
+                  <a:srgbClr val="274E13"/>
+                </a:solidFill>
+                <a:latin typeface="Courier New"/>
+                <a:ea typeface="Courier New"/>
+                <a:cs typeface="Courier New"/>
+                <a:sym typeface="Courier New"/>
+              </a:rPr>
+              <a:t>int</a:t>
+            </a:r>
+            <a:r>
+              <a:rPr lang="pt-BR" sz="1600" b="1" dirty="0">
+                <a:solidFill>
+                  <a:srgbClr val="274E13"/>
+                </a:solidFill>
+                <a:latin typeface="Courier New"/>
+                <a:ea typeface="Courier New"/>
+                <a:cs typeface="Courier New"/>
+                <a:sym typeface="Courier New"/>
+              </a:rPr>
+              <a:t> i = 0; </a:t>
+            </a:r>
+            <a:r>
+              <a:rPr lang="pt-BR" sz="1600" b="1" dirty="0">
+                <a:solidFill>
+                  <a:srgbClr val="666666"/>
+                </a:solidFill>
+                <a:latin typeface="Courier New"/>
+                <a:cs typeface="Courier New"/>
+                <a:sym typeface="Courier New"/>
+              </a:rPr>
+              <a:t>// </a:t>
+            </a:r>
+            <a:r>
+              <a:rPr lang="pt-BR" sz="1600" b="1" dirty="0" err="1">
+                <a:solidFill>
+                  <a:srgbClr val="666666"/>
+                </a:solidFill>
+                <a:latin typeface="Courier New"/>
+                <a:cs typeface="Courier New"/>
+                <a:sym typeface="Courier New"/>
+              </a:rPr>
+              <a:t>init-expr</a:t>
+            </a:r>
+            <a:endParaRPr sz="1600" b="1" dirty="0">
+              <a:solidFill>
+                <a:srgbClr val="666666"/>
+              </a:solidFill>
+              <a:latin typeface="Courier New"/>
+              <a:cs typeface="Courier New"/>
+              <a:sym typeface="Courier New"/>
+            </a:endParaRPr>
+          </a:p>
+          <a:p>
+            <a:pPr marL="0" marR="0" lvl="0" indent="0" algn="l" rtl="0">
+              <a:lnSpc>
+                <a:spcPct val="100000"/>
+              </a:lnSpc>
+              <a:spcBef>
+                <a:spcPts val="0"/>
+              </a:spcBef>
+              <a:spcAft>
+                <a:spcPts val="0"/>
+              </a:spcAft>
+              <a:buNone/>
+            </a:pPr>
+            <a:r>
+              <a:rPr lang="pt-BR" sz="1600" b="1" dirty="0" err="1">
+                <a:solidFill>
+                  <a:schemeClr val="dk1"/>
+                </a:solidFill>
+                <a:latin typeface="Courier New"/>
+                <a:ea typeface="Courier New"/>
+                <a:cs typeface="Courier New"/>
+                <a:sym typeface="Courier New"/>
+              </a:rPr>
+              <a:t>while</a:t>
+            </a:r>
+            <a:r>
+              <a:rPr lang="pt-BR" sz="1600" b="1" dirty="0">
+                <a:latin typeface="Courier New"/>
+                <a:ea typeface="Courier New"/>
+                <a:cs typeface="Courier New"/>
+                <a:sym typeface="Courier New"/>
+              </a:rPr>
+              <a:t> (i &lt; 10) { </a:t>
+            </a:r>
+            <a:r>
+              <a:rPr lang="pt-BR" sz="1600" b="1" dirty="0">
+                <a:solidFill>
+                  <a:srgbClr val="666666"/>
+                </a:solidFill>
+                <a:latin typeface="Courier New"/>
+                <a:cs typeface="Courier New"/>
+                <a:sym typeface="Courier New"/>
+              </a:rPr>
+              <a:t>// </a:t>
+            </a:r>
+            <a:r>
+              <a:rPr lang="pt-BR" sz="1600" b="1" dirty="0" err="1">
+                <a:solidFill>
+                  <a:srgbClr val="666666"/>
+                </a:solidFill>
+                <a:latin typeface="Courier New"/>
+                <a:cs typeface="Courier New"/>
+                <a:sym typeface="Courier New"/>
+              </a:rPr>
+              <a:t>expr</a:t>
+            </a:r>
+            <a:endParaRPr sz="1600" b="1" dirty="0">
+              <a:latin typeface="Courier New"/>
+              <a:ea typeface="Courier New"/>
+              <a:cs typeface="Courier New"/>
+              <a:sym typeface="Courier New"/>
+            </a:endParaRPr>
+          </a:p>
+          <a:p>
+            <a:pPr marL="0" lvl="0" indent="457200" algn="l" rtl="0">
+              <a:spcBef>
+                <a:spcPts val="0"/>
+              </a:spcBef>
+              <a:spcAft>
+                <a:spcPts val="0"/>
+              </a:spcAft>
+              <a:buNone/>
+            </a:pPr>
+            <a:r>
+              <a:rPr lang="pt-BR" sz="1600" b="1" dirty="0">
+                <a:solidFill>
+                  <a:srgbClr val="666666"/>
+                </a:solidFill>
+                <a:latin typeface="Courier New"/>
+                <a:ea typeface="Courier New"/>
+                <a:cs typeface="Courier New"/>
+                <a:sym typeface="Courier New"/>
+              </a:rPr>
+              <a:t>i++; </a:t>
+            </a:r>
+            <a:r>
+              <a:rPr lang="pt-BR" sz="1600" b="1" dirty="0">
+                <a:solidFill>
+                  <a:srgbClr val="666666"/>
+                </a:solidFill>
+                <a:latin typeface="Courier New"/>
+                <a:cs typeface="Courier New"/>
+                <a:sym typeface="Courier New"/>
+              </a:rPr>
+              <a:t>// </a:t>
+            </a:r>
+            <a:r>
+              <a:rPr lang="pt-BR" sz="1600" b="1" dirty="0" err="1">
+                <a:solidFill>
+                  <a:srgbClr val="666666"/>
+                </a:solidFill>
+                <a:latin typeface="Courier New"/>
+                <a:cs typeface="Courier New"/>
+                <a:sym typeface="Courier New"/>
+              </a:rPr>
+              <a:t>next-expr</a:t>
+            </a:r>
+            <a:endParaRPr sz="1600" b="1" dirty="0">
+              <a:solidFill>
+                <a:srgbClr val="666666"/>
+              </a:solidFill>
+              <a:latin typeface="Courier New"/>
+              <a:ea typeface="Courier New"/>
+              <a:cs typeface="Courier New"/>
+              <a:sym typeface="Courier New"/>
+            </a:endParaRPr>
+          </a:p>
+          <a:p>
+            <a:pPr marL="0" lvl="0" indent="0" algn="l" rtl="0">
+              <a:spcBef>
+                <a:spcPts val="0"/>
+              </a:spcBef>
+              <a:spcAft>
+                <a:spcPts val="0"/>
+              </a:spcAft>
+              <a:buNone/>
+            </a:pPr>
+            <a:r>
+              <a:rPr lang="pt-BR" sz="1600" b="1" dirty="0">
+                <a:latin typeface="Courier New"/>
+                <a:ea typeface="Courier New"/>
+                <a:cs typeface="Courier New"/>
+                <a:sym typeface="Courier New"/>
+              </a:rPr>
+              <a:t>}</a:t>
+            </a:r>
+            <a:endParaRPr sz="1600" b="1" dirty="0">
+              <a:latin typeface="Courier New"/>
+              <a:ea typeface="Courier New"/>
+              <a:cs typeface="Courier New"/>
+              <a:sym typeface="Courier New"/>
+            </a:endParaRPr>
+          </a:p>
+        </p:txBody>
+      </p:sp>
+      <p:cxnSp>
+        <p:nvCxnSpPr>
+          <p:cNvPr id="408" name="Google Shape;408;p23"/>
+          <p:cNvCxnSpPr>
+            <a:stCxn id="407" idx="3"/>
+            <a:endCxn id="406" idx="1"/>
+          </p:cNvCxnSpPr>
+          <p:nvPr/>
+        </p:nvCxnSpPr>
+        <p:spPr>
+          <a:xfrm>
+            <a:off x="4363009" y="3055475"/>
+            <a:ext cx="850716" cy="0"/>
+          </a:xfrm>
+          <a:prstGeom prst="straightConnector1">
+            <a:avLst/>
+          </a:prstGeom>
+          <a:noFill/>
+          <a:ln w="9525" cap="flat" cmpd="sng">
+            <a:solidFill>
+              <a:schemeClr val="dk2"/>
+            </a:solidFill>
+            <a:prstDash val="solid"/>
+            <a:round/>
+            <a:headEnd type="none" w="med" len="med"/>
+            <a:tailEnd type="triangle" w="med" len="med"/>
+          </a:ln>
+        </p:spPr>
+      </p:cxnSp>
+    </p:spTree>
+  </p:cSld>
+  <p:clrMapOvr>
+    <a:masterClrMapping/>
+  </p:clrMapOvr>
+</p:sld>
+</file>
+
+<file path=ppt/slides/slide17.xml><?xml version="1.0" encoding="utf-8"?>
+<p:sld xmlns:a="http://schemas.openxmlformats.org/drawingml/2006/main" xmlns:r="http://schemas.openxmlformats.org/officeDocument/2006/relationships" xmlns:p="http://schemas.openxmlformats.org/presentationml/2006/main">
+  <p:cSld>
+    <p:spTree>
+      <p:nvGrpSpPr>
+        <p:cNvPr id="1" name=""/>
+        <p:cNvGrpSpPr/>
+        <p:nvPr/>
+      </p:nvGrpSpPr>
+      <p:grpSpPr>
+        <a:xfrm>
+          <a:off x="0" y="0"/>
+          <a:ext cx="0" cy="0"/>
+          <a:chOff x="0" y="0"/>
+          <a:chExt cx="0" cy="0"/>
+        </a:xfrm>
+      </p:grpSpPr>
+      <p:sp>
+        <p:nvSpPr>
+          <p:cNvPr id="2" name="Título 1">
+            <a:extLst>
+              <a:ext uri="{FF2B5EF4-FFF2-40B4-BE49-F238E27FC236}">
+                <a16:creationId xmlns:a16="http://schemas.microsoft.com/office/drawing/2014/main" id="{E17D508D-A97D-4EC5-95C4-4D020BAF2126}"/>
+              </a:ext>
+            </a:extLst>
+          </p:cNvPr>
+          <p:cNvSpPr>
+            <a:spLocks noGrp="1"/>
+          </p:cNvSpPr>
+          <p:nvPr>
+            <p:ph type="title"/>
+          </p:nvPr>
+        </p:nvSpPr>
+        <p:spPr>
+          <a:xfrm>
+            <a:off x="139332" y="134448"/>
+            <a:ext cx="2790218" cy="999300"/>
+          </a:xfrm>
+        </p:spPr>
+        <p:txBody>
+          <a:bodyPr/>
+          <a:lstStyle/>
+          <a:p>
+            <a:r>
+              <a:rPr lang="pt-BR" dirty="0"/>
+              <a:t>GIMPLE- GCC</a:t>
+            </a:r>
+          </a:p>
+        </p:txBody>
+      </p:sp>
+      <p:sp>
+        <p:nvSpPr>
+          <p:cNvPr id="4" name="CaixaDeTexto 3">
+            <a:extLst>
+              <a:ext uri="{FF2B5EF4-FFF2-40B4-BE49-F238E27FC236}">
+                <a16:creationId xmlns:a16="http://schemas.microsoft.com/office/drawing/2014/main" id="{34D0B4F4-54D7-4AEB-8859-16BC6B0EE65B}"/>
+              </a:ext>
+            </a:extLst>
+          </p:cNvPr>
+          <p:cNvSpPr txBox="1"/>
+          <p:nvPr/>
+        </p:nvSpPr>
+        <p:spPr>
+          <a:xfrm>
+            <a:off x="4184072" y="50825"/>
+            <a:ext cx="4820594" cy="4339650"/>
+          </a:xfrm>
+          <a:prstGeom prst="rect">
+            <a:avLst/>
+          </a:prstGeom>
+          <a:noFill/>
+          <a:ln>
+            <a:solidFill>
+              <a:schemeClr val="accent1"/>
+            </a:solidFill>
+          </a:ln>
+        </p:spPr>
+        <p:txBody>
+          <a:bodyPr wrap="square" rtlCol="0">
+            <a:spAutoFit/>
+          </a:bodyPr>
+          <a:lstStyle>
+            <a:defPPr marR="0" lvl="0" algn="l" rtl="0">
+              <a:lnSpc>
+                <a:spcPct val="100000"/>
+              </a:lnSpc>
+              <a:spcBef>
+                <a:spcPts val="0"/>
+              </a:spcBef>
+              <a:spcAft>
+                <a:spcPts val="0"/>
+              </a:spcAft>
+            </a:defPPr>
+            <a:lvl1pPr>
+              <a:defRPr>
+                <a:latin typeface="Courier New" panose="02070309020205020404" pitchFamily="49" charset="0"/>
+                <a:cs typeface="Courier New" panose="02070309020205020404" pitchFamily="49" charset="0"/>
+              </a:defRPr>
+            </a:lvl1pPr>
+          </a:lstStyle>
+          <a:p>
+            <a:r>
+              <a:rPr lang="en-US" sz="1200" dirty="0"/>
+              <a:t>int main (int </a:t>
+            </a:r>
+            <a:r>
+              <a:rPr lang="en-US" sz="1200" dirty="0" err="1"/>
+              <a:t>argc</a:t>
+            </a:r>
+            <a:r>
+              <a:rPr lang="en-US" sz="1200" dirty="0"/>
+              <a:t>, char * * </a:t>
+            </a:r>
+            <a:r>
+              <a:rPr lang="en-US" sz="1200" dirty="0" err="1"/>
+              <a:t>argv</a:t>
+            </a:r>
+            <a:r>
+              <a:rPr lang="en-US" sz="1200" dirty="0"/>
+              <a:t>)</a:t>
+            </a:r>
+          </a:p>
+          <a:p>
+            <a:r>
+              <a:rPr lang="en-US" sz="1200" dirty="0"/>
+              <a:t>{</a:t>
+            </a:r>
+          </a:p>
+          <a:p>
+            <a:r>
+              <a:rPr lang="en-US" sz="1200" dirty="0"/>
+              <a:t>  int D.1989;</a:t>
+            </a:r>
+          </a:p>
+          <a:p>
+            <a:endParaRPr lang="en-US" sz="1200" dirty="0"/>
+          </a:p>
+          <a:p>
+            <a:r>
+              <a:rPr lang="en-US" sz="1200" dirty="0"/>
+              <a:t>  {</a:t>
+            </a:r>
+          </a:p>
+          <a:p>
+            <a:r>
+              <a:rPr lang="en-US" sz="1200" dirty="0"/>
+              <a:t>    int </a:t>
+            </a:r>
+            <a:r>
+              <a:rPr lang="en-US" sz="1200" dirty="0" err="1"/>
+              <a:t>i</a:t>
+            </a:r>
+            <a:r>
+              <a:rPr lang="en-US" sz="1200" dirty="0"/>
+              <a:t>;</a:t>
+            </a:r>
+          </a:p>
+          <a:p>
+            <a:r>
+              <a:rPr lang="en-US" sz="1200" dirty="0"/>
+              <a:t>    int s;</a:t>
+            </a:r>
+          </a:p>
+          <a:p>
+            <a:endParaRPr lang="en-US" sz="1200" dirty="0"/>
+          </a:p>
+          <a:p>
+            <a:r>
+              <a:rPr lang="en-US" sz="1200" dirty="0"/>
+              <a:t>    s = 0;</a:t>
+            </a:r>
+          </a:p>
+          <a:p>
+            <a:r>
+              <a:rPr lang="en-US" sz="1200" dirty="0"/>
+              <a:t>    </a:t>
+            </a:r>
+            <a:r>
+              <a:rPr lang="en-US" sz="1200" dirty="0" err="1"/>
+              <a:t>i</a:t>
+            </a:r>
+            <a:r>
+              <a:rPr lang="en-US" sz="1200" dirty="0"/>
+              <a:t> = 0;</a:t>
+            </a:r>
+          </a:p>
+          <a:p>
+            <a:r>
+              <a:rPr lang="en-US" sz="1200" dirty="0"/>
+              <a:t>    </a:t>
+            </a:r>
+            <a:r>
+              <a:rPr lang="en-US" sz="1200" dirty="0" err="1"/>
+              <a:t>goto</a:t>
+            </a:r>
+            <a:r>
+              <a:rPr lang="en-US" sz="1200" dirty="0"/>
+              <a:t> &lt;D.1987&gt;;</a:t>
+            </a:r>
+          </a:p>
+          <a:p>
+            <a:r>
+              <a:rPr lang="en-US" sz="1200" dirty="0"/>
+              <a:t>    &lt;D.1986&gt;:</a:t>
+            </a:r>
+          </a:p>
+          <a:p>
+            <a:r>
+              <a:rPr lang="en-US" sz="1200" dirty="0"/>
+              <a:t>    s = s + </a:t>
+            </a:r>
+            <a:r>
+              <a:rPr lang="en-US" sz="1200" dirty="0" err="1"/>
+              <a:t>i</a:t>
+            </a:r>
+            <a:r>
+              <a:rPr lang="en-US" sz="1200" dirty="0"/>
+              <a:t>;</a:t>
+            </a:r>
+          </a:p>
+          <a:p>
+            <a:r>
+              <a:rPr lang="en-US" sz="1200" dirty="0"/>
+              <a:t>    </a:t>
+            </a:r>
+            <a:r>
+              <a:rPr lang="en-US" sz="1200" dirty="0" err="1"/>
+              <a:t>i</a:t>
+            </a:r>
+            <a:r>
+              <a:rPr lang="en-US" sz="1200" dirty="0"/>
+              <a:t> = </a:t>
+            </a:r>
+            <a:r>
+              <a:rPr lang="en-US" sz="1200" dirty="0" err="1"/>
+              <a:t>i</a:t>
+            </a:r>
+            <a:r>
+              <a:rPr lang="en-US" sz="1200" dirty="0"/>
+              <a:t> + 1;</a:t>
+            </a:r>
+          </a:p>
+          <a:p>
+            <a:r>
+              <a:rPr lang="en-US" sz="1200" dirty="0"/>
+              <a:t>    &lt;D.1987&gt;:</a:t>
+            </a:r>
+          </a:p>
+          <a:p>
+            <a:r>
+              <a:rPr lang="en-US" sz="1200" dirty="0"/>
+              <a:t>    if (</a:t>
+            </a:r>
+            <a:r>
+              <a:rPr lang="en-US" sz="1200" dirty="0" err="1"/>
+              <a:t>i</a:t>
+            </a:r>
+            <a:r>
+              <a:rPr lang="en-US" sz="1200" dirty="0"/>
+              <a:t> &lt;= 9) </a:t>
+            </a:r>
+            <a:r>
+              <a:rPr lang="en-US" sz="1200" dirty="0" err="1"/>
+              <a:t>goto</a:t>
+            </a:r>
+            <a:r>
+              <a:rPr lang="en-US" sz="1200" dirty="0"/>
+              <a:t> &lt;D.1986&gt;; else </a:t>
+            </a:r>
+            <a:r>
+              <a:rPr lang="en-US" sz="1200" dirty="0" err="1"/>
+              <a:t>goto</a:t>
+            </a:r>
+            <a:r>
+              <a:rPr lang="en-US" sz="1200" dirty="0"/>
+              <a:t> &lt;D.1984&gt;;</a:t>
+            </a:r>
+          </a:p>
+          <a:p>
+            <a:r>
+              <a:rPr lang="en-US" sz="1200" dirty="0"/>
+              <a:t>    &lt;D.1984&gt;:</a:t>
+            </a:r>
+          </a:p>
+          <a:p>
+            <a:r>
+              <a:rPr lang="en-US" sz="1200" dirty="0"/>
+              <a:t>    D.1989 = 0;</a:t>
+            </a:r>
+          </a:p>
+          <a:p>
+            <a:r>
+              <a:rPr lang="en-US" sz="1200" dirty="0"/>
+              <a:t>    return D.1989;</a:t>
+            </a:r>
+          </a:p>
+          <a:p>
+            <a:r>
+              <a:rPr lang="en-US" sz="1200" dirty="0"/>
+              <a:t>  }</a:t>
+            </a:r>
+          </a:p>
+          <a:p>
+            <a:r>
+              <a:rPr lang="en-US" sz="1200" dirty="0"/>
+              <a:t>  D.1989 = 0;</a:t>
+            </a:r>
+          </a:p>
+          <a:p>
+            <a:r>
+              <a:rPr lang="en-US" sz="1200" dirty="0"/>
+              <a:t>  return D.1989;</a:t>
+            </a:r>
+          </a:p>
+          <a:p>
+            <a:r>
+              <a:rPr lang="en-US" sz="1200" dirty="0"/>
+              <a:t>}</a:t>
+            </a:r>
+          </a:p>
+        </p:txBody>
+      </p:sp>
+      <p:sp>
+        <p:nvSpPr>
+          <p:cNvPr id="5" name="CaixaDeTexto 4">
+            <a:extLst>
+              <a:ext uri="{FF2B5EF4-FFF2-40B4-BE49-F238E27FC236}">
+                <a16:creationId xmlns:a16="http://schemas.microsoft.com/office/drawing/2014/main" id="{D2DCBB3C-694B-46A5-8FDD-F4A964A09B02}"/>
+              </a:ext>
+            </a:extLst>
+          </p:cNvPr>
+          <p:cNvSpPr txBox="1"/>
+          <p:nvPr/>
+        </p:nvSpPr>
+        <p:spPr>
+          <a:xfrm>
+            <a:off x="111659" y="1420431"/>
+            <a:ext cx="3816105" cy="1600438"/>
+          </a:xfrm>
+          <a:prstGeom prst="rect">
+            <a:avLst/>
+          </a:prstGeom>
+          <a:noFill/>
+          <a:ln>
+            <a:solidFill>
+              <a:schemeClr val="accent1"/>
+            </a:solidFill>
+          </a:ln>
+        </p:spPr>
+        <p:txBody>
+          <a:bodyPr wrap="square" rtlCol="0">
+            <a:spAutoFit/>
+          </a:bodyPr>
+          <a:lstStyle/>
+          <a:p>
+            <a:r>
+              <a:rPr lang="en-US" dirty="0">
+                <a:latin typeface="Courier New" panose="02070309020205020404" pitchFamily="49" charset="0"/>
+                <a:cs typeface="Courier New" panose="02070309020205020404" pitchFamily="49" charset="0"/>
+              </a:rPr>
+              <a:t>int main(int </a:t>
+            </a:r>
+            <a:r>
+              <a:rPr lang="en-US" dirty="0" err="1">
+                <a:latin typeface="Courier New" panose="02070309020205020404" pitchFamily="49" charset="0"/>
+                <a:cs typeface="Courier New" panose="02070309020205020404" pitchFamily="49" charset="0"/>
+              </a:rPr>
+              <a:t>argc</a:t>
+            </a:r>
+            <a:r>
+              <a:rPr lang="en-US" dirty="0">
+                <a:latin typeface="Courier New" panose="02070309020205020404" pitchFamily="49" charset="0"/>
+                <a:cs typeface="Courier New" panose="02070309020205020404" pitchFamily="49" charset="0"/>
+              </a:rPr>
+              <a:t>, char**</a:t>
+            </a:r>
+            <a:r>
+              <a:rPr lang="en-US" dirty="0" err="1">
+                <a:latin typeface="Courier New" panose="02070309020205020404" pitchFamily="49" charset="0"/>
+                <a:cs typeface="Courier New" panose="02070309020205020404" pitchFamily="49" charset="0"/>
+              </a:rPr>
+              <a:t>argv</a:t>
+            </a:r>
+            <a:r>
+              <a:rPr lang="en-US" dirty="0">
+                <a:latin typeface="Courier New" panose="02070309020205020404" pitchFamily="49" charset="0"/>
+                <a:cs typeface="Courier New" panose="02070309020205020404" pitchFamily="49" charset="0"/>
+              </a:rPr>
+              <a:t>) {</a:t>
+            </a:r>
+          </a:p>
+          <a:p>
+            <a:r>
+              <a:rPr lang="en-US" dirty="0">
+                <a:latin typeface="Courier New" panose="02070309020205020404" pitchFamily="49" charset="0"/>
+                <a:cs typeface="Courier New" panose="02070309020205020404" pitchFamily="49" charset="0"/>
+              </a:rPr>
+              <a:t>    int </a:t>
+            </a:r>
+            <a:r>
+              <a:rPr lang="en-US" dirty="0" err="1">
+                <a:latin typeface="Courier New" panose="02070309020205020404" pitchFamily="49" charset="0"/>
+                <a:cs typeface="Courier New" panose="02070309020205020404" pitchFamily="49" charset="0"/>
+              </a:rPr>
+              <a:t>i</a:t>
+            </a:r>
+            <a:r>
+              <a:rPr lang="en-US" dirty="0">
+                <a:latin typeface="Courier New" panose="02070309020205020404" pitchFamily="49" charset="0"/>
+                <a:cs typeface="Courier New" panose="02070309020205020404" pitchFamily="49" charset="0"/>
+              </a:rPr>
+              <a:t>, s = 0;</a:t>
+            </a:r>
+          </a:p>
+          <a:p>
+            <a:r>
+              <a:rPr lang="en-US" dirty="0">
+                <a:latin typeface="Courier New" panose="02070309020205020404" pitchFamily="49" charset="0"/>
+                <a:cs typeface="Courier New" panose="02070309020205020404" pitchFamily="49" charset="0"/>
+              </a:rPr>
+              <a:t>    for (</a:t>
+            </a:r>
+            <a:r>
+              <a:rPr lang="en-US" dirty="0" err="1">
+                <a:latin typeface="Courier New" panose="02070309020205020404" pitchFamily="49" charset="0"/>
+                <a:cs typeface="Courier New" panose="02070309020205020404" pitchFamily="49" charset="0"/>
+              </a:rPr>
+              <a:t>i</a:t>
+            </a:r>
+            <a:r>
+              <a:rPr lang="en-US" dirty="0">
+                <a:latin typeface="Courier New" panose="02070309020205020404" pitchFamily="49" charset="0"/>
+                <a:cs typeface="Courier New" panose="02070309020205020404" pitchFamily="49" charset="0"/>
+              </a:rPr>
+              <a:t>=0; </a:t>
+            </a:r>
+            <a:r>
+              <a:rPr lang="en-US" dirty="0" err="1">
+                <a:latin typeface="Courier New" panose="02070309020205020404" pitchFamily="49" charset="0"/>
+                <a:cs typeface="Courier New" panose="02070309020205020404" pitchFamily="49" charset="0"/>
+              </a:rPr>
+              <a:t>i</a:t>
+            </a:r>
+            <a:r>
+              <a:rPr lang="en-US" dirty="0">
+                <a:latin typeface="Courier New" panose="02070309020205020404" pitchFamily="49" charset="0"/>
+                <a:cs typeface="Courier New" panose="02070309020205020404" pitchFamily="49" charset="0"/>
+              </a:rPr>
+              <a:t>&lt;10; </a:t>
+            </a:r>
+            <a:r>
+              <a:rPr lang="en-US" dirty="0" err="1">
+                <a:latin typeface="Courier New" panose="02070309020205020404" pitchFamily="49" charset="0"/>
+                <a:cs typeface="Courier New" panose="02070309020205020404" pitchFamily="49" charset="0"/>
+              </a:rPr>
+              <a:t>i</a:t>
+            </a:r>
+            <a:r>
+              <a:rPr lang="en-US" dirty="0">
+                <a:latin typeface="Courier New" panose="02070309020205020404" pitchFamily="49" charset="0"/>
+                <a:cs typeface="Courier New" panose="02070309020205020404" pitchFamily="49" charset="0"/>
+              </a:rPr>
+              <a:t>++)</a:t>
+            </a:r>
+          </a:p>
+          <a:p>
+            <a:r>
+              <a:rPr lang="en-US" dirty="0">
+                <a:latin typeface="Courier New" panose="02070309020205020404" pitchFamily="49" charset="0"/>
+                <a:cs typeface="Courier New" panose="02070309020205020404" pitchFamily="49" charset="0"/>
+              </a:rPr>
+              <a:t>	s += i;</a:t>
+            </a:r>
+          </a:p>
+          <a:p>
+            <a:endParaRPr lang="en-US" dirty="0">
+              <a:latin typeface="Courier New" panose="02070309020205020404" pitchFamily="49" charset="0"/>
+              <a:cs typeface="Courier New" panose="02070309020205020404" pitchFamily="49" charset="0"/>
+            </a:endParaRPr>
+          </a:p>
+          <a:p>
+            <a:r>
+              <a:rPr lang="en-US" dirty="0">
+                <a:latin typeface="Courier New" panose="02070309020205020404" pitchFamily="49" charset="0"/>
+                <a:cs typeface="Courier New" panose="02070309020205020404" pitchFamily="49" charset="0"/>
+              </a:rPr>
+              <a:t>    return 0;</a:t>
+            </a:r>
+          </a:p>
+          <a:p>
+            <a:r>
+              <a:rPr lang="en-US" dirty="0">
+                <a:latin typeface="Courier New" panose="02070309020205020404" pitchFamily="49" charset="0"/>
+                <a:cs typeface="Courier New" panose="02070309020205020404" pitchFamily="49" charset="0"/>
+              </a:rPr>
+              <a:t>}</a:t>
+            </a:r>
+          </a:p>
+        </p:txBody>
+      </p:sp>
+      <p:cxnSp>
+        <p:nvCxnSpPr>
+          <p:cNvPr id="7" name="Conector de Seta Reta 6">
+            <a:extLst>
+              <a:ext uri="{FF2B5EF4-FFF2-40B4-BE49-F238E27FC236}">
+                <a16:creationId xmlns:a16="http://schemas.microsoft.com/office/drawing/2014/main" id="{39E54086-D78C-46A9-9434-5BAF82D07D36}"/>
+              </a:ext>
+            </a:extLst>
+          </p:cNvPr>
+          <p:cNvCxnSpPr>
+            <a:cxnSpLocks/>
+            <a:stCxn id="5" idx="3"/>
+            <a:endCxn id="4" idx="1"/>
+          </p:cNvCxnSpPr>
+          <p:nvPr/>
+        </p:nvCxnSpPr>
+        <p:spPr>
+          <a:xfrm>
+            <a:off x="3927764" y="2220650"/>
+            <a:ext cx="256308" cy="0"/>
+          </a:xfrm>
+          <a:prstGeom prst="straightConnector1">
+            <a:avLst/>
+          </a:prstGeom>
+          <a:ln>
+            <a:tailEnd type="triangle"/>
+          </a:ln>
+        </p:spPr>
+        <p:style>
+          <a:lnRef idx="1">
+            <a:schemeClr val="accent1"/>
+          </a:lnRef>
+          <a:fillRef idx="0">
+            <a:schemeClr val="accent1"/>
+          </a:fillRef>
+          <a:effectRef idx="0">
+            <a:schemeClr val="accent1"/>
+          </a:effectRef>
+          <a:fontRef idx="minor">
+            <a:schemeClr val="tx1"/>
+          </a:fontRef>
+        </p:style>
+      </p:cxnSp>
+      <p:sp>
+        <p:nvSpPr>
+          <p:cNvPr id="14" name="CaixaDeTexto 13">
+            <a:extLst>
+              <a:ext uri="{FF2B5EF4-FFF2-40B4-BE49-F238E27FC236}">
+                <a16:creationId xmlns:a16="http://schemas.microsoft.com/office/drawing/2014/main" id="{A2A32BF5-24AB-4313-AF86-A5106787E7B5}"/>
+              </a:ext>
+            </a:extLst>
+          </p:cNvPr>
+          <p:cNvSpPr txBox="1"/>
+          <p:nvPr/>
+        </p:nvSpPr>
+        <p:spPr>
+          <a:xfrm>
+            <a:off x="139334" y="4170217"/>
+            <a:ext cx="3628795" cy="523220"/>
+          </a:xfrm>
+          <a:prstGeom prst="rect">
+            <a:avLst/>
+          </a:prstGeom>
+          <a:noFill/>
+          <a:ln>
+            <a:solidFill>
+              <a:schemeClr val="accent1"/>
+            </a:solidFill>
+          </a:ln>
+        </p:spPr>
+        <p:txBody>
+          <a:bodyPr wrap="square" rtlCol="0">
+            <a:spAutoFit/>
+          </a:bodyPr>
+          <a:lstStyle>
+            <a:defPPr marR="0" lvl="0" algn="l" rtl="0">
+              <a:lnSpc>
+                <a:spcPct val="100000"/>
+              </a:lnSpc>
+              <a:spcBef>
+                <a:spcPts val="0"/>
+              </a:spcBef>
+              <a:spcAft>
+                <a:spcPts val="0"/>
+              </a:spcAft>
+            </a:defPPr>
+            <a:lvl1pPr>
+              <a:defRPr>
+                <a:latin typeface="Courier New" panose="02070309020205020404" pitchFamily="49" charset="0"/>
+                <a:cs typeface="Courier New" panose="02070309020205020404" pitchFamily="49" charset="0"/>
+              </a:defRPr>
+            </a:lvl1pPr>
+          </a:lstStyle>
+          <a:p>
+            <a:r>
+              <a:rPr lang="en-US" b="1" dirty="0"/>
+              <a:t>$ </a:t>
+            </a:r>
+            <a:r>
+              <a:rPr lang="en-US" b="1" dirty="0" err="1"/>
+              <a:t>gcc</a:t>
+            </a:r>
+            <a:r>
+              <a:rPr lang="en-US" b="1" dirty="0"/>
+              <a:t> -</a:t>
+            </a:r>
+            <a:r>
+              <a:rPr lang="en-US" b="1" dirty="0" err="1"/>
+              <a:t>fdump</a:t>
+            </a:r>
+            <a:r>
+              <a:rPr lang="en-US" b="1" dirty="0"/>
+              <a:t>-tree-</a:t>
+            </a:r>
+            <a:r>
+              <a:rPr lang="en-US" b="1" dirty="0" err="1"/>
+              <a:t>gimple</a:t>
+            </a:r>
+            <a:r>
+              <a:rPr lang="en-US" b="1" dirty="0"/>
+              <a:t> </a:t>
+            </a:r>
+            <a:r>
+              <a:rPr lang="en-US" b="1" dirty="0" err="1"/>
+              <a:t>file.c</a:t>
+            </a:r>
+            <a:endParaRPr lang="en-US" b="1" dirty="0"/>
+          </a:p>
+          <a:p>
+            <a:endParaRPr lang="pt-BR" b="1" dirty="0"/>
+          </a:p>
+        </p:txBody>
+      </p:sp>
+    </p:spTree>
+    <p:extLst>
+      <p:ext uri="{BB962C8B-B14F-4D97-AF65-F5344CB8AC3E}">
+        <p14:creationId xmlns:p14="http://schemas.microsoft.com/office/powerpoint/2010/main" val="2724460398"/>
+      </p:ext>
+    </p:extLst>
+  </p:cSld>
+  <p:clrMapOvr>
+    <a:masterClrMapping/>
+  </p:clrMapOvr>
+  <p:timing>
+    <p:tnLst>
+      <p:par>
+        <p:cTn id="1" dur="indefinite" restart="never" nodeType="tmRoot">
+          <p:childTnLst>
+            <p:seq concurrent="1" nextAc="seek">
+              <p:cTn id="2" dur="indefinite" nodeType="mainSeq">
+                <p:childTnLst>
+                  <p:par>
+                    <p:cTn id="3" fill="hold">
+                      <p:stCondLst>
+                        <p:cond delay="indefinite"/>
+                        <p:cond evt="onBegin" delay="0">
+                          <p:tn val="2"/>
+                        </p:cond>
+                      </p:stCondLst>
+                      <p:childTnLst>
+                        <p:par>
+                          <p:cTn id="4" fill="hold">
+                            <p:stCondLst>
+                              <p:cond delay="0"/>
+                            </p:stCondLst>
+                            <p:childTnLst>
+                              <p:par>
+                                <p:cTn id="5" presetID="2" presetClass="entr" presetSubtype="4" fill="hold" grpId="0" nodeType="withEffect">
+                                  <p:stCondLst>
+                                    <p:cond delay="0"/>
+                                  </p:stCondLst>
+                                  <p:childTnLst>
+                                    <p:set>
+                                      <p:cBhvr>
+                                        <p:cTn id="6" dur="1" fill="hold">
+                                          <p:stCondLst>
+                                            <p:cond delay="0"/>
+                                          </p:stCondLst>
+                                        </p:cTn>
+                                        <p:tgtEl>
+                                          <p:spTgt spid="4"/>
+                                        </p:tgtEl>
+                                        <p:attrNameLst>
+                                          <p:attrName>style.visibility</p:attrName>
+                                        </p:attrNameLst>
+                                      </p:cBhvr>
+                                      <p:to>
+                                        <p:strVal val="visible"/>
+                                      </p:to>
+                                    </p:set>
+                                    <p:anim calcmode="lin" valueType="num">
+                                      <p:cBhvr additive="base">
+                                        <p:cTn id="7" dur="500" fill="hold"/>
+                                        <p:tgtEl>
+                                          <p:spTgt spid="4"/>
+                                        </p:tgtEl>
+                                        <p:attrNameLst>
+                                          <p:attrName>ppt_x</p:attrName>
+                                        </p:attrNameLst>
+                                      </p:cBhvr>
+                                      <p:tavLst>
+                                        <p:tav tm="0">
+                                          <p:val>
+                                            <p:strVal val="#ppt_x"/>
+                                          </p:val>
+                                        </p:tav>
+                                        <p:tav tm="100000">
+                                          <p:val>
+                                            <p:strVal val="#ppt_x"/>
+                                          </p:val>
+                                        </p:tav>
+                                      </p:tavLst>
+                                    </p:anim>
+                                    <p:anim calcmode="lin" valueType="num">
+                                      <p:cBhvr additive="base">
+                                        <p:cTn id="8" dur="500" fill="hold"/>
+                                        <p:tgtEl>
+                                          <p:spTgt spid="4"/>
+                                        </p:tgtEl>
+                                        <p:attrNameLst>
+                                          <p:attrName>ppt_y</p:attrName>
+                                        </p:attrNameLst>
+                                      </p:cBhvr>
+                                      <p:tavLst>
+                                        <p:tav tm="0">
+                                          <p:val>
+                                            <p:strVal val="1+#ppt_h/2"/>
+                                          </p:val>
+                                        </p:tav>
+                                        <p:tav tm="100000">
+                                          <p:val>
+                                            <p:strVal val="#ppt_y"/>
+                                          </p:val>
+                                        </p:tav>
+                                      </p:tavLst>
+                                    </p:anim>
+                                  </p:childTnLst>
+                                </p:cTn>
+                              </p:par>
+                              <p:par>
+                                <p:cTn id="9" presetID="2" presetClass="entr" presetSubtype="4" fill="hold" grpId="0" nodeType="withEffect">
+                                  <p:stCondLst>
+                                    <p:cond delay="0"/>
+                                  </p:stCondLst>
+                                  <p:childTnLst>
+                                    <p:set>
+                                      <p:cBhvr>
+                                        <p:cTn id="10" dur="1" fill="hold">
+                                          <p:stCondLst>
+                                            <p:cond delay="0"/>
+                                          </p:stCondLst>
+                                        </p:cTn>
+                                        <p:tgtEl>
+                                          <p:spTgt spid="5"/>
+                                        </p:tgtEl>
+                                        <p:attrNameLst>
+                                          <p:attrName>style.visibility</p:attrName>
+                                        </p:attrNameLst>
+                                      </p:cBhvr>
+                                      <p:to>
+                                        <p:strVal val="visible"/>
+                                      </p:to>
+                                    </p:set>
+                                    <p:anim calcmode="lin" valueType="num">
+                                      <p:cBhvr additive="base">
+                                        <p:cTn id="11" dur="500" fill="hold"/>
+                                        <p:tgtEl>
+                                          <p:spTgt spid="5"/>
+                                        </p:tgtEl>
+                                        <p:attrNameLst>
+                                          <p:attrName>ppt_x</p:attrName>
+                                        </p:attrNameLst>
+                                      </p:cBhvr>
+                                      <p:tavLst>
+                                        <p:tav tm="0">
+                                          <p:val>
+                                            <p:strVal val="#ppt_x"/>
+                                          </p:val>
+                                        </p:tav>
+                                        <p:tav tm="100000">
+                                          <p:val>
+                                            <p:strVal val="#ppt_x"/>
+                                          </p:val>
+                                        </p:tav>
+                                      </p:tavLst>
+                                    </p:anim>
+                                    <p:anim calcmode="lin" valueType="num">
+                                      <p:cBhvr additive="base">
+                                        <p:cTn id="12" dur="500" fill="hold"/>
+                                        <p:tgtEl>
+                                          <p:spTgt spid="5"/>
+                                        </p:tgtEl>
+                                        <p:attrNameLst>
+                                          <p:attrName>ppt_y</p:attrName>
+                                        </p:attrNameLst>
+                                      </p:cBhvr>
+                                      <p:tavLst>
+                                        <p:tav tm="0">
+                                          <p:val>
+                                            <p:strVal val="1+#ppt_h/2"/>
+                                          </p:val>
+                                        </p:tav>
+                                        <p:tav tm="100000">
+                                          <p:val>
+                                            <p:strVal val="#ppt_y"/>
+                                          </p:val>
+                                        </p:tav>
+                                      </p:tavLst>
+                                    </p:anim>
+                                  </p:childTnLst>
+                                </p:cTn>
+                              </p:par>
+                            </p:childTnLst>
+                          </p:cTn>
+                        </p:par>
+                      </p:childTnLst>
+                    </p:cTn>
+                  </p:par>
+                </p:childTnLst>
+              </p:cTn>
+              <p:prevCondLst>
+                <p:cond evt="onPrev" delay="0">
+                  <p:tgtEl>
+                    <p:sldTgt/>
+                  </p:tgtEl>
+                </p:cond>
+              </p:prevCondLst>
+              <p:nextCondLst>
+                <p:cond evt="onNext" delay="0">
+                  <p:tgtEl>
+                    <p:sldTgt/>
+                  </p:tgtEl>
+                </p:cond>
+              </p:nextCondLst>
+            </p:seq>
+          </p:childTnLst>
+        </p:cTn>
+      </p:par>
+    </p:tnLst>
+    <p:bldLst>
+      <p:bldP spid="4" grpId="0"/>
+      <p:bldP spid="5" grpId="0"/>
+    </p:bldLst>
+  </p:timing>
+</p:sld>
+</file>
+
+<file path=ppt/slides/slide18.xml><?xml version="1.0" encoding="utf-8"?>
 <p:sld xmlns:a="http://schemas.openxmlformats.org/drawingml/2006/main" xmlns:r="http://schemas.openxmlformats.org/officeDocument/2006/relationships" xmlns:p="http://schemas.openxmlformats.org/presentationml/2006/main">
   <p:cSld>
     <p:spTree>
@@ -18466,6 +23787,11 @@
         </p:txBody>
       </p:sp>
     </p:spTree>
+    <p:extLst>
+      <p:ext uri="{BB962C8B-B14F-4D97-AF65-F5344CB8AC3E}">
+        <p14:creationId xmlns:p14="http://schemas.microsoft.com/office/powerpoint/2010/main" val="2667334388"/>
+      </p:ext>
+    </p:extLst>
   </p:cSld>
   <p:clrMapOvr>
     <a:masterClrMapping/>
@@ -18626,7 +23952,7 @@
 </p:sld>
 </file>
 
-<file path=ppt/slides/slide12.xml><?xml version="1.0" encoding="utf-8"?>
+<file path=ppt/slides/slide19.xml><?xml version="1.0" encoding="utf-8"?>
 <p:sld xmlns:a="http://schemas.openxmlformats.org/drawingml/2006/main" xmlns:r="http://schemas.openxmlformats.org/officeDocument/2006/relationships" xmlns:p="http://schemas.openxmlformats.org/presentationml/2006/main">
   <p:cSld>
     <p:spTree>
@@ -21044,7 +26370,7 @@
     </p:spTree>
     <p:extLst>
       <p:ext uri="{BB962C8B-B14F-4D97-AF65-F5344CB8AC3E}">
-        <p14:creationId xmlns:p14="http://schemas.microsoft.com/office/powerpoint/2010/main" val="825777951"/>
+        <p14:creationId xmlns:p14="http://schemas.microsoft.com/office/powerpoint/2010/main" val="3665864450"/>
       </p:ext>
     </p:extLst>
   </p:cSld>
@@ -23235,3349 +28561,6 @@
 </p:sld>
 </file>
 
-<file path=ppt/slides/slide13.xml><?xml version="1.0" encoding="utf-8"?>
-<p:sld xmlns:a="http://schemas.openxmlformats.org/drawingml/2006/main" xmlns:r="http://schemas.openxmlformats.org/officeDocument/2006/relationships" xmlns:p="http://schemas.openxmlformats.org/presentationml/2006/main">
-  <p:cSld>
-    <p:spTree>
-      <p:nvGrpSpPr>
-        <p:cNvPr id="1" name="Shape 394"/>
-        <p:cNvGrpSpPr/>
-        <p:nvPr/>
-      </p:nvGrpSpPr>
-      <p:grpSpPr>
-        <a:xfrm>
-          <a:off x="0" y="0"/>
-          <a:ext cx="0" cy="0"/>
-          <a:chOff x="0" y="0"/>
-          <a:chExt cx="0" cy="0"/>
-        </a:xfrm>
-      </p:grpSpPr>
-      <p:sp>
-        <p:nvSpPr>
-          <p:cNvPr id="395" name="Google Shape;395;p22"/>
-          <p:cNvSpPr txBox="1">
-            <a:spLocks noGrp="1"/>
-          </p:cNvSpPr>
-          <p:nvPr>
-            <p:ph type="title"/>
-          </p:nvPr>
-        </p:nvSpPr>
-        <p:spPr>
-          <a:xfrm>
-            <a:off x="1303800" y="598575"/>
-            <a:ext cx="7030500" cy="999300"/>
-          </a:xfrm>
-          <a:prstGeom prst="rect">
-            <a:avLst/>
-          </a:prstGeom>
-        </p:spPr>
-        <p:txBody>
-          <a:bodyPr spcFirstLastPara="1" wrap="square" lIns="91425" tIns="91425" rIns="91425" bIns="91425" anchor="t" anchorCtr="0">
-            <a:normAutofit/>
-          </a:bodyPr>
-          <a:lstStyle/>
-          <a:p>
-            <a:pPr marL="0" lvl="0" indent="0" algn="l" rtl="0">
-              <a:spcBef>
-                <a:spcPts val="0"/>
-              </a:spcBef>
-              <a:spcAft>
-                <a:spcPts val="0"/>
-              </a:spcAft>
-              <a:buNone/>
-            </a:pPr>
-            <a:r>
-              <a:rPr lang="pt-BR" dirty="0"/>
-              <a:t>Desvio de fluxo (expressão condicional)</a:t>
-            </a:r>
-            <a:endParaRPr dirty="0"/>
-          </a:p>
-        </p:txBody>
-      </p:sp>
-      <p:sp>
-        <p:nvSpPr>
-          <p:cNvPr id="396" name="Google Shape;396;p22"/>
-          <p:cNvSpPr txBox="1">
-            <a:spLocks noGrp="1"/>
-          </p:cNvSpPr>
-          <p:nvPr>
-            <p:ph type="body" idx="1"/>
-          </p:nvPr>
-        </p:nvSpPr>
-        <p:spPr>
-          <a:xfrm>
-            <a:off x="149550" y="1817925"/>
-            <a:ext cx="3485400" cy="2541600"/>
-          </a:xfrm>
-          <a:prstGeom prst="rect">
-            <a:avLst/>
-          </a:prstGeom>
-          <a:ln w="9525" cap="flat" cmpd="sng">
-            <a:solidFill>
-              <a:srgbClr val="000000"/>
-            </a:solidFill>
-            <a:prstDash val="dot"/>
-            <a:round/>
-            <a:headEnd type="none" w="sm" len="sm"/>
-            <a:tailEnd type="none" w="sm" len="sm"/>
-          </a:ln>
-        </p:spPr>
-        <p:txBody>
-          <a:bodyPr spcFirstLastPara="1" wrap="square" lIns="91425" tIns="91425" rIns="91425" bIns="91425" anchor="t" anchorCtr="0">
-            <a:normAutofit/>
-          </a:bodyPr>
-          <a:lstStyle/>
-          <a:p>
-            <a:pPr marL="0" lvl="0" indent="0" algn="l" rtl="0">
-              <a:spcBef>
-                <a:spcPts val="0"/>
-              </a:spcBef>
-              <a:spcAft>
-                <a:spcPts val="0"/>
-              </a:spcAft>
-              <a:buNone/>
-            </a:pPr>
-            <a:r>
-              <a:rPr lang="pt-BR" sz="1700" dirty="0" err="1">
-                <a:latin typeface="Courier"/>
-                <a:ea typeface="Courier"/>
-                <a:cs typeface="Courier"/>
-                <a:sym typeface="Courier"/>
-              </a:rPr>
-              <a:t>if</a:t>
-            </a:r>
-            <a:r>
-              <a:rPr lang="pt-BR" sz="1700" dirty="0">
-                <a:latin typeface="Courier"/>
-                <a:ea typeface="Courier"/>
-                <a:cs typeface="Courier"/>
-                <a:sym typeface="Courier"/>
-              </a:rPr>
-              <a:t> (</a:t>
-            </a:r>
-            <a:r>
-              <a:rPr lang="pt-BR" sz="1700" dirty="0" err="1">
-                <a:latin typeface="Courier"/>
-                <a:ea typeface="Courier"/>
-                <a:cs typeface="Courier"/>
-                <a:sym typeface="Courier"/>
-              </a:rPr>
-              <a:t>expr</a:t>
-            </a:r>
-            <a:r>
-              <a:rPr lang="pt-BR" sz="1700" dirty="0">
-                <a:latin typeface="Courier"/>
-                <a:ea typeface="Courier"/>
-                <a:cs typeface="Courier"/>
-                <a:sym typeface="Courier"/>
-              </a:rPr>
-              <a:t>) {</a:t>
-            </a:r>
-            <a:endParaRPr sz="1700" dirty="0">
-              <a:latin typeface="Courier"/>
-              <a:ea typeface="Courier"/>
-              <a:cs typeface="Courier"/>
-              <a:sym typeface="Courier"/>
-            </a:endParaRPr>
-          </a:p>
-          <a:p>
-            <a:pPr marL="0" lvl="0" indent="0" algn="l" rtl="0">
-              <a:spcBef>
-                <a:spcPts val="1200"/>
-              </a:spcBef>
-              <a:spcAft>
-                <a:spcPts val="0"/>
-              </a:spcAft>
-              <a:buNone/>
-            </a:pPr>
-            <a:r>
-              <a:rPr lang="pt-BR" sz="1700" dirty="0">
-                <a:latin typeface="Courier"/>
-                <a:ea typeface="Courier"/>
-                <a:cs typeface="Courier"/>
-                <a:sym typeface="Courier"/>
-              </a:rPr>
-              <a:t>   </a:t>
-            </a:r>
-            <a:r>
-              <a:rPr lang="pt-BR" sz="1700" dirty="0" err="1">
-                <a:latin typeface="Courier"/>
-                <a:ea typeface="Courier"/>
-                <a:cs typeface="Courier"/>
-                <a:sym typeface="Courier"/>
-              </a:rPr>
-              <a:t>true-stmts</a:t>
-            </a:r>
-            <a:endParaRPr sz="1700" dirty="0">
-              <a:latin typeface="Courier"/>
-              <a:ea typeface="Courier"/>
-              <a:cs typeface="Courier"/>
-              <a:sym typeface="Courier"/>
-            </a:endParaRPr>
-          </a:p>
-          <a:p>
-            <a:pPr marL="0" lvl="0" indent="0" algn="l" rtl="0">
-              <a:spcBef>
-                <a:spcPts val="1200"/>
-              </a:spcBef>
-              <a:spcAft>
-                <a:spcPts val="0"/>
-              </a:spcAft>
-              <a:buNone/>
-            </a:pPr>
-            <a:r>
-              <a:rPr lang="pt-BR" sz="1700" dirty="0">
-                <a:latin typeface="Courier"/>
-                <a:ea typeface="Courier"/>
-                <a:cs typeface="Courier"/>
-                <a:sym typeface="Courier"/>
-              </a:rPr>
-              <a:t>} else {</a:t>
-            </a:r>
-            <a:endParaRPr sz="1700" dirty="0">
-              <a:latin typeface="Courier"/>
-              <a:ea typeface="Courier"/>
-              <a:cs typeface="Courier"/>
-              <a:sym typeface="Courier"/>
-            </a:endParaRPr>
-          </a:p>
-          <a:p>
-            <a:pPr marL="0" lvl="0" indent="0" algn="l" rtl="0">
-              <a:spcBef>
-                <a:spcPts val="1200"/>
-              </a:spcBef>
-              <a:spcAft>
-                <a:spcPts val="0"/>
-              </a:spcAft>
-              <a:buNone/>
-            </a:pPr>
-            <a:r>
-              <a:rPr lang="pt-BR" sz="1700" dirty="0">
-                <a:latin typeface="Courier"/>
-                <a:ea typeface="Courier"/>
-                <a:cs typeface="Courier"/>
-                <a:sym typeface="Courier"/>
-              </a:rPr>
-              <a:t>  false-</a:t>
-            </a:r>
-            <a:r>
-              <a:rPr lang="pt-BR" sz="1700" dirty="0" err="1">
-                <a:latin typeface="Courier"/>
-                <a:ea typeface="Courier"/>
-                <a:cs typeface="Courier"/>
-                <a:sym typeface="Courier"/>
-              </a:rPr>
-              <a:t>stmts</a:t>
-            </a:r>
-            <a:endParaRPr sz="1700" dirty="0">
-              <a:latin typeface="Courier"/>
-              <a:ea typeface="Courier"/>
-              <a:cs typeface="Courier"/>
-              <a:sym typeface="Courier"/>
-            </a:endParaRPr>
-          </a:p>
-          <a:p>
-            <a:pPr marL="0" lvl="0" indent="0" algn="l" rtl="0">
-              <a:spcBef>
-                <a:spcPts val="1200"/>
-              </a:spcBef>
-              <a:spcAft>
-                <a:spcPts val="1200"/>
-              </a:spcAft>
-              <a:buNone/>
-            </a:pPr>
-            <a:r>
-              <a:rPr lang="pt-BR" sz="1700" dirty="0">
-                <a:latin typeface="Courier"/>
-                <a:ea typeface="Courier"/>
-                <a:cs typeface="Courier"/>
-                <a:sym typeface="Courier"/>
-              </a:rPr>
-              <a:t>}</a:t>
-            </a:r>
-            <a:endParaRPr sz="1700" dirty="0">
-              <a:latin typeface="Courier"/>
-              <a:ea typeface="Courier"/>
-              <a:cs typeface="Courier"/>
-              <a:sym typeface="Courier"/>
-            </a:endParaRPr>
-          </a:p>
-        </p:txBody>
-      </p:sp>
-      <p:sp>
-        <p:nvSpPr>
-          <p:cNvPr id="397" name="Google Shape;397;p22"/>
-          <p:cNvSpPr txBox="1">
-            <a:spLocks noGrp="1"/>
-          </p:cNvSpPr>
-          <p:nvPr>
-            <p:ph type="body" idx="1"/>
-          </p:nvPr>
-        </p:nvSpPr>
-        <p:spPr>
-          <a:xfrm>
-            <a:off x="4819500" y="1817925"/>
-            <a:ext cx="4192200" cy="2541600"/>
-          </a:xfrm>
-          <a:prstGeom prst="rect">
-            <a:avLst/>
-          </a:prstGeom>
-          <a:ln w="9525" cap="flat" cmpd="sng">
-            <a:solidFill>
-              <a:srgbClr val="000000"/>
-            </a:solidFill>
-            <a:prstDash val="solid"/>
-            <a:round/>
-            <a:headEnd type="none" w="sm" len="sm"/>
-            <a:tailEnd type="none" w="sm" len="sm"/>
-          </a:ln>
-        </p:spPr>
-        <p:txBody>
-          <a:bodyPr spcFirstLastPara="1" wrap="square" lIns="91425" tIns="91425" rIns="91425" bIns="91425" anchor="t" anchorCtr="0">
-            <a:normAutofit fontScale="85000" lnSpcReduction="10000"/>
-          </a:bodyPr>
-          <a:lstStyle/>
-          <a:p>
-            <a:pPr marL="0" lvl="0" indent="0" algn="l" rtl="0">
-              <a:spcBef>
-                <a:spcPts val="0"/>
-              </a:spcBef>
-              <a:spcAft>
-                <a:spcPts val="0"/>
-              </a:spcAft>
-              <a:buNone/>
-            </a:pPr>
-            <a:r>
-              <a:rPr lang="pt-BR" sz="1700">
-                <a:latin typeface="Courier"/>
-                <a:ea typeface="Courier"/>
-                <a:cs typeface="Courier"/>
-                <a:sym typeface="Courier"/>
-              </a:rPr>
-              <a:t>if_stmt: T_IF ‘(‘ expr ‘)’ ‘{‘</a:t>
-            </a:r>
-            <a:endParaRPr sz="1700">
-              <a:latin typeface="Courier"/>
-              <a:ea typeface="Courier"/>
-              <a:cs typeface="Courier"/>
-              <a:sym typeface="Courier"/>
-            </a:endParaRPr>
-          </a:p>
-          <a:p>
-            <a:pPr marL="0" lvl="0" indent="0" algn="l" rtl="0">
-              <a:spcBef>
-                <a:spcPts val="1200"/>
-              </a:spcBef>
-              <a:spcAft>
-                <a:spcPts val="0"/>
-              </a:spcAft>
-              <a:buNone/>
-            </a:pPr>
-            <a:r>
-              <a:rPr lang="pt-BR" sz="1700">
-                <a:latin typeface="Courier"/>
-                <a:ea typeface="Courier"/>
-                <a:cs typeface="Courier"/>
-                <a:sym typeface="Courier"/>
-              </a:rPr>
-              <a:t>		  		stmt_list</a:t>
-            </a:r>
-            <a:endParaRPr sz="1700">
-              <a:latin typeface="Courier"/>
-              <a:ea typeface="Courier"/>
-              <a:cs typeface="Courier"/>
-              <a:sym typeface="Courier"/>
-            </a:endParaRPr>
-          </a:p>
-          <a:p>
-            <a:pPr marL="914400" lvl="0" indent="0" algn="l" rtl="0">
-              <a:spcBef>
-                <a:spcPts val="1200"/>
-              </a:spcBef>
-              <a:spcAft>
-                <a:spcPts val="0"/>
-              </a:spcAft>
-              <a:buNone/>
-            </a:pPr>
-            <a:r>
-              <a:rPr lang="pt-BR" sz="1700">
-                <a:latin typeface="Courier"/>
-                <a:ea typeface="Courier"/>
-                <a:cs typeface="Courier"/>
-                <a:sym typeface="Courier"/>
-              </a:rPr>
-              <a:t>  ‘}’ T_ELSE ‘{‘</a:t>
-            </a:r>
-            <a:endParaRPr sz="1700">
-              <a:latin typeface="Courier"/>
-              <a:ea typeface="Courier"/>
-              <a:cs typeface="Courier"/>
-              <a:sym typeface="Courier"/>
-            </a:endParaRPr>
-          </a:p>
-          <a:p>
-            <a:pPr marL="0" lvl="0" indent="0" algn="l" rtl="0">
-              <a:spcBef>
-                <a:spcPts val="1200"/>
-              </a:spcBef>
-              <a:spcAft>
-                <a:spcPts val="0"/>
-              </a:spcAft>
-              <a:buNone/>
-            </a:pPr>
-            <a:r>
-              <a:rPr lang="pt-BR" sz="1700">
-                <a:latin typeface="Courier"/>
-                <a:ea typeface="Courier"/>
-                <a:cs typeface="Courier"/>
-                <a:sym typeface="Courier"/>
-              </a:rPr>
-              <a:t>				stmt_list</a:t>
-            </a:r>
-            <a:endParaRPr sz="1700">
-              <a:latin typeface="Courier"/>
-              <a:ea typeface="Courier"/>
-              <a:cs typeface="Courier"/>
-              <a:sym typeface="Courier"/>
-            </a:endParaRPr>
-          </a:p>
-          <a:p>
-            <a:pPr marL="914400" lvl="0" indent="457200" algn="l" rtl="0">
-              <a:spcBef>
-                <a:spcPts val="1200"/>
-              </a:spcBef>
-              <a:spcAft>
-                <a:spcPts val="1200"/>
-              </a:spcAft>
-              <a:buNone/>
-            </a:pPr>
-            <a:r>
-              <a:rPr lang="pt-BR" sz="1700">
-                <a:latin typeface="Courier"/>
-                <a:ea typeface="Courier"/>
-                <a:cs typeface="Courier"/>
-                <a:sym typeface="Courier"/>
-              </a:rPr>
-              <a:t>‘}’</a:t>
-            </a:r>
-            <a:endParaRPr sz="1700">
-              <a:latin typeface="Courier"/>
-              <a:ea typeface="Courier"/>
-              <a:cs typeface="Courier"/>
-              <a:sym typeface="Courier"/>
-            </a:endParaRPr>
-          </a:p>
-        </p:txBody>
-      </p:sp>
-      <p:cxnSp>
-        <p:nvCxnSpPr>
-          <p:cNvPr id="398" name="Google Shape;398;p22"/>
-          <p:cNvCxnSpPr>
-            <a:stCxn id="396" idx="3"/>
-            <a:endCxn id="397" idx="1"/>
-          </p:cNvCxnSpPr>
-          <p:nvPr/>
-        </p:nvCxnSpPr>
-        <p:spPr>
-          <a:xfrm>
-            <a:off x="3634950" y="3088725"/>
-            <a:ext cx="1184700" cy="0"/>
-          </a:xfrm>
-          <a:prstGeom prst="straightConnector1">
-            <a:avLst/>
-          </a:prstGeom>
-          <a:noFill/>
-          <a:ln w="9525" cap="flat" cmpd="sng">
-            <a:solidFill>
-              <a:schemeClr val="dk2"/>
-            </a:solidFill>
-            <a:prstDash val="solid"/>
-            <a:round/>
-            <a:headEnd type="none" w="med" len="med"/>
-            <a:tailEnd type="triangle" w="med" len="med"/>
-          </a:ln>
-        </p:spPr>
-      </p:cxnSp>
-      <p:sp>
-        <p:nvSpPr>
-          <p:cNvPr id="399" name="Google Shape;399;p22"/>
-          <p:cNvSpPr txBox="1"/>
-          <p:nvPr/>
-        </p:nvSpPr>
-        <p:spPr>
-          <a:xfrm>
-            <a:off x="1022625" y="1270025"/>
-            <a:ext cx="1741500" cy="431100"/>
-          </a:xfrm>
-          <a:prstGeom prst="rect">
-            <a:avLst/>
-          </a:prstGeom>
-          <a:noFill/>
-          <a:ln>
-            <a:noFill/>
-          </a:ln>
-        </p:spPr>
-        <p:txBody>
-          <a:bodyPr spcFirstLastPara="1" wrap="square" lIns="91425" tIns="91425" rIns="91425" bIns="91425" anchor="t" anchorCtr="0">
-            <a:spAutoFit/>
-          </a:bodyPr>
-          <a:lstStyle/>
-          <a:p>
-            <a:pPr marL="0" lvl="0" indent="0" algn="ctr" rtl="0">
-              <a:spcBef>
-                <a:spcPts val="0"/>
-              </a:spcBef>
-              <a:spcAft>
-                <a:spcPts val="0"/>
-              </a:spcAft>
-              <a:buNone/>
-            </a:pPr>
-            <a:r>
-              <a:rPr lang="pt-BR" sz="1600" b="1">
-                <a:latin typeface="Nunito"/>
-                <a:ea typeface="Nunito"/>
-                <a:cs typeface="Nunito"/>
-                <a:sym typeface="Nunito"/>
-              </a:rPr>
-              <a:t>pseudo-código</a:t>
-            </a:r>
-            <a:endParaRPr sz="1600" b="1">
-              <a:latin typeface="Nunito"/>
-              <a:ea typeface="Nunito"/>
-              <a:cs typeface="Nunito"/>
-              <a:sym typeface="Nunito"/>
-            </a:endParaRPr>
-          </a:p>
-        </p:txBody>
-      </p:sp>
-      <p:sp>
-        <p:nvSpPr>
-          <p:cNvPr id="400" name="Google Shape;400;p22"/>
-          <p:cNvSpPr txBox="1"/>
-          <p:nvPr/>
-        </p:nvSpPr>
-        <p:spPr>
-          <a:xfrm>
-            <a:off x="6273600" y="1319175"/>
-            <a:ext cx="1284000" cy="431100"/>
-          </a:xfrm>
-          <a:prstGeom prst="rect">
-            <a:avLst/>
-          </a:prstGeom>
-          <a:noFill/>
-          <a:ln>
-            <a:noFill/>
-          </a:ln>
-        </p:spPr>
-        <p:txBody>
-          <a:bodyPr spcFirstLastPara="1" wrap="square" lIns="91425" tIns="91425" rIns="91425" bIns="91425" anchor="t" anchorCtr="0">
-            <a:spAutoFit/>
-          </a:bodyPr>
-          <a:lstStyle/>
-          <a:p>
-            <a:pPr marL="0" lvl="0" indent="0" algn="ctr" rtl="0">
-              <a:spcBef>
-                <a:spcPts val="0"/>
-              </a:spcBef>
-              <a:spcAft>
-                <a:spcPts val="0"/>
-              </a:spcAft>
-              <a:buNone/>
-            </a:pPr>
-            <a:r>
-              <a:rPr lang="pt-BR" sz="1600" b="1">
-                <a:latin typeface="Nunito"/>
-                <a:ea typeface="Nunito"/>
-                <a:cs typeface="Nunito"/>
-                <a:sym typeface="Nunito"/>
-              </a:rPr>
-              <a:t>gramática</a:t>
-            </a:r>
-            <a:endParaRPr sz="1600" b="1">
-              <a:latin typeface="Nunito"/>
-              <a:ea typeface="Nunito"/>
-              <a:cs typeface="Nunito"/>
-              <a:sym typeface="Nunito"/>
-            </a:endParaRPr>
-          </a:p>
-        </p:txBody>
-      </p:sp>
-    </p:spTree>
-  </p:cSld>
-  <p:clrMapOvr>
-    <a:masterClrMapping/>
-  </p:clrMapOvr>
-  <p:timing>
-    <p:tnLst>
-      <p:par>
-        <p:cTn id="1" dur="indefinite" restart="never" nodeType="tmRoot">
-          <p:childTnLst>
-            <p:seq concurrent="1" nextAc="seek">
-              <p:cTn id="2" dur="indefinite" nodeType="mainSeq">
-                <p:childTnLst>
-                  <p:par>
-                    <p:cTn id="3" fill="hold">
-                      <p:stCondLst>
-                        <p:cond delay="indefinite"/>
-                      </p:stCondLst>
-                      <p:childTnLst>
-                        <p:par>
-                          <p:cTn id="4" fill="hold">
-                            <p:stCondLst>
-                              <p:cond delay="0"/>
-                            </p:stCondLst>
-                            <p:childTnLst>
-                              <p:par>
-                                <p:cTn id="5" presetID="10" presetClass="entr" presetSubtype="0" fill="hold" nodeType="clickEffect">
-                                  <p:stCondLst>
-                                    <p:cond delay="0"/>
-                                  </p:stCondLst>
-                                  <p:childTnLst>
-                                    <p:set>
-                                      <p:cBhvr>
-                                        <p:cTn id="6" dur="1" fill="hold">
-                                          <p:stCondLst>
-                                            <p:cond delay="0"/>
-                                          </p:stCondLst>
-                                        </p:cTn>
-                                        <p:tgtEl>
-                                          <p:spTgt spid="397"/>
-                                        </p:tgtEl>
-                                        <p:attrNameLst>
-                                          <p:attrName>style.visibility</p:attrName>
-                                        </p:attrNameLst>
-                                      </p:cBhvr>
-                                      <p:to>
-                                        <p:strVal val="visible"/>
-                                      </p:to>
-                                    </p:set>
-                                    <p:animEffect transition="in" filter="fade">
-                                      <p:cBhvr>
-                                        <p:cTn id="7" dur="1000"/>
-                                        <p:tgtEl>
-                                          <p:spTgt spid="397"/>
-                                        </p:tgtEl>
-                                      </p:cBhvr>
-                                    </p:animEffect>
-                                  </p:childTnLst>
-                                </p:cTn>
-                              </p:par>
-                              <p:par>
-                                <p:cTn id="8" presetID="10" presetClass="entr" presetSubtype="0" fill="hold" nodeType="withEffect">
-                                  <p:stCondLst>
-                                    <p:cond delay="0"/>
-                                  </p:stCondLst>
-                                  <p:childTnLst>
-                                    <p:set>
-                                      <p:cBhvr>
-                                        <p:cTn id="9" dur="1" fill="hold">
-                                          <p:stCondLst>
-                                            <p:cond delay="0"/>
-                                          </p:stCondLst>
-                                        </p:cTn>
-                                        <p:tgtEl>
-                                          <p:spTgt spid="398"/>
-                                        </p:tgtEl>
-                                        <p:attrNameLst>
-                                          <p:attrName>style.visibility</p:attrName>
-                                        </p:attrNameLst>
-                                      </p:cBhvr>
-                                      <p:to>
-                                        <p:strVal val="visible"/>
-                                      </p:to>
-                                    </p:set>
-                                    <p:animEffect transition="in" filter="fade">
-                                      <p:cBhvr>
-                                        <p:cTn id="10" dur="1000"/>
-                                        <p:tgtEl>
-                                          <p:spTgt spid="398"/>
-                                        </p:tgtEl>
-                                      </p:cBhvr>
-                                    </p:animEffect>
-                                  </p:childTnLst>
-                                </p:cTn>
-                              </p:par>
-                              <p:par>
-                                <p:cTn id="11" presetID="10" presetClass="entr" presetSubtype="0" fill="hold" nodeType="withEffect">
-                                  <p:stCondLst>
-                                    <p:cond delay="0"/>
-                                  </p:stCondLst>
-                                  <p:childTnLst>
-                                    <p:set>
-                                      <p:cBhvr>
-                                        <p:cTn id="12" dur="1" fill="hold">
-                                          <p:stCondLst>
-                                            <p:cond delay="0"/>
-                                          </p:stCondLst>
-                                        </p:cTn>
-                                        <p:tgtEl>
-                                          <p:spTgt spid="400"/>
-                                        </p:tgtEl>
-                                        <p:attrNameLst>
-                                          <p:attrName>style.visibility</p:attrName>
-                                        </p:attrNameLst>
-                                      </p:cBhvr>
-                                      <p:to>
-                                        <p:strVal val="visible"/>
-                                      </p:to>
-                                    </p:set>
-                                    <p:animEffect transition="in" filter="fade">
-                                      <p:cBhvr>
-                                        <p:cTn id="13" dur="1000"/>
-                                        <p:tgtEl>
-                                          <p:spTgt spid="400"/>
-                                        </p:tgtEl>
-                                      </p:cBhvr>
-                                    </p:animEffect>
-                                  </p:childTnLst>
-                                </p:cTn>
-                              </p:par>
-                            </p:childTnLst>
-                          </p:cTn>
-                        </p:par>
-                      </p:childTnLst>
-                    </p:cTn>
-                  </p:par>
-                </p:childTnLst>
-              </p:cTn>
-              <p:prevCondLst>
-                <p:cond evt="onPrev" delay="0">
-                  <p:tgtEl>
-                    <p:sldTgt/>
-                  </p:tgtEl>
-                </p:cond>
-              </p:prevCondLst>
-              <p:nextCondLst>
-                <p:cond evt="onNext" delay="0">
-                  <p:tgtEl>
-                    <p:sldTgt/>
-                  </p:tgtEl>
-                </p:cond>
-              </p:nextCondLst>
-            </p:seq>
-          </p:childTnLst>
-        </p:cTn>
-      </p:par>
-    </p:tnLst>
-  </p:timing>
-</p:sld>
-</file>
-
-<file path=ppt/slides/slide14.xml><?xml version="1.0" encoding="utf-8"?>
-<p:sld xmlns:a="http://schemas.openxmlformats.org/drawingml/2006/main" xmlns:r="http://schemas.openxmlformats.org/officeDocument/2006/relationships" xmlns:p="http://schemas.openxmlformats.org/presentationml/2006/main">
-  <p:cSld>
-    <p:spTree>
-      <p:nvGrpSpPr>
-        <p:cNvPr id="1" name="Shape 404"/>
-        <p:cNvGrpSpPr/>
-        <p:nvPr/>
-      </p:nvGrpSpPr>
-      <p:grpSpPr>
-        <a:xfrm>
-          <a:off x="0" y="0"/>
-          <a:ext cx="0" cy="0"/>
-          <a:chOff x="0" y="0"/>
-          <a:chExt cx="0" cy="0"/>
-        </a:xfrm>
-      </p:grpSpPr>
-      <p:sp>
-        <p:nvSpPr>
-          <p:cNvPr id="405" name="Google Shape;405;p23"/>
-          <p:cNvSpPr txBox="1">
-            <a:spLocks noGrp="1"/>
-          </p:cNvSpPr>
-          <p:nvPr>
-            <p:ph type="title"/>
-          </p:nvPr>
-        </p:nvSpPr>
-        <p:spPr>
-          <a:xfrm>
-            <a:off x="1303800" y="598575"/>
-            <a:ext cx="7030500" cy="999300"/>
-          </a:xfrm>
-          <a:prstGeom prst="rect">
-            <a:avLst/>
-          </a:prstGeom>
-        </p:spPr>
-        <p:txBody>
-          <a:bodyPr spcFirstLastPara="1" wrap="square" lIns="91425" tIns="91425" rIns="91425" bIns="91425" anchor="t" anchorCtr="0">
-            <a:normAutofit/>
-          </a:bodyPr>
-          <a:lstStyle/>
-          <a:p>
-            <a:pPr marL="0" lvl="0" indent="0" algn="l" rtl="0">
-              <a:spcBef>
-                <a:spcPts val="0"/>
-              </a:spcBef>
-              <a:spcAft>
-                <a:spcPts val="0"/>
-              </a:spcAft>
-              <a:buNone/>
-            </a:pPr>
-            <a:r>
-              <a:rPr lang="pt-BR" dirty="0"/>
-              <a:t>Expressão condicional</a:t>
-            </a:r>
-            <a:endParaRPr dirty="0"/>
-          </a:p>
-        </p:txBody>
-      </p:sp>
-      <p:sp>
-        <p:nvSpPr>
-          <p:cNvPr id="406" name="Google Shape;406;p23"/>
-          <p:cNvSpPr txBox="1"/>
-          <p:nvPr/>
-        </p:nvSpPr>
-        <p:spPr>
-          <a:xfrm>
-            <a:off x="5213725" y="2101293"/>
-            <a:ext cx="3609300" cy="2154406"/>
-          </a:xfrm>
-          <a:prstGeom prst="rect">
-            <a:avLst/>
-          </a:prstGeom>
-          <a:noFill/>
-          <a:ln w="9525" cap="flat" cmpd="sng">
-            <a:solidFill>
-              <a:srgbClr val="000000"/>
-            </a:solidFill>
-            <a:prstDash val="dot"/>
-            <a:round/>
-            <a:headEnd type="none" w="sm" len="sm"/>
-            <a:tailEnd type="none" w="sm" len="sm"/>
-          </a:ln>
-        </p:spPr>
-        <p:txBody>
-          <a:bodyPr spcFirstLastPara="1" wrap="square" lIns="91425" tIns="91425" rIns="91425" bIns="91425" anchor="t" anchorCtr="0">
-            <a:spAutoFit/>
-          </a:bodyPr>
-          <a:lstStyle/>
-          <a:p>
-            <a:pPr marL="0" lvl="0" indent="457200" algn="l" rtl="0">
-              <a:spcBef>
-                <a:spcPts val="0"/>
-              </a:spcBef>
-              <a:spcAft>
-                <a:spcPts val="0"/>
-              </a:spcAft>
-              <a:buNone/>
-            </a:pPr>
-            <a:r>
-              <a:rPr lang="pt-BR" sz="1600" b="1" dirty="0" err="1">
-                <a:solidFill>
-                  <a:schemeClr val="dk1"/>
-                </a:solidFill>
-                <a:latin typeface="Courier New"/>
-                <a:ea typeface="Courier New"/>
-                <a:cs typeface="Courier New"/>
-                <a:sym typeface="Courier New"/>
-              </a:rPr>
-              <a:t>ld</a:t>
-            </a:r>
-            <a:r>
-              <a:rPr lang="pt-BR" sz="1600" b="1" dirty="0">
-                <a:latin typeface="Courier New"/>
-                <a:ea typeface="Courier New"/>
-                <a:cs typeface="Courier New"/>
-                <a:sym typeface="Courier New"/>
-              </a:rPr>
-              <a:t>      </a:t>
-            </a:r>
-            <a:r>
-              <a:rPr lang="pt-BR" sz="1600" b="1" dirty="0">
-                <a:solidFill>
-                  <a:srgbClr val="073763"/>
-                </a:solidFill>
-                <a:latin typeface="Courier New"/>
-                <a:ea typeface="Courier New"/>
-                <a:cs typeface="Courier New"/>
-                <a:sym typeface="Courier New"/>
-              </a:rPr>
-              <a:t>t0</a:t>
-            </a:r>
-            <a:r>
-              <a:rPr lang="pt-BR" sz="1600" b="1" dirty="0">
-                <a:latin typeface="Courier New"/>
-                <a:ea typeface="Courier New"/>
-                <a:cs typeface="Courier New"/>
-                <a:sym typeface="Courier New"/>
-              </a:rPr>
-              <a:t>,0(#i)</a:t>
-            </a:r>
-            <a:endParaRPr sz="1600" b="1" dirty="0">
-              <a:latin typeface="Courier New"/>
-              <a:ea typeface="Courier New"/>
-              <a:cs typeface="Courier New"/>
-              <a:sym typeface="Courier New"/>
-            </a:endParaRPr>
-          </a:p>
-          <a:p>
-            <a:pPr marL="0" lvl="0" indent="457200" algn="l" rtl="0">
-              <a:spcBef>
-                <a:spcPts val="0"/>
-              </a:spcBef>
-              <a:spcAft>
-                <a:spcPts val="0"/>
-              </a:spcAft>
-              <a:buNone/>
-            </a:pPr>
-            <a:r>
-              <a:rPr lang="pt-BR" sz="1600" b="1" dirty="0">
-                <a:solidFill>
-                  <a:schemeClr val="dk1"/>
-                </a:solidFill>
-                <a:latin typeface="Courier New"/>
-                <a:ea typeface="Courier New"/>
-                <a:cs typeface="Courier New"/>
-                <a:sym typeface="Courier New"/>
-              </a:rPr>
-              <a:t>li</a:t>
-            </a:r>
-            <a:r>
-              <a:rPr lang="pt-BR" sz="1600" b="1" dirty="0">
-                <a:latin typeface="Courier New"/>
-                <a:ea typeface="Courier New"/>
-                <a:cs typeface="Courier New"/>
-                <a:sym typeface="Courier New"/>
-              </a:rPr>
-              <a:t>      </a:t>
-            </a:r>
-            <a:r>
-              <a:rPr lang="pt-BR" sz="1600" b="1" dirty="0">
-                <a:solidFill>
-                  <a:srgbClr val="073763"/>
-                </a:solidFill>
-                <a:latin typeface="Courier New"/>
-                <a:ea typeface="Courier New"/>
-                <a:cs typeface="Courier New"/>
-                <a:sym typeface="Courier New"/>
-              </a:rPr>
-              <a:t>t1</a:t>
-            </a:r>
-            <a:r>
-              <a:rPr lang="pt-BR" sz="1600" b="1" dirty="0">
-                <a:latin typeface="Courier New"/>
-                <a:ea typeface="Courier New"/>
-                <a:cs typeface="Courier New"/>
-                <a:sym typeface="Courier New"/>
-              </a:rPr>
-              <a:t>,10</a:t>
-            </a:r>
-            <a:endParaRPr sz="1600" b="1" dirty="0">
-              <a:solidFill>
-                <a:srgbClr val="274E13"/>
-              </a:solidFill>
-              <a:latin typeface="Courier New"/>
-              <a:ea typeface="Courier New"/>
-              <a:cs typeface="Courier New"/>
-              <a:sym typeface="Courier New"/>
-            </a:endParaRPr>
-          </a:p>
-          <a:p>
-            <a:pPr marL="0" marR="0" lvl="0" indent="457200" algn="l" rtl="0">
-              <a:lnSpc>
-                <a:spcPct val="100000"/>
-              </a:lnSpc>
-              <a:spcBef>
-                <a:spcPts val="0"/>
-              </a:spcBef>
-              <a:spcAft>
-                <a:spcPts val="0"/>
-              </a:spcAft>
-              <a:buNone/>
-            </a:pPr>
-            <a:r>
-              <a:rPr lang="pt-BR" sz="1600" b="1" dirty="0" err="1">
-                <a:solidFill>
-                  <a:schemeClr val="dk1"/>
-                </a:solidFill>
-                <a:latin typeface="Courier New"/>
-                <a:ea typeface="Courier New"/>
-                <a:cs typeface="Courier New"/>
-                <a:sym typeface="Courier New"/>
-              </a:rPr>
-              <a:t>ble</a:t>
-            </a:r>
-            <a:r>
-              <a:rPr lang="pt-BR" sz="1600" b="1" dirty="0">
-                <a:latin typeface="Courier New"/>
-                <a:ea typeface="Courier New"/>
-                <a:cs typeface="Courier New"/>
-                <a:sym typeface="Courier New"/>
-              </a:rPr>
-              <a:t>     </a:t>
-            </a:r>
-            <a:r>
-              <a:rPr lang="pt-BR" sz="1600" b="1" dirty="0">
-                <a:solidFill>
-                  <a:srgbClr val="073763"/>
-                </a:solidFill>
-                <a:latin typeface="Courier New"/>
-                <a:ea typeface="Courier New"/>
-                <a:cs typeface="Courier New"/>
-                <a:sym typeface="Courier New"/>
-              </a:rPr>
-              <a:t>t0</a:t>
-            </a:r>
-            <a:r>
-              <a:rPr lang="pt-BR" sz="1600" b="1" dirty="0">
-                <a:latin typeface="Courier New"/>
-                <a:ea typeface="Courier New"/>
-                <a:cs typeface="Courier New"/>
-                <a:sym typeface="Courier New"/>
-              </a:rPr>
-              <a:t>,t1,true_label</a:t>
-            </a:r>
-          </a:p>
-          <a:p>
-            <a:pPr marL="0" marR="0" lvl="0" indent="457200" algn="l" rtl="0">
-              <a:lnSpc>
-                <a:spcPct val="100000"/>
-              </a:lnSpc>
-              <a:spcBef>
-                <a:spcPts val="0"/>
-              </a:spcBef>
-              <a:spcAft>
-                <a:spcPts val="0"/>
-              </a:spcAft>
-              <a:buNone/>
-            </a:pPr>
-            <a:r>
-              <a:rPr lang="pt-BR" sz="1600" b="1" dirty="0">
-                <a:solidFill>
-                  <a:schemeClr val="dk1"/>
-                </a:solidFill>
-                <a:latin typeface="Courier New"/>
-                <a:cs typeface="Courier New"/>
-                <a:sym typeface="Courier New"/>
-              </a:rPr>
-              <a:t>j</a:t>
-            </a:r>
-            <a:r>
-              <a:rPr lang="pt-BR" sz="1600" b="1" dirty="0">
-                <a:latin typeface="Courier New"/>
-                <a:ea typeface="Courier New"/>
-                <a:cs typeface="Courier New"/>
-                <a:sym typeface="Courier New"/>
-              </a:rPr>
-              <a:t>	     </a:t>
-            </a:r>
-            <a:r>
-              <a:rPr lang="pt-BR" sz="1600" b="1" dirty="0" err="1">
-                <a:latin typeface="Courier New"/>
-                <a:ea typeface="Courier New"/>
-                <a:cs typeface="Courier New"/>
-                <a:sym typeface="Courier New"/>
-              </a:rPr>
-              <a:t>false_label</a:t>
-            </a:r>
-            <a:endParaRPr lang="pt-BR" sz="1600" b="1" dirty="0">
-              <a:latin typeface="Courier New"/>
-              <a:ea typeface="Courier New"/>
-              <a:cs typeface="Courier New"/>
-              <a:sym typeface="Courier New"/>
-            </a:endParaRPr>
-          </a:p>
-          <a:p>
-            <a:pPr marL="0" lvl="0" indent="0" algn="l" rtl="0">
-              <a:spcBef>
-                <a:spcPts val="0"/>
-              </a:spcBef>
-              <a:spcAft>
-                <a:spcPts val="0"/>
-              </a:spcAft>
-              <a:buNone/>
-            </a:pPr>
-            <a:r>
-              <a:rPr lang="pt-BR" sz="1600" b="1" dirty="0" err="1">
-                <a:solidFill>
-                  <a:srgbClr val="274E13"/>
-                </a:solidFill>
-                <a:latin typeface="Courier New"/>
-                <a:ea typeface="Courier New"/>
-                <a:cs typeface="Courier New"/>
-                <a:sym typeface="Courier New"/>
-              </a:rPr>
-              <a:t>true_label</a:t>
-            </a:r>
-            <a:r>
-              <a:rPr lang="pt-BR" sz="1600" b="1" dirty="0">
-                <a:solidFill>
-                  <a:srgbClr val="274E13"/>
-                </a:solidFill>
-                <a:latin typeface="Courier New"/>
-                <a:ea typeface="Courier New"/>
-                <a:cs typeface="Courier New"/>
-                <a:sym typeface="Courier New"/>
-              </a:rPr>
-              <a:t>:</a:t>
-            </a:r>
-          </a:p>
-          <a:p>
-            <a:r>
-              <a:rPr lang="pt-BR" sz="1600" b="1" dirty="0">
-                <a:solidFill>
-                  <a:srgbClr val="666666"/>
-                </a:solidFill>
-                <a:latin typeface="Courier New"/>
-                <a:ea typeface="Courier New"/>
-                <a:cs typeface="Courier New"/>
-                <a:sym typeface="Courier New"/>
-              </a:rPr>
-              <a:t>    &lt;</a:t>
-            </a:r>
-            <a:r>
-              <a:rPr lang="pt-BR" sz="1600" b="1" dirty="0" err="1">
-                <a:solidFill>
-                  <a:srgbClr val="666666"/>
-                </a:solidFill>
-                <a:latin typeface="Courier New"/>
-                <a:ea typeface="Courier New"/>
-                <a:cs typeface="Courier New"/>
-                <a:sym typeface="Courier New"/>
-              </a:rPr>
-              <a:t>true-stmts</a:t>
-            </a:r>
-            <a:r>
-              <a:rPr lang="pt-BR" sz="1600" b="1" dirty="0">
-                <a:solidFill>
-                  <a:srgbClr val="666666"/>
-                </a:solidFill>
-                <a:latin typeface="Courier New"/>
-                <a:ea typeface="Courier New"/>
-                <a:cs typeface="Courier New"/>
-                <a:sym typeface="Courier New"/>
-              </a:rPr>
-              <a:t>&gt;</a:t>
-            </a:r>
-          </a:p>
-          <a:p>
-            <a:r>
-              <a:rPr lang="pt-BR" sz="1600" b="1" dirty="0" err="1">
-                <a:solidFill>
-                  <a:srgbClr val="274E13"/>
-                </a:solidFill>
-                <a:latin typeface="Courier New"/>
-                <a:cs typeface="Courier New"/>
-                <a:sym typeface="Courier New"/>
-              </a:rPr>
-              <a:t>false_label</a:t>
-            </a:r>
-            <a:r>
-              <a:rPr lang="pt-BR" sz="1600" b="1" dirty="0">
-                <a:solidFill>
-                  <a:srgbClr val="274E13"/>
-                </a:solidFill>
-                <a:latin typeface="Courier New"/>
-                <a:cs typeface="Courier New"/>
-                <a:sym typeface="Courier New"/>
-              </a:rPr>
-              <a:t>:</a:t>
-            </a:r>
-          </a:p>
-          <a:p>
-            <a:r>
-              <a:rPr lang="pt-BR" sz="1600" b="1" dirty="0">
-                <a:solidFill>
-                  <a:srgbClr val="666666"/>
-                </a:solidFill>
-                <a:latin typeface="Courier New"/>
-                <a:ea typeface="Courier New"/>
-                <a:cs typeface="Courier New"/>
-                <a:sym typeface="Courier New"/>
-              </a:rPr>
-              <a:t>    &lt;false-</a:t>
-            </a:r>
-            <a:r>
-              <a:rPr lang="pt-BR" sz="1600" b="1" dirty="0" err="1">
-                <a:solidFill>
-                  <a:srgbClr val="666666"/>
-                </a:solidFill>
-                <a:latin typeface="Courier New"/>
-                <a:ea typeface="Courier New"/>
-                <a:cs typeface="Courier New"/>
-                <a:sym typeface="Courier New"/>
-              </a:rPr>
-              <a:t>stmts</a:t>
-            </a:r>
-            <a:r>
-              <a:rPr lang="pt-BR" sz="1600" b="1" dirty="0">
-                <a:solidFill>
-                  <a:srgbClr val="666666"/>
-                </a:solidFill>
-                <a:latin typeface="Courier New"/>
-                <a:ea typeface="Courier New"/>
-                <a:cs typeface="Courier New"/>
-                <a:sym typeface="Courier New"/>
-              </a:rPr>
-              <a:t>&gt;</a:t>
-            </a:r>
-          </a:p>
-        </p:txBody>
-      </p:sp>
-      <p:sp>
-        <p:nvSpPr>
-          <p:cNvPr id="407" name="Google Shape;407;p23"/>
-          <p:cNvSpPr txBox="1"/>
-          <p:nvPr/>
-        </p:nvSpPr>
-        <p:spPr>
-          <a:xfrm>
-            <a:off x="190500" y="2470625"/>
-            <a:ext cx="4221000" cy="1415742"/>
-          </a:xfrm>
-          <a:prstGeom prst="rect">
-            <a:avLst/>
-          </a:prstGeom>
-          <a:noFill/>
-          <a:ln w="9525" cap="flat" cmpd="sng">
-            <a:solidFill>
-              <a:srgbClr val="000000"/>
-            </a:solidFill>
-            <a:prstDash val="dot"/>
-            <a:round/>
-            <a:headEnd type="none" w="sm" len="sm"/>
-            <a:tailEnd type="none" w="sm" len="sm"/>
-          </a:ln>
-        </p:spPr>
-        <p:txBody>
-          <a:bodyPr spcFirstLastPara="1" wrap="square" lIns="91425" tIns="91425" rIns="91425" bIns="91425" anchor="t" anchorCtr="0">
-            <a:spAutoFit/>
-          </a:bodyPr>
-          <a:lstStyle/>
-          <a:p>
-            <a:pPr marL="0" marR="0" lvl="0" indent="0" algn="l" rtl="0">
-              <a:lnSpc>
-                <a:spcPct val="100000"/>
-              </a:lnSpc>
-              <a:spcBef>
-                <a:spcPts val="0"/>
-              </a:spcBef>
-              <a:spcAft>
-                <a:spcPts val="0"/>
-              </a:spcAft>
-              <a:buNone/>
-            </a:pPr>
-            <a:r>
-              <a:rPr lang="pt-BR" sz="1600" b="1" dirty="0" err="1">
-                <a:solidFill>
-                  <a:schemeClr val="dk1"/>
-                </a:solidFill>
-                <a:latin typeface="Courier New"/>
-                <a:ea typeface="Courier New"/>
-                <a:cs typeface="Courier New"/>
-                <a:sym typeface="Courier New"/>
-              </a:rPr>
-              <a:t>if</a:t>
-            </a:r>
-            <a:r>
-              <a:rPr lang="pt-BR" sz="1600" b="1" dirty="0">
-                <a:latin typeface="Courier New"/>
-                <a:ea typeface="Courier New"/>
-                <a:cs typeface="Courier New"/>
-                <a:sym typeface="Courier New"/>
-              </a:rPr>
-              <a:t> (i &lt;= 10) {</a:t>
-            </a:r>
-            <a:r>
-              <a:rPr lang="pt-BR" sz="1600" b="1" dirty="0">
-                <a:solidFill>
-                  <a:srgbClr val="274E13"/>
-                </a:solidFill>
-                <a:latin typeface="Courier New"/>
-                <a:ea typeface="Courier New"/>
-                <a:cs typeface="Courier New"/>
-                <a:sym typeface="Courier New"/>
-              </a:rPr>
-              <a:t> </a:t>
-            </a:r>
-            <a:endParaRPr sz="1600" b="1" dirty="0">
-              <a:latin typeface="Courier New"/>
-              <a:ea typeface="Courier New"/>
-              <a:cs typeface="Courier New"/>
-              <a:sym typeface="Courier New"/>
-            </a:endParaRPr>
-          </a:p>
-          <a:p>
-            <a:pPr marL="0" lvl="0" indent="457200" algn="l" rtl="0">
-              <a:spcBef>
-                <a:spcPts val="0"/>
-              </a:spcBef>
-              <a:spcAft>
-                <a:spcPts val="0"/>
-              </a:spcAft>
-              <a:buNone/>
-            </a:pPr>
-            <a:r>
-              <a:rPr lang="pt-BR" sz="1600" b="1" dirty="0">
-                <a:solidFill>
-                  <a:srgbClr val="666666"/>
-                </a:solidFill>
-                <a:latin typeface="Courier New"/>
-                <a:ea typeface="Courier New"/>
-                <a:cs typeface="Courier New"/>
-                <a:sym typeface="Courier New"/>
-              </a:rPr>
-              <a:t>&lt;</a:t>
-            </a:r>
-            <a:r>
-              <a:rPr lang="pt-BR" sz="1600" b="1" dirty="0" err="1">
-                <a:solidFill>
-                  <a:srgbClr val="666666"/>
-                </a:solidFill>
-                <a:latin typeface="Courier New"/>
-                <a:ea typeface="Courier New"/>
-                <a:cs typeface="Courier New"/>
-                <a:sym typeface="Courier New"/>
-              </a:rPr>
-              <a:t>true-stmts</a:t>
-            </a:r>
-            <a:r>
-              <a:rPr lang="pt-BR" sz="1600" b="1" dirty="0">
-                <a:solidFill>
-                  <a:srgbClr val="666666"/>
-                </a:solidFill>
-                <a:latin typeface="Courier New"/>
-                <a:ea typeface="Courier New"/>
-                <a:cs typeface="Courier New"/>
-                <a:sym typeface="Courier New"/>
-              </a:rPr>
-              <a:t>&gt;</a:t>
-            </a:r>
-            <a:endParaRPr sz="1600" b="1" dirty="0">
-              <a:solidFill>
-                <a:srgbClr val="666666"/>
-              </a:solidFill>
-              <a:latin typeface="Courier New"/>
-              <a:ea typeface="Courier New"/>
-              <a:cs typeface="Courier New"/>
-              <a:sym typeface="Courier New"/>
-            </a:endParaRPr>
-          </a:p>
-          <a:p>
-            <a:pPr marL="0" lvl="0" indent="0" algn="l" rtl="0">
-              <a:spcBef>
-                <a:spcPts val="0"/>
-              </a:spcBef>
-              <a:spcAft>
-                <a:spcPts val="0"/>
-              </a:spcAft>
-              <a:buNone/>
-            </a:pPr>
-            <a:r>
-              <a:rPr lang="pt-BR" sz="1600" b="1" dirty="0">
-                <a:latin typeface="Courier New"/>
-                <a:ea typeface="Courier New"/>
-                <a:cs typeface="Courier New"/>
-                <a:sym typeface="Courier New"/>
-              </a:rPr>
-              <a:t>} else {</a:t>
-            </a:r>
-          </a:p>
-          <a:p>
-            <a:pPr marL="0" lvl="0" indent="0" algn="l" rtl="0">
-              <a:spcBef>
-                <a:spcPts val="0"/>
-              </a:spcBef>
-              <a:spcAft>
-                <a:spcPts val="0"/>
-              </a:spcAft>
-              <a:buNone/>
-            </a:pPr>
-            <a:r>
-              <a:rPr lang="pt-BR" sz="1600" b="1" dirty="0">
-                <a:latin typeface="Courier New"/>
-                <a:ea typeface="Courier New"/>
-                <a:cs typeface="Courier New"/>
-                <a:sym typeface="Courier New"/>
-              </a:rPr>
-              <a:t>    &lt;false-</a:t>
-            </a:r>
-            <a:r>
-              <a:rPr lang="pt-BR" sz="1600" b="1" dirty="0" err="1">
-                <a:latin typeface="Courier New"/>
-                <a:ea typeface="Courier New"/>
-                <a:cs typeface="Courier New"/>
-                <a:sym typeface="Courier New"/>
-              </a:rPr>
-              <a:t>stmts</a:t>
-            </a:r>
-            <a:r>
-              <a:rPr lang="pt-BR" sz="1600" b="1" dirty="0">
-                <a:latin typeface="Courier New"/>
-                <a:ea typeface="Courier New"/>
-                <a:cs typeface="Courier New"/>
-                <a:sym typeface="Courier New"/>
-              </a:rPr>
-              <a:t>&gt;</a:t>
-            </a:r>
-          </a:p>
-          <a:p>
-            <a:pPr marL="0" lvl="0" indent="0" algn="l" rtl="0">
-              <a:spcBef>
-                <a:spcPts val="0"/>
-              </a:spcBef>
-              <a:spcAft>
-                <a:spcPts val="0"/>
-              </a:spcAft>
-              <a:buNone/>
-            </a:pPr>
-            <a:r>
-              <a:rPr lang="pt-BR" sz="1600" b="1" dirty="0">
-                <a:latin typeface="Courier New"/>
-                <a:ea typeface="Courier New"/>
-                <a:cs typeface="Courier New"/>
-                <a:sym typeface="Courier New"/>
-              </a:rPr>
-              <a:t>}</a:t>
-            </a:r>
-            <a:endParaRPr sz="1600" b="1" dirty="0">
-              <a:latin typeface="Courier New"/>
-              <a:ea typeface="Courier New"/>
-              <a:cs typeface="Courier New"/>
-              <a:sym typeface="Courier New"/>
-            </a:endParaRPr>
-          </a:p>
-        </p:txBody>
-      </p:sp>
-      <p:cxnSp>
-        <p:nvCxnSpPr>
-          <p:cNvPr id="408" name="Google Shape;408;p23"/>
-          <p:cNvCxnSpPr>
-            <a:stCxn id="407" idx="3"/>
-            <a:endCxn id="406" idx="1"/>
-          </p:cNvCxnSpPr>
-          <p:nvPr/>
-        </p:nvCxnSpPr>
-        <p:spPr>
-          <a:xfrm>
-            <a:off x="4411500" y="3178496"/>
-            <a:ext cx="802225" cy="0"/>
-          </a:xfrm>
-          <a:prstGeom prst="straightConnector1">
-            <a:avLst/>
-          </a:prstGeom>
-          <a:noFill/>
-          <a:ln w="9525" cap="flat" cmpd="sng">
-            <a:solidFill>
-              <a:schemeClr val="dk2"/>
-            </a:solidFill>
-            <a:prstDash val="solid"/>
-            <a:round/>
-            <a:headEnd type="none" w="med" len="med"/>
-            <a:tailEnd type="triangle" w="med" len="med"/>
-          </a:ln>
-        </p:spPr>
-      </p:cxnSp>
-    </p:spTree>
-    <p:extLst>
-      <p:ext uri="{BB962C8B-B14F-4D97-AF65-F5344CB8AC3E}">
-        <p14:creationId xmlns:p14="http://schemas.microsoft.com/office/powerpoint/2010/main" val="3738270323"/>
-      </p:ext>
-    </p:extLst>
-  </p:cSld>
-  <p:clrMapOvr>
-    <a:masterClrMapping/>
-  </p:clrMapOvr>
-</p:sld>
-</file>
-
-<file path=ppt/slides/slide15.xml><?xml version="1.0" encoding="utf-8"?>
-<p:sld xmlns:a="http://schemas.openxmlformats.org/drawingml/2006/main" xmlns:r="http://schemas.openxmlformats.org/officeDocument/2006/relationships" xmlns:p="http://schemas.openxmlformats.org/presentationml/2006/main">
-  <p:cSld>
-    <p:spTree>
-      <p:nvGrpSpPr>
-        <p:cNvPr id="1" name="Shape 394"/>
-        <p:cNvGrpSpPr/>
-        <p:nvPr/>
-      </p:nvGrpSpPr>
-      <p:grpSpPr>
-        <a:xfrm>
-          <a:off x="0" y="0"/>
-          <a:ext cx="0" cy="0"/>
-          <a:chOff x="0" y="0"/>
-          <a:chExt cx="0" cy="0"/>
-        </a:xfrm>
-      </p:grpSpPr>
-      <p:sp>
-        <p:nvSpPr>
-          <p:cNvPr id="395" name="Google Shape;395;p22"/>
-          <p:cNvSpPr txBox="1">
-            <a:spLocks noGrp="1"/>
-          </p:cNvSpPr>
-          <p:nvPr>
-            <p:ph type="title"/>
-          </p:nvPr>
-        </p:nvSpPr>
-        <p:spPr>
-          <a:xfrm>
-            <a:off x="1303800" y="598575"/>
-            <a:ext cx="7030500" cy="999300"/>
-          </a:xfrm>
-          <a:prstGeom prst="rect">
-            <a:avLst/>
-          </a:prstGeom>
-        </p:spPr>
-        <p:txBody>
-          <a:bodyPr spcFirstLastPara="1" wrap="square" lIns="91425" tIns="91425" rIns="91425" bIns="91425" anchor="t" anchorCtr="0">
-            <a:normAutofit/>
-          </a:bodyPr>
-          <a:lstStyle/>
-          <a:p>
-            <a:pPr marL="0" lvl="0" indent="0" algn="l" rtl="0">
-              <a:spcBef>
-                <a:spcPts val="0"/>
-              </a:spcBef>
-              <a:spcAft>
-                <a:spcPts val="0"/>
-              </a:spcAft>
-              <a:buNone/>
-            </a:pPr>
-            <a:r>
-              <a:rPr lang="pt-BR"/>
-              <a:t>Desvio de fluxo (laço ou </a:t>
-            </a:r>
-            <a:r>
-              <a:rPr lang="pt-BR" i="1"/>
-              <a:t>loop</a:t>
-            </a:r>
-            <a:r>
-              <a:rPr lang="pt-BR"/>
-              <a:t>)</a:t>
-            </a:r>
-            <a:endParaRPr/>
-          </a:p>
-        </p:txBody>
-      </p:sp>
-      <p:sp>
-        <p:nvSpPr>
-          <p:cNvPr id="396" name="Google Shape;396;p22"/>
-          <p:cNvSpPr txBox="1">
-            <a:spLocks noGrp="1"/>
-          </p:cNvSpPr>
-          <p:nvPr>
-            <p:ph type="body" idx="1"/>
-          </p:nvPr>
-        </p:nvSpPr>
-        <p:spPr>
-          <a:xfrm>
-            <a:off x="149549" y="1817925"/>
-            <a:ext cx="4055305" cy="2541600"/>
-          </a:xfrm>
-          <a:prstGeom prst="rect">
-            <a:avLst/>
-          </a:prstGeom>
-          <a:ln w="9525" cap="flat" cmpd="sng">
-            <a:solidFill>
-              <a:srgbClr val="000000"/>
-            </a:solidFill>
-            <a:prstDash val="dot"/>
-            <a:round/>
-            <a:headEnd type="none" w="sm" len="sm"/>
-            <a:tailEnd type="none" w="sm" len="sm"/>
-          </a:ln>
-        </p:spPr>
-        <p:txBody>
-          <a:bodyPr spcFirstLastPara="1" wrap="square" lIns="91425" tIns="91425" rIns="91425" bIns="91425" anchor="t" anchorCtr="0">
-            <a:normAutofit/>
-          </a:bodyPr>
-          <a:lstStyle/>
-          <a:p>
-            <a:pPr marL="0" lvl="0" indent="0" algn="l" rtl="0">
-              <a:spcBef>
-                <a:spcPts val="0"/>
-              </a:spcBef>
-              <a:spcAft>
-                <a:spcPts val="0"/>
-              </a:spcAft>
-              <a:buNone/>
-            </a:pPr>
-            <a:r>
-              <a:rPr lang="pt-BR" sz="1400" dirty="0">
-                <a:latin typeface="Courier"/>
-                <a:ea typeface="Courier"/>
-                <a:cs typeface="Courier"/>
-                <a:sym typeface="Courier"/>
-              </a:rPr>
-              <a:t>for (</a:t>
-            </a:r>
-            <a:r>
-              <a:rPr lang="pt-BR" sz="1400" dirty="0" err="1">
-                <a:latin typeface="Courier"/>
-                <a:ea typeface="Courier"/>
-                <a:cs typeface="Courier"/>
-                <a:sym typeface="Courier"/>
-              </a:rPr>
-              <a:t>init-expr</a:t>
-            </a:r>
-            <a:r>
-              <a:rPr lang="pt-BR" sz="1400" dirty="0">
-                <a:latin typeface="Courier"/>
-                <a:ea typeface="Courier"/>
-                <a:cs typeface="Courier"/>
-                <a:sym typeface="Courier"/>
-              </a:rPr>
-              <a:t>; </a:t>
-            </a:r>
-            <a:r>
-              <a:rPr lang="pt-BR" sz="1400" dirty="0" err="1">
-                <a:latin typeface="Courier"/>
-                <a:ea typeface="Courier"/>
-                <a:cs typeface="Courier"/>
-                <a:sym typeface="Courier"/>
-              </a:rPr>
-              <a:t>expr</a:t>
-            </a:r>
-            <a:r>
-              <a:rPr lang="pt-BR" sz="1400" dirty="0">
-                <a:latin typeface="Courier"/>
-                <a:ea typeface="Courier"/>
-                <a:cs typeface="Courier"/>
-                <a:sym typeface="Courier"/>
-              </a:rPr>
-              <a:t>; </a:t>
-            </a:r>
-            <a:r>
-              <a:rPr lang="pt-BR" sz="1400" dirty="0" err="1">
-                <a:latin typeface="Courier"/>
-                <a:ea typeface="Courier"/>
-                <a:cs typeface="Courier"/>
-                <a:sym typeface="Courier"/>
-              </a:rPr>
-              <a:t>next-expr</a:t>
-            </a:r>
-            <a:r>
-              <a:rPr lang="pt-BR" sz="1400" dirty="0">
-                <a:latin typeface="Courier"/>
-                <a:ea typeface="Courier"/>
-                <a:cs typeface="Courier"/>
-                <a:sym typeface="Courier"/>
-              </a:rPr>
-              <a:t>) {</a:t>
-            </a:r>
-            <a:endParaRPr sz="1400" dirty="0">
-              <a:latin typeface="Courier"/>
-              <a:ea typeface="Courier"/>
-              <a:cs typeface="Courier"/>
-              <a:sym typeface="Courier"/>
-            </a:endParaRPr>
-          </a:p>
-          <a:p>
-            <a:pPr marL="0" lvl="0" indent="0" algn="l" rtl="0">
-              <a:spcBef>
-                <a:spcPts val="1200"/>
-              </a:spcBef>
-              <a:spcAft>
-                <a:spcPts val="0"/>
-              </a:spcAft>
-              <a:buNone/>
-            </a:pPr>
-            <a:r>
-              <a:rPr lang="pt-BR" sz="1400" dirty="0">
-                <a:latin typeface="Courier"/>
-                <a:ea typeface="Courier"/>
-                <a:cs typeface="Courier"/>
-                <a:sym typeface="Courier"/>
-              </a:rPr>
-              <a:t>   body-</a:t>
-            </a:r>
-            <a:r>
-              <a:rPr lang="pt-BR" sz="1400" dirty="0" err="1">
-                <a:latin typeface="Courier"/>
-                <a:ea typeface="Courier"/>
-                <a:cs typeface="Courier"/>
-                <a:sym typeface="Courier"/>
-              </a:rPr>
-              <a:t>stmts</a:t>
-            </a:r>
-            <a:endParaRPr sz="1400" dirty="0">
-              <a:latin typeface="Courier"/>
-              <a:ea typeface="Courier"/>
-              <a:cs typeface="Courier"/>
-              <a:sym typeface="Courier"/>
-            </a:endParaRPr>
-          </a:p>
-          <a:p>
-            <a:pPr marL="0" lvl="0" indent="0" algn="l" rtl="0">
-              <a:spcBef>
-                <a:spcPts val="1200"/>
-              </a:spcBef>
-              <a:spcAft>
-                <a:spcPts val="0"/>
-              </a:spcAft>
-              <a:buNone/>
-            </a:pPr>
-            <a:r>
-              <a:rPr lang="pt-BR" sz="1400" dirty="0">
-                <a:latin typeface="Courier"/>
-                <a:ea typeface="Courier"/>
-                <a:cs typeface="Courier"/>
-                <a:sym typeface="Courier"/>
-              </a:rPr>
-              <a:t>}</a:t>
-            </a:r>
-            <a:endParaRPr sz="1400" dirty="0">
-              <a:latin typeface="Courier"/>
-              <a:ea typeface="Courier"/>
-              <a:cs typeface="Courier"/>
-              <a:sym typeface="Courier"/>
-            </a:endParaRPr>
-          </a:p>
-        </p:txBody>
-      </p:sp>
-      <p:sp>
-        <p:nvSpPr>
-          <p:cNvPr id="397" name="Google Shape;397;p22"/>
-          <p:cNvSpPr txBox="1">
-            <a:spLocks noGrp="1"/>
-          </p:cNvSpPr>
-          <p:nvPr>
-            <p:ph type="body" idx="1"/>
-          </p:nvPr>
-        </p:nvSpPr>
-        <p:spPr>
-          <a:xfrm>
-            <a:off x="4473136" y="1817925"/>
-            <a:ext cx="4192200" cy="2541600"/>
-          </a:xfrm>
-          <a:prstGeom prst="rect">
-            <a:avLst/>
-          </a:prstGeom>
-          <a:ln w="9525" cap="flat" cmpd="sng">
-            <a:solidFill>
-              <a:srgbClr val="000000"/>
-            </a:solidFill>
-            <a:prstDash val="solid"/>
-            <a:round/>
-            <a:headEnd type="none" w="sm" len="sm"/>
-            <a:tailEnd type="none" w="sm" len="sm"/>
-          </a:ln>
-        </p:spPr>
-        <p:txBody>
-          <a:bodyPr spcFirstLastPara="1" wrap="square" lIns="91425" tIns="91425" rIns="91425" bIns="91425" anchor="t" anchorCtr="0">
-            <a:normAutofit/>
-          </a:bodyPr>
-          <a:lstStyle/>
-          <a:p>
-            <a:pPr marL="0" lvl="0" indent="0" algn="l" rtl="0">
-              <a:spcBef>
-                <a:spcPts val="0"/>
-              </a:spcBef>
-              <a:spcAft>
-                <a:spcPts val="0"/>
-              </a:spcAft>
-              <a:buNone/>
-            </a:pPr>
-            <a:r>
-              <a:rPr lang="pt-BR" sz="1400" dirty="0">
-                <a:latin typeface="Courier"/>
-                <a:ea typeface="Courier"/>
-                <a:cs typeface="Courier"/>
-                <a:sym typeface="Courier"/>
-              </a:rPr>
-              <a:t>for: T_FOR ‘(‘ </a:t>
-            </a:r>
-            <a:r>
-              <a:rPr lang="pt-BR" sz="1400" dirty="0" err="1">
-                <a:latin typeface="Courier"/>
-                <a:ea typeface="Courier"/>
-                <a:cs typeface="Courier"/>
-                <a:sym typeface="Courier"/>
-              </a:rPr>
-              <a:t>init_expr</a:t>
-            </a:r>
-            <a:r>
-              <a:rPr lang="pt-BR" sz="1400" dirty="0">
-                <a:latin typeface="Courier"/>
-                <a:ea typeface="Courier"/>
-                <a:cs typeface="Courier"/>
-                <a:sym typeface="Courier"/>
-              </a:rPr>
-              <a:t> `;´ </a:t>
-            </a:r>
-            <a:r>
-              <a:rPr lang="pt-BR" sz="1400" dirty="0" err="1">
-                <a:latin typeface="Courier"/>
-                <a:ea typeface="Courier"/>
-                <a:cs typeface="Courier"/>
-                <a:sym typeface="Courier"/>
-              </a:rPr>
-              <a:t>expr</a:t>
-            </a:r>
-            <a:r>
-              <a:rPr lang="pt-BR" sz="1400" dirty="0">
-                <a:latin typeface="Courier"/>
-                <a:ea typeface="Courier"/>
-                <a:cs typeface="Courier"/>
-                <a:sym typeface="Courier"/>
-              </a:rPr>
-              <a:t> `;´ </a:t>
-            </a:r>
-            <a:r>
-              <a:rPr lang="pt-BR" sz="1400" dirty="0" err="1">
-                <a:latin typeface="Courier"/>
-                <a:ea typeface="Courier"/>
-                <a:cs typeface="Courier"/>
-                <a:sym typeface="Courier"/>
-              </a:rPr>
-              <a:t>next_expr</a:t>
-            </a:r>
-            <a:r>
-              <a:rPr lang="pt-BR" sz="1400" dirty="0">
-                <a:latin typeface="Courier"/>
-                <a:ea typeface="Courier"/>
-                <a:cs typeface="Courier"/>
-                <a:sym typeface="Courier"/>
-              </a:rPr>
-              <a:t>‘)’ 	‘{‘</a:t>
-            </a:r>
-            <a:endParaRPr sz="1400" dirty="0">
-              <a:latin typeface="Courier"/>
-              <a:ea typeface="Courier"/>
-              <a:cs typeface="Courier"/>
-              <a:sym typeface="Courier"/>
-            </a:endParaRPr>
-          </a:p>
-          <a:p>
-            <a:pPr marL="0" lvl="0" indent="0" algn="l" rtl="0">
-              <a:spcBef>
-                <a:spcPts val="1200"/>
-              </a:spcBef>
-              <a:spcAft>
-                <a:spcPts val="0"/>
-              </a:spcAft>
-              <a:buNone/>
-            </a:pPr>
-            <a:r>
-              <a:rPr lang="pt-BR" sz="1400" dirty="0">
-                <a:latin typeface="Courier"/>
-                <a:ea typeface="Courier"/>
-                <a:cs typeface="Courier"/>
-                <a:sym typeface="Courier"/>
-              </a:rPr>
-              <a:t>		</a:t>
-            </a:r>
-            <a:r>
-              <a:rPr lang="pt-BR" sz="1400" dirty="0" err="1">
-                <a:latin typeface="Courier"/>
-                <a:ea typeface="Courier"/>
-                <a:cs typeface="Courier"/>
-                <a:sym typeface="Courier"/>
-              </a:rPr>
-              <a:t>stmt_list</a:t>
-            </a:r>
-            <a:endParaRPr sz="1400" dirty="0">
-              <a:latin typeface="Courier"/>
-              <a:ea typeface="Courier"/>
-              <a:cs typeface="Courier"/>
-              <a:sym typeface="Courier"/>
-            </a:endParaRPr>
-          </a:p>
-          <a:p>
-            <a:pPr marL="914400" lvl="0" indent="0" algn="l" rtl="0">
-              <a:spcBef>
-                <a:spcPts val="1200"/>
-              </a:spcBef>
-              <a:spcAft>
-                <a:spcPts val="0"/>
-              </a:spcAft>
-              <a:buNone/>
-            </a:pPr>
-            <a:r>
-              <a:rPr lang="pt-BR" sz="1400" dirty="0">
-                <a:latin typeface="Courier"/>
-                <a:ea typeface="Courier"/>
-                <a:cs typeface="Courier"/>
-                <a:sym typeface="Courier"/>
-              </a:rPr>
-              <a:t>‘}’</a:t>
-            </a:r>
-            <a:endParaRPr sz="1400" dirty="0">
-              <a:latin typeface="Courier"/>
-              <a:ea typeface="Courier"/>
-              <a:cs typeface="Courier"/>
-              <a:sym typeface="Courier"/>
-            </a:endParaRPr>
-          </a:p>
-        </p:txBody>
-      </p:sp>
-      <p:cxnSp>
-        <p:nvCxnSpPr>
-          <p:cNvPr id="398" name="Google Shape;398;p22"/>
-          <p:cNvCxnSpPr>
-            <a:cxnSpLocks/>
-            <a:stCxn id="396" idx="3"/>
-            <a:endCxn id="397" idx="1"/>
-          </p:cNvCxnSpPr>
-          <p:nvPr/>
-        </p:nvCxnSpPr>
-        <p:spPr>
-          <a:xfrm>
-            <a:off x="4204854" y="3088725"/>
-            <a:ext cx="268282" cy="0"/>
-          </a:xfrm>
-          <a:prstGeom prst="straightConnector1">
-            <a:avLst/>
-          </a:prstGeom>
-          <a:noFill/>
-          <a:ln w="9525" cap="flat" cmpd="sng">
-            <a:solidFill>
-              <a:schemeClr val="dk2"/>
-            </a:solidFill>
-            <a:prstDash val="solid"/>
-            <a:round/>
-            <a:headEnd type="none" w="med" len="med"/>
-            <a:tailEnd type="triangle" w="med" len="med"/>
-          </a:ln>
-        </p:spPr>
-      </p:cxnSp>
-      <p:sp>
-        <p:nvSpPr>
-          <p:cNvPr id="399" name="Google Shape;399;p22"/>
-          <p:cNvSpPr txBox="1"/>
-          <p:nvPr/>
-        </p:nvSpPr>
-        <p:spPr>
-          <a:xfrm>
-            <a:off x="1022625" y="1270025"/>
-            <a:ext cx="1741500" cy="431100"/>
-          </a:xfrm>
-          <a:prstGeom prst="rect">
-            <a:avLst/>
-          </a:prstGeom>
-          <a:noFill/>
-          <a:ln>
-            <a:noFill/>
-          </a:ln>
-        </p:spPr>
-        <p:txBody>
-          <a:bodyPr spcFirstLastPara="1" wrap="square" lIns="91425" tIns="91425" rIns="91425" bIns="91425" anchor="t" anchorCtr="0">
-            <a:spAutoFit/>
-          </a:bodyPr>
-          <a:lstStyle/>
-          <a:p>
-            <a:pPr marL="0" lvl="0" indent="0" algn="ctr" rtl="0">
-              <a:spcBef>
-                <a:spcPts val="0"/>
-              </a:spcBef>
-              <a:spcAft>
-                <a:spcPts val="0"/>
-              </a:spcAft>
-              <a:buNone/>
-            </a:pPr>
-            <a:r>
-              <a:rPr lang="pt-BR" sz="1600" b="1">
-                <a:latin typeface="Nunito"/>
-                <a:ea typeface="Nunito"/>
-                <a:cs typeface="Nunito"/>
-                <a:sym typeface="Nunito"/>
-              </a:rPr>
-              <a:t>pseudo-código</a:t>
-            </a:r>
-            <a:endParaRPr sz="1600" b="1">
-              <a:latin typeface="Nunito"/>
-              <a:ea typeface="Nunito"/>
-              <a:cs typeface="Nunito"/>
-              <a:sym typeface="Nunito"/>
-            </a:endParaRPr>
-          </a:p>
-        </p:txBody>
-      </p:sp>
-      <p:sp>
-        <p:nvSpPr>
-          <p:cNvPr id="400" name="Google Shape;400;p22"/>
-          <p:cNvSpPr txBox="1"/>
-          <p:nvPr/>
-        </p:nvSpPr>
-        <p:spPr>
-          <a:xfrm>
-            <a:off x="6273600" y="1319175"/>
-            <a:ext cx="1284000" cy="431100"/>
-          </a:xfrm>
-          <a:prstGeom prst="rect">
-            <a:avLst/>
-          </a:prstGeom>
-          <a:noFill/>
-          <a:ln>
-            <a:noFill/>
-          </a:ln>
-        </p:spPr>
-        <p:txBody>
-          <a:bodyPr spcFirstLastPara="1" wrap="square" lIns="91425" tIns="91425" rIns="91425" bIns="91425" anchor="t" anchorCtr="0">
-            <a:spAutoFit/>
-          </a:bodyPr>
-          <a:lstStyle/>
-          <a:p>
-            <a:pPr marL="0" lvl="0" indent="0" algn="ctr" rtl="0">
-              <a:spcBef>
-                <a:spcPts val="0"/>
-              </a:spcBef>
-              <a:spcAft>
-                <a:spcPts val="0"/>
-              </a:spcAft>
-              <a:buNone/>
-            </a:pPr>
-            <a:r>
-              <a:rPr lang="pt-BR" sz="1600" b="1">
-                <a:latin typeface="Nunito"/>
-                <a:ea typeface="Nunito"/>
-                <a:cs typeface="Nunito"/>
-                <a:sym typeface="Nunito"/>
-              </a:rPr>
-              <a:t>gramática</a:t>
-            </a:r>
-            <a:endParaRPr sz="1600" b="1">
-              <a:latin typeface="Nunito"/>
-              <a:ea typeface="Nunito"/>
-              <a:cs typeface="Nunito"/>
-              <a:sym typeface="Nunito"/>
-            </a:endParaRPr>
-          </a:p>
-        </p:txBody>
-      </p:sp>
-    </p:spTree>
-    <p:extLst>
-      <p:ext uri="{BB962C8B-B14F-4D97-AF65-F5344CB8AC3E}">
-        <p14:creationId xmlns:p14="http://schemas.microsoft.com/office/powerpoint/2010/main" val="3692901359"/>
-      </p:ext>
-    </p:extLst>
-  </p:cSld>
-  <p:clrMapOvr>
-    <a:masterClrMapping/>
-  </p:clrMapOvr>
-  <p:timing>
-    <p:tnLst>
-      <p:par>
-        <p:cTn id="1" dur="indefinite" restart="never" nodeType="tmRoot">
-          <p:childTnLst>
-            <p:seq concurrent="1" nextAc="seek">
-              <p:cTn id="2" dur="indefinite" nodeType="mainSeq">
-                <p:childTnLst>
-                  <p:par>
-                    <p:cTn id="3" fill="hold">
-                      <p:stCondLst>
-                        <p:cond delay="indefinite"/>
-                      </p:stCondLst>
-                      <p:childTnLst>
-                        <p:par>
-                          <p:cTn id="4" fill="hold">
-                            <p:stCondLst>
-                              <p:cond delay="0"/>
-                            </p:stCondLst>
-                            <p:childTnLst>
-                              <p:par>
-                                <p:cTn id="5" presetID="10" presetClass="entr" presetSubtype="0" fill="hold" nodeType="clickEffect">
-                                  <p:stCondLst>
-                                    <p:cond delay="0"/>
-                                  </p:stCondLst>
-                                  <p:childTnLst>
-                                    <p:set>
-                                      <p:cBhvr>
-                                        <p:cTn id="6" dur="1" fill="hold">
-                                          <p:stCondLst>
-                                            <p:cond delay="0"/>
-                                          </p:stCondLst>
-                                        </p:cTn>
-                                        <p:tgtEl>
-                                          <p:spTgt spid="397"/>
-                                        </p:tgtEl>
-                                        <p:attrNameLst>
-                                          <p:attrName>style.visibility</p:attrName>
-                                        </p:attrNameLst>
-                                      </p:cBhvr>
-                                      <p:to>
-                                        <p:strVal val="visible"/>
-                                      </p:to>
-                                    </p:set>
-                                    <p:animEffect transition="in" filter="fade">
-                                      <p:cBhvr>
-                                        <p:cTn id="7" dur="1000"/>
-                                        <p:tgtEl>
-                                          <p:spTgt spid="397"/>
-                                        </p:tgtEl>
-                                      </p:cBhvr>
-                                    </p:animEffect>
-                                  </p:childTnLst>
-                                </p:cTn>
-                              </p:par>
-                              <p:par>
-                                <p:cTn id="8" presetID="10" presetClass="entr" presetSubtype="0" fill="hold" nodeType="withEffect">
-                                  <p:stCondLst>
-                                    <p:cond delay="0"/>
-                                  </p:stCondLst>
-                                  <p:childTnLst>
-                                    <p:set>
-                                      <p:cBhvr>
-                                        <p:cTn id="9" dur="1" fill="hold">
-                                          <p:stCondLst>
-                                            <p:cond delay="0"/>
-                                          </p:stCondLst>
-                                        </p:cTn>
-                                        <p:tgtEl>
-                                          <p:spTgt spid="398"/>
-                                        </p:tgtEl>
-                                        <p:attrNameLst>
-                                          <p:attrName>style.visibility</p:attrName>
-                                        </p:attrNameLst>
-                                      </p:cBhvr>
-                                      <p:to>
-                                        <p:strVal val="visible"/>
-                                      </p:to>
-                                    </p:set>
-                                    <p:animEffect transition="in" filter="fade">
-                                      <p:cBhvr>
-                                        <p:cTn id="10" dur="1000"/>
-                                        <p:tgtEl>
-                                          <p:spTgt spid="398"/>
-                                        </p:tgtEl>
-                                      </p:cBhvr>
-                                    </p:animEffect>
-                                  </p:childTnLst>
-                                </p:cTn>
-                              </p:par>
-                              <p:par>
-                                <p:cTn id="11" presetID="10" presetClass="entr" presetSubtype="0" fill="hold" nodeType="withEffect">
-                                  <p:stCondLst>
-                                    <p:cond delay="0"/>
-                                  </p:stCondLst>
-                                  <p:childTnLst>
-                                    <p:set>
-                                      <p:cBhvr>
-                                        <p:cTn id="12" dur="1" fill="hold">
-                                          <p:stCondLst>
-                                            <p:cond delay="0"/>
-                                          </p:stCondLst>
-                                        </p:cTn>
-                                        <p:tgtEl>
-                                          <p:spTgt spid="400"/>
-                                        </p:tgtEl>
-                                        <p:attrNameLst>
-                                          <p:attrName>style.visibility</p:attrName>
-                                        </p:attrNameLst>
-                                      </p:cBhvr>
-                                      <p:to>
-                                        <p:strVal val="visible"/>
-                                      </p:to>
-                                    </p:set>
-                                    <p:animEffect transition="in" filter="fade">
-                                      <p:cBhvr>
-                                        <p:cTn id="13" dur="1000"/>
-                                        <p:tgtEl>
-                                          <p:spTgt spid="400"/>
-                                        </p:tgtEl>
-                                      </p:cBhvr>
-                                    </p:animEffect>
-                                  </p:childTnLst>
-                                </p:cTn>
-                              </p:par>
-                            </p:childTnLst>
-                          </p:cTn>
-                        </p:par>
-                      </p:childTnLst>
-                    </p:cTn>
-                  </p:par>
-                </p:childTnLst>
-              </p:cTn>
-              <p:prevCondLst>
-                <p:cond evt="onPrev" delay="0">
-                  <p:tgtEl>
-                    <p:sldTgt/>
-                  </p:tgtEl>
-                </p:cond>
-              </p:prevCondLst>
-              <p:nextCondLst>
-                <p:cond evt="onNext" delay="0">
-                  <p:tgtEl>
-                    <p:sldTgt/>
-                  </p:tgtEl>
-                </p:cond>
-              </p:nextCondLst>
-            </p:seq>
-          </p:childTnLst>
-        </p:cTn>
-      </p:par>
-    </p:tnLst>
-  </p:timing>
-</p:sld>
-</file>
-
-<file path=ppt/slides/slide16.xml><?xml version="1.0" encoding="utf-8"?>
-<p:sld xmlns:a="http://schemas.openxmlformats.org/drawingml/2006/main" xmlns:r="http://schemas.openxmlformats.org/officeDocument/2006/relationships" xmlns:p="http://schemas.openxmlformats.org/presentationml/2006/main">
-  <p:cSld>
-    <p:spTree>
-      <p:nvGrpSpPr>
-        <p:cNvPr id="1" name="Shape 404"/>
-        <p:cNvGrpSpPr/>
-        <p:nvPr/>
-      </p:nvGrpSpPr>
-      <p:grpSpPr>
-        <a:xfrm>
-          <a:off x="0" y="0"/>
-          <a:ext cx="0" cy="0"/>
-          <a:chOff x="0" y="0"/>
-          <a:chExt cx="0" cy="0"/>
-        </a:xfrm>
-      </p:grpSpPr>
-      <p:sp>
-        <p:nvSpPr>
-          <p:cNvPr id="405" name="Google Shape;405;p23"/>
-          <p:cNvSpPr txBox="1">
-            <a:spLocks noGrp="1"/>
-          </p:cNvSpPr>
-          <p:nvPr>
-            <p:ph type="title"/>
-          </p:nvPr>
-        </p:nvSpPr>
-        <p:spPr>
-          <a:xfrm>
-            <a:off x="1303800" y="598575"/>
-            <a:ext cx="7030500" cy="999300"/>
-          </a:xfrm>
-          <a:prstGeom prst="rect">
-            <a:avLst/>
-          </a:prstGeom>
-        </p:spPr>
-        <p:txBody>
-          <a:bodyPr spcFirstLastPara="1" wrap="square" lIns="91425" tIns="91425" rIns="91425" bIns="91425" anchor="t" anchorCtr="0">
-            <a:normAutofit/>
-          </a:bodyPr>
-          <a:lstStyle/>
-          <a:p>
-            <a:pPr marL="0" lvl="0" indent="0" algn="l" rtl="0">
-              <a:spcBef>
-                <a:spcPts val="0"/>
-              </a:spcBef>
-              <a:spcAft>
-                <a:spcPts val="0"/>
-              </a:spcAft>
-              <a:buNone/>
-            </a:pPr>
-            <a:r>
-              <a:rPr lang="pt-BR" dirty="0"/>
-              <a:t>Laço (</a:t>
-            </a:r>
-            <a:r>
-              <a:rPr lang="pt-BR" i="1" dirty="0"/>
-              <a:t>loop</a:t>
-            </a:r>
-            <a:r>
-              <a:rPr lang="pt-BR" dirty="0"/>
-              <a:t>)</a:t>
-            </a:r>
-            <a:endParaRPr dirty="0"/>
-          </a:p>
-        </p:txBody>
-      </p:sp>
-      <p:sp>
-        <p:nvSpPr>
-          <p:cNvPr id="406" name="Google Shape;406;p23"/>
-          <p:cNvSpPr txBox="1"/>
-          <p:nvPr/>
-        </p:nvSpPr>
-        <p:spPr>
-          <a:xfrm>
-            <a:off x="5213725" y="1854875"/>
-            <a:ext cx="3609300" cy="2401200"/>
-          </a:xfrm>
-          <a:prstGeom prst="rect">
-            <a:avLst/>
-          </a:prstGeom>
-          <a:noFill/>
-          <a:ln w="9525" cap="flat" cmpd="sng">
-            <a:solidFill>
-              <a:srgbClr val="000000"/>
-            </a:solidFill>
-            <a:prstDash val="dot"/>
-            <a:round/>
-            <a:headEnd type="none" w="sm" len="sm"/>
-            <a:tailEnd type="none" w="sm" len="sm"/>
-          </a:ln>
-        </p:spPr>
-        <p:txBody>
-          <a:bodyPr spcFirstLastPara="1" wrap="square" lIns="91425" tIns="91425" rIns="91425" bIns="91425" anchor="t" anchorCtr="0">
-            <a:spAutoFit/>
-          </a:bodyPr>
-          <a:lstStyle/>
-          <a:p>
-            <a:pPr marL="0" lvl="0" indent="457200" algn="l" rtl="0">
-              <a:spcBef>
-                <a:spcPts val="0"/>
-              </a:spcBef>
-              <a:spcAft>
-                <a:spcPts val="0"/>
-              </a:spcAft>
-              <a:buNone/>
-            </a:pPr>
-            <a:r>
-              <a:rPr lang="pt-BR" sz="1600" b="1" dirty="0">
-                <a:solidFill>
-                  <a:srgbClr val="666666"/>
-                </a:solidFill>
-                <a:latin typeface="Courier New"/>
-                <a:ea typeface="Courier New"/>
-                <a:cs typeface="Courier New"/>
-                <a:sym typeface="Courier New"/>
-              </a:rPr>
-              <a:t># escrever #i → t0</a:t>
-            </a:r>
-            <a:endParaRPr sz="1600" b="1" dirty="0">
-              <a:solidFill>
-                <a:srgbClr val="666666"/>
-              </a:solidFill>
-              <a:latin typeface="Courier New"/>
-              <a:ea typeface="Courier New"/>
-              <a:cs typeface="Courier New"/>
-              <a:sym typeface="Courier New"/>
-            </a:endParaRPr>
-          </a:p>
-          <a:p>
-            <a:pPr marL="0" lvl="0" indent="457200" algn="l" rtl="0">
-              <a:spcBef>
-                <a:spcPts val="0"/>
-              </a:spcBef>
-              <a:spcAft>
-                <a:spcPts val="0"/>
-              </a:spcAft>
-              <a:buNone/>
-            </a:pPr>
-            <a:r>
-              <a:rPr lang="pt-BR" sz="1600" b="1" dirty="0" err="1">
-                <a:solidFill>
-                  <a:schemeClr val="dk1"/>
-                </a:solidFill>
-                <a:latin typeface="Courier New"/>
-                <a:ea typeface="Courier New"/>
-                <a:cs typeface="Courier New"/>
-                <a:sym typeface="Courier New"/>
-              </a:rPr>
-              <a:t>ld</a:t>
-            </a:r>
-            <a:r>
-              <a:rPr lang="pt-BR" sz="1600" b="1" dirty="0">
-                <a:latin typeface="Courier New"/>
-                <a:ea typeface="Courier New"/>
-                <a:cs typeface="Courier New"/>
-                <a:sym typeface="Courier New"/>
-              </a:rPr>
-              <a:t>      </a:t>
-            </a:r>
-            <a:r>
-              <a:rPr lang="pt-BR" sz="1600" b="1" dirty="0">
-                <a:solidFill>
-                  <a:srgbClr val="073763"/>
-                </a:solidFill>
-                <a:latin typeface="Courier New"/>
-                <a:ea typeface="Courier New"/>
-                <a:cs typeface="Courier New"/>
-                <a:sym typeface="Courier New"/>
-              </a:rPr>
-              <a:t>t0</a:t>
-            </a:r>
-            <a:r>
-              <a:rPr lang="pt-BR" sz="1600" b="1" dirty="0">
-                <a:latin typeface="Courier New"/>
-                <a:ea typeface="Courier New"/>
-                <a:cs typeface="Courier New"/>
-                <a:sym typeface="Courier New"/>
-              </a:rPr>
-              <a:t>,0</a:t>
-            </a:r>
-            <a:endParaRPr sz="1600" b="1" dirty="0">
-              <a:latin typeface="Courier New"/>
-              <a:ea typeface="Courier New"/>
-              <a:cs typeface="Courier New"/>
-              <a:sym typeface="Courier New"/>
-            </a:endParaRPr>
-          </a:p>
-          <a:p>
-            <a:pPr marL="0" lvl="0" indent="457200" algn="l" rtl="0">
-              <a:spcBef>
-                <a:spcPts val="0"/>
-              </a:spcBef>
-              <a:spcAft>
-                <a:spcPts val="0"/>
-              </a:spcAft>
-              <a:buNone/>
-            </a:pPr>
-            <a:r>
-              <a:rPr lang="pt-BR" sz="1600" b="1" dirty="0">
-                <a:solidFill>
-                  <a:schemeClr val="dk1"/>
-                </a:solidFill>
-                <a:latin typeface="Courier New"/>
-                <a:ea typeface="Courier New"/>
-                <a:cs typeface="Courier New"/>
-                <a:sym typeface="Courier New"/>
-              </a:rPr>
-              <a:t>li</a:t>
-            </a:r>
-            <a:r>
-              <a:rPr lang="pt-BR" sz="1600" b="1" dirty="0">
-                <a:latin typeface="Courier New"/>
-                <a:ea typeface="Courier New"/>
-                <a:cs typeface="Courier New"/>
-                <a:sym typeface="Courier New"/>
-              </a:rPr>
-              <a:t>      </a:t>
-            </a:r>
-            <a:r>
-              <a:rPr lang="pt-BR" sz="1600" b="1" dirty="0">
-                <a:solidFill>
-                  <a:srgbClr val="073763"/>
-                </a:solidFill>
-                <a:latin typeface="Courier New"/>
-                <a:ea typeface="Courier New"/>
-                <a:cs typeface="Courier New"/>
-                <a:sym typeface="Courier New"/>
-              </a:rPr>
-              <a:t>t1</a:t>
-            </a:r>
-            <a:r>
-              <a:rPr lang="pt-BR" sz="1600" b="1" dirty="0">
-                <a:latin typeface="Courier New"/>
-                <a:ea typeface="Courier New"/>
-                <a:cs typeface="Courier New"/>
-                <a:sym typeface="Courier New"/>
-              </a:rPr>
-              <a:t>,10</a:t>
-            </a:r>
-            <a:endParaRPr sz="1600" b="1" dirty="0">
-              <a:latin typeface="Courier New"/>
-              <a:ea typeface="Courier New"/>
-              <a:cs typeface="Courier New"/>
-              <a:sym typeface="Courier New"/>
-            </a:endParaRPr>
-          </a:p>
-          <a:p>
-            <a:pPr marL="0" lvl="0" indent="0" algn="l" rtl="0">
-              <a:spcBef>
-                <a:spcPts val="0"/>
-              </a:spcBef>
-              <a:spcAft>
-                <a:spcPts val="0"/>
-              </a:spcAft>
-              <a:buNone/>
-            </a:pPr>
-            <a:r>
-              <a:rPr lang="pt-BR" sz="1600" b="1" dirty="0">
-                <a:solidFill>
-                  <a:srgbClr val="274E13"/>
-                </a:solidFill>
-                <a:latin typeface="Courier New"/>
-                <a:ea typeface="Courier New"/>
-                <a:cs typeface="Courier New"/>
-                <a:sym typeface="Courier New"/>
-              </a:rPr>
-              <a:t>loop:</a:t>
-            </a:r>
-            <a:endParaRPr sz="1600" b="1" dirty="0">
-              <a:solidFill>
-                <a:srgbClr val="274E13"/>
-              </a:solidFill>
-              <a:latin typeface="Courier New"/>
-              <a:ea typeface="Courier New"/>
-              <a:cs typeface="Courier New"/>
-              <a:sym typeface="Courier New"/>
-            </a:endParaRPr>
-          </a:p>
-          <a:p>
-            <a:pPr marL="0" marR="0" lvl="0" indent="457200" algn="l" rtl="0">
-              <a:lnSpc>
-                <a:spcPct val="100000"/>
-              </a:lnSpc>
-              <a:spcBef>
-                <a:spcPts val="0"/>
-              </a:spcBef>
-              <a:spcAft>
-                <a:spcPts val="0"/>
-              </a:spcAft>
-              <a:buNone/>
-            </a:pPr>
-            <a:r>
-              <a:rPr lang="pt-BR" sz="1600" b="1" dirty="0" err="1">
-                <a:solidFill>
-                  <a:schemeClr val="dk1"/>
-                </a:solidFill>
-                <a:latin typeface="Courier New"/>
-                <a:ea typeface="Courier New"/>
-                <a:cs typeface="Courier New"/>
-                <a:sym typeface="Courier New"/>
-              </a:rPr>
-              <a:t>bge</a:t>
-            </a:r>
-            <a:r>
-              <a:rPr lang="pt-BR" sz="1600" b="1" dirty="0">
-                <a:latin typeface="Courier New"/>
-                <a:ea typeface="Courier New"/>
-                <a:cs typeface="Courier New"/>
-                <a:sym typeface="Courier New"/>
-              </a:rPr>
-              <a:t>     </a:t>
-            </a:r>
-            <a:r>
-              <a:rPr lang="pt-BR" sz="1600" b="1" dirty="0">
-                <a:solidFill>
-                  <a:srgbClr val="073763"/>
-                </a:solidFill>
-                <a:latin typeface="Courier New"/>
-                <a:ea typeface="Courier New"/>
-                <a:cs typeface="Courier New"/>
-                <a:sym typeface="Courier New"/>
-              </a:rPr>
-              <a:t>t0</a:t>
-            </a:r>
-            <a:r>
-              <a:rPr lang="pt-BR" sz="1600" b="1" dirty="0">
-                <a:latin typeface="Courier New"/>
-                <a:ea typeface="Courier New"/>
-                <a:cs typeface="Courier New"/>
-                <a:sym typeface="Courier New"/>
-              </a:rPr>
-              <a:t>,</a:t>
-            </a:r>
-            <a:r>
-              <a:rPr lang="pt-BR" sz="1600" b="1">
-                <a:latin typeface="Courier New"/>
-                <a:ea typeface="Courier New"/>
-                <a:cs typeface="Courier New"/>
-                <a:sym typeface="Courier New"/>
-              </a:rPr>
-              <a:t>t1,exit</a:t>
-            </a:r>
-            <a:endParaRPr sz="1600" b="1" dirty="0">
-              <a:latin typeface="Courier New"/>
-              <a:ea typeface="Courier New"/>
-              <a:cs typeface="Courier New"/>
-              <a:sym typeface="Courier New"/>
-            </a:endParaRPr>
-          </a:p>
-          <a:p>
-            <a:pPr marL="0" lvl="0" indent="457200" algn="l" rtl="0">
-              <a:spcBef>
-                <a:spcPts val="0"/>
-              </a:spcBef>
-              <a:spcAft>
-                <a:spcPts val="0"/>
-              </a:spcAft>
-              <a:buNone/>
-            </a:pPr>
-            <a:r>
-              <a:rPr lang="pt-BR" sz="1600" b="1" dirty="0">
-                <a:solidFill>
-                  <a:srgbClr val="666666"/>
-                </a:solidFill>
-                <a:latin typeface="Courier New"/>
-                <a:ea typeface="Courier New"/>
-                <a:cs typeface="Courier New"/>
-                <a:sym typeface="Courier New"/>
-              </a:rPr>
-              <a:t>&lt;body-</a:t>
-            </a:r>
-            <a:r>
-              <a:rPr lang="pt-BR" sz="1600" b="1" dirty="0" err="1">
-                <a:solidFill>
-                  <a:srgbClr val="666666"/>
-                </a:solidFill>
-                <a:latin typeface="Courier New"/>
-                <a:ea typeface="Courier New"/>
-                <a:cs typeface="Courier New"/>
-                <a:sym typeface="Courier New"/>
-              </a:rPr>
-              <a:t>stmts</a:t>
-            </a:r>
-            <a:r>
-              <a:rPr lang="pt-BR" sz="1600" b="1" dirty="0">
-                <a:solidFill>
-                  <a:srgbClr val="666666"/>
-                </a:solidFill>
-                <a:latin typeface="Courier New"/>
-                <a:ea typeface="Courier New"/>
-                <a:cs typeface="Courier New"/>
-                <a:sym typeface="Courier New"/>
-              </a:rPr>
-              <a:t>&gt;</a:t>
-            </a:r>
-            <a:endParaRPr sz="1600" b="1" dirty="0">
-              <a:solidFill>
-                <a:srgbClr val="666666"/>
-              </a:solidFill>
-              <a:latin typeface="Courier New"/>
-              <a:ea typeface="Courier New"/>
-              <a:cs typeface="Courier New"/>
-              <a:sym typeface="Courier New"/>
-            </a:endParaRPr>
-          </a:p>
-          <a:p>
-            <a:pPr marL="0" lvl="0" indent="457200" algn="l" rtl="0">
-              <a:spcBef>
-                <a:spcPts val="0"/>
-              </a:spcBef>
-              <a:spcAft>
-                <a:spcPts val="0"/>
-              </a:spcAft>
-              <a:buNone/>
-            </a:pPr>
-            <a:r>
-              <a:rPr lang="pt-BR" sz="1600" b="1" dirty="0" err="1">
-                <a:solidFill>
-                  <a:schemeClr val="dk1"/>
-                </a:solidFill>
-                <a:latin typeface="Courier New"/>
-                <a:ea typeface="Courier New"/>
-                <a:cs typeface="Courier New"/>
-                <a:sym typeface="Courier New"/>
-              </a:rPr>
-              <a:t>addi</a:t>
-            </a:r>
-            <a:r>
-              <a:rPr lang="pt-BR" sz="1600" b="1" dirty="0">
-                <a:latin typeface="Courier New"/>
-                <a:ea typeface="Courier New"/>
-                <a:cs typeface="Courier New"/>
-                <a:sym typeface="Courier New"/>
-              </a:rPr>
-              <a:t>    </a:t>
-            </a:r>
-            <a:r>
-              <a:rPr lang="pt-BR" sz="1600" b="1" dirty="0">
-                <a:solidFill>
-                  <a:srgbClr val="073763"/>
-                </a:solidFill>
-                <a:latin typeface="Courier New"/>
-                <a:ea typeface="Courier New"/>
-                <a:cs typeface="Courier New"/>
-                <a:sym typeface="Courier New"/>
-              </a:rPr>
-              <a:t>t0</a:t>
-            </a:r>
-            <a:r>
-              <a:rPr lang="pt-BR" sz="1600" b="1" dirty="0">
-                <a:latin typeface="Courier New"/>
-                <a:ea typeface="Courier New"/>
-                <a:cs typeface="Courier New"/>
-                <a:sym typeface="Courier New"/>
-              </a:rPr>
-              <a:t>,t0,1</a:t>
-            </a:r>
-            <a:endParaRPr sz="1600" b="1" dirty="0">
-              <a:latin typeface="Courier New"/>
-              <a:ea typeface="Courier New"/>
-              <a:cs typeface="Courier New"/>
-              <a:sym typeface="Courier New"/>
-            </a:endParaRPr>
-          </a:p>
-          <a:p>
-            <a:pPr marL="0" lvl="0" indent="457200" algn="l" rtl="0">
-              <a:spcBef>
-                <a:spcPts val="0"/>
-              </a:spcBef>
-              <a:spcAft>
-                <a:spcPts val="0"/>
-              </a:spcAft>
-              <a:buNone/>
-            </a:pPr>
-            <a:r>
-              <a:rPr lang="pt-BR" sz="1600" b="1" dirty="0">
-                <a:solidFill>
-                  <a:schemeClr val="dk1"/>
-                </a:solidFill>
-                <a:latin typeface="Courier New"/>
-                <a:ea typeface="Courier New"/>
-                <a:cs typeface="Courier New"/>
-                <a:sym typeface="Courier New"/>
-              </a:rPr>
-              <a:t>j</a:t>
-            </a:r>
-            <a:r>
-              <a:rPr lang="pt-BR" sz="1600" b="1" dirty="0">
-                <a:latin typeface="Courier New"/>
-                <a:ea typeface="Courier New"/>
-                <a:cs typeface="Courier New"/>
-                <a:sym typeface="Courier New"/>
-              </a:rPr>
-              <a:t>		</a:t>
-            </a:r>
-            <a:r>
-              <a:rPr lang="pt-BR" sz="1600" b="1" dirty="0">
-                <a:solidFill>
-                  <a:srgbClr val="274E13"/>
-                </a:solidFill>
-                <a:latin typeface="Courier New"/>
-                <a:ea typeface="Courier New"/>
-                <a:cs typeface="Courier New"/>
-                <a:sym typeface="Courier New"/>
-              </a:rPr>
-              <a:t>loop</a:t>
-            </a:r>
-            <a:endParaRPr sz="1600" b="1" dirty="0">
-              <a:solidFill>
-                <a:srgbClr val="274E13"/>
-              </a:solidFill>
-              <a:latin typeface="Courier New"/>
-              <a:ea typeface="Courier New"/>
-              <a:cs typeface="Courier New"/>
-              <a:sym typeface="Courier New"/>
-            </a:endParaRPr>
-          </a:p>
-          <a:p>
-            <a:pPr marL="0" lvl="0" indent="0" algn="l" rtl="0">
-              <a:spcBef>
-                <a:spcPts val="0"/>
-              </a:spcBef>
-              <a:spcAft>
-                <a:spcPts val="0"/>
-              </a:spcAft>
-              <a:buNone/>
-            </a:pPr>
-            <a:r>
-              <a:rPr lang="pt-BR" sz="1600" b="1" dirty="0" err="1">
-                <a:solidFill>
-                  <a:srgbClr val="274E13"/>
-                </a:solidFill>
-                <a:latin typeface="Courier New"/>
-                <a:ea typeface="Courier New"/>
-                <a:cs typeface="Courier New"/>
-                <a:sym typeface="Courier New"/>
-              </a:rPr>
-              <a:t>exit</a:t>
-            </a:r>
-            <a:r>
-              <a:rPr lang="pt-BR" sz="1600" b="1" dirty="0">
-                <a:solidFill>
-                  <a:srgbClr val="274E13"/>
-                </a:solidFill>
-                <a:latin typeface="Courier New"/>
-                <a:ea typeface="Courier New"/>
-                <a:cs typeface="Courier New"/>
-                <a:sym typeface="Courier New"/>
-              </a:rPr>
-              <a:t>:</a:t>
-            </a:r>
-            <a:endParaRPr sz="1600" b="1" dirty="0">
-              <a:latin typeface="Courier New"/>
-              <a:ea typeface="Courier New"/>
-              <a:cs typeface="Courier New"/>
-              <a:sym typeface="Courier New"/>
-            </a:endParaRPr>
-          </a:p>
-        </p:txBody>
-      </p:sp>
-      <p:sp>
-        <p:nvSpPr>
-          <p:cNvPr id="407" name="Google Shape;407;p23"/>
-          <p:cNvSpPr txBox="1"/>
-          <p:nvPr/>
-        </p:nvSpPr>
-        <p:spPr>
-          <a:xfrm>
-            <a:off x="142009" y="2347604"/>
-            <a:ext cx="4221000" cy="1415742"/>
-          </a:xfrm>
-          <a:prstGeom prst="rect">
-            <a:avLst/>
-          </a:prstGeom>
-          <a:noFill/>
-          <a:ln w="9525" cap="flat" cmpd="sng">
-            <a:solidFill>
-              <a:srgbClr val="000000"/>
-            </a:solidFill>
-            <a:prstDash val="dot"/>
-            <a:round/>
-            <a:headEnd type="none" w="sm" len="sm"/>
-            <a:tailEnd type="none" w="sm" len="sm"/>
-          </a:ln>
-        </p:spPr>
-        <p:txBody>
-          <a:bodyPr spcFirstLastPara="1" wrap="square" lIns="91425" tIns="91425" rIns="91425" bIns="91425" anchor="t" anchorCtr="0">
-            <a:spAutoFit/>
-          </a:bodyPr>
-          <a:lstStyle/>
-          <a:p>
-            <a:r>
-              <a:rPr lang="pt-BR" sz="1600" b="1" dirty="0">
-                <a:solidFill>
-                  <a:srgbClr val="666666"/>
-                </a:solidFill>
-                <a:latin typeface="Courier New"/>
-                <a:cs typeface="Courier New"/>
-                <a:sym typeface="Courier New"/>
-              </a:rPr>
-              <a:t>// for(i=0; i&lt;10; i++)</a:t>
-            </a:r>
-            <a:endParaRPr lang="pt-BR" sz="1600" b="1" dirty="0">
-              <a:solidFill>
-                <a:srgbClr val="274E13"/>
-              </a:solidFill>
-              <a:latin typeface="Courier New"/>
-              <a:ea typeface="Courier New"/>
-              <a:cs typeface="Courier New"/>
-              <a:sym typeface="Courier New"/>
-            </a:endParaRPr>
-          </a:p>
-          <a:p>
-            <a:pPr marL="0" lvl="0" indent="0" algn="l" rtl="0">
-              <a:spcBef>
-                <a:spcPts val="0"/>
-              </a:spcBef>
-              <a:spcAft>
-                <a:spcPts val="0"/>
-              </a:spcAft>
-              <a:buNone/>
-            </a:pPr>
-            <a:r>
-              <a:rPr lang="pt-BR" sz="1600" b="1" dirty="0" err="1">
-                <a:solidFill>
-                  <a:srgbClr val="274E13"/>
-                </a:solidFill>
-                <a:latin typeface="Courier New"/>
-                <a:ea typeface="Courier New"/>
-                <a:cs typeface="Courier New"/>
-                <a:sym typeface="Courier New"/>
-              </a:rPr>
-              <a:t>int</a:t>
-            </a:r>
-            <a:r>
-              <a:rPr lang="pt-BR" sz="1600" b="1" dirty="0">
-                <a:solidFill>
-                  <a:srgbClr val="274E13"/>
-                </a:solidFill>
-                <a:latin typeface="Courier New"/>
-                <a:ea typeface="Courier New"/>
-                <a:cs typeface="Courier New"/>
-                <a:sym typeface="Courier New"/>
-              </a:rPr>
-              <a:t> i = 0; </a:t>
-            </a:r>
-            <a:r>
-              <a:rPr lang="pt-BR" sz="1600" b="1" dirty="0">
-                <a:solidFill>
-                  <a:srgbClr val="666666"/>
-                </a:solidFill>
-                <a:latin typeface="Courier New"/>
-                <a:cs typeface="Courier New"/>
-                <a:sym typeface="Courier New"/>
-              </a:rPr>
-              <a:t>// </a:t>
-            </a:r>
-            <a:r>
-              <a:rPr lang="pt-BR" sz="1600" b="1" dirty="0" err="1">
-                <a:solidFill>
-                  <a:srgbClr val="666666"/>
-                </a:solidFill>
-                <a:latin typeface="Courier New"/>
-                <a:cs typeface="Courier New"/>
-                <a:sym typeface="Courier New"/>
-              </a:rPr>
-              <a:t>init-expr</a:t>
-            </a:r>
-            <a:endParaRPr sz="1600" b="1" dirty="0">
-              <a:solidFill>
-                <a:srgbClr val="666666"/>
-              </a:solidFill>
-              <a:latin typeface="Courier New"/>
-              <a:cs typeface="Courier New"/>
-              <a:sym typeface="Courier New"/>
-            </a:endParaRPr>
-          </a:p>
-          <a:p>
-            <a:pPr marL="0" marR="0" lvl="0" indent="0" algn="l" rtl="0">
-              <a:lnSpc>
-                <a:spcPct val="100000"/>
-              </a:lnSpc>
-              <a:spcBef>
-                <a:spcPts val="0"/>
-              </a:spcBef>
-              <a:spcAft>
-                <a:spcPts val="0"/>
-              </a:spcAft>
-              <a:buNone/>
-            </a:pPr>
-            <a:r>
-              <a:rPr lang="pt-BR" sz="1600" b="1" dirty="0" err="1">
-                <a:solidFill>
-                  <a:schemeClr val="dk1"/>
-                </a:solidFill>
-                <a:latin typeface="Courier New"/>
-                <a:ea typeface="Courier New"/>
-                <a:cs typeface="Courier New"/>
-                <a:sym typeface="Courier New"/>
-              </a:rPr>
-              <a:t>while</a:t>
-            </a:r>
-            <a:r>
-              <a:rPr lang="pt-BR" sz="1600" b="1" dirty="0">
-                <a:latin typeface="Courier New"/>
-                <a:ea typeface="Courier New"/>
-                <a:cs typeface="Courier New"/>
-                <a:sym typeface="Courier New"/>
-              </a:rPr>
-              <a:t> (i &lt; 10) { </a:t>
-            </a:r>
-            <a:r>
-              <a:rPr lang="pt-BR" sz="1600" b="1" dirty="0">
-                <a:solidFill>
-                  <a:srgbClr val="666666"/>
-                </a:solidFill>
-                <a:latin typeface="Courier New"/>
-                <a:cs typeface="Courier New"/>
-                <a:sym typeface="Courier New"/>
-              </a:rPr>
-              <a:t>// </a:t>
-            </a:r>
-            <a:r>
-              <a:rPr lang="pt-BR" sz="1600" b="1" dirty="0" err="1">
-                <a:solidFill>
-                  <a:srgbClr val="666666"/>
-                </a:solidFill>
-                <a:latin typeface="Courier New"/>
-                <a:cs typeface="Courier New"/>
-                <a:sym typeface="Courier New"/>
-              </a:rPr>
-              <a:t>expr</a:t>
-            </a:r>
-            <a:endParaRPr sz="1600" b="1" dirty="0">
-              <a:latin typeface="Courier New"/>
-              <a:ea typeface="Courier New"/>
-              <a:cs typeface="Courier New"/>
-              <a:sym typeface="Courier New"/>
-            </a:endParaRPr>
-          </a:p>
-          <a:p>
-            <a:pPr marL="0" lvl="0" indent="457200" algn="l" rtl="0">
-              <a:spcBef>
-                <a:spcPts val="0"/>
-              </a:spcBef>
-              <a:spcAft>
-                <a:spcPts val="0"/>
-              </a:spcAft>
-              <a:buNone/>
-            </a:pPr>
-            <a:r>
-              <a:rPr lang="pt-BR" sz="1600" b="1" dirty="0">
-                <a:solidFill>
-                  <a:srgbClr val="666666"/>
-                </a:solidFill>
-                <a:latin typeface="Courier New"/>
-                <a:ea typeface="Courier New"/>
-                <a:cs typeface="Courier New"/>
-                <a:sym typeface="Courier New"/>
-              </a:rPr>
-              <a:t>i++; </a:t>
-            </a:r>
-            <a:r>
-              <a:rPr lang="pt-BR" sz="1600" b="1" dirty="0">
-                <a:solidFill>
-                  <a:srgbClr val="666666"/>
-                </a:solidFill>
-                <a:latin typeface="Courier New"/>
-                <a:cs typeface="Courier New"/>
-                <a:sym typeface="Courier New"/>
-              </a:rPr>
-              <a:t>// </a:t>
-            </a:r>
-            <a:r>
-              <a:rPr lang="pt-BR" sz="1600" b="1" dirty="0" err="1">
-                <a:solidFill>
-                  <a:srgbClr val="666666"/>
-                </a:solidFill>
-                <a:latin typeface="Courier New"/>
-                <a:cs typeface="Courier New"/>
-                <a:sym typeface="Courier New"/>
-              </a:rPr>
-              <a:t>next-expr</a:t>
-            </a:r>
-            <a:endParaRPr sz="1600" b="1" dirty="0">
-              <a:solidFill>
-                <a:srgbClr val="666666"/>
-              </a:solidFill>
-              <a:latin typeface="Courier New"/>
-              <a:ea typeface="Courier New"/>
-              <a:cs typeface="Courier New"/>
-              <a:sym typeface="Courier New"/>
-            </a:endParaRPr>
-          </a:p>
-          <a:p>
-            <a:pPr marL="0" lvl="0" indent="0" algn="l" rtl="0">
-              <a:spcBef>
-                <a:spcPts val="0"/>
-              </a:spcBef>
-              <a:spcAft>
-                <a:spcPts val="0"/>
-              </a:spcAft>
-              <a:buNone/>
-            </a:pPr>
-            <a:r>
-              <a:rPr lang="pt-BR" sz="1600" b="1" dirty="0">
-                <a:latin typeface="Courier New"/>
-                <a:ea typeface="Courier New"/>
-                <a:cs typeface="Courier New"/>
-                <a:sym typeface="Courier New"/>
-              </a:rPr>
-              <a:t>}</a:t>
-            </a:r>
-            <a:endParaRPr sz="1600" b="1" dirty="0">
-              <a:latin typeface="Courier New"/>
-              <a:ea typeface="Courier New"/>
-              <a:cs typeface="Courier New"/>
-              <a:sym typeface="Courier New"/>
-            </a:endParaRPr>
-          </a:p>
-        </p:txBody>
-      </p:sp>
-      <p:cxnSp>
-        <p:nvCxnSpPr>
-          <p:cNvPr id="408" name="Google Shape;408;p23"/>
-          <p:cNvCxnSpPr>
-            <a:stCxn id="407" idx="3"/>
-            <a:endCxn id="406" idx="1"/>
-          </p:cNvCxnSpPr>
-          <p:nvPr/>
-        </p:nvCxnSpPr>
-        <p:spPr>
-          <a:xfrm>
-            <a:off x="4363009" y="3055475"/>
-            <a:ext cx="850716" cy="0"/>
-          </a:xfrm>
-          <a:prstGeom prst="straightConnector1">
-            <a:avLst/>
-          </a:prstGeom>
-          <a:noFill/>
-          <a:ln w="9525" cap="flat" cmpd="sng">
-            <a:solidFill>
-              <a:schemeClr val="dk2"/>
-            </a:solidFill>
-            <a:prstDash val="solid"/>
-            <a:round/>
-            <a:headEnd type="none" w="med" len="med"/>
-            <a:tailEnd type="triangle" w="med" len="med"/>
-          </a:ln>
-        </p:spPr>
-      </p:cxnSp>
-    </p:spTree>
-  </p:cSld>
-  <p:clrMapOvr>
-    <a:masterClrMapping/>
-  </p:clrMapOvr>
-</p:sld>
-</file>
-
-<file path=ppt/slides/slide17.xml><?xml version="1.0" encoding="utf-8"?>
-<p:sld xmlns:a="http://schemas.openxmlformats.org/drawingml/2006/main" xmlns:r="http://schemas.openxmlformats.org/officeDocument/2006/relationships" xmlns:p="http://schemas.openxmlformats.org/presentationml/2006/main">
-  <p:cSld>
-    <p:spTree>
-      <p:nvGrpSpPr>
-        <p:cNvPr id="1" name="Shape 429"/>
-        <p:cNvGrpSpPr/>
-        <p:nvPr/>
-      </p:nvGrpSpPr>
-      <p:grpSpPr>
-        <a:xfrm>
-          <a:off x="0" y="0"/>
-          <a:ext cx="0" cy="0"/>
-          <a:chOff x="0" y="0"/>
-          <a:chExt cx="0" cy="0"/>
-        </a:xfrm>
-      </p:grpSpPr>
-      <p:sp>
-        <p:nvSpPr>
-          <p:cNvPr id="430" name="Google Shape;430;p26"/>
-          <p:cNvSpPr txBox="1">
-            <a:spLocks noGrp="1"/>
-          </p:cNvSpPr>
-          <p:nvPr>
-            <p:ph type="title"/>
-          </p:nvPr>
-        </p:nvSpPr>
-        <p:spPr>
-          <a:xfrm>
-            <a:off x="1303800" y="598575"/>
-            <a:ext cx="7030500" cy="999300"/>
-          </a:xfrm>
-          <a:prstGeom prst="rect">
-            <a:avLst/>
-          </a:prstGeom>
-        </p:spPr>
-        <p:txBody>
-          <a:bodyPr spcFirstLastPara="1" wrap="square" lIns="91425" tIns="91425" rIns="91425" bIns="91425" anchor="t" anchorCtr="0">
-            <a:normAutofit fontScale="90000"/>
-          </a:bodyPr>
-          <a:lstStyle/>
-          <a:p>
-            <a:pPr marL="0" lvl="0" indent="0" algn="l" rtl="0">
-              <a:spcBef>
-                <a:spcPts val="0"/>
-              </a:spcBef>
-              <a:spcAft>
-                <a:spcPts val="0"/>
-              </a:spcAft>
-              <a:buNone/>
-            </a:pPr>
-            <a:r>
-              <a:rPr lang="pt-BR" dirty="0"/>
-              <a:t>Desafios relacionados à geração de código</a:t>
-            </a:r>
-            <a:endParaRPr dirty="0"/>
-          </a:p>
-        </p:txBody>
-      </p:sp>
-      <p:sp>
-        <p:nvSpPr>
-          <p:cNvPr id="431" name="Google Shape;431;p26"/>
-          <p:cNvSpPr txBox="1">
-            <a:spLocks noGrp="1"/>
-          </p:cNvSpPr>
-          <p:nvPr>
-            <p:ph type="body" idx="1"/>
-          </p:nvPr>
-        </p:nvSpPr>
-        <p:spPr>
-          <a:xfrm>
-            <a:off x="1303800" y="1990050"/>
-            <a:ext cx="7030500" cy="2541600"/>
-          </a:xfrm>
-          <a:prstGeom prst="rect">
-            <a:avLst/>
-          </a:prstGeom>
-        </p:spPr>
-        <p:txBody>
-          <a:bodyPr spcFirstLastPara="1" wrap="square" lIns="91425" tIns="91425" rIns="91425" bIns="91425" anchor="t" anchorCtr="0">
-            <a:normAutofit/>
-          </a:bodyPr>
-          <a:lstStyle/>
-          <a:p>
-            <a:pPr marL="457200" lvl="0" indent="-368300" algn="l" rtl="0">
-              <a:spcBef>
-                <a:spcPts val="0"/>
-              </a:spcBef>
-              <a:spcAft>
-                <a:spcPts val="0"/>
-              </a:spcAft>
-              <a:buSzPts val="2200"/>
-              <a:buChar char="●"/>
-            </a:pPr>
-            <a:r>
-              <a:rPr lang="pt-BR" sz="2200" dirty="0"/>
-              <a:t>Gerar código para ambientes multiprocessados (GPU), aproveitando o máximo da arquitetura de hardware, mantendo alguma generalidade.</a:t>
-            </a:r>
-          </a:p>
-          <a:p>
-            <a:pPr lvl="1" indent="-368300">
-              <a:buSzPts val="2200"/>
-              <a:buChar char="●"/>
-            </a:pPr>
-            <a:r>
-              <a:rPr lang="pt-BR" sz="2000" dirty="0"/>
-              <a:t>Exemplo: Linguagem de programação </a:t>
-            </a:r>
-            <a:r>
-              <a:rPr lang="pt-BR" sz="2000" dirty="0">
-                <a:hlinkClick r:id="rId3"/>
-              </a:rPr>
-              <a:t>Mojo</a:t>
-            </a:r>
-            <a:r>
-              <a:rPr lang="pt-BR" sz="2000" dirty="0"/>
-              <a:t>.</a:t>
-            </a:r>
-            <a:endParaRPr sz="2000" dirty="0"/>
-          </a:p>
-        </p:txBody>
-      </p:sp>
-    </p:spTree>
-  </p:cSld>
-  <p:clrMapOvr>
-    <a:masterClrMapping/>
-  </p:clrMapOvr>
-</p:sld>
-</file>
-
-<file path=ppt/slides/slide18.xml><?xml version="1.0" encoding="utf-8"?>
-<p:sld xmlns:a="http://schemas.openxmlformats.org/drawingml/2006/main" xmlns:r="http://schemas.openxmlformats.org/officeDocument/2006/relationships" xmlns:p="http://schemas.openxmlformats.org/presentationml/2006/main">
-  <p:cSld>
-    <p:spTree>
-      <p:nvGrpSpPr>
-        <p:cNvPr id="1" name=""/>
-        <p:cNvGrpSpPr/>
-        <p:nvPr/>
-      </p:nvGrpSpPr>
-      <p:grpSpPr>
-        <a:xfrm>
-          <a:off x="0" y="0"/>
-          <a:ext cx="0" cy="0"/>
-          <a:chOff x="0" y="0"/>
-          <a:chExt cx="0" cy="0"/>
-        </a:xfrm>
-      </p:grpSpPr>
-      <p:sp>
-        <p:nvSpPr>
-          <p:cNvPr id="2" name="Título 1">
-            <a:extLst>
-              <a:ext uri="{FF2B5EF4-FFF2-40B4-BE49-F238E27FC236}">
-                <a16:creationId xmlns:a16="http://schemas.microsoft.com/office/drawing/2014/main" id="{84A295AF-810F-49E5-AABC-0EC4BDA7BE9B}"/>
-              </a:ext>
-            </a:extLst>
-          </p:cNvPr>
-          <p:cNvSpPr>
-            <a:spLocks noGrp="1"/>
-          </p:cNvSpPr>
-          <p:nvPr>
-            <p:ph type="title"/>
-          </p:nvPr>
-        </p:nvSpPr>
-        <p:spPr/>
-        <p:txBody>
-          <a:bodyPr/>
-          <a:lstStyle/>
-          <a:p>
-            <a:r>
-              <a:rPr lang="pt-BR" dirty="0"/>
-              <a:t>Referências</a:t>
-            </a:r>
-          </a:p>
-        </p:txBody>
-      </p:sp>
-      <p:sp>
-        <p:nvSpPr>
-          <p:cNvPr id="3" name="Espaço Reservado para Texto 2">
-            <a:extLst>
-              <a:ext uri="{FF2B5EF4-FFF2-40B4-BE49-F238E27FC236}">
-                <a16:creationId xmlns:a16="http://schemas.microsoft.com/office/drawing/2014/main" id="{8A07A00B-2BF3-4A16-9534-EF0FB96DFDFD}"/>
-              </a:ext>
-            </a:extLst>
-          </p:cNvPr>
-          <p:cNvSpPr>
-            <a:spLocks noGrp="1"/>
-          </p:cNvSpPr>
-          <p:nvPr>
-            <p:ph type="body" idx="1"/>
-          </p:nvPr>
-        </p:nvSpPr>
-        <p:spPr>
-          <a:xfrm>
-            <a:off x="720436" y="1990050"/>
-            <a:ext cx="7613864" cy="2541600"/>
-          </a:xfrm>
-        </p:spPr>
-        <p:txBody>
-          <a:bodyPr>
-            <a:normAutofit/>
-          </a:bodyPr>
-          <a:lstStyle/>
-          <a:p>
-            <a:pPr algn="just"/>
-            <a:r>
-              <a:rPr lang="en-US" sz="1800" dirty="0"/>
-              <a:t>Introduction to Compilers and Language Design,  2</a:t>
-            </a:r>
-            <a:r>
-              <a:rPr lang="en-US" sz="1800" baseline="30000" dirty="0"/>
-              <a:t>nd</a:t>
-            </a:r>
-            <a:r>
-              <a:rPr lang="en-US" sz="1800" dirty="0"/>
-              <a:t> edition. </a:t>
-            </a:r>
-            <a:r>
-              <a:rPr lang="en-US" sz="1800" dirty="0">
-                <a:hlinkClick r:id="rId2">
-                  <a:extLst>
-                    <a:ext uri="{A12FA001-AC4F-418D-AE19-62706E023703}">
-                      <ahyp:hlinkClr xmlns:ahyp="http://schemas.microsoft.com/office/drawing/2018/hyperlinkcolor" val="tx"/>
-                    </a:ext>
-                  </a:extLst>
-                </a:hlinkClick>
-              </a:rPr>
-              <a:t>Douglas Thain</a:t>
-            </a:r>
-            <a:r>
-              <a:rPr lang="en-US" sz="1800" dirty="0"/>
-              <a:t>.  Independently published, 2020.</a:t>
-            </a:r>
-          </a:p>
-          <a:p>
-            <a:pPr algn="l"/>
-            <a:endParaRPr lang="en-US" sz="1800" dirty="0"/>
-          </a:p>
-          <a:p>
-            <a:pPr algn="l"/>
-            <a:r>
-              <a:rPr lang="en-US" sz="1800" dirty="0"/>
-              <a:t>Retargetable C Compiler, A: Design and Implementation.  </a:t>
-            </a:r>
-            <a:r>
-              <a:rPr lang="en-US" sz="1800" dirty="0">
-                <a:hlinkClick r:id="rId3">
-                  <a:extLst>
-                    <a:ext uri="{A12FA001-AC4F-418D-AE19-62706E023703}">
-                      <ahyp:hlinkClr xmlns:ahyp="http://schemas.microsoft.com/office/drawing/2018/hyperlinkcolor" val="tx"/>
-                    </a:ext>
-                  </a:extLst>
-                </a:hlinkClick>
-              </a:rPr>
-              <a:t>David Hanson</a:t>
-            </a:r>
-            <a:r>
-              <a:rPr lang="en-US" sz="1800" dirty="0"/>
-              <a:t>, </a:t>
-            </a:r>
-            <a:r>
-              <a:rPr lang="en-US" sz="1800" dirty="0">
-                <a:hlinkClick r:id="rId4">
-                  <a:extLst>
-                    <a:ext uri="{A12FA001-AC4F-418D-AE19-62706E023703}">
-                      <ahyp:hlinkClr xmlns:ahyp="http://schemas.microsoft.com/office/drawing/2018/hyperlinkcolor" val="tx"/>
-                    </a:ext>
-                  </a:extLst>
-                </a:hlinkClick>
-              </a:rPr>
-              <a:t>Christopher Fraser</a:t>
-            </a:r>
-            <a:r>
-              <a:rPr lang="en-US" sz="1800" dirty="0"/>
-              <a:t>.</a:t>
-            </a:r>
-            <a:r>
-              <a:rPr lang="pt-BR" sz="1800" dirty="0"/>
-              <a:t>  </a:t>
-            </a:r>
-            <a:r>
-              <a:rPr lang="en-US" sz="1800" dirty="0"/>
-              <a:t>Addison-Wesley Professional, </a:t>
-            </a:r>
-            <a:r>
-              <a:rPr lang="pt-BR" sz="1800" dirty="0"/>
-              <a:t>1995.</a:t>
-            </a:r>
-            <a:endParaRPr lang="en-US" sz="1800" dirty="0"/>
-          </a:p>
-          <a:p>
-            <a:endParaRPr lang="pt-BR" sz="1800" dirty="0"/>
-          </a:p>
-          <a:p>
-            <a:r>
-              <a:rPr lang="en-US" sz="1800" dirty="0"/>
-              <a:t>Compiler Explorer </a:t>
-            </a:r>
-            <a:r>
-              <a:rPr lang="pt-BR" sz="1800" dirty="0"/>
-              <a:t>- https://godbolt.org/</a:t>
-            </a:r>
-          </a:p>
-        </p:txBody>
-      </p:sp>
-    </p:spTree>
-    <p:extLst>
-      <p:ext uri="{BB962C8B-B14F-4D97-AF65-F5344CB8AC3E}">
-        <p14:creationId xmlns:p14="http://schemas.microsoft.com/office/powerpoint/2010/main" val="893188099"/>
-      </p:ext>
-    </p:extLst>
-  </p:cSld>
-  <p:clrMapOvr>
-    <a:masterClrMapping/>
-  </p:clrMapOvr>
-</p:sld>
-</file>
-
 <file path=ppt/slides/slide2.xml><?xml version="1.0" encoding="utf-8"?>
 <p:sld xmlns:a="http://schemas.openxmlformats.org/drawingml/2006/main" xmlns:r="http://schemas.openxmlformats.org/officeDocument/2006/relationships" xmlns:p="http://schemas.openxmlformats.org/presentationml/2006/main">
   <p:cSld>
@@ -27562,6 +29545,323 @@
       </p:par>
     </p:tnLst>
   </p:timing>
+</p:sld>
+</file>
+
+<file path=ppt/slides/slide20.xml><?xml version="1.0" encoding="utf-8"?>
+<p:sld xmlns:a="http://schemas.openxmlformats.org/drawingml/2006/main" xmlns:r="http://schemas.openxmlformats.org/officeDocument/2006/relationships" xmlns:p="http://schemas.openxmlformats.org/presentationml/2006/main">
+  <p:cSld>
+    <p:spTree>
+      <p:nvGrpSpPr>
+        <p:cNvPr id="1" name="Shape 429"/>
+        <p:cNvGrpSpPr/>
+        <p:nvPr/>
+      </p:nvGrpSpPr>
+      <p:grpSpPr>
+        <a:xfrm>
+          <a:off x="0" y="0"/>
+          <a:ext cx="0" cy="0"/>
+          <a:chOff x="0" y="0"/>
+          <a:chExt cx="0" cy="0"/>
+        </a:xfrm>
+      </p:grpSpPr>
+      <p:sp>
+        <p:nvSpPr>
+          <p:cNvPr id="430" name="Google Shape;430;p26"/>
+          <p:cNvSpPr txBox="1">
+            <a:spLocks noGrp="1"/>
+          </p:cNvSpPr>
+          <p:nvPr>
+            <p:ph type="title"/>
+          </p:nvPr>
+        </p:nvSpPr>
+        <p:spPr>
+          <a:xfrm>
+            <a:off x="1303800" y="598575"/>
+            <a:ext cx="7030500" cy="999300"/>
+          </a:xfrm>
+          <a:prstGeom prst="rect">
+            <a:avLst/>
+          </a:prstGeom>
+        </p:spPr>
+        <p:txBody>
+          <a:bodyPr spcFirstLastPara="1" wrap="square" lIns="91425" tIns="91425" rIns="91425" bIns="91425" anchor="t" anchorCtr="0">
+            <a:normAutofit fontScale="90000"/>
+          </a:bodyPr>
+          <a:lstStyle/>
+          <a:p>
+            <a:pPr marL="0" lvl="0" indent="0" algn="l" rtl="0">
+              <a:spcBef>
+                <a:spcPts val="0"/>
+              </a:spcBef>
+              <a:spcAft>
+                <a:spcPts val="0"/>
+              </a:spcAft>
+              <a:buNone/>
+            </a:pPr>
+            <a:r>
+              <a:rPr lang="pt-BR" dirty="0"/>
+              <a:t>Desafios relacionados à geração de código</a:t>
+            </a:r>
+            <a:endParaRPr dirty="0"/>
+          </a:p>
+        </p:txBody>
+      </p:sp>
+      <p:sp>
+        <p:nvSpPr>
+          <p:cNvPr id="431" name="Google Shape;431;p26"/>
+          <p:cNvSpPr txBox="1">
+            <a:spLocks noGrp="1"/>
+          </p:cNvSpPr>
+          <p:nvPr>
+            <p:ph type="body" idx="1"/>
+          </p:nvPr>
+        </p:nvSpPr>
+        <p:spPr>
+          <a:xfrm>
+            <a:off x="1303800" y="1990050"/>
+            <a:ext cx="7030500" cy="2541600"/>
+          </a:xfrm>
+          <a:prstGeom prst="rect">
+            <a:avLst/>
+          </a:prstGeom>
+        </p:spPr>
+        <p:txBody>
+          <a:bodyPr spcFirstLastPara="1" wrap="square" lIns="91425" tIns="91425" rIns="91425" bIns="91425" anchor="t" anchorCtr="0">
+            <a:normAutofit/>
+          </a:bodyPr>
+          <a:lstStyle/>
+          <a:p>
+            <a:pPr marL="457200" lvl="0" indent="-368300" algn="l" rtl="0">
+              <a:spcBef>
+                <a:spcPts val="0"/>
+              </a:spcBef>
+              <a:spcAft>
+                <a:spcPts val="0"/>
+              </a:spcAft>
+              <a:buSzPts val="2200"/>
+              <a:buChar char="●"/>
+            </a:pPr>
+            <a:r>
+              <a:rPr lang="pt-BR" sz="2200" dirty="0"/>
+              <a:t>Gerar código para ambientes multiprocessados (GPU), aproveitando o máximo da arquitetura de hardware, mantendo alguma generalidade.</a:t>
+            </a:r>
+          </a:p>
+          <a:p>
+            <a:pPr lvl="1" indent="-368300">
+              <a:buSzPts val="2200"/>
+              <a:buChar char="●"/>
+            </a:pPr>
+            <a:r>
+              <a:rPr lang="pt-BR" sz="2000" dirty="0"/>
+              <a:t>Exemplo: Linguagem de programação </a:t>
+            </a:r>
+            <a:r>
+              <a:rPr lang="pt-BR" sz="2000" dirty="0">
+                <a:hlinkClick r:id="rId3"/>
+              </a:rPr>
+              <a:t>Mojo</a:t>
+            </a:r>
+            <a:r>
+              <a:rPr lang="pt-BR" sz="2000" dirty="0"/>
+              <a:t>.</a:t>
+            </a:r>
+            <a:endParaRPr sz="2000" dirty="0"/>
+          </a:p>
+        </p:txBody>
+      </p:sp>
+    </p:spTree>
+  </p:cSld>
+  <p:clrMapOvr>
+    <a:masterClrMapping/>
+  </p:clrMapOvr>
+</p:sld>
+</file>
+
+<file path=ppt/slides/slide21.xml><?xml version="1.0" encoding="utf-8"?>
+<p:sld xmlns:a="http://schemas.openxmlformats.org/drawingml/2006/main" xmlns:r="http://schemas.openxmlformats.org/officeDocument/2006/relationships" xmlns:p="http://schemas.openxmlformats.org/presentationml/2006/main">
+  <p:cSld>
+    <p:spTree>
+      <p:nvGrpSpPr>
+        <p:cNvPr id="1" name=""/>
+        <p:cNvGrpSpPr/>
+        <p:nvPr/>
+      </p:nvGrpSpPr>
+      <p:grpSpPr>
+        <a:xfrm>
+          <a:off x="0" y="0"/>
+          <a:ext cx="0" cy="0"/>
+          <a:chOff x="0" y="0"/>
+          <a:chExt cx="0" cy="0"/>
+        </a:xfrm>
+      </p:grpSpPr>
+      <p:sp>
+        <p:nvSpPr>
+          <p:cNvPr id="2" name="Título 1">
+            <a:extLst>
+              <a:ext uri="{FF2B5EF4-FFF2-40B4-BE49-F238E27FC236}">
+                <a16:creationId xmlns:a16="http://schemas.microsoft.com/office/drawing/2014/main" id="{84A295AF-810F-49E5-AABC-0EC4BDA7BE9B}"/>
+              </a:ext>
+            </a:extLst>
+          </p:cNvPr>
+          <p:cNvSpPr>
+            <a:spLocks noGrp="1"/>
+          </p:cNvSpPr>
+          <p:nvPr>
+            <p:ph type="title"/>
+          </p:nvPr>
+        </p:nvSpPr>
+        <p:spPr/>
+        <p:txBody>
+          <a:bodyPr/>
+          <a:lstStyle/>
+          <a:p>
+            <a:r>
+              <a:rPr lang="pt-BR" dirty="0"/>
+              <a:t>Referências</a:t>
+            </a:r>
+          </a:p>
+        </p:txBody>
+      </p:sp>
+      <p:sp>
+        <p:nvSpPr>
+          <p:cNvPr id="3" name="Espaço Reservado para Texto 2">
+            <a:extLst>
+              <a:ext uri="{FF2B5EF4-FFF2-40B4-BE49-F238E27FC236}">
+                <a16:creationId xmlns:a16="http://schemas.microsoft.com/office/drawing/2014/main" id="{8A07A00B-2BF3-4A16-9534-EF0FB96DFDFD}"/>
+              </a:ext>
+            </a:extLst>
+          </p:cNvPr>
+          <p:cNvSpPr>
+            <a:spLocks noGrp="1"/>
+          </p:cNvSpPr>
+          <p:nvPr>
+            <p:ph type="body" idx="1"/>
+          </p:nvPr>
+        </p:nvSpPr>
+        <p:spPr>
+          <a:xfrm>
+            <a:off x="720436" y="1990050"/>
+            <a:ext cx="7613864" cy="2541600"/>
+          </a:xfrm>
+        </p:spPr>
+        <p:txBody>
+          <a:bodyPr>
+            <a:normAutofit/>
+          </a:bodyPr>
+          <a:lstStyle/>
+          <a:p>
+            <a:pPr algn="just"/>
+            <a:r>
+              <a:rPr lang="en-US" sz="1800" dirty="0"/>
+              <a:t>Introduction to Compilers and Language Design,  2</a:t>
+            </a:r>
+            <a:r>
+              <a:rPr lang="en-US" sz="1800" baseline="30000" dirty="0"/>
+              <a:t>nd</a:t>
+            </a:r>
+            <a:r>
+              <a:rPr lang="en-US" sz="1800" dirty="0"/>
+              <a:t> edition. </a:t>
+            </a:r>
+            <a:r>
+              <a:rPr lang="en-US" sz="1800" dirty="0">
+                <a:hlinkClick r:id="rId2">
+                  <a:extLst>
+                    <a:ext uri="{A12FA001-AC4F-418D-AE19-62706E023703}">
+                      <ahyp:hlinkClr xmlns:ahyp="http://schemas.microsoft.com/office/drawing/2018/hyperlinkcolor" val="tx"/>
+                    </a:ext>
+                  </a:extLst>
+                </a:hlinkClick>
+              </a:rPr>
+              <a:t>Douglas Thain</a:t>
+            </a:r>
+            <a:r>
+              <a:rPr lang="en-US" sz="1800" dirty="0"/>
+              <a:t>.  Independently published, 2020.</a:t>
+            </a:r>
+          </a:p>
+          <a:p>
+            <a:pPr algn="l"/>
+            <a:endParaRPr lang="en-US" sz="1800" dirty="0"/>
+          </a:p>
+          <a:p>
+            <a:pPr algn="l"/>
+            <a:r>
+              <a:rPr lang="en-US" sz="1800" dirty="0"/>
+              <a:t>Retargetable C Compiler, A: Design and Implementation.  </a:t>
+            </a:r>
+            <a:r>
+              <a:rPr lang="en-US" sz="1800" dirty="0">
+                <a:hlinkClick r:id="rId3">
+                  <a:extLst>
+                    <a:ext uri="{A12FA001-AC4F-418D-AE19-62706E023703}">
+                      <ahyp:hlinkClr xmlns:ahyp="http://schemas.microsoft.com/office/drawing/2018/hyperlinkcolor" val="tx"/>
+                    </a:ext>
+                  </a:extLst>
+                </a:hlinkClick>
+              </a:rPr>
+              <a:t>David Hanson</a:t>
+            </a:r>
+            <a:r>
+              <a:rPr lang="en-US" sz="1800" dirty="0"/>
+              <a:t>, </a:t>
+            </a:r>
+            <a:r>
+              <a:rPr lang="en-US" sz="1800" dirty="0">
+                <a:hlinkClick r:id="rId4">
+                  <a:extLst>
+                    <a:ext uri="{A12FA001-AC4F-418D-AE19-62706E023703}">
+                      <ahyp:hlinkClr xmlns:ahyp="http://schemas.microsoft.com/office/drawing/2018/hyperlinkcolor" val="tx"/>
+                    </a:ext>
+                  </a:extLst>
+                </a:hlinkClick>
+              </a:rPr>
+              <a:t>Christopher Fraser</a:t>
+            </a:r>
+            <a:r>
+              <a:rPr lang="en-US" sz="1800" dirty="0"/>
+              <a:t>.</a:t>
+            </a:r>
+            <a:r>
+              <a:rPr lang="pt-BR" sz="1800" dirty="0"/>
+              <a:t>  </a:t>
+            </a:r>
+            <a:r>
+              <a:rPr lang="en-US" sz="1800" dirty="0"/>
+              <a:t>Addison-Wesley Professional, </a:t>
+            </a:r>
+            <a:r>
+              <a:rPr lang="pt-BR" sz="1800" dirty="0"/>
+              <a:t>1995.</a:t>
+            </a:r>
+            <a:endParaRPr lang="en-US" sz="1800" dirty="0"/>
+          </a:p>
+          <a:p>
+            <a:endParaRPr lang="pt-BR" sz="1800" dirty="0"/>
+          </a:p>
+          <a:p>
+            <a:r>
+              <a:rPr lang="en-US" sz="1800" dirty="0"/>
+              <a:t>Compiler Explorer </a:t>
+            </a:r>
+            <a:r>
+              <a:rPr lang="pt-BR" sz="1800" dirty="0"/>
+              <a:t>- https://godbolt.org/</a:t>
+            </a:r>
+          </a:p>
+        </p:txBody>
+      </p:sp>
+    </p:spTree>
+    <p:extLst>
+      <p:ext uri="{BB962C8B-B14F-4D97-AF65-F5344CB8AC3E}">
+        <p14:creationId xmlns:p14="http://schemas.microsoft.com/office/powerpoint/2010/main" val="893188099"/>
+      </p:ext>
+    </p:extLst>
+  </p:cSld>
+  <p:clrMapOvr>
+    <a:masterClrMapping/>
+  </p:clrMapOvr>
 </p:sld>
 </file>
 
@@ -30916,7 +33216,7 @@
         </p:nvSpPr>
         <p:spPr>
           <a:xfrm>
-            <a:off x="3388242" y="2496498"/>
+            <a:off x="3540642" y="2427898"/>
             <a:ext cx="1789272" cy="338554"/>
           </a:xfrm>
           <a:prstGeom prst="rect">
@@ -31437,8 +33737,185 @@
         </p:nvSpPr>
         <p:spPr>
           <a:xfrm>
-            <a:off x="3812489" y="3098077"/>
-            <a:ext cx="3657600" cy="1569660"/>
+            <a:off x="6547163" y="3097783"/>
+            <a:ext cx="1954762" cy="1569660"/>
+          </a:xfrm>
+          <a:prstGeom prst="rect">
+            <a:avLst/>
+          </a:prstGeom>
+          <a:noFill/>
+          <a:ln>
+            <a:solidFill>
+              <a:schemeClr val="accent1"/>
+            </a:solidFill>
+          </a:ln>
+        </p:spPr>
+        <p:txBody>
+          <a:bodyPr wrap="square" rtlCol="0">
+            <a:spAutoFit/>
+          </a:bodyPr>
+          <a:lstStyle/>
+          <a:p>
+            <a:r>
+              <a:rPr lang="pt-BR" sz="1600" dirty="0">
+                <a:latin typeface="Courier New" panose="02070309020205020404" pitchFamily="49" charset="0"/>
+                <a:cs typeface="Courier New" panose="02070309020205020404" pitchFamily="49" charset="0"/>
+              </a:rPr>
+              <a:t>li t0,3</a:t>
+            </a:r>
+          </a:p>
+          <a:p>
+            <a:r>
+              <a:rPr lang="pt-BR" sz="1600" dirty="0" err="1">
+                <a:latin typeface="Courier New" panose="02070309020205020404" pitchFamily="49" charset="0"/>
+                <a:cs typeface="Courier New" panose="02070309020205020404" pitchFamily="49" charset="0"/>
+              </a:rPr>
+              <a:t>ld</a:t>
+            </a:r>
+            <a:r>
+              <a:rPr lang="pt-BR" sz="1600" dirty="0">
+                <a:latin typeface="Courier New" panose="02070309020205020404" pitchFamily="49" charset="0"/>
+                <a:cs typeface="Courier New" panose="02070309020205020404" pitchFamily="49" charset="0"/>
+              </a:rPr>
+              <a:t> t1,0(#a)</a:t>
+            </a:r>
+          </a:p>
+          <a:p>
+            <a:r>
+              <a:rPr lang="pt-BR" sz="1600" dirty="0" err="1">
+                <a:latin typeface="Courier New" panose="02070309020205020404" pitchFamily="49" charset="0"/>
+                <a:cs typeface="Courier New" panose="02070309020205020404" pitchFamily="49" charset="0"/>
+              </a:rPr>
+              <a:t>add</a:t>
+            </a:r>
+            <a:r>
+              <a:rPr lang="pt-BR" sz="1600" dirty="0">
+                <a:latin typeface="Courier New" panose="02070309020205020404" pitchFamily="49" charset="0"/>
+                <a:cs typeface="Courier New" panose="02070309020205020404" pitchFamily="49" charset="0"/>
+              </a:rPr>
+              <a:t> t0,t1,t0</a:t>
+            </a:r>
+          </a:p>
+          <a:p>
+            <a:r>
+              <a:rPr lang="pt-BR" sz="1600" dirty="0" err="1">
+                <a:latin typeface="Courier New" panose="02070309020205020404" pitchFamily="49" charset="0"/>
+                <a:cs typeface="Courier New" panose="02070309020205020404" pitchFamily="49" charset="0"/>
+              </a:rPr>
+              <a:t>ld</a:t>
+            </a:r>
+            <a:r>
+              <a:rPr lang="pt-BR" sz="1600" dirty="0">
+                <a:latin typeface="Courier New" panose="02070309020205020404" pitchFamily="49" charset="0"/>
+                <a:cs typeface="Courier New" panose="02070309020205020404" pitchFamily="49" charset="0"/>
+              </a:rPr>
+              <a:t> t1,0(#b)</a:t>
+            </a:r>
+          </a:p>
+          <a:p>
+            <a:r>
+              <a:rPr lang="pt-BR" sz="1600" dirty="0">
+                <a:latin typeface="Courier New" panose="02070309020205020404" pitchFamily="49" charset="0"/>
+                <a:cs typeface="Courier New" panose="02070309020205020404" pitchFamily="49" charset="0"/>
+              </a:rPr>
+              <a:t>sub t0,t1,t0</a:t>
+            </a:r>
+          </a:p>
+          <a:p>
+            <a:r>
+              <a:rPr lang="pt-BR" sz="1600" dirty="0" err="1">
+                <a:latin typeface="Courier New" panose="02070309020205020404" pitchFamily="49" charset="0"/>
+                <a:cs typeface="Courier New" panose="02070309020205020404" pitchFamily="49" charset="0"/>
+              </a:rPr>
+              <a:t>sd</a:t>
+            </a:r>
+            <a:r>
+              <a:rPr lang="pt-BR" sz="1600" dirty="0">
+                <a:latin typeface="Courier New" panose="02070309020205020404" pitchFamily="49" charset="0"/>
+                <a:cs typeface="Courier New" panose="02070309020205020404" pitchFamily="49" charset="0"/>
+              </a:rPr>
+              <a:t> t0,(#c)</a:t>
+            </a:r>
+          </a:p>
+        </p:txBody>
+      </p:sp>
+      <p:sp>
+        <p:nvSpPr>
+          <p:cNvPr id="20" name="CaixaDeTexto 19">
+            <a:extLst>
+              <a:ext uri="{FF2B5EF4-FFF2-40B4-BE49-F238E27FC236}">
+                <a16:creationId xmlns:a16="http://schemas.microsoft.com/office/drawing/2014/main" id="{87AF396D-5243-4BEF-A8D9-67B277F20144}"/>
+              </a:ext>
+            </a:extLst>
+          </p:cNvPr>
+          <p:cNvSpPr txBox="1"/>
+          <p:nvPr/>
+        </p:nvSpPr>
+        <p:spPr>
+          <a:xfrm>
+            <a:off x="3364602" y="3629881"/>
+            <a:ext cx="1812912" cy="830997"/>
+          </a:xfrm>
+          <a:prstGeom prst="rect">
+            <a:avLst/>
+          </a:prstGeom>
+          <a:noFill/>
+          <a:ln>
+            <a:solidFill>
+              <a:schemeClr val="accent1"/>
+            </a:solidFill>
+          </a:ln>
+        </p:spPr>
+        <p:txBody>
+          <a:bodyPr wrap="square" rtlCol="0">
+            <a:spAutoFit/>
+          </a:bodyPr>
+          <a:lstStyle/>
+          <a:p>
+            <a:r>
+              <a:rPr lang="pt-BR" sz="1600" dirty="0">
+                <a:latin typeface="Courier New" panose="02070309020205020404" pitchFamily="49" charset="0"/>
+                <a:cs typeface="Courier New" panose="02070309020205020404" pitchFamily="49" charset="0"/>
+              </a:rPr>
+              <a:t>t0 = a + 3</a:t>
+            </a:r>
+          </a:p>
+          <a:p>
+            <a:r>
+              <a:rPr lang="pt-BR" sz="1600" dirty="0">
+                <a:latin typeface="Courier New" panose="02070309020205020404" pitchFamily="49" charset="0"/>
+                <a:cs typeface="Courier New" panose="02070309020205020404" pitchFamily="49" charset="0"/>
+              </a:rPr>
+              <a:t>t1 = b + t0</a:t>
+            </a:r>
+          </a:p>
+          <a:p>
+            <a:r>
+              <a:rPr lang="pt-BR" sz="1600" dirty="0">
+                <a:latin typeface="Courier New" panose="02070309020205020404" pitchFamily="49" charset="0"/>
+                <a:cs typeface="Courier New" panose="02070309020205020404" pitchFamily="49" charset="0"/>
+              </a:rPr>
+              <a:t>c  = t1</a:t>
+            </a:r>
+          </a:p>
+        </p:txBody>
+      </p:sp>
+      <p:sp>
+        <p:nvSpPr>
+          <p:cNvPr id="12" name="CaixaDeTexto 11">
+            <a:extLst>
+              <a:ext uri="{FF2B5EF4-FFF2-40B4-BE49-F238E27FC236}">
+                <a16:creationId xmlns:a16="http://schemas.microsoft.com/office/drawing/2014/main" id="{2975CD97-18A6-428C-85BF-C6B362D329D2}"/>
+              </a:ext>
+            </a:extLst>
+          </p:cNvPr>
+          <p:cNvSpPr txBox="1"/>
+          <p:nvPr/>
+        </p:nvSpPr>
+        <p:spPr>
+          <a:xfrm>
+            <a:off x="3343248" y="3242145"/>
+            <a:ext cx="1848395" cy="307777"/>
           </a:xfrm>
           <a:prstGeom prst="rect">
             <a:avLst/>
@@ -31452,84 +33929,78 @@
           <a:lstStyle/>
           <a:p>
             <a:r>
-              <a:rPr lang="pt-BR" sz="1600" dirty="0">
-                <a:latin typeface="Courier New" panose="02070309020205020404" pitchFamily="49" charset="0"/>
-                <a:cs typeface="Courier New" panose="02070309020205020404" pitchFamily="49" charset="0"/>
-              </a:rPr>
-              <a:t>li t0,3</a:t>
+              <a:rPr lang="pt-BR" dirty="0"/>
+              <a:t>Código intermediário</a:t>
             </a:r>
           </a:p>
+        </p:txBody>
+      </p:sp>
+      <p:sp>
+        <p:nvSpPr>
+          <p:cNvPr id="21" name="CaixaDeTexto 20">
+            <a:extLst>
+              <a:ext uri="{FF2B5EF4-FFF2-40B4-BE49-F238E27FC236}">
+                <a16:creationId xmlns:a16="http://schemas.microsoft.com/office/drawing/2014/main" id="{C7CA551C-DD35-48CB-A078-D31F6F82DA62}"/>
+              </a:ext>
+            </a:extLst>
+          </p:cNvPr>
+          <p:cNvSpPr txBox="1"/>
+          <p:nvPr/>
+        </p:nvSpPr>
+        <p:spPr>
+          <a:xfrm>
+            <a:off x="3210447" y="4521976"/>
+            <a:ext cx="2251545" cy="307777"/>
+          </a:xfrm>
+          <a:prstGeom prst="rect">
+            <a:avLst/>
+          </a:prstGeom>
+          <a:noFill/>
+        </p:spPr>
+        <p:txBody>
+          <a:bodyPr wrap="square" rtlCol="0">
+            <a:spAutoFit/>
+          </a:bodyPr>
+          <a:lstStyle/>
           <a:p>
             <a:r>
-              <a:rPr lang="pt-BR" sz="1600" dirty="0" err="1">
-                <a:latin typeface="Courier New" panose="02070309020205020404" pitchFamily="49" charset="0"/>
-                <a:cs typeface="Courier New" panose="02070309020205020404" pitchFamily="49" charset="0"/>
-              </a:rPr>
-              <a:t>ld</a:t>
-            </a:r>
-            <a:r>
-              <a:rPr lang="pt-BR" sz="1600" dirty="0">
-                <a:latin typeface="Courier New" panose="02070309020205020404" pitchFamily="49" charset="0"/>
-                <a:cs typeface="Courier New" panose="02070309020205020404" pitchFamily="49" charset="0"/>
-              </a:rPr>
-              <a:t> t1,0(#a)</a:t>
+              <a:rPr lang="pt-BR" dirty="0"/>
+              <a:t>Código de três endereços</a:t>
             </a:r>
           </a:p>
+        </p:txBody>
+      </p:sp>
+      <p:sp>
+        <p:nvSpPr>
+          <p:cNvPr id="23" name="CaixaDeTexto 22">
+            <a:extLst>
+              <a:ext uri="{FF2B5EF4-FFF2-40B4-BE49-F238E27FC236}">
+                <a16:creationId xmlns:a16="http://schemas.microsoft.com/office/drawing/2014/main" id="{BD1C0FB5-1E6D-4FDB-9242-C368B42DF1B3}"/>
+              </a:ext>
+            </a:extLst>
+          </p:cNvPr>
+          <p:cNvSpPr txBox="1"/>
+          <p:nvPr/>
+        </p:nvSpPr>
+        <p:spPr>
+          <a:xfrm>
+            <a:off x="7123915" y="2681163"/>
+            <a:ext cx="801258" cy="307777"/>
+          </a:xfrm>
+          <a:prstGeom prst="rect">
+            <a:avLst/>
+          </a:prstGeom>
+          <a:noFill/>
+        </p:spPr>
+        <p:txBody>
+          <a:bodyPr wrap="square" rtlCol="0">
+            <a:spAutoFit/>
+          </a:bodyPr>
+          <a:lstStyle/>
           <a:p>
             <a:r>
-              <a:rPr lang="pt-BR" sz="1600" dirty="0" err="1">
-                <a:latin typeface="Courier New" panose="02070309020205020404" pitchFamily="49" charset="0"/>
-                <a:cs typeface="Courier New" panose="02070309020205020404" pitchFamily="49" charset="0"/>
-              </a:rPr>
-              <a:t>add</a:t>
-            </a:r>
-            <a:r>
-              <a:rPr lang="pt-BR" sz="1600" dirty="0">
-                <a:latin typeface="Courier New" panose="02070309020205020404" pitchFamily="49" charset="0"/>
-                <a:cs typeface="Courier New" panose="02070309020205020404" pitchFamily="49" charset="0"/>
-              </a:rPr>
-              <a:t> t0,t1,t0</a:t>
-            </a:r>
-          </a:p>
-          <a:p>
-            <a:r>
-              <a:rPr lang="pt-BR" sz="1600" dirty="0" err="1">
-                <a:latin typeface="Courier New" panose="02070309020205020404" pitchFamily="49" charset="0"/>
-                <a:cs typeface="Courier New" panose="02070309020205020404" pitchFamily="49" charset="0"/>
-              </a:rPr>
-              <a:t>ld</a:t>
-            </a:r>
-            <a:r>
-              <a:rPr lang="pt-BR" sz="1600" dirty="0">
-                <a:latin typeface="Courier New" panose="02070309020205020404" pitchFamily="49" charset="0"/>
-                <a:cs typeface="Courier New" panose="02070309020205020404" pitchFamily="49" charset="0"/>
-              </a:rPr>
-              <a:t> t1,0(#b)</a:t>
-            </a:r>
-          </a:p>
-          <a:p>
-            <a:r>
-              <a:rPr lang="pt-BR" sz="1600" dirty="0">
-                <a:latin typeface="Courier New" panose="02070309020205020404" pitchFamily="49" charset="0"/>
-                <a:cs typeface="Courier New" panose="02070309020205020404" pitchFamily="49" charset="0"/>
-              </a:rPr>
-              <a:t>sub t0,t1,t0</a:t>
-            </a:r>
-          </a:p>
-          <a:p>
-            <a:r>
-              <a:rPr lang="pt-BR" sz="1600" dirty="0" err="1">
-                <a:latin typeface="Courier New" panose="02070309020205020404" pitchFamily="49" charset="0"/>
-                <a:cs typeface="Courier New" panose="02070309020205020404" pitchFamily="49" charset="0"/>
-              </a:rPr>
-              <a:t>sd</a:t>
-            </a:r>
-            <a:r>
-              <a:rPr lang="pt-BR" sz="1600" dirty="0">
-                <a:latin typeface="Courier New" panose="02070309020205020404" pitchFamily="49" charset="0"/>
-                <a:cs typeface="Courier New" panose="02070309020205020404" pitchFamily="49" charset="0"/>
-              </a:rPr>
-              <a:t> t0,(#c)</a:t>
+              <a:rPr lang="pt-BR" dirty="0"/>
+              <a:t>RISC-V</a:t>
             </a:r>
           </a:p>
         </p:txBody>
@@ -32659,6 +35130,79 @@
                                   </p:childTnLst>
                                 </p:cTn>
                               </p:par>
+                              <p:par>
+                                <p:cTn id="65" presetID="2" presetClass="entr" presetSubtype="4" fill="hold" grpId="0" nodeType="withEffect">
+                                  <p:stCondLst>
+                                    <p:cond delay="0"/>
+                                  </p:stCondLst>
+                                  <p:childTnLst>
+                                    <p:set>
+                                      <p:cBhvr>
+                                        <p:cTn id="66" dur="1" fill="hold">
+                                          <p:stCondLst>
+                                            <p:cond delay="0"/>
+                                          </p:stCondLst>
+                                        </p:cTn>
+                                        <p:tgtEl>
+                                          <p:spTgt spid="20"/>
+                                        </p:tgtEl>
+                                        <p:attrNameLst>
+                                          <p:attrName>style.visibility</p:attrName>
+                                        </p:attrNameLst>
+                                      </p:cBhvr>
+                                      <p:to>
+                                        <p:strVal val="visible"/>
+                                      </p:to>
+                                    </p:set>
+                                    <p:anim calcmode="lin" valueType="num">
+                                      <p:cBhvr additive="base">
+                                        <p:cTn id="67" dur="500" fill="hold"/>
+                                        <p:tgtEl>
+                                          <p:spTgt spid="20"/>
+                                        </p:tgtEl>
+                                        <p:attrNameLst>
+                                          <p:attrName>ppt_x</p:attrName>
+                                        </p:attrNameLst>
+                                      </p:cBhvr>
+                                      <p:tavLst>
+                                        <p:tav tm="0">
+                                          <p:val>
+                                            <p:strVal val="#ppt_x"/>
+                                          </p:val>
+                                        </p:tav>
+                                        <p:tav tm="100000">
+                                          <p:val>
+                                            <p:strVal val="#ppt_x"/>
+                                          </p:val>
+                                        </p:tav>
+                                      </p:tavLst>
+                                    </p:anim>
+                                    <p:anim calcmode="lin" valueType="num">
+                                      <p:cBhvr additive="base">
+                                        <p:cTn id="68" dur="500" fill="hold"/>
+                                        <p:tgtEl>
+                                          <p:spTgt spid="20"/>
+                                        </p:tgtEl>
+                                        <p:attrNameLst>
+                                          <p:attrName>ppt_y</p:attrName>
+                                        </p:attrNameLst>
+                                      </p:cBhvr>
+                                      <p:tavLst>
+                                        <p:tav tm="0">
+                                          <p:val>
+                                            <p:strVal val="1+#ppt_h/2"/>
+                                          </p:val>
+                                        </p:tav>
+                                        <p:tav tm="100000">
+                                          <p:val>
+                                            <p:strVal val="#ppt_y"/>
+                                          </p:val>
+                                        </p:tav>
+                                      </p:tavLst>
+                                    </p:anim>
+                                  </p:childTnLst>
+                                </p:cTn>
+                              </p:par>
                             </p:childTnLst>
                           </p:cTn>
                         </p:par>
@@ -32696,6 +35240,7 @@
       <p:bldP spid="10" grpId="0"/>
       <p:bldP spid="11" grpId="0"/>
       <p:bldP spid="61" grpId="0"/>
+      <p:bldP spid="20" grpId="0"/>
     </p:bldLst>
   </p:timing>
 </p:sld>

--- a/slides/geracao_codigo.pptx
+++ b/slides/geracao_codigo.pptx
@@ -17604,7 +17604,7 @@
             </a:pPr>
             <a:r>
               <a:rPr lang="pt-BR" b="1" dirty="0"/>
-              <a:t>21/11/2023</a:t>
+              <a:t>5/11/2024</a:t>
             </a:r>
             <a:endParaRPr b="1" dirty="0"/>
           </a:p>

--- a/slides/geracao_codigo.pptx
+++ b/slides/geracao_codigo.pptx
@@ -5,7 +5,7 @@
     <p:sldMasterId id="2147483659" r:id="rId1"/>
   </p:sldMasterIdLst>
   <p:notesMasterIdLst>
-    <p:notesMasterId r:id="rId23"/>
+    <p:notesMasterId r:id="rId24"/>
   </p:notesMasterIdLst>
   <p:sldIdLst>
     <p:sldId id="256" r:id="rId2"/>
@@ -26,24 +26,25 @@
     <p:sldId id="266" r:id="rId17"/>
     <p:sldId id="280" r:id="rId18"/>
     <p:sldId id="267" r:id="rId19"/>
-    <p:sldId id="273" r:id="rId20"/>
-    <p:sldId id="269" r:id="rId21"/>
-    <p:sldId id="276" r:id="rId22"/>
+    <p:sldId id="281" r:id="rId20"/>
+    <p:sldId id="273" r:id="rId21"/>
+    <p:sldId id="269" r:id="rId22"/>
+    <p:sldId id="276" r:id="rId23"/>
   </p:sldIdLst>
   <p:sldSz cx="9144000" cy="5143500" type="screen16x9"/>
   <p:notesSz cx="6858000" cy="9144000"/>
   <p:embeddedFontLst>
     <p:embeddedFont>
       <p:font typeface="Maven Pro" panose="020B0604020202020204" charset="0"/>
-      <p:regular r:id="rId24"/>
-      <p:bold r:id="rId25"/>
+      <p:regular r:id="rId25"/>
+      <p:bold r:id="rId26"/>
     </p:embeddedFont>
     <p:embeddedFont>
       <p:font typeface="Nunito" pitchFamily="2" charset="0"/>
-      <p:regular r:id="rId26"/>
-      <p:bold r:id="rId27"/>
-      <p:italic r:id="rId28"/>
-      <p:boldItalic r:id="rId29"/>
+      <p:regular r:id="rId27"/>
+      <p:bold r:id="rId28"/>
+      <p:italic r:id="rId29"/>
+      <p:boldItalic r:id="rId30"/>
     </p:embeddedFont>
   </p:embeddedFontLst>
   <p:defaultTextStyle>
@@ -676,13 +677,13 @@
         <pc:chgData name="Adriano J. Holanda" userId="ff6e826cce1e6f1c" providerId="LiveId" clId="{E026D308-A227-45FE-8F7B-4DF7CC2AECEC}" dt="2023-11-16T19:14:20.121" v="2866" actId="114"/>
         <pc:sldMkLst>
           <pc:docMk/>
-          <pc:sldMk cId="0" sldId="267"/>
+          <pc:sldMk cId="2667334388" sldId="267"/>
         </pc:sldMkLst>
         <pc:spChg chg="mod">
           <ac:chgData name="Adriano J. Holanda" userId="ff6e826cce1e6f1c" providerId="LiveId" clId="{E026D308-A227-45FE-8F7B-4DF7CC2AECEC}" dt="2023-11-16T19:14:20.121" v="2866" actId="114"/>
           <ac:spMkLst>
             <pc:docMk/>
-            <pc:sldMk cId="0" sldId="267"/>
+            <pc:sldMk cId="2667334388" sldId="267"/>
             <ac:spMk id="414" creationId="{00000000-0000-0000-0000-000000000000}"/>
           </ac:spMkLst>
         </pc:spChg>
@@ -690,7 +691,7 @@
           <ac:chgData name="Adriano J. Holanda" userId="ff6e826cce1e6f1c" providerId="LiveId" clId="{E026D308-A227-45FE-8F7B-4DF7CC2AECEC}" dt="2023-11-16T13:09:41.006" v="7" actId="27636"/>
           <ac:spMkLst>
             <pc:docMk/>
-            <pc:sldMk cId="0" sldId="267"/>
+            <pc:sldMk cId="2667334388" sldId="267"/>
             <ac:spMk id="415" creationId="{00000000-0000-0000-0000-000000000000}"/>
           </ac:spMkLst>
         </pc:spChg>
@@ -16786,7 +16787,7 @@
         <p:push/>
       </p:transition>
     </mc:Choice>
-    <mc:Fallback xmlns:ahyp="http://schemas.microsoft.com/office/drawing/2018/hyperlinkcolor" xmlns:p15="http://schemas.microsoft.com/office/powerpoint/2012/main" xmlns:com="http://schemas.openxmlformats.org/drawingml/2006/compatibility" xmlns:pvml="urn:schemas-microsoft-com:office:powerpoint" xmlns:v="urn:schemas-microsoft-com:vml" xmlns:o="urn:schemas-microsoft-com:office:office" xmlns:dgm="http://schemas.openxmlformats.org/drawingml/2006/diagram" xmlns:c="http://schemas.openxmlformats.org/drawingml/2006/chart" xmlns:mv="urn:schemas-microsoft-com:mac:vml" xmlns="">
+    <mc:Fallback xmlns="" xmlns:mv="urn:schemas-microsoft-com:mac:vml" xmlns:c="http://schemas.openxmlformats.org/drawingml/2006/chart" xmlns:dgm="http://schemas.openxmlformats.org/drawingml/2006/diagram" xmlns:o="urn:schemas-microsoft-com:office:office" xmlns:v="urn:schemas-microsoft-com:vml" xmlns:pvml="urn:schemas-microsoft-com:office:powerpoint" xmlns:com="http://schemas.openxmlformats.org/drawingml/2006/compatibility" xmlns:p15="http://schemas.microsoft.com/office/powerpoint/2012/main" xmlns:ahyp="http://schemas.microsoft.com/office/drawing/2018/hyperlinkcolor">
       <p:transition spd="slow">
         <p:fade/>
       </p:transition>
@@ -18183,8 +18184,8 @@
       </p:par>
     </p:tnLst>
     <p:bldLst>
-      <p:bldP spid="4" grpId="0"/>
-      <p:bldP spid="5" grpId="0"/>
+      <p:bldP spid="4" grpId="0" animBg="1"/>
+      <p:bldP spid="5" grpId="0" animBg="1"/>
     </p:bldLst>
   </p:timing>
 </p:sld>
@@ -20642,8 +20643,8 @@
       </p:par>
     </p:tnLst>
     <p:bldLst>
-      <p:bldP spid="4" grpId="0"/>
-      <p:bldP spid="5" grpId="0"/>
+      <p:bldP spid="4" grpId="0" animBg="1"/>
+      <p:bldP spid="5" grpId="0" animBg="1"/>
     </p:bldLst>
   </p:timing>
 </p:sld>
@@ -23068,8 +23069,8 @@
       </p:par>
     </p:tnLst>
     <p:bldLst>
-      <p:bldP spid="4" grpId="0"/>
-      <p:bldP spid="5" grpId="0"/>
+      <p:bldP spid="4" grpId="0" animBg="1"/>
+      <p:bldP spid="5" grpId="0" animBg="1"/>
     </p:bldLst>
   </p:timing>
 </p:sld>
@@ -23953,6 +23954,1767 @@
 </file>
 
 <file path=ppt/slides/slide19.xml><?xml version="1.0" encoding="utf-8"?>
+<p:sld xmlns:a="http://schemas.openxmlformats.org/drawingml/2006/main" xmlns:r="http://schemas.openxmlformats.org/officeDocument/2006/relationships" xmlns:p="http://schemas.openxmlformats.org/presentationml/2006/main">
+  <p:cSld>
+    <p:spTree>
+      <p:nvGrpSpPr>
+        <p:cNvPr id="1" name=""/>
+        <p:cNvGrpSpPr/>
+        <p:nvPr/>
+      </p:nvGrpSpPr>
+      <p:grpSpPr>
+        <a:xfrm>
+          <a:off x="0" y="0"/>
+          <a:ext cx="0" cy="0"/>
+          <a:chOff x="0" y="0"/>
+          <a:chExt cx="0" cy="0"/>
+        </a:xfrm>
+      </p:grpSpPr>
+      <p:sp>
+        <p:nvSpPr>
+          <p:cNvPr id="2" name="Título 1">
+            <a:extLst>
+              <a:ext uri="{FF2B5EF4-FFF2-40B4-BE49-F238E27FC236}">
+                <a16:creationId xmlns:a16="http://schemas.microsoft.com/office/drawing/2014/main" id="{58814535-E626-4042-B106-8817DD27BCF8}"/>
+              </a:ext>
+            </a:extLst>
+          </p:cNvPr>
+          <p:cNvSpPr>
+            <a:spLocks noGrp="1"/>
+          </p:cNvSpPr>
+          <p:nvPr>
+            <p:ph type="title"/>
+          </p:nvPr>
+        </p:nvSpPr>
+        <p:spPr/>
+        <p:txBody>
+          <a:bodyPr/>
+          <a:lstStyle/>
+          <a:p>
+            <a:r>
+              <a:rPr lang="pt-BR" dirty="0"/>
+              <a:t>Função</a:t>
+            </a:r>
+          </a:p>
+        </p:txBody>
+      </p:sp>
+      <p:sp>
+        <p:nvSpPr>
+          <p:cNvPr id="4" name="CaixaDeTexto 3">
+            <a:extLst>
+              <a:ext uri="{FF2B5EF4-FFF2-40B4-BE49-F238E27FC236}">
+                <a16:creationId xmlns:a16="http://schemas.microsoft.com/office/drawing/2014/main" id="{428BF1CC-DF79-4FC8-A9AE-013CE42641AB}"/>
+              </a:ext>
+            </a:extLst>
+          </p:cNvPr>
+          <p:cNvSpPr txBox="1"/>
+          <p:nvPr/>
+        </p:nvSpPr>
+        <p:spPr>
+          <a:xfrm>
+            <a:off x="809700" y="1597875"/>
+            <a:ext cx="7615021" cy="3108543"/>
+          </a:xfrm>
+          <a:prstGeom prst="rect">
+            <a:avLst/>
+          </a:prstGeom>
+          <a:noFill/>
+          <a:ln>
+            <a:solidFill>
+              <a:schemeClr val="accent1"/>
+            </a:solidFill>
+          </a:ln>
+        </p:spPr>
+        <p:txBody>
+          <a:bodyPr wrap="square" rtlCol="0">
+            <a:spAutoFit/>
+          </a:bodyPr>
+          <a:lstStyle/>
+          <a:p>
+            <a:r>
+              <a:rPr lang="en-US" dirty="0">
+                <a:latin typeface="Courier New" panose="02070309020205020404" pitchFamily="49" charset="0"/>
+                <a:cs typeface="Courier New" panose="02070309020205020404" pitchFamily="49" charset="0"/>
+              </a:rPr>
+              <a:t>.text</a:t>
+            </a:r>
+          </a:p>
+          <a:p>
+            <a:r>
+              <a:rPr lang="en-US" dirty="0">
+                <a:latin typeface="Courier New" panose="02070309020205020404" pitchFamily="49" charset="0"/>
+                <a:cs typeface="Courier New" panose="02070309020205020404" pitchFamily="49" charset="0"/>
+              </a:rPr>
+              <a:t>.</a:t>
+            </a:r>
+            <a:r>
+              <a:rPr lang="en-US" dirty="0" err="1">
+                <a:latin typeface="Courier New" panose="02070309020205020404" pitchFamily="49" charset="0"/>
+                <a:cs typeface="Courier New" panose="02070309020205020404" pitchFamily="49" charset="0"/>
+              </a:rPr>
+              <a:t>globl</a:t>
+            </a:r>
+            <a:r>
+              <a:rPr lang="en-US" dirty="0">
+                <a:latin typeface="Courier New" panose="02070309020205020404" pitchFamily="49" charset="0"/>
+                <a:cs typeface="Courier New" panose="02070309020205020404" pitchFamily="49" charset="0"/>
+              </a:rPr>
+              <a:t> </a:t>
+            </a:r>
+            <a:r>
+              <a:rPr lang="en-US" dirty="0" err="1">
+                <a:latin typeface="Courier New" panose="02070309020205020404" pitchFamily="49" charset="0"/>
+                <a:cs typeface="Courier New" panose="02070309020205020404" pitchFamily="49" charset="0"/>
+              </a:rPr>
+              <a:t>func_name</a:t>
+            </a:r>
+            <a:endParaRPr lang="en-US" dirty="0">
+              <a:latin typeface="Courier New" panose="02070309020205020404" pitchFamily="49" charset="0"/>
+              <a:cs typeface="Courier New" panose="02070309020205020404" pitchFamily="49" charset="0"/>
+            </a:endParaRPr>
+          </a:p>
+          <a:p>
+            <a:r>
+              <a:rPr lang="en-US" dirty="0" err="1">
+                <a:latin typeface="Courier New" panose="02070309020205020404" pitchFamily="49" charset="0"/>
+                <a:cs typeface="Courier New" panose="02070309020205020404" pitchFamily="49" charset="0"/>
+              </a:rPr>
+              <a:t>func_name</a:t>
+            </a:r>
+            <a:r>
+              <a:rPr lang="en-US" dirty="0">
+                <a:latin typeface="Courier New" panose="02070309020205020404" pitchFamily="49" charset="0"/>
+                <a:cs typeface="Courier New" panose="02070309020205020404" pitchFamily="49" charset="0"/>
+              </a:rPr>
+              <a:t>:</a:t>
+            </a:r>
+          </a:p>
+          <a:p>
+            <a:r>
+              <a:rPr lang="en-US" dirty="0">
+                <a:latin typeface="Courier New" panose="02070309020205020404" pitchFamily="49" charset="0"/>
+                <a:cs typeface="Courier New" panose="02070309020205020404" pitchFamily="49" charset="0"/>
+              </a:rPr>
+              <a:t>    	# </a:t>
+            </a:r>
+            <a:r>
+              <a:rPr lang="en-US" dirty="0" err="1">
+                <a:latin typeface="Courier New" panose="02070309020205020404" pitchFamily="49" charset="0"/>
+                <a:cs typeface="Courier New" panose="02070309020205020404" pitchFamily="49" charset="0"/>
+              </a:rPr>
+              <a:t>manipulação</a:t>
+            </a:r>
+            <a:r>
+              <a:rPr lang="en-US" dirty="0">
+                <a:latin typeface="Courier New" panose="02070309020205020404" pitchFamily="49" charset="0"/>
+                <a:cs typeface="Courier New" panose="02070309020205020404" pitchFamily="49" charset="0"/>
+              </a:rPr>
+              <a:t> da </a:t>
+            </a:r>
+            <a:r>
+              <a:rPr lang="en-US" dirty="0" err="1">
+                <a:latin typeface="Courier New" panose="02070309020205020404" pitchFamily="49" charset="0"/>
+                <a:cs typeface="Courier New" panose="02070309020205020404" pitchFamily="49" charset="0"/>
+              </a:rPr>
+              <a:t>pilha</a:t>
+            </a:r>
+            <a:endParaRPr lang="en-US" dirty="0">
+              <a:latin typeface="Courier New" panose="02070309020205020404" pitchFamily="49" charset="0"/>
+              <a:cs typeface="Courier New" panose="02070309020205020404" pitchFamily="49" charset="0"/>
+            </a:endParaRPr>
+          </a:p>
+          <a:p>
+            <a:r>
+              <a:rPr lang="en-US" dirty="0">
+                <a:latin typeface="Courier New" panose="02070309020205020404" pitchFamily="49" charset="0"/>
+                <a:cs typeface="Courier New" panose="02070309020205020404" pitchFamily="49" charset="0"/>
+              </a:rPr>
+              <a:t>     	</a:t>
+            </a:r>
+            <a:r>
+              <a:rPr lang="en-US" dirty="0" err="1">
+                <a:latin typeface="Courier New" panose="02070309020205020404" pitchFamily="49" charset="0"/>
+                <a:cs typeface="Courier New" panose="02070309020205020404" pitchFamily="49" charset="0"/>
+              </a:rPr>
+              <a:t>ajusta</a:t>
+            </a:r>
+            <a:r>
+              <a:rPr lang="en-US" dirty="0">
+                <a:latin typeface="Courier New" panose="02070309020205020404" pitchFamily="49" charset="0"/>
+                <a:cs typeface="Courier New" panose="02070309020205020404" pitchFamily="49" charset="0"/>
+              </a:rPr>
+              <a:t> o </a:t>
+            </a:r>
+            <a:r>
+              <a:rPr lang="en-US" dirty="0" err="1">
+                <a:latin typeface="Courier New" panose="02070309020205020404" pitchFamily="49" charset="0"/>
+                <a:cs typeface="Courier New" panose="02070309020205020404" pitchFamily="49" charset="0"/>
+              </a:rPr>
+              <a:t>armazenamento</a:t>
+            </a:r>
+            <a:r>
+              <a:rPr lang="en-US" dirty="0">
+                <a:latin typeface="Courier New" panose="02070309020205020404" pitchFamily="49" charset="0"/>
+                <a:cs typeface="Courier New" panose="02070309020205020404" pitchFamily="49" charset="0"/>
+              </a:rPr>
+              <a:t> dos </a:t>
+            </a:r>
+            <a:r>
+              <a:rPr lang="en-US" dirty="0" err="1">
+                <a:latin typeface="Courier New" panose="02070309020205020404" pitchFamily="49" charset="0"/>
+                <a:cs typeface="Courier New" panose="02070309020205020404" pitchFamily="49" charset="0"/>
+              </a:rPr>
+              <a:t>parâmetros</a:t>
+            </a:r>
+            <a:endParaRPr lang="en-US" dirty="0">
+              <a:latin typeface="Courier New" panose="02070309020205020404" pitchFamily="49" charset="0"/>
+              <a:cs typeface="Courier New" panose="02070309020205020404" pitchFamily="49" charset="0"/>
+            </a:endParaRPr>
+          </a:p>
+          <a:p>
+            <a:r>
+              <a:rPr lang="en-US" dirty="0">
+                <a:latin typeface="Courier New" panose="02070309020205020404" pitchFamily="49" charset="0"/>
+                <a:cs typeface="Courier New" panose="02070309020205020404" pitchFamily="49" charset="0"/>
+              </a:rPr>
+              <a:t>	</a:t>
+            </a:r>
+            <a:r>
+              <a:rPr lang="en-US" dirty="0" err="1">
+                <a:latin typeface="Courier New" panose="02070309020205020404" pitchFamily="49" charset="0"/>
+                <a:cs typeface="Courier New" panose="02070309020205020404" pitchFamily="49" charset="0"/>
+              </a:rPr>
+              <a:t>armazena</a:t>
+            </a:r>
+            <a:r>
+              <a:rPr lang="en-US" dirty="0">
+                <a:latin typeface="Courier New" panose="02070309020205020404" pitchFamily="49" charset="0"/>
+                <a:cs typeface="Courier New" panose="02070309020205020404" pitchFamily="49" charset="0"/>
+              </a:rPr>
+              <a:t> </a:t>
+            </a:r>
+            <a:r>
+              <a:rPr lang="en-US" dirty="0" err="1">
+                <a:latin typeface="Courier New" panose="02070309020205020404" pitchFamily="49" charset="0"/>
+                <a:cs typeface="Courier New" panose="02070309020205020404" pitchFamily="49" charset="0"/>
+              </a:rPr>
+              <a:t>os</a:t>
+            </a:r>
+            <a:r>
+              <a:rPr lang="en-US" dirty="0">
+                <a:latin typeface="Courier New" panose="02070309020205020404" pitchFamily="49" charset="0"/>
+                <a:cs typeface="Courier New" panose="02070309020205020404" pitchFamily="49" charset="0"/>
+              </a:rPr>
+              <a:t> </a:t>
+            </a:r>
+            <a:r>
+              <a:rPr lang="en-US" dirty="0" err="1">
+                <a:latin typeface="Courier New" panose="02070309020205020404" pitchFamily="49" charset="0"/>
+                <a:cs typeface="Courier New" panose="02070309020205020404" pitchFamily="49" charset="0"/>
+              </a:rPr>
+              <a:t>parâmetros</a:t>
+            </a:r>
+            <a:endParaRPr lang="en-US" dirty="0">
+              <a:latin typeface="Courier New" panose="02070309020205020404" pitchFamily="49" charset="0"/>
+              <a:cs typeface="Courier New" panose="02070309020205020404" pitchFamily="49" charset="0"/>
+            </a:endParaRPr>
+          </a:p>
+          <a:p>
+            <a:r>
+              <a:rPr lang="en-US" dirty="0">
+                <a:latin typeface="Courier New" panose="02070309020205020404" pitchFamily="49" charset="0"/>
+                <a:cs typeface="Courier New" panose="02070309020205020404" pitchFamily="49" charset="0"/>
+              </a:rPr>
+              <a:t>	</a:t>
+            </a:r>
+            <a:r>
+              <a:rPr lang="en-US" dirty="0" err="1">
+                <a:latin typeface="Courier New" panose="02070309020205020404" pitchFamily="49" charset="0"/>
+                <a:cs typeface="Courier New" panose="02070309020205020404" pitchFamily="49" charset="0"/>
+              </a:rPr>
+              <a:t>aloca</a:t>
+            </a:r>
+            <a:r>
+              <a:rPr lang="en-US" dirty="0">
+                <a:latin typeface="Courier New" panose="02070309020205020404" pitchFamily="49" charset="0"/>
+                <a:cs typeface="Courier New" panose="02070309020205020404" pitchFamily="49" charset="0"/>
+              </a:rPr>
+              <a:t> as </a:t>
+            </a:r>
+            <a:r>
+              <a:rPr lang="en-US" dirty="0" err="1">
+                <a:latin typeface="Courier New" panose="02070309020205020404" pitchFamily="49" charset="0"/>
+                <a:cs typeface="Courier New" panose="02070309020205020404" pitchFamily="49" charset="0"/>
+              </a:rPr>
+              <a:t>variáveis</a:t>
+            </a:r>
+            <a:r>
+              <a:rPr lang="en-US" dirty="0">
+                <a:latin typeface="Courier New" panose="02070309020205020404" pitchFamily="49" charset="0"/>
+                <a:cs typeface="Courier New" panose="02070309020205020404" pitchFamily="49" charset="0"/>
+              </a:rPr>
+              <a:t> </a:t>
+            </a:r>
+            <a:r>
+              <a:rPr lang="en-US" dirty="0" err="1">
+                <a:latin typeface="Courier New" panose="02070309020205020404" pitchFamily="49" charset="0"/>
+                <a:cs typeface="Courier New" panose="02070309020205020404" pitchFamily="49" charset="0"/>
+              </a:rPr>
+              <a:t>locais</a:t>
+            </a:r>
+            <a:endParaRPr lang="en-US" dirty="0">
+              <a:latin typeface="Courier New" panose="02070309020205020404" pitchFamily="49" charset="0"/>
+              <a:cs typeface="Courier New" panose="02070309020205020404" pitchFamily="49" charset="0"/>
+            </a:endParaRPr>
+          </a:p>
+          <a:p>
+            <a:r>
+              <a:rPr lang="en-US" dirty="0">
+                <a:latin typeface="Courier New" panose="02070309020205020404" pitchFamily="49" charset="0"/>
+                <a:cs typeface="Courier New" panose="02070309020205020404" pitchFamily="49" charset="0"/>
+              </a:rPr>
+              <a:t>	</a:t>
+            </a:r>
+            <a:r>
+              <a:rPr lang="en-US" dirty="0" err="1">
+                <a:latin typeface="Courier New" panose="02070309020205020404" pitchFamily="49" charset="0"/>
+                <a:cs typeface="Courier New" panose="02070309020205020404" pitchFamily="49" charset="0"/>
+              </a:rPr>
+              <a:t>salva</a:t>
+            </a:r>
+            <a:r>
+              <a:rPr lang="en-US" dirty="0">
+                <a:latin typeface="Courier New" panose="02070309020205020404" pitchFamily="49" charset="0"/>
+                <a:cs typeface="Courier New" panose="02070309020205020404" pitchFamily="49" charset="0"/>
+              </a:rPr>
+              <a:t> no </a:t>
+            </a:r>
+            <a:r>
+              <a:rPr lang="en-US" dirty="0" err="1">
+                <a:latin typeface="Courier New" panose="02070309020205020404" pitchFamily="49" charset="0"/>
+                <a:cs typeface="Courier New" panose="02070309020205020404" pitchFamily="49" charset="0"/>
+              </a:rPr>
+              <a:t>registrador</a:t>
+            </a:r>
+            <a:r>
+              <a:rPr lang="en-US" dirty="0">
+                <a:latin typeface="Courier New" panose="02070309020205020404" pitchFamily="49" charset="0"/>
+                <a:cs typeface="Courier New" panose="02070309020205020404" pitchFamily="49" charset="0"/>
+              </a:rPr>
+              <a:t> o </a:t>
+            </a:r>
+            <a:r>
+              <a:rPr lang="en-US" dirty="0" err="1">
+                <a:latin typeface="Courier New" panose="02070309020205020404" pitchFamily="49" charset="0"/>
+                <a:cs typeface="Courier New" panose="02070309020205020404" pitchFamily="49" charset="0"/>
+              </a:rPr>
+              <a:t>endereço</a:t>
+            </a:r>
+            <a:r>
+              <a:rPr lang="en-US" dirty="0">
+                <a:latin typeface="Courier New" panose="02070309020205020404" pitchFamily="49" charset="0"/>
+                <a:cs typeface="Courier New" panose="02070309020205020404" pitchFamily="49" charset="0"/>
+              </a:rPr>
+              <a:t> que </a:t>
+            </a:r>
+            <a:r>
+              <a:rPr lang="en-US" dirty="0" err="1">
+                <a:latin typeface="Courier New" panose="02070309020205020404" pitchFamily="49" charset="0"/>
+                <a:cs typeface="Courier New" panose="02070309020205020404" pitchFamily="49" charset="0"/>
+              </a:rPr>
+              <a:t>chamou</a:t>
+            </a:r>
+            <a:r>
+              <a:rPr lang="en-US" dirty="0">
+                <a:latin typeface="Courier New" panose="02070309020205020404" pitchFamily="49" charset="0"/>
+                <a:cs typeface="Courier New" panose="02070309020205020404" pitchFamily="49" charset="0"/>
+              </a:rPr>
+              <a:t> a </a:t>
+            </a:r>
+            <a:r>
+              <a:rPr lang="en-US" dirty="0" err="1">
+                <a:latin typeface="Courier New" panose="02070309020205020404" pitchFamily="49" charset="0"/>
+                <a:cs typeface="Courier New" panose="02070309020205020404" pitchFamily="49" charset="0"/>
+              </a:rPr>
+              <a:t>função</a:t>
+            </a:r>
+            <a:endParaRPr lang="en-US" dirty="0">
+              <a:latin typeface="Courier New" panose="02070309020205020404" pitchFamily="49" charset="0"/>
+              <a:cs typeface="Courier New" panose="02070309020205020404" pitchFamily="49" charset="0"/>
+            </a:endParaRPr>
+          </a:p>
+          <a:p>
+            <a:r>
+              <a:rPr lang="en-US" dirty="0">
+                <a:latin typeface="Courier New" panose="02070309020205020404" pitchFamily="49" charset="0"/>
+                <a:cs typeface="Courier New" panose="02070309020205020404" pitchFamily="49" charset="0"/>
+              </a:rPr>
+              <a:t>	</a:t>
+            </a:r>
+            <a:r>
+              <a:rPr lang="en-US" b="1" dirty="0">
+                <a:solidFill>
+                  <a:srgbClr val="FF0000"/>
+                </a:solidFill>
+                <a:latin typeface="Courier New" panose="02070309020205020404" pitchFamily="49" charset="0"/>
+                <a:cs typeface="Courier New" panose="02070309020205020404" pitchFamily="49" charset="0"/>
+              </a:rPr>
+              <a:t># </a:t>
+            </a:r>
+            <a:r>
+              <a:rPr lang="en-US" b="1" dirty="0" err="1">
+                <a:solidFill>
+                  <a:srgbClr val="FF0000"/>
+                </a:solidFill>
+                <a:latin typeface="Courier New" panose="02070309020205020404" pitchFamily="49" charset="0"/>
+                <a:cs typeface="Courier New" panose="02070309020205020404" pitchFamily="49" charset="0"/>
+              </a:rPr>
+              <a:t>lista</a:t>
+            </a:r>
+            <a:r>
+              <a:rPr lang="en-US" b="1" dirty="0">
+                <a:solidFill>
+                  <a:srgbClr val="FF0000"/>
+                </a:solidFill>
+                <a:latin typeface="Courier New" panose="02070309020205020404" pitchFamily="49" charset="0"/>
+                <a:cs typeface="Courier New" panose="02070309020205020404" pitchFamily="49" charset="0"/>
+              </a:rPr>
+              <a:t> de </a:t>
+            </a:r>
+            <a:r>
+              <a:rPr lang="en-US" b="1" dirty="0" err="1">
+                <a:solidFill>
+                  <a:srgbClr val="FF0000"/>
+                </a:solidFill>
+                <a:latin typeface="Courier New" panose="02070309020205020404" pitchFamily="49" charset="0"/>
+                <a:cs typeface="Courier New" panose="02070309020205020404" pitchFamily="49" charset="0"/>
+              </a:rPr>
+              <a:t>instruções</a:t>
+            </a:r>
+            <a:endParaRPr lang="en-US" b="1" dirty="0">
+              <a:solidFill>
+                <a:srgbClr val="FF0000"/>
+              </a:solidFill>
+              <a:latin typeface="Courier New" panose="02070309020205020404" pitchFamily="49" charset="0"/>
+              <a:cs typeface="Courier New" panose="02070309020205020404" pitchFamily="49" charset="0"/>
+            </a:endParaRPr>
+          </a:p>
+          <a:p>
+            <a:r>
+              <a:rPr lang="en-US" dirty="0" err="1">
+                <a:latin typeface="Courier New" panose="02070309020205020404" pitchFamily="49" charset="0"/>
+                <a:cs typeface="Courier New" panose="02070309020205020404" pitchFamily="49" charset="0"/>
+              </a:rPr>
+              <a:t>func_name_end</a:t>
+            </a:r>
+            <a:r>
+              <a:rPr lang="en-US" dirty="0">
+                <a:latin typeface="Courier New" panose="02070309020205020404" pitchFamily="49" charset="0"/>
+                <a:cs typeface="Courier New" panose="02070309020205020404" pitchFamily="49" charset="0"/>
+              </a:rPr>
+              <a:t>:</a:t>
+            </a:r>
+          </a:p>
+          <a:p>
+            <a:r>
+              <a:rPr lang="en-US" dirty="0">
+                <a:latin typeface="Courier New" panose="02070309020205020404" pitchFamily="49" charset="0"/>
+                <a:cs typeface="Courier New" panose="02070309020205020404" pitchFamily="49" charset="0"/>
+              </a:rPr>
+              <a:t>	libera </a:t>
+            </a:r>
+            <a:r>
+              <a:rPr lang="en-US" dirty="0" err="1">
+                <a:latin typeface="Courier New" panose="02070309020205020404" pitchFamily="49" charset="0"/>
+                <a:cs typeface="Courier New" panose="02070309020205020404" pitchFamily="49" charset="0"/>
+              </a:rPr>
+              <a:t>variáveis</a:t>
+            </a:r>
+            <a:r>
+              <a:rPr lang="en-US" dirty="0">
+                <a:latin typeface="Courier New" panose="02070309020205020404" pitchFamily="49" charset="0"/>
+                <a:cs typeface="Courier New" panose="02070309020205020404" pitchFamily="49" charset="0"/>
+              </a:rPr>
+              <a:t> </a:t>
+            </a:r>
+            <a:r>
+              <a:rPr lang="en-US" dirty="0" err="1">
+                <a:latin typeface="Courier New" panose="02070309020205020404" pitchFamily="49" charset="0"/>
+                <a:cs typeface="Courier New" panose="02070309020205020404" pitchFamily="49" charset="0"/>
+              </a:rPr>
+              <a:t>locais</a:t>
+            </a:r>
+            <a:endParaRPr lang="en-US" dirty="0">
+              <a:latin typeface="Courier New" panose="02070309020205020404" pitchFamily="49" charset="0"/>
+              <a:cs typeface="Courier New" panose="02070309020205020404" pitchFamily="49" charset="0"/>
+            </a:endParaRPr>
+          </a:p>
+          <a:p>
+            <a:r>
+              <a:rPr lang="en-US" dirty="0">
+                <a:latin typeface="Courier New" panose="02070309020205020404" pitchFamily="49" charset="0"/>
+                <a:cs typeface="Courier New" panose="02070309020205020404" pitchFamily="49" charset="0"/>
+              </a:rPr>
+              <a:t>	libera </a:t>
+            </a:r>
+            <a:r>
+              <a:rPr lang="en-US" dirty="0" err="1">
+                <a:latin typeface="Courier New" panose="02070309020205020404" pitchFamily="49" charset="0"/>
+                <a:cs typeface="Courier New" panose="02070309020205020404" pitchFamily="49" charset="0"/>
+              </a:rPr>
+              <a:t>os</a:t>
+            </a:r>
+            <a:r>
+              <a:rPr lang="en-US" dirty="0">
+                <a:latin typeface="Courier New" panose="02070309020205020404" pitchFamily="49" charset="0"/>
+                <a:cs typeface="Courier New" panose="02070309020205020404" pitchFamily="49" charset="0"/>
+              </a:rPr>
+              <a:t> </a:t>
+            </a:r>
+            <a:r>
+              <a:rPr lang="en-US" dirty="0" err="1">
+                <a:latin typeface="Courier New" panose="02070309020205020404" pitchFamily="49" charset="0"/>
+                <a:cs typeface="Courier New" panose="02070309020205020404" pitchFamily="49" charset="0"/>
+              </a:rPr>
+              <a:t>parâmetros</a:t>
+            </a:r>
+            <a:endParaRPr lang="en-US" dirty="0">
+              <a:latin typeface="Courier New" panose="02070309020205020404" pitchFamily="49" charset="0"/>
+              <a:cs typeface="Courier New" panose="02070309020205020404" pitchFamily="49" charset="0"/>
+            </a:endParaRPr>
+          </a:p>
+          <a:p>
+            <a:r>
+              <a:rPr lang="en-US" dirty="0">
+                <a:latin typeface="Courier New" panose="02070309020205020404" pitchFamily="49" charset="0"/>
+                <a:cs typeface="Courier New" panose="02070309020205020404" pitchFamily="49" charset="0"/>
+              </a:rPr>
+              <a:t>	</a:t>
+            </a:r>
+            <a:r>
+              <a:rPr lang="en-US" dirty="0" err="1">
+                <a:latin typeface="Courier New" panose="02070309020205020404" pitchFamily="49" charset="0"/>
+                <a:cs typeface="Courier New" panose="02070309020205020404" pitchFamily="49" charset="0"/>
+              </a:rPr>
+              <a:t>retorna</a:t>
+            </a:r>
+            <a:r>
+              <a:rPr lang="en-US" dirty="0">
+                <a:latin typeface="Courier New" panose="02070309020205020404" pitchFamily="49" charset="0"/>
+                <a:cs typeface="Courier New" panose="02070309020205020404" pitchFamily="49" charset="0"/>
+              </a:rPr>
+              <a:t> para o </a:t>
+            </a:r>
+            <a:r>
+              <a:rPr lang="en-US" dirty="0" err="1">
+                <a:latin typeface="Courier New" panose="02070309020205020404" pitchFamily="49" charset="0"/>
+                <a:cs typeface="Courier New" panose="02070309020205020404" pitchFamily="49" charset="0"/>
+              </a:rPr>
+              <a:t>endereço</a:t>
+            </a:r>
+            <a:r>
+              <a:rPr lang="en-US" dirty="0">
+                <a:latin typeface="Courier New" panose="02070309020205020404" pitchFamily="49" charset="0"/>
+                <a:cs typeface="Courier New" panose="02070309020205020404" pitchFamily="49" charset="0"/>
+              </a:rPr>
+              <a:t> </a:t>
+            </a:r>
+            <a:r>
+              <a:rPr lang="en-US" dirty="0" err="1">
+                <a:latin typeface="Courier New" panose="02070309020205020404" pitchFamily="49" charset="0"/>
+                <a:cs typeface="Courier New" panose="02070309020205020404" pitchFamily="49" charset="0"/>
+              </a:rPr>
+              <a:t>após</a:t>
+            </a:r>
+            <a:r>
+              <a:rPr lang="en-US" dirty="0">
+                <a:latin typeface="Courier New" panose="02070309020205020404" pitchFamily="49" charset="0"/>
+                <a:cs typeface="Courier New" panose="02070309020205020404" pitchFamily="49" charset="0"/>
+              </a:rPr>
+              <a:t> a </a:t>
+            </a:r>
+            <a:r>
+              <a:rPr lang="en-US" dirty="0" err="1">
+                <a:latin typeface="Courier New" panose="02070309020205020404" pitchFamily="49" charset="0"/>
+                <a:cs typeface="Courier New" panose="02070309020205020404" pitchFamily="49" charset="0"/>
+              </a:rPr>
+              <a:t>chamada</a:t>
+            </a:r>
+            <a:r>
+              <a:rPr lang="en-US" dirty="0">
+                <a:latin typeface="Courier New" panose="02070309020205020404" pitchFamily="49" charset="0"/>
+                <a:cs typeface="Courier New" panose="02070309020205020404" pitchFamily="49" charset="0"/>
+              </a:rPr>
+              <a:t> de </a:t>
+            </a:r>
+            <a:r>
+              <a:rPr lang="en-US" dirty="0" err="1">
+                <a:latin typeface="Courier New" panose="02070309020205020404" pitchFamily="49" charset="0"/>
+                <a:cs typeface="Courier New" panose="02070309020205020404" pitchFamily="49" charset="0"/>
+              </a:rPr>
+              <a:t>função</a:t>
+            </a:r>
+            <a:r>
+              <a:rPr lang="en-US" dirty="0">
+                <a:latin typeface="Courier New" panose="02070309020205020404" pitchFamily="49" charset="0"/>
+                <a:cs typeface="Courier New" panose="02070309020205020404" pitchFamily="49" charset="0"/>
+              </a:rPr>
+              <a:t> (</a:t>
+            </a:r>
+            <a:r>
+              <a:rPr lang="en-US" b="1" dirty="0">
+                <a:latin typeface="Courier New" panose="02070309020205020404" pitchFamily="49" charset="0"/>
+                <a:cs typeface="Courier New" panose="02070309020205020404" pitchFamily="49" charset="0"/>
+              </a:rPr>
+              <a:t>ret</a:t>
+            </a:r>
+            <a:r>
+              <a:rPr lang="en-US" dirty="0">
+                <a:latin typeface="Courier New" panose="02070309020205020404" pitchFamily="49" charset="0"/>
+                <a:cs typeface="Courier New" panose="02070309020205020404" pitchFamily="49" charset="0"/>
+              </a:rPr>
+              <a:t>)</a:t>
+            </a:r>
+          </a:p>
+          <a:p>
+            <a:r>
+              <a:rPr lang="en-US" dirty="0">
+                <a:latin typeface="Courier New" panose="02070309020205020404" pitchFamily="49" charset="0"/>
+                <a:cs typeface="Courier New" panose="02070309020205020404" pitchFamily="49" charset="0"/>
+              </a:rPr>
+              <a:t>	</a:t>
+            </a:r>
+          </a:p>
+        </p:txBody>
+      </p:sp>
+    </p:spTree>
+    <p:extLst>
+      <p:ext uri="{BB962C8B-B14F-4D97-AF65-F5344CB8AC3E}">
+        <p14:creationId xmlns:p14="http://schemas.microsoft.com/office/powerpoint/2010/main" val="2347813933"/>
+      </p:ext>
+    </p:extLst>
+  </p:cSld>
+  <p:clrMapOvr>
+    <a:masterClrMapping/>
+  </p:clrMapOvr>
+  <p:timing>
+    <p:tnLst>
+      <p:par>
+        <p:cTn id="1" dur="indefinite" restart="never" nodeType="tmRoot">
+          <p:childTnLst>
+            <p:seq concurrent="1" nextAc="seek">
+              <p:cTn id="2" dur="indefinite" nodeType="mainSeq">
+                <p:childTnLst>
+                  <p:par>
+                    <p:cTn id="3" fill="hold">
+                      <p:stCondLst>
+                        <p:cond delay="indefinite"/>
+                        <p:cond evt="onBegin" delay="0">
+                          <p:tn val="2"/>
+                        </p:cond>
+                      </p:stCondLst>
+                      <p:childTnLst>
+                        <p:par>
+                          <p:cTn id="4" fill="hold">
+                            <p:stCondLst>
+                              <p:cond delay="0"/>
+                            </p:stCondLst>
+                            <p:childTnLst>
+                              <p:par>
+                                <p:cTn id="5" presetID="2" presetClass="entr" presetSubtype="4" fill="hold" grpId="0" nodeType="withEffect">
+                                  <p:stCondLst>
+                                    <p:cond delay="0"/>
+                                  </p:stCondLst>
+                                  <p:childTnLst>
+                                    <p:set>
+                                      <p:cBhvr>
+                                        <p:cTn id="6" dur="1" fill="hold">
+                                          <p:stCondLst>
+                                            <p:cond delay="0"/>
+                                          </p:stCondLst>
+                                        </p:cTn>
+                                        <p:tgtEl>
+                                          <p:spTgt spid="4"/>
+                                        </p:tgtEl>
+                                        <p:attrNameLst>
+                                          <p:attrName>style.visibility</p:attrName>
+                                        </p:attrNameLst>
+                                      </p:cBhvr>
+                                      <p:to>
+                                        <p:strVal val="visible"/>
+                                      </p:to>
+                                    </p:set>
+                                    <p:anim calcmode="lin" valueType="num">
+                                      <p:cBhvr additive="base">
+                                        <p:cTn id="7" dur="500" fill="hold"/>
+                                        <p:tgtEl>
+                                          <p:spTgt spid="4"/>
+                                        </p:tgtEl>
+                                        <p:attrNameLst>
+                                          <p:attrName>ppt_x</p:attrName>
+                                        </p:attrNameLst>
+                                      </p:cBhvr>
+                                      <p:tavLst>
+                                        <p:tav tm="0">
+                                          <p:val>
+                                            <p:strVal val="#ppt_x"/>
+                                          </p:val>
+                                        </p:tav>
+                                        <p:tav tm="100000">
+                                          <p:val>
+                                            <p:strVal val="#ppt_x"/>
+                                          </p:val>
+                                        </p:tav>
+                                      </p:tavLst>
+                                    </p:anim>
+                                    <p:anim calcmode="lin" valueType="num">
+                                      <p:cBhvr additive="base">
+                                        <p:cTn id="8" dur="500" fill="hold"/>
+                                        <p:tgtEl>
+                                          <p:spTgt spid="4"/>
+                                        </p:tgtEl>
+                                        <p:attrNameLst>
+                                          <p:attrName>ppt_y</p:attrName>
+                                        </p:attrNameLst>
+                                      </p:cBhvr>
+                                      <p:tavLst>
+                                        <p:tav tm="0">
+                                          <p:val>
+                                            <p:strVal val="1+#ppt_h/2"/>
+                                          </p:val>
+                                        </p:tav>
+                                        <p:tav tm="100000">
+                                          <p:val>
+                                            <p:strVal val="#ppt_y"/>
+                                          </p:val>
+                                        </p:tav>
+                                      </p:tavLst>
+                                    </p:anim>
+                                  </p:childTnLst>
+                                </p:cTn>
+                              </p:par>
+                            </p:childTnLst>
+                          </p:cTn>
+                        </p:par>
+                      </p:childTnLst>
+                    </p:cTn>
+                  </p:par>
+                </p:childTnLst>
+              </p:cTn>
+              <p:prevCondLst>
+                <p:cond evt="onPrev" delay="0">
+                  <p:tgtEl>
+                    <p:sldTgt/>
+                  </p:tgtEl>
+                </p:cond>
+              </p:prevCondLst>
+              <p:nextCondLst>
+                <p:cond evt="onNext" delay="0">
+                  <p:tgtEl>
+                    <p:sldTgt/>
+                  </p:tgtEl>
+                </p:cond>
+              </p:nextCondLst>
+            </p:seq>
+          </p:childTnLst>
+        </p:cTn>
+      </p:par>
+    </p:tnLst>
+    <p:bldLst>
+      <p:bldP spid="4" grpId="0" animBg="1"/>
+    </p:bldLst>
+  </p:timing>
+</p:sld>
+</file>
+
+<file path=ppt/slides/slide2.xml><?xml version="1.0" encoding="utf-8"?>
+<p:sld xmlns:a="http://schemas.openxmlformats.org/drawingml/2006/main" xmlns:r="http://schemas.openxmlformats.org/officeDocument/2006/relationships" xmlns:p="http://schemas.openxmlformats.org/presentationml/2006/main">
+  <p:cSld>
+    <p:spTree>
+      <p:nvGrpSpPr>
+        <p:cNvPr id="1" name="Shape 282"/>
+        <p:cNvGrpSpPr/>
+        <p:nvPr/>
+      </p:nvGrpSpPr>
+      <p:grpSpPr>
+        <a:xfrm>
+          <a:off x="0" y="0"/>
+          <a:ext cx="0" cy="0"/>
+          <a:chOff x="0" y="0"/>
+          <a:chExt cx="0" cy="0"/>
+        </a:xfrm>
+      </p:grpSpPr>
+      <p:sp>
+        <p:nvSpPr>
+          <p:cNvPr id="283" name="Google Shape;283;p14"/>
+          <p:cNvSpPr/>
+          <p:nvPr/>
+        </p:nvSpPr>
+        <p:spPr>
+          <a:xfrm>
+            <a:off x="1293375" y="1584150"/>
+            <a:ext cx="1303500" cy="615600"/>
+          </a:xfrm>
+          <a:prstGeom prst="roundRect">
+            <a:avLst>
+              <a:gd name="adj" fmla="val 16667"/>
+            </a:avLst>
+          </a:prstGeom>
+          <a:solidFill>
+            <a:schemeClr val="lt2"/>
+          </a:solidFill>
+          <a:ln w="9525" cap="flat" cmpd="sng">
+            <a:solidFill>
+              <a:schemeClr val="dk2"/>
+            </a:solidFill>
+            <a:prstDash val="solid"/>
+            <a:round/>
+            <a:headEnd type="none" w="sm" len="sm"/>
+            <a:tailEnd type="none" w="sm" len="sm"/>
+          </a:ln>
+        </p:spPr>
+        <p:txBody>
+          <a:bodyPr spcFirstLastPara="1" wrap="square" lIns="91425" tIns="91425" rIns="91425" bIns="91425" anchor="ctr" anchorCtr="0">
+            <a:noAutofit/>
+          </a:bodyPr>
+          <a:lstStyle/>
+          <a:p>
+            <a:pPr marL="0" lvl="0" indent="0" algn="ctr" rtl="0">
+              <a:spcBef>
+                <a:spcPts val="0"/>
+              </a:spcBef>
+              <a:spcAft>
+                <a:spcPts val="0"/>
+              </a:spcAft>
+              <a:buNone/>
+            </a:pPr>
+            <a:r>
+              <a:rPr lang="pt-BR" sz="1800" b="1"/>
+              <a:t>Análise</a:t>
+            </a:r>
+            <a:endParaRPr sz="1800" b="1"/>
+          </a:p>
+        </p:txBody>
+      </p:sp>
+      <p:sp>
+        <p:nvSpPr>
+          <p:cNvPr id="284" name="Google Shape;284;p14"/>
+          <p:cNvSpPr txBox="1"/>
+          <p:nvPr/>
+        </p:nvSpPr>
+        <p:spPr>
+          <a:xfrm>
+            <a:off x="3850125" y="1584150"/>
+            <a:ext cx="1173000" cy="615600"/>
+          </a:xfrm>
+          <a:prstGeom prst="rect">
+            <a:avLst/>
+          </a:prstGeom>
+          <a:solidFill>
+            <a:srgbClr val="F3F3F3"/>
+          </a:solidFill>
+          <a:ln w="19050" cap="flat" cmpd="sng">
+            <a:solidFill>
+              <a:srgbClr val="000000"/>
+            </a:solidFill>
+            <a:prstDash val="dot"/>
+            <a:round/>
+            <a:headEnd type="none" w="sm" len="sm"/>
+            <a:tailEnd type="none" w="sm" len="sm"/>
+          </a:ln>
+        </p:spPr>
+        <p:txBody>
+          <a:bodyPr spcFirstLastPara="1" wrap="square" lIns="91425" tIns="91425" rIns="91425" bIns="91425" anchor="t" anchorCtr="0">
+            <a:spAutoFit/>
+          </a:bodyPr>
+          <a:lstStyle/>
+          <a:p>
+            <a:pPr marL="0" lvl="0" indent="0" algn="ctr" rtl="0">
+              <a:spcBef>
+                <a:spcPts val="0"/>
+              </a:spcBef>
+              <a:spcAft>
+                <a:spcPts val="0"/>
+              </a:spcAft>
+              <a:buNone/>
+            </a:pPr>
+            <a:r>
+              <a:rPr lang="pt-BR" b="1">
+                <a:solidFill>
+                  <a:srgbClr val="666666"/>
+                </a:solidFill>
+                <a:latin typeface="Nunito"/>
+                <a:ea typeface="Nunito"/>
+                <a:cs typeface="Nunito"/>
+                <a:sym typeface="Nunito"/>
+              </a:rPr>
+              <a:t>Otimizador </a:t>
+            </a:r>
+            <a:endParaRPr b="1">
+              <a:solidFill>
+                <a:srgbClr val="666666"/>
+              </a:solidFill>
+              <a:latin typeface="Nunito"/>
+              <a:ea typeface="Nunito"/>
+              <a:cs typeface="Nunito"/>
+              <a:sym typeface="Nunito"/>
+            </a:endParaRPr>
+          </a:p>
+          <a:p>
+            <a:pPr marL="0" lvl="0" indent="0" algn="ctr" rtl="0">
+              <a:spcBef>
+                <a:spcPts val="0"/>
+              </a:spcBef>
+              <a:spcAft>
+                <a:spcPts val="0"/>
+              </a:spcAft>
+              <a:buNone/>
+            </a:pPr>
+            <a:r>
+              <a:rPr lang="pt-BR" b="1">
+                <a:solidFill>
+                  <a:srgbClr val="666666"/>
+                </a:solidFill>
+                <a:latin typeface="Nunito"/>
+                <a:ea typeface="Nunito"/>
+                <a:cs typeface="Nunito"/>
+                <a:sym typeface="Nunito"/>
+              </a:rPr>
+              <a:t>de código</a:t>
+            </a:r>
+            <a:endParaRPr b="1">
+              <a:solidFill>
+                <a:srgbClr val="666666"/>
+              </a:solidFill>
+              <a:latin typeface="Nunito"/>
+              <a:ea typeface="Nunito"/>
+              <a:cs typeface="Nunito"/>
+              <a:sym typeface="Nunito"/>
+            </a:endParaRPr>
+          </a:p>
+        </p:txBody>
+      </p:sp>
+      <p:sp>
+        <p:nvSpPr>
+          <p:cNvPr id="285" name="Google Shape;285;p14"/>
+          <p:cNvSpPr/>
+          <p:nvPr/>
+        </p:nvSpPr>
+        <p:spPr>
+          <a:xfrm>
+            <a:off x="6276375" y="1335450"/>
+            <a:ext cx="1303500" cy="1113000"/>
+          </a:xfrm>
+          <a:prstGeom prst="roundRect">
+            <a:avLst>
+              <a:gd name="adj" fmla="val 16667"/>
+            </a:avLst>
+          </a:prstGeom>
+          <a:solidFill>
+            <a:srgbClr val="660000"/>
+          </a:solidFill>
+          <a:ln w="9525" cap="flat" cmpd="sng">
+            <a:solidFill>
+              <a:schemeClr val="dk2"/>
+            </a:solidFill>
+            <a:prstDash val="solid"/>
+            <a:round/>
+            <a:headEnd type="none" w="sm" len="sm"/>
+            <a:tailEnd type="none" w="sm" len="sm"/>
+          </a:ln>
+        </p:spPr>
+        <p:txBody>
+          <a:bodyPr spcFirstLastPara="1" wrap="square" lIns="91425" tIns="91425" rIns="91425" bIns="91425" anchor="ctr" anchorCtr="0">
+            <a:noAutofit/>
+          </a:bodyPr>
+          <a:lstStyle/>
+          <a:p>
+            <a:pPr marL="0" lvl="0" indent="0" algn="ctr" rtl="0">
+              <a:spcBef>
+                <a:spcPts val="0"/>
+              </a:spcBef>
+              <a:spcAft>
+                <a:spcPts val="0"/>
+              </a:spcAft>
+              <a:buNone/>
+            </a:pPr>
+            <a:r>
+              <a:rPr lang="pt-BR" sz="1800" b="1">
+                <a:solidFill>
+                  <a:srgbClr val="D9D9D9"/>
+                </a:solidFill>
+              </a:rPr>
+              <a:t>Geração de</a:t>
+            </a:r>
+            <a:endParaRPr sz="1800" b="1">
+              <a:solidFill>
+                <a:srgbClr val="D9D9D9"/>
+              </a:solidFill>
+            </a:endParaRPr>
+          </a:p>
+          <a:p>
+            <a:pPr marL="0" lvl="0" indent="0" algn="ctr" rtl="0">
+              <a:spcBef>
+                <a:spcPts val="0"/>
+              </a:spcBef>
+              <a:spcAft>
+                <a:spcPts val="0"/>
+              </a:spcAft>
+              <a:buNone/>
+            </a:pPr>
+            <a:r>
+              <a:rPr lang="pt-BR" sz="1800" b="1">
+                <a:solidFill>
+                  <a:srgbClr val="D9D9D9"/>
+                </a:solidFill>
+              </a:rPr>
+              <a:t>Código</a:t>
+            </a:r>
+            <a:endParaRPr sz="1800" b="1">
+              <a:solidFill>
+                <a:srgbClr val="D9D9D9"/>
+              </a:solidFill>
+            </a:endParaRPr>
+          </a:p>
+        </p:txBody>
+      </p:sp>
+      <p:cxnSp>
+        <p:nvCxnSpPr>
+          <p:cNvPr id="286" name="Google Shape;286;p14"/>
+          <p:cNvCxnSpPr>
+            <a:stCxn id="283" idx="3"/>
+            <a:endCxn id="284" idx="1"/>
+          </p:cNvCxnSpPr>
+          <p:nvPr/>
+        </p:nvCxnSpPr>
+        <p:spPr>
+          <a:xfrm>
+            <a:off x="2596875" y="1891950"/>
+            <a:ext cx="1253400" cy="0"/>
+          </a:xfrm>
+          <a:prstGeom prst="straightConnector1">
+            <a:avLst/>
+          </a:prstGeom>
+          <a:noFill/>
+          <a:ln w="19050" cap="flat" cmpd="sng">
+            <a:solidFill>
+              <a:schemeClr val="dk2"/>
+            </a:solidFill>
+            <a:prstDash val="solid"/>
+            <a:round/>
+            <a:headEnd type="none" w="med" len="med"/>
+            <a:tailEnd type="triangle" w="med" len="med"/>
+          </a:ln>
+        </p:spPr>
+      </p:cxnSp>
+      <p:cxnSp>
+        <p:nvCxnSpPr>
+          <p:cNvPr id="287" name="Google Shape;287;p14"/>
+          <p:cNvCxnSpPr>
+            <a:stCxn id="284" idx="3"/>
+            <a:endCxn id="285" idx="1"/>
+          </p:cNvCxnSpPr>
+          <p:nvPr/>
+        </p:nvCxnSpPr>
+        <p:spPr>
+          <a:xfrm>
+            <a:off x="5023125" y="1891950"/>
+            <a:ext cx="1253400" cy="0"/>
+          </a:xfrm>
+          <a:prstGeom prst="straightConnector1">
+            <a:avLst/>
+          </a:prstGeom>
+          <a:noFill/>
+          <a:ln w="19050" cap="flat" cmpd="sng">
+            <a:solidFill>
+              <a:schemeClr val="dk2"/>
+            </a:solidFill>
+            <a:prstDash val="solid"/>
+            <a:round/>
+            <a:headEnd type="none" w="med" len="med"/>
+            <a:tailEnd type="triangle" w="med" len="med"/>
+          </a:ln>
+        </p:spPr>
+      </p:cxnSp>
+      <p:cxnSp>
+        <p:nvCxnSpPr>
+          <p:cNvPr id="288" name="Google Shape;288;p14"/>
+          <p:cNvCxnSpPr>
+            <a:endCxn id="283" idx="1"/>
+          </p:cNvCxnSpPr>
+          <p:nvPr/>
+        </p:nvCxnSpPr>
+        <p:spPr>
+          <a:xfrm rot="10800000" flipH="1">
+            <a:off x="290775" y="1891950"/>
+            <a:ext cx="1002600" cy="3000"/>
+          </a:xfrm>
+          <a:prstGeom prst="straightConnector1">
+            <a:avLst/>
+          </a:prstGeom>
+          <a:noFill/>
+          <a:ln w="9525" cap="flat" cmpd="sng">
+            <a:solidFill>
+              <a:schemeClr val="dk2"/>
+            </a:solidFill>
+            <a:prstDash val="solid"/>
+            <a:round/>
+            <a:headEnd type="none" w="med" len="med"/>
+            <a:tailEnd type="triangle" w="med" len="med"/>
+          </a:ln>
+        </p:spPr>
+      </p:cxnSp>
+      <p:cxnSp>
+        <p:nvCxnSpPr>
+          <p:cNvPr id="289" name="Google Shape;289;p14"/>
+          <p:cNvCxnSpPr>
+            <a:stCxn id="285" idx="3"/>
+          </p:cNvCxnSpPr>
+          <p:nvPr/>
+        </p:nvCxnSpPr>
+        <p:spPr>
+          <a:xfrm rot="10800000" flipH="1">
+            <a:off x="7579875" y="1874850"/>
+            <a:ext cx="1453800" cy="17100"/>
+          </a:xfrm>
+          <a:prstGeom prst="straightConnector1">
+            <a:avLst/>
+          </a:prstGeom>
+          <a:noFill/>
+          <a:ln w="19050" cap="flat" cmpd="sng">
+            <a:solidFill>
+              <a:schemeClr val="dk2"/>
+            </a:solidFill>
+            <a:prstDash val="solid"/>
+            <a:round/>
+            <a:headEnd type="none" w="med" len="med"/>
+            <a:tailEnd type="triangle" w="med" len="med"/>
+          </a:ln>
+        </p:spPr>
+      </p:cxnSp>
+      <p:sp>
+        <p:nvSpPr>
+          <p:cNvPr id="290" name="Google Shape;290;p14"/>
+          <p:cNvSpPr txBox="1"/>
+          <p:nvPr/>
+        </p:nvSpPr>
+        <p:spPr>
+          <a:xfrm>
+            <a:off x="290775" y="1585675"/>
+            <a:ext cx="752100" cy="615600"/>
+          </a:xfrm>
+          <a:prstGeom prst="rect">
+            <a:avLst/>
+          </a:prstGeom>
+          <a:noFill/>
+          <a:ln>
+            <a:noFill/>
+          </a:ln>
+        </p:spPr>
+        <p:txBody>
+          <a:bodyPr spcFirstLastPara="1" wrap="square" lIns="91425" tIns="91425" rIns="91425" bIns="91425" anchor="t" anchorCtr="0">
+            <a:spAutoFit/>
+          </a:bodyPr>
+          <a:lstStyle/>
+          <a:p>
+            <a:pPr marL="0" lvl="0" indent="0" algn="ctr" rtl="0">
+              <a:spcBef>
+                <a:spcPts val="0"/>
+              </a:spcBef>
+              <a:spcAft>
+                <a:spcPts val="0"/>
+              </a:spcAft>
+              <a:buNone/>
+            </a:pPr>
+            <a:r>
+              <a:rPr lang="pt-BR">
+                <a:latin typeface="Nunito"/>
+                <a:ea typeface="Nunito"/>
+                <a:cs typeface="Nunito"/>
+                <a:sym typeface="Nunito"/>
+              </a:rPr>
+              <a:t>código</a:t>
+            </a:r>
+            <a:endParaRPr>
+              <a:latin typeface="Nunito"/>
+              <a:ea typeface="Nunito"/>
+              <a:cs typeface="Nunito"/>
+              <a:sym typeface="Nunito"/>
+            </a:endParaRPr>
+          </a:p>
+          <a:p>
+            <a:pPr marL="0" lvl="0" indent="0" algn="ctr" rtl="0">
+              <a:spcBef>
+                <a:spcPts val="0"/>
+              </a:spcBef>
+              <a:spcAft>
+                <a:spcPts val="0"/>
+              </a:spcAft>
+              <a:buNone/>
+            </a:pPr>
+            <a:r>
+              <a:rPr lang="pt-BR">
+                <a:latin typeface="Nunito"/>
+                <a:ea typeface="Nunito"/>
+                <a:cs typeface="Nunito"/>
+                <a:sym typeface="Nunito"/>
+              </a:rPr>
+              <a:t>fonte</a:t>
+            </a:r>
+            <a:endParaRPr>
+              <a:latin typeface="Nunito"/>
+              <a:ea typeface="Nunito"/>
+              <a:cs typeface="Nunito"/>
+              <a:sym typeface="Nunito"/>
+            </a:endParaRPr>
+          </a:p>
+        </p:txBody>
+      </p:sp>
+      <p:sp>
+        <p:nvSpPr>
+          <p:cNvPr id="291" name="Google Shape;291;p14"/>
+          <p:cNvSpPr/>
+          <p:nvPr/>
+        </p:nvSpPr>
+        <p:spPr>
+          <a:xfrm>
+            <a:off x="3664603" y="3449067"/>
+            <a:ext cx="1584150" cy="731900"/>
+          </a:xfrm>
+          <a:prstGeom prst="flowChartProcess">
+            <a:avLst/>
+          </a:prstGeom>
+          <a:solidFill>
+            <a:srgbClr val="A4C2F4"/>
+          </a:solidFill>
+          <a:ln w="9525" cap="flat" cmpd="sng">
+            <a:solidFill>
+              <a:schemeClr val="dk2"/>
+            </a:solidFill>
+            <a:prstDash val="solid"/>
+            <a:round/>
+            <a:headEnd type="none" w="sm" len="sm"/>
+            <a:tailEnd type="none" w="sm" len="sm"/>
+          </a:ln>
+        </p:spPr>
+        <p:txBody>
+          <a:bodyPr spcFirstLastPara="1" wrap="square" lIns="91425" tIns="91425" rIns="91425" bIns="91425" anchor="ctr" anchorCtr="0">
+            <a:noAutofit/>
+          </a:bodyPr>
+          <a:lstStyle/>
+          <a:p>
+            <a:pPr marL="0" lvl="0" indent="0" algn="ctr" rtl="0">
+              <a:spcBef>
+                <a:spcPts val="0"/>
+              </a:spcBef>
+              <a:spcAft>
+                <a:spcPts val="0"/>
+              </a:spcAft>
+              <a:buNone/>
+            </a:pPr>
+            <a:r>
+              <a:rPr lang="pt-BR" sz="1700" b="1"/>
+              <a:t>Tabela de símbolos</a:t>
+            </a:r>
+            <a:endParaRPr sz="1700" b="1"/>
+          </a:p>
+        </p:txBody>
+      </p:sp>
+      <p:cxnSp>
+        <p:nvCxnSpPr>
+          <p:cNvPr id="292" name="Google Shape;292;p14"/>
+          <p:cNvCxnSpPr>
+            <a:stCxn id="283" idx="2"/>
+            <a:endCxn id="291" idx="1"/>
+          </p:cNvCxnSpPr>
+          <p:nvPr/>
+        </p:nvCxnSpPr>
+        <p:spPr>
+          <a:xfrm>
+            <a:off x="1945125" y="2199750"/>
+            <a:ext cx="1719600" cy="1615200"/>
+          </a:xfrm>
+          <a:prstGeom prst="straightConnector1">
+            <a:avLst/>
+          </a:prstGeom>
+          <a:noFill/>
+          <a:ln w="19050" cap="flat" cmpd="sng">
+            <a:solidFill>
+              <a:schemeClr val="dk2"/>
+            </a:solidFill>
+            <a:prstDash val="solid"/>
+            <a:round/>
+            <a:headEnd type="none" w="med" len="med"/>
+            <a:tailEnd type="none" w="med" len="med"/>
+          </a:ln>
+        </p:spPr>
+      </p:cxnSp>
+      <p:cxnSp>
+        <p:nvCxnSpPr>
+          <p:cNvPr id="293" name="Google Shape;293;p14"/>
+          <p:cNvCxnSpPr>
+            <a:stCxn id="291" idx="3"/>
+            <a:endCxn id="285" idx="2"/>
+          </p:cNvCxnSpPr>
+          <p:nvPr/>
+        </p:nvCxnSpPr>
+        <p:spPr>
+          <a:xfrm rot="10800000" flipH="1">
+            <a:off x="5248753" y="2448517"/>
+            <a:ext cx="1679400" cy="1366500"/>
+          </a:xfrm>
+          <a:prstGeom prst="straightConnector1">
+            <a:avLst/>
+          </a:prstGeom>
+          <a:noFill/>
+          <a:ln w="19050" cap="flat" cmpd="sng">
+            <a:solidFill>
+              <a:schemeClr val="dk2"/>
+            </a:solidFill>
+            <a:prstDash val="solid"/>
+            <a:round/>
+            <a:headEnd type="none" w="med" len="med"/>
+            <a:tailEnd type="none" w="med" len="med"/>
+          </a:ln>
+        </p:spPr>
+      </p:cxnSp>
+      <p:sp>
+        <p:nvSpPr>
+          <p:cNvPr id="294" name="Google Shape;294;p14"/>
+          <p:cNvSpPr txBox="1"/>
+          <p:nvPr/>
+        </p:nvSpPr>
+        <p:spPr>
+          <a:xfrm>
+            <a:off x="7533875" y="1565622"/>
+            <a:ext cx="1423800" cy="615600"/>
+          </a:xfrm>
+          <a:prstGeom prst="rect">
+            <a:avLst/>
+          </a:prstGeom>
+          <a:noFill/>
+          <a:ln>
+            <a:noFill/>
+          </a:ln>
+        </p:spPr>
+        <p:txBody>
+          <a:bodyPr spcFirstLastPara="1" wrap="square" lIns="91425" tIns="91425" rIns="91425" bIns="91425" anchor="t" anchorCtr="0">
+            <a:spAutoFit/>
+          </a:bodyPr>
+          <a:lstStyle/>
+          <a:p>
+            <a:pPr marL="0" lvl="0" indent="0" algn="ctr" rtl="0">
+              <a:spcBef>
+                <a:spcPts val="0"/>
+              </a:spcBef>
+              <a:spcAft>
+                <a:spcPts val="0"/>
+              </a:spcAft>
+              <a:buNone/>
+            </a:pPr>
+            <a:r>
+              <a:rPr lang="pt-BR">
+                <a:latin typeface="Nunito"/>
+                <a:ea typeface="Nunito"/>
+                <a:cs typeface="Nunito"/>
+                <a:sym typeface="Nunito"/>
+              </a:rPr>
+              <a:t>código</a:t>
+            </a:r>
+            <a:endParaRPr>
+              <a:latin typeface="Nunito"/>
+              <a:ea typeface="Nunito"/>
+              <a:cs typeface="Nunito"/>
+              <a:sym typeface="Nunito"/>
+            </a:endParaRPr>
+          </a:p>
+          <a:p>
+            <a:pPr marL="0" lvl="0" indent="0" algn="ctr" rtl="0">
+              <a:spcBef>
+                <a:spcPts val="0"/>
+              </a:spcBef>
+              <a:spcAft>
+                <a:spcPts val="0"/>
+              </a:spcAft>
+              <a:buNone/>
+            </a:pPr>
+            <a:r>
+              <a:rPr lang="pt-BR">
+                <a:latin typeface="Nunito"/>
+                <a:ea typeface="Nunito"/>
+                <a:cs typeface="Nunito"/>
+                <a:sym typeface="Nunito"/>
+              </a:rPr>
+              <a:t>máquina-alvo</a:t>
+            </a:r>
+            <a:endParaRPr>
+              <a:latin typeface="Nunito"/>
+              <a:ea typeface="Nunito"/>
+              <a:cs typeface="Nunito"/>
+              <a:sym typeface="Nunito"/>
+            </a:endParaRPr>
+          </a:p>
+        </p:txBody>
+      </p:sp>
+      <p:sp>
+        <p:nvSpPr>
+          <p:cNvPr id="295" name="Google Shape;295;p14"/>
+          <p:cNvSpPr txBox="1"/>
+          <p:nvPr/>
+        </p:nvSpPr>
+        <p:spPr>
+          <a:xfrm>
+            <a:off x="2466403" y="1595888"/>
+            <a:ext cx="1423800" cy="585000"/>
+          </a:xfrm>
+          <a:prstGeom prst="rect">
+            <a:avLst/>
+          </a:prstGeom>
+          <a:noFill/>
+          <a:ln>
+            <a:noFill/>
+          </a:ln>
+        </p:spPr>
+        <p:txBody>
+          <a:bodyPr spcFirstLastPara="1" wrap="square" lIns="91425" tIns="91425" rIns="91425" bIns="91425" anchor="t" anchorCtr="0">
+            <a:spAutoFit/>
+          </a:bodyPr>
+          <a:lstStyle/>
+          <a:p>
+            <a:pPr marL="0" lvl="0" indent="0" algn="ctr" rtl="0">
+              <a:spcBef>
+                <a:spcPts val="0"/>
+              </a:spcBef>
+              <a:spcAft>
+                <a:spcPts val="0"/>
+              </a:spcAft>
+              <a:buNone/>
+            </a:pPr>
+            <a:r>
+              <a:rPr lang="pt-BR" sz="1300">
+                <a:solidFill>
+                  <a:srgbClr val="434343"/>
+                </a:solidFill>
+                <a:latin typeface="Nunito"/>
+                <a:ea typeface="Nunito"/>
+                <a:cs typeface="Nunito"/>
+                <a:sym typeface="Nunito"/>
+              </a:rPr>
+              <a:t>código</a:t>
+            </a:r>
+            <a:endParaRPr sz="1300">
+              <a:solidFill>
+                <a:srgbClr val="434343"/>
+              </a:solidFill>
+              <a:latin typeface="Nunito"/>
+              <a:ea typeface="Nunito"/>
+              <a:cs typeface="Nunito"/>
+              <a:sym typeface="Nunito"/>
+            </a:endParaRPr>
+          </a:p>
+          <a:p>
+            <a:pPr marL="0" lvl="0" indent="0" algn="ctr" rtl="0">
+              <a:spcBef>
+                <a:spcPts val="0"/>
+              </a:spcBef>
+              <a:spcAft>
+                <a:spcPts val="0"/>
+              </a:spcAft>
+              <a:buNone/>
+            </a:pPr>
+            <a:r>
+              <a:rPr lang="pt-BR" sz="1300">
+                <a:solidFill>
+                  <a:srgbClr val="434343"/>
+                </a:solidFill>
+                <a:latin typeface="Nunito"/>
+                <a:ea typeface="Nunito"/>
+                <a:cs typeface="Nunito"/>
+                <a:sym typeface="Nunito"/>
+              </a:rPr>
+              <a:t>intermediário</a:t>
+            </a:r>
+            <a:endParaRPr sz="1300">
+              <a:solidFill>
+                <a:srgbClr val="434343"/>
+              </a:solidFill>
+              <a:latin typeface="Nunito"/>
+              <a:ea typeface="Nunito"/>
+              <a:cs typeface="Nunito"/>
+              <a:sym typeface="Nunito"/>
+            </a:endParaRPr>
+          </a:p>
+        </p:txBody>
+      </p:sp>
+      <p:sp>
+        <p:nvSpPr>
+          <p:cNvPr id="296" name="Google Shape;296;p14"/>
+          <p:cNvSpPr txBox="1"/>
+          <p:nvPr/>
+        </p:nvSpPr>
+        <p:spPr>
+          <a:xfrm>
+            <a:off x="4914828" y="1585764"/>
+            <a:ext cx="1423800" cy="585000"/>
+          </a:xfrm>
+          <a:prstGeom prst="rect">
+            <a:avLst/>
+          </a:prstGeom>
+          <a:noFill/>
+          <a:ln>
+            <a:noFill/>
+          </a:ln>
+        </p:spPr>
+        <p:txBody>
+          <a:bodyPr spcFirstLastPara="1" wrap="square" lIns="91425" tIns="91425" rIns="91425" bIns="91425" anchor="t" anchorCtr="0">
+            <a:spAutoFit/>
+          </a:bodyPr>
+          <a:lstStyle/>
+          <a:p>
+            <a:pPr marL="0" lvl="0" indent="0" algn="ctr" rtl="0">
+              <a:spcBef>
+                <a:spcPts val="0"/>
+              </a:spcBef>
+              <a:spcAft>
+                <a:spcPts val="0"/>
+              </a:spcAft>
+              <a:buNone/>
+            </a:pPr>
+            <a:r>
+              <a:rPr lang="pt-BR" sz="1300">
+                <a:solidFill>
+                  <a:srgbClr val="434343"/>
+                </a:solidFill>
+                <a:latin typeface="Nunito"/>
+                <a:ea typeface="Nunito"/>
+                <a:cs typeface="Nunito"/>
+                <a:sym typeface="Nunito"/>
+              </a:rPr>
+              <a:t>código</a:t>
+            </a:r>
+            <a:endParaRPr sz="1300">
+              <a:solidFill>
+                <a:srgbClr val="434343"/>
+              </a:solidFill>
+              <a:latin typeface="Nunito"/>
+              <a:ea typeface="Nunito"/>
+              <a:cs typeface="Nunito"/>
+              <a:sym typeface="Nunito"/>
+            </a:endParaRPr>
+          </a:p>
+          <a:p>
+            <a:pPr marL="0" lvl="0" indent="0" algn="ctr" rtl="0">
+              <a:spcBef>
+                <a:spcPts val="0"/>
+              </a:spcBef>
+              <a:spcAft>
+                <a:spcPts val="0"/>
+              </a:spcAft>
+              <a:buNone/>
+            </a:pPr>
+            <a:r>
+              <a:rPr lang="pt-BR" sz="1300">
+                <a:solidFill>
+                  <a:srgbClr val="434343"/>
+                </a:solidFill>
+                <a:latin typeface="Nunito"/>
+                <a:ea typeface="Nunito"/>
+                <a:cs typeface="Nunito"/>
+                <a:sym typeface="Nunito"/>
+              </a:rPr>
+              <a:t>intermediário</a:t>
+            </a:r>
+            <a:endParaRPr sz="1300">
+              <a:solidFill>
+                <a:srgbClr val="434343"/>
+              </a:solidFill>
+              <a:latin typeface="Nunito"/>
+              <a:ea typeface="Nunito"/>
+              <a:cs typeface="Nunito"/>
+              <a:sym typeface="Nunito"/>
+            </a:endParaRPr>
+          </a:p>
+        </p:txBody>
+      </p:sp>
+      <p:sp>
+        <p:nvSpPr>
+          <p:cNvPr id="297" name="Google Shape;297;p14"/>
+          <p:cNvSpPr txBox="1"/>
+          <p:nvPr/>
+        </p:nvSpPr>
+        <p:spPr>
+          <a:xfrm>
+            <a:off x="441150" y="210550"/>
+            <a:ext cx="2155800" cy="400200"/>
+          </a:xfrm>
+          <a:prstGeom prst="rect">
+            <a:avLst/>
+          </a:prstGeom>
+          <a:solidFill>
+            <a:srgbClr val="F3F3F3"/>
+          </a:solidFill>
+          <a:ln>
+            <a:noFill/>
+          </a:ln>
+        </p:spPr>
+        <p:txBody>
+          <a:bodyPr spcFirstLastPara="1" wrap="square" lIns="91425" tIns="91425" rIns="91425" bIns="91425" anchor="t" anchorCtr="0">
+            <a:spAutoFit/>
+          </a:bodyPr>
+          <a:lstStyle/>
+          <a:p>
+            <a:pPr marL="0" lvl="0" indent="0" algn="ctr" rtl="0">
+              <a:spcBef>
+                <a:spcPts val="0"/>
+              </a:spcBef>
+              <a:spcAft>
+                <a:spcPts val="0"/>
+              </a:spcAft>
+              <a:buNone/>
+            </a:pPr>
+            <a:r>
+              <a:rPr lang="pt-BR" b="1">
+                <a:latin typeface="Nunito"/>
+                <a:ea typeface="Nunito"/>
+                <a:cs typeface="Nunito"/>
+                <a:sym typeface="Nunito"/>
+              </a:rPr>
+              <a:t>Fluxo de compilação</a:t>
+            </a:r>
+            <a:endParaRPr b="1">
+              <a:latin typeface="Nunito"/>
+              <a:ea typeface="Nunito"/>
+              <a:cs typeface="Nunito"/>
+              <a:sym typeface="Nunito"/>
+            </a:endParaRPr>
+          </a:p>
+        </p:txBody>
+      </p:sp>
+      <p:cxnSp>
+        <p:nvCxnSpPr>
+          <p:cNvPr id="300" name="Google Shape;300;p14"/>
+          <p:cNvCxnSpPr>
+            <a:cxnSpLocks/>
+            <a:stCxn id="284" idx="2"/>
+            <a:endCxn id="291" idx="0"/>
+          </p:cNvCxnSpPr>
+          <p:nvPr/>
+        </p:nvCxnSpPr>
+        <p:spPr>
+          <a:xfrm>
+            <a:off x="4436625" y="2199750"/>
+            <a:ext cx="20053" cy="1249317"/>
+          </a:xfrm>
+          <a:prstGeom prst="straightConnector1">
+            <a:avLst/>
+          </a:prstGeom>
+          <a:noFill/>
+          <a:ln w="9525" cap="flat" cmpd="sng">
+            <a:solidFill>
+              <a:schemeClr val="dk2"/>
+            </a:solidFill>
+            <a:prstDash val="solid"/>
+            <a:round/>
+            <a:headEnd type="none" w="med" len="med"/>
+            <a:tailEnd type="none" w="med" len="med"/>
+          </a:ln>
+        </p:spPr>
+      </p:cxnSp>
+    </p:spTree>
+  </p:cSld>
+  <p:clrMapOvr>
+    <a:masterClrMapping/>
+  </p:clrMapOvr>
+  <p:timing>
+    <p:tnLst>
+      <p:par>
+        <p:cTn id="1" dur="indefinite" restart="never" nodeType="tmRoot">
+          <p:childTnLst>
+            <p:seq concurrent="1" nextAc="seek">
+              <p:cTn id="2" dur="indefinite" nodeType="mainSeq">
+                <p:childTnLst>
+                  <p:par>
+                    <p:cTn id="3" fill="hold">
+                      <p:stCondLst>
+                        <p:cond delay="indefinite"/>
+                        <p:cond evt="onBegin" delay="0">
+                          <p:tn val="2"/>
+                        </p:cond>
+                      </p:stCondLst>
+                      <p:childTnLst>
+                        <p:par>
+                          <p:cTn id="4" fill="hold">
+                            <p:stCondLst>
+                              <p:cond delay="0"/>
+                            </p:stCondLst>
+                            <p:childTnLst>
+                              <p:par>
+                                <p:cTn id="5" presetID="10" presetClass="entr" presetSubtype="0" fill="hold" nodeType="withEffect">
+                                  <p:stCondLst>
+                                    <p:cond delay="0"/>
+                                  </p:stCondLst>
+                                  <p:childTnLst>
+                                    <p:set>
+                                      <p:cBhvr>
+                                        <p:cTn id="6" dur="1" fill="hold">
+                                          <p:stCondLst>
+                                            <p:cond delay="0"/>
+                                          </p:stCondLst>
+                                        </p:cTn>
+                                        <p:tgtEl>
+                                          <p:spTgt spid="300"/>
+                                        </p:tgtEl>
+                                        <p:attrNameLst>
+                                          <p:attrName>style.visibility</p:attrName>
+                                        </p:attrNameLst>
+                                      </p:cBhvr>
+                                      <p:to>
+                                        <p:strVal val="visible"/>
+                                      </p:to>
+                                    </p:set>
+                                    <p:animEffect transition="in" filter="fade">
+                                      <p:cBhvr>
+                                        <p:cTn id="7" dur="1000"/>
+                                        <p:tgtEl>
+                                          <p:spTgt spid="300"/>
+                                        </p:tgtEl>
+                                      </p:cBhvr>
+                                    </p:animEffect>
+                                  </p:childTnLst>
+                                </p:cTn>
+                              </p:par>
+                            </p:childTnLst>
+                          </p:cTn>
+                        </p:par>
+                      </p:childTnLst>
+                    </p:cTn>
+                  </p:par>
+                </p:childTnLst>
+              </p:cTn>
+              <p:prevCondLst>
+                <p:cond evt="onPrev" delay="0">
+                  <p:tgtEl>
+                    <p:sldTgt/>
+                  </p:tgtEl>
+                </p:cond>
+              </p:prevCondLst>
+              <p:nextCondLst>
+                <p:cond evt="onNext" delay="0">
+                  <p:tgtEl>
+                    <p:sldTgt/>
+                  </p:tgtEl>
+                </p:cond>
+              </p:nextCondLst>
+            </p:seq>
+          </p:childTnLst>
+        </p:cTn>
+      </p:par>
+    </p:tnLst>
+  </p:timing>
+</p:sld>
+</file>
+
+<file path=ppt/slides/slide20.xml><?xml version="1.0" encoding="utf-8"?>
 <p:sld xmlns:a="http://schemas.openxmlformats.org/drawingml/2006/main" xmlns:r="http://schemas.openxmlformats.org/officeDocument/2006/relationships" xmlns:p="http://schemas.openxmlformats.org/presentationml/2006/main">
   <p:cSld>
     <p:spTree>
@@ -26276,6 +28038,20 @@
                 <a:cs typeface="Courier New" panose="02070309020205020404" pitchFamily="49" charset="0"/>
               </a:rPr>
               <a:t>#224 </a:t>
+            </a:r>
+            <a:r>
+              <a:rPr lang="pt-BR" dirty="0" err="1">
+                <a:latin typeface="Courier New" panose="02070309020205020404" pitchFamily="49" charset="0"/>
+                <a:cs typeface="Courier New" panose="02070309020205020404" pitchFamily="49" charset="0"/>
+              </a:rPr>
+              <a:t>ret</a:t>
+            </a:r>
+            <a:r>
+              <a:rPr lang="pt-BR" dirty="0">
+                <a:latin typeface="Courier New" panose="02070309020205020404" pitchFamily="49" charset="0"/>
+                <a:cs typeface="Courier New" panose="02070309020205020404" pitchFamily="49" charset="0"/>
+              </a:rPr>
+              <a:t>      # </a:t>
             </a:r>
             <a:r>
               <a:rPr lang="pt-BR" dirty="0" err="1">
@@ -28561,994 +30337,7 @@
 </p:sld>
 </file>
 
-<file path=ppt/slides/slide2.xml><?xml version="1.0" encoding="utf-8"?>
-<p:sld xmlns:a="http://schemas.openxmlformats.org/drawingml/2006/main" xmlns:r="http://schemas.openxmlformats.org/officeDocument/2006/relationships" xmlns:p="http://schemas.openxmlformats.org/presentationml/2006/main">
-  <p:cSld>
-    <p:spTree>
-      <p:nvGrpSpPr>
-        <p:cNvPr id="1" name="Shape 282"/>
-        <p:cNvGrpSpPr/>
-        <p:nvPr/>
-      </p:nvGrpSpPr>
-      <p:grpSpPr>
-        <a:xfrm>
-          <a:off x="0" y="0"/>
-          <a:ext cx="0" cy="0"/>
-          <a:chOff x="0" y="0"/>
-          <a:chExt cx="0" cy="0"/>
-        </a:xfrm>
-      </p:grpSpPr>
-      <p:sp>
-        <p:nvSpPr>
-          <p:cNvPr id="283" name="Google Shape;283;p14"/>
-          <p:cNvSpPr/>
-          <p:nvPr/>
-        </p:nvSpPr>
-        <p:spPr>
-          <a:xfrm>
-            <a:off x="1293375" y="1584150"/>
-            <a:ext cx="1303500" cy="615600"/>
-          </a:xfrm>
-          <a:prstGeom prst="roundRect">
-            <a:avLst>
-              <a:gd name="adj" fmla="val 16667"/>
-            </a:avLst>
-          </a:prstGeom>
-          <a:solidFill>
-            <a:schemeClr val="lt2"/>
-          </a:solidFill>
-          <a:ln w="9525" cap="flat" cmpd="sng">
-            <a:solidFill>
-              <a:schemeClr val="dk2"/>
-            </a:solidFill>
-            <a:prstDash val="solid"/>
-            <a:round/>
-            <a:headEnd type="none" w="sm" len="sm"/>
-            <a:tailEnd type="none" w="sm" len="sm"/>
-          </a:ln>
-        </p:spPr>
-        <p:txBody>
-          <a:bodyPr spcFirstLastPara="1" wrap="square" lIns="91425" tIns="91425" rIns="91425" bIns="91425" anchor="ctr" anchorCtr="0">
-            <a:noAutofit/>
-          </a:bodyPr>
-          <a:lstStyle/>
-          <a:p>
-            <a:pPr marL="0" lvl="0" indent="0" algn="ctr" rtl="0">
-              <a:spcBef>
-                <a:spcPts val="0"/>
-              </a:spcBef>
-              <a:spcAft>
-                <a:spcPts val="0"/>
-              </a:spcAft>
-              <a:buNone/>
-            </a:pPr>
-            <a:r>
-              <a:rPr lang="pt-BR" sz="1800" b="1"/>
-              <a:t>Análise</a:t>
-            </a:r>
-            <a:endParaRPr sz="1800" b="1"/>
-          </a:p>
-        </p:txBody>
-      </p:sp>
-      <p:sp>
-        <p:nvSpPr>
-          <p:cNvPr id="284" name="Google Shape;284;p14"/>
-          <p:cNvSpPr txBox="1"/>
-          <p:nvPr/>
-        </p:nvSpPr>
-        <p:spPr>
-          <a:xfrm>
-            <a:off x="3850125" y="1584150"/>
-            <a:ext cx="1173000" cy="615600"/>
-          </a:xfrm>
-          <a:prstGeom prst="rect">
-            <a:avLst/>
-          </a:prstGeom>
-          <a:solidFill>
-            <a:srgbClr val="F3F3F3"/>
-          </a:solidFill>
-          <a:ln w="19050" cap="flat" cmpd="sng">
-            <a:solidFill>
-              <a:srgbClr val="000000"/>
-            </a:solidFill>
-            <a:prstDash val="dot"/>
-            <a:round/>
-            <a:headEnd type="none" w="sm" len="sm"/>
-            <a:tailEnd type="none" w="sm" len="sm"/>
-          </a:ln>
-        </p:spPr>
-        <p:txBody>
-          <a:bodyPr spcFirstLastPara="1" wrap="square" lIns="91425" tIns="91425" rIns="91425" bIns="91425" anchor="t" anchorCtr="0">
-            <a:spAutoFit/>
-          </a:bodyPr>
-          <a:lstStyle/>
-          <a:p>
-            <a:pPr marL="0" lvl="0" indent="0" algn="ctr" rtl="0">
-              <a:spcBef>
-                <a:spcPts val="0"/>
-              </a:spcBef>
-              <a:spcAft>
-                <a:spcPts val="0"/>
-              </a:spcAft>
-              <a:buNone/>
-            </a:pPr>
-            <a:r>
-              <a:rPr lang="pt-BR" b="1">
-                <a:solidFill>
-                  <a:srgbClr val="666666"/>
-                </a:solidFill>
-                <a:latin typeface="Nunito"/>
-                <a:ea typeface="Nunito"/>
-                <a:cs typeface="Nunito"/>
-                <a:sym typeface="Nunito"/>
-              </a:rPr>
-              <a:t>Otimizador </a:t>
-            </a:r>
-            <a:endParaRPr b="1">
-              <a:solidFill>
-                <a:srgbClr val="666666"/>
-              </a:solidFill>
-              <a:latin typeface="Nunito"/>
-              <a:ea typeface="Nunito"/>
-              <a:cs typeface="Nunito"/>
-              <a:sym typeface="Nunito"/>
-            </a:endParaRPr>
-          </a:p>
-          <a:p>
-            <a:pPr marL="0" lvl="0" indent="0" algn="ctr" rtl="0">
-              <a:spcBef>
-                <a:spcPts val="0"/>
-              </a:spcBef>
-              <a:spcAft>
-                <a:spcPts val="0"/>
-              </a:spcAft>
-              <a:buNone/>
-            </a:pPr>
-            <a:r>
-              <a:rPr lang="pt-BR" b="1">
-                <a:solidFill>
-                  <a:srgbClr val="666666"/>
-                </a:solidFill>
-                <a:latin typeface="Nunito"/>
-                <a:ea typeface="Nunito"/>
-                <a:cs typeface="Nunito"/>
-                <a:sym typeface="Nunito"/>
-              </a:rPr>
-              <a:t>de código</a:t>
-            </a:r>
-            <a:endParaRPr b="1">
-              <a:solidFill>
-                <a:srgbClr val="666666"/>
-              </a:solidFill>
-              <a:latin typeface="Nunito"/>
-              <a:ea typeface="Nunito"/>
-              <a:cs typeface="Nunito"/>
-              <a:sym typeface="Nunito"/>
-            </a:endParaRPr>
-          </a:p>
-        </p:txBody>
-      </p:sp>
-      <p:sp>
-        <p:nvSpPr>
-          <p:cNvPr id="285" name="Google Shape;285;p14"/>
-          <p:cNvSpPr/>
-          <p:nvPr/>
-        </p:nvSpPr>
-        <p:spPr>
-          <a:xfrm>
-            <a:off x="6276375" y="1335450"/>
-            <a:ext cx="1303500" cy="1113000"/>
-          </a:xfrm>
-          <a:prstGeom prst="roundRect">
-            <a:avLst>
-              <a:gd name="adj" fmla="val 16667"/>
-            </a:avLst>
-          </a:prstGeom>
-          <a:solidFill>
-            <a:srgbClr val="660000"/>
-          </a:solidFill>
-          <a:ln w="9525" cap="flat" cmpd="sng">
-            <a:solidFill>
-              <a:schemeClr val="dk2"/>
-            </a:solidFill>
-            <a:prstDash val="solid"/>
-            <a:round/>
-            <a:headEnd type="none" w="sm" len="sm"/>
-            <a:tailEnd type="none" w="sm" len="sm"/>
-          </a:ln>
-        </p:spPr>
-        <p:txBody>
-          <a:bodyPr spcFirstLastPara="1" wrap="square" lIns="91425" tIns="91425" rIns="91425" bIns="91425" anchor="ctr" anchorCtr="0">
-            <a:noAutofit/>
-          </a:bodyPr>
-          <a:lstStyle/>
-          <a:p>
-            <a:pPr marL="0" lvl="0" indent="0" algn="ctr" rtl="0">
-              <a:spcBef>
-                <a:spcPts val="0"/>
-              </a:spcBef>
-              <a:spcAft>
-                <a:spcPts val="0"/>
-              </a:spcAft>
-              <a:buNone/>
-            </a:pPr>
-            <a:r>
-              <a:rPr lang="pt-BR" sz="1800" b="1">
-                <a:solidFill>
-                  <a:srgbClr val="D9D9D9"/>
-                </a:solidFill>
-              </a:rPr>
-              <a:t>Geração de</a:t>
-            </a:r>
-            <a:endParaRPr sz="1800" b="1">
-              <a:solidFill>
-                <a:srgbClr val="D9D9D9"/>
-              </a:solidFill>
-            </a:endParaRPr>
-          </a:p>
-          <a:p>
-            <a:pPr marL="0" lvl="0" indent="0" algn="ctr" rtl="0">
-              <a:spcBef>
-                <a:spcPts val="0"/>
-              </a:spcBef>
-              <a:spcAft>
-                <a:spcPts val="0"/>
-              </a:spcAft>
-              <a:buNone/>
-            </a:pPr>
-            <a:r>
-              <a:rPr lang="pt-BR" sz="1800" b="1">
-                <a:solidFill>
-                  <a:srgbClr val="D9D9D9"/>
-                </a:solidFill>
-              </a:rPr>
-              <a:t>Código</a:t>
-            </a:r>
-            <a:endParaRPr sz="1800" b="1">
-              <a:solidFill>
-                <a:srgbClr val="D9D9D9"/>
-              </a:solidFill>
-            </a:endParaRPr>
-          </a:p>
-        </p:txBody>
-      </p:sp>
-      <p:cxnSp>
-        <p:nvCxnSpPr>
-          <p:cNvPr id="286" name="Google Shape;286;p14"/>
-          <p:cNvCxnSpPr>
-            <a:stCxn id="283" idx="3"/>
-            <a:endCxn id="284" idx="1"/>
-          </p:cNvCxnSpPr>
-          <p:nvPr/>
-        </p:nvCxnSpPr>
-        <p:spPr>
-          <a:xfrm>
-            <a:off x="2596875" y="1891950"/>
-            <a:ext cx="1253400" cy="0"/>
-          </a:xfrm>
-          <a:prstGeom prst="straightConnector1">
-            <a:avLst/>
-          </a:prstGeom>
-          <a:noFill/>
-          <a:ln w="19050" cap="flat" cmpd="sng">
-            <a:solidFill>
-              <a:schemeClr val="dk2"/>
-            </a:solidFill>
-            <a:prstDash val="solid"/>
-            <a:round/>
-            <a:headEnd type="none" w="med" len="med"/>
-            <a:tailEnd type="triangle" w="med" len="med"/>
-          </a:ln>
-        </p:spPr>
-      </p:cxnSp>
-      <p:cxnSp>
-        <p:nvCxnSpPr>
-          <p:cNvPr id="287" name="Google Shape;287;p14"/>
-          <p:cNvCxnSpPr>
-            <a:stCxn id="284" idx="3"/>
-            <a:endCxn id="285" idx="1"/>
-          </p:cNvCxnSpPr>
-          <p:nvPr/>
-        </p:nvCxnSpPr>
-        <p:spPr>
-          <a:xfrm>
-            <a:off x="5023125" y="1891950"/>
-            <a:ext cx="1253400" cy="0"/>
-          </a:xfrm>
-          <a:prstGeom prst="straightConnector1">
-            <a:avLst/>
-          </a:prstGeom>
-          <a:noFill/>
-          <a:ln w="19050" cap="flat" cmpd="sng">
-            <a:solidFill>
-              <a:schemeClr val="dk2"/>
-            </a:solidFill>
-            <a:prstDash val="solid"/>
-            <a:round/>
-            <a:headEnd type="none" w="med" len="med"/>
-            <a:tailEnd type="triangle" w="med" len="med"/>
-          </a:ln>
-        </p:spPr>
-      </p:cxnSp>
-      <p:cxnSp>
-        <p:nvCxnSpPr>
-          <p:cNvPr id="288" name="Google Shape;288;p14"/>
-          <p:cNvCxnSpPr>
-            <a:endCxn id="283" idx="1"/>
-          </p:cNvCxnSpPr>
-          <p:nvPr/>
-        </p:nvCxnSpPr>
-        <p:spPr>
-          <a:xfrm rot="10800000" flipH="1">
-            <a:off x="290775" y="1891950"/>
-            <a:ext cx="1002600" cy="3000"/>
-          </a:xfrm>
-          <a:prstGeom prst="straightConnector1">
-            <a:avLst/>
-          </a:prstGeom>
-          <a:noFill/>
-          <a:ln w="9525" cap="flat" cmpd="sng">
-            <a:solidFill>
-              <a:schemeClr val="dk2"/>
-            </a:solidFill>
-            <a:prstDash val="solid"/>
-            <a:round/>
-            <a:headEnd type="none" w="med" len="med"/>
-            <a:tailEnd type="triangle" w="med" len="med"/>
-          </a:ln>
-        </p:spPr>
-      </p:cxnSp>
-      <p:cxnSp>
-        <p:nvCxnSpPr>
-          <p:cNvPr id="289" name="Google Shape;289;p14"/>
-          <p:cNvCxnSpPr>
-            <a:stCxn id="285" idx="3"/>
-          </p:cNvCxnSpPr>
-          <p:nvPr/>
-        </p:nvCxnSpPr>
-        <p:spPr>
-          <a:xfrm rot="10800000" flipH="1">
-            <a:off x="7579875" y="1874850"/>
-            <a:ext cx="1453800" cy="17100"/>
-          </a:xfrm>
-          <a:prstGeom prst="straightConnector1">
-            <a:avLst/>
-          </a:prstGeom>
-          <a:noFill/>
-          <a:ln w="19050" cap="flat" cmpd="sng">
-            <a:solidFill>
-              <a:schemeClr val="dk2"/>
-            </a:solidFill>
-            <a:prstDash val="solid"/>
-            <a:round/>
-            <a:headEnd type="none" w="med" len="med"/>
-            <a:tailEnd type="triangle" w="med" len="med"/>
-          </a:ln>
-        </p:spPr>
-      </p:cxnSp>
-      <p:sp>
-        <p:nvSpPr>
-          <p:cNvPr id="290" name="Google Shape;290;p14"/>
-          <p:cNvSpPr txBox="1"/>
-          <p:nvPr/>
-        </p:nvSpPr>
-        <p:spPr>
-          <a:xfrm>
-            <a:off x="290775" y="1585675"/>
-            <a:ext cx="752100" cy="615600"/>
-          </a:xfrm>
-          <a:prstGeom prst="rect">
-            <a:avLst/>
-          </a:prstGeom>
-          <a:noFill/>
-          <a:ln>
-            <a:noFill/>
-          </a:ln>
-        </p:spPr>
-        <p:txBody>
-          <a:bodyPr spcFirstLastPara="1" wrap="square" lIns="91425" tIns="91425" rIns="91425" bIns="91425" anchor="t" anchorCtr="0">
-            <a:spAutoFit/>
-          </a:bodyPr>
-          <a:lstStyle/>
-          <a:p>
-            <a:pPr marL="0" lvl="0" indent="0" algn="ctr" rtl="0">
-              <a:spcBef>
-                <a:spcPts val="0"/>
-              </a:spcBef>
-              <a:spcAft>
-                <a:spcPts val="0"/>
-              </a:spcAft>
-              <a:buNone/>
-            </a:pPr>
-            <a:r>
-              <a:rPr lang="pt-BR">
-                <a:latin typeface="Nunito"/>
-                <a:ea typeface="Nunito"/>
-                <a:cs typeface="Nunito"/>
-                <a:sym typeface="Nunito"/>
-              </a:rPr>
-              <a:t>código</a:t>
-            </a:r>
-            <a:endParaRPr>
-              <a:latin typeface="Nunito"/>
-              <a:ea typeface="Nunito"/>
-              <a:cs typeface="Nunito"/>
-              <a:sym typeface="Nunito"/>
-            </a:endParaRPr>
-          </a:p>
-          <a:p>
-            <a:pPr marL="0" lvl="0" indent="0" algn="ctr" rtl="0">
-              <a:spcBef>
-                <a:spcPts val="0"/>
-              </a:spcBef>
-              <a:spcAft>
-                <a:spcPts val="0"/>
-              </a:spcAft>
-              <a:buNone/>
-            </a:pPr>
-            <a:r>
-              <a:rPr lang="pt-BR">
-                <a:latin typeface="Nunito"/>
-                <a:ea typeface="Nunito"/>
-                <a:cs typeface="Nunito"/>
-                <a:sym typeface="Nunito"/>
-              </a:rPr>
-              <a:t>fonte</a:t>
-            </a:r>
-            <a:endParaRPr>
-              <a:latin typeface="Nunito"/>
-              <a:ea typeface="Nunito"/>
-              <a:cs typeface="Nunito"/>
-              <a:sym typeface="Nunito"/>
-            </a:endParaRPr>
-          </a:p>
-        </p:txBody>
-      </p:sp>
-      <p:sp>
-        <p:nvSpPr>
-          <p:cNvPr id="291" name="Google Shape;291;p14"/>
-          <p:cNvSpPr/>
-          <p:nvPr/>
-        </p:nvSpPr>
-        <p:spPr>
-          <a:xfrm>
-            <a:off x="3664603" y="3449067"/>
-            <a:ext cx="1584150" cy="731900"/>
-          </a:xfrm>
-          <a:prstGeom prst="flowChartProcess">
-            <a:avLst/>
-          </a:prstGeom>
-          <a:solidFill>
-            <a:srgbClr val="A4C2F4"/>
-          </a:solidFill>
-          <a:ln w="9525" cap="flat" cmpd="sng">
-            <a:solidFill>
-              <a:schemeClr val="dk2"/>
-            </a:solidFill>
-            <a:prstDash val="solid"/>
-            <a:round/>
-            <a:headEnd type="none" w="sm" len="sm"/>
-            <a:tailEnd type="none" w="sm" len="sm"/>
-          </a:ln>
-        </p:spPr>
-        <p:txBody>
-          <a:bodyPr spcFirstLastPara="1" wrap="square" lIns="91425" tIns="91425" rIns="91425" bIns="91425" anchor="ctr" anchorCtr="0">
-            <a:noAutofit/>
-          </a:bodyPr>
-          <a:lstStyle/>
-          <a:p>
-            <a:pPr marL="0" lvl="0" indent="0" algn="ctr" rtl="0">
-              <a:spcBef>
-                <a:spcPts val="0"/>
-              </a:spcBef>
-              <a:spcAft>
-                <a:spcPts val="0"/>
-              </a:spcAft>
-              <a:buNone/>
-            </a:pPr>
-            <a:r>
-              <a:rPr lang="pt-BR" sz="1700" b="1"/>
-              <a:t>Tabela de símbolos</a:t>
-            </a:r>
-            <a:endParaRPr sz="1700" b="1"/>
-          </a:p>
-        </p:txBody>
-      </p:sp>
-      <p:cxnSp>
-        <p:nvCxnSpPr>
-          <p:cNvPr id="292" name="Google Shape;292;p14"/>
-          <p:cNvCxnSpPr>
-            <a:stCxn id="283" idx="2"/>
-            <a:endCxn id="291" idx="1"/>
-          </p:cNvCxnSpPr>
-          <p:nvPr/>
-        </p:nvCxnSpPr>
-        <p:spPr>
-          <a:xfrm>
-            <a:off x="1945125" y="2199750"/>
-            <a:ext cx="1719600" cy="1615200"/>
-          </a:xfrm>
-          <a:prstGeom prst="straightConnector1">
-            <a:avLst/>
-          </a:prstGeom>
-          <a:noFill/>
-          <a:ln w="19050" cap="flat" cmpd="sng">
-            <a:solidFill>
-              <a:schemeClr val="dk2"/>
-            </a:solidFill>
-            <a:prstDash val="solid"/>
-            <a:round/>
-            <a:headEnd type="none" w="med" len="med"/>
-            <a:tailEnd type="none" w="med" len="med"/>
-          </a:ln>
-        </p:spPr>
-      </p:cxnSp>
-      <p:cxnSp>
-        <p:nvCxnSpPr>
-          <p:cNvPr id="293" name="Google Shape;293;p14"/>
-          <p:cNvCxnSpPr>
-            <a:stCxn id="291" idx="3"/>
-            <a:endCxn id="285" idx="2"/>
-          </p:cNvCxnSpPr>
-          <p:nvPr/>
-        </p:nvCxnSpPr>
-        <p:spPr>
-          <a:xfrm rot="10800000" flipH="1">
-            <a:off x="5248753" y="2448517"/>
-            <a:ext cx="1679400" cy="1366500"/>
-          </a:xfrm>
-          <a:prstGeom prst="straightConnector1">
-            <a:avLst/>
-          </a:prstGeom>
-          <a:noFill/>
-          <a:ln w="19050" cap="flat" cmpd="sng">
-            <a:solidFill>
-              <a:schemeClr val="dk2"/>
-            </a:solidFill>
-            <a:prstDash val="solid"/>
-            <a:round/>
-            <a:headEnd type="none" w="med" len="med"/>
-            <a:tailEnd type="none" w="med" len="med"/>
-          </a:ln>
-        </p:spPr>
-      </p:cxnSp>
-      <p:sp>
-        <p:nvSpPr>
-          <p:cNvPr id="294" name="Google Shape;294;p14"/>
-          <p:cNvSpPr txBox="1"/>
-          <p:nvPr/>
-        </p:nvSpPr>
-        <p:spPr>
-          <a:xfrm>
-            <a:off x="7533875" y="1565622"/>
-            <a:ext cx="1423800" cy="615600"/>
-          </a:xfrm>
-          <a:prstGeom prst="rect">
-            <a:avLst/>
-          </a:prstGeom>
-          <a:noFill/>
-          <a:ln>
-            <a:noFill/>
-          </a:ln>
-        </p:spPr>
-        <p:txBody>
-          <a:bodyPr spcFirstLastPara="1" wrap="square" lIns="91425" tIns="91425" rIns="91425" bIns="91425" anchor="t" anchorCtr="0">
-            <a:spAutoFit/>
-          </a:bodyPr>
-          <a:lstStyle/>
-          <a:p>
-            <a:pPr marL="0" lvl="0" indent="0" algn="ctr" rtl="0">
-              <a:spcBef>
-                <a:spcPts val="0"/>
-              </a:spcBef>
-              <a:spcAft>
-                <a:spcPts val="0"/>
-              </a:spcAft>
-              <a:buNone/>
-            </a:pPr>
-            <a:r>
-              <a:rPr lang="pt-BR">
-                <a:latin typeface="Nunito"/>
-                <a:ea typeface="Nunito"/>
-                <a:cs typeface="Nunito"/>
-                <a:sym typeface="Nunito"/>
-              </a:rPr>
-              <a:t>código</a:t>
-            </a:r>
-            <a:endParaRPr>
-              <a:latin typeface="Nunito"/>
-              <a:ea typeface="Nunito"/>
-              <a:cs typeface="Nunito"/>
-              <a:sym typeface="Nunito"/>
-            </a:endParaRPr>
-          </a:p>
-          <a:p>
-            <a:pPr marL="0" lvl="0" indent="0" algn="ctr" rtl="0">
-              <a:spcBef>
-                <a:spcPts val="0"/>
-              </a:spcBef>
-              <a:spcAft>
-                <a:spcPts val="0"/>
-              </a:spcAft>
-              <a:buNone/>
-            </a:pPr>
-            <a:r>
-              <a:rPr lang="pt-BR">
-                <a:latin typeface="Nunito"/>
-                <a:ea typeface="Nunito"/>
-                <a:cs typeface="Nunito"/>
-                <a:sym typeface="Nunito"/>
-              </a:rPr>
-              <a:t>máquina-alvo</a:t>
-            </a:r>
-            <a:endParaRPr>
-              <a:latin typeface="Nunito"/>
-              <a:ea typeface="Nunito"/>
-              <a:cs typeface="Nunito"/>
-              <a:sym typeface="Nunito"/>
-            </a:endParaRPr>
-          </a:p>
-        </p:txBody>
-      </p:sp>
-      <p:sp>
-        <p:nvSpPr>
-          <p:cNvPr id="295" name="Google Shape;295;p14"/>
-          <p:cNvSpPr txBox="1"/>
-          <p:nvPr/>
-        </p:nvSpPr>
-        <p:spPr>
-          <a:xfrm>
-            <a:off x="2466403" y="1595888"/>
-            <a:ext cx="1423800" cy="585000"/>
-          </a:xfrm>
-          <a:prstGeom prst="rect">
-            <a:avLst/>
-          </a:prstGeom>
-          <a:noFill/>
-          <a:ln>
-            <a:noFill/>
-          </a:ln>
-        </p:spPr>
-        <p:txBody>
-          <a:bodyPr spcFirstLastPara="1" wrap="square" lIns="91425" tIns="91425" rIns="91425" bIns="91425" anchor="t" anchorCtr="0">
-            <a:spAutoFit/>
-          </a:bodyPr>
-          <a:lstStyle/>
-          <a:p>
-            <a:pPr marL="0" lvl="0" indent="0" algn="ctr" rtl="0">
-              <a:spcBef>
-                <a:spcPts val="0"/>
-              </a:spcBef>
-              <a:spcAft>
-                <a:spcPts val="0"/>
-              </a:spcAft>
-              <a:buNone/>
-            </a:pPr>
-            <a:r>
-              <a:rPr lang="pt-BR" sz="1300">
-                <a:solidFill>
-                  <a:srgbClr val="434343"/>
-                </a:solidFill>
-                <a:latin typeface="Nunito"/>
-                <a:ea typeface="Nunito"/>
-                <a:cs typeface="Nunito"/>
-                <a:sym typeface="Nunito"/>
-              </a:rPr>
-              <a:t>código</a:t>
-            </a:r>
-            <a:endParaRPr sz="1300">
-              <a:solidFill>
-                <a:srgbClr val="434343"/>
-              </a:solidFill>
-              <a:latin typeface="Nunito"/>
-              <a:ea typeface="Nunito"/>
-              <a:cs typeface="Nunito"/>
-              <a:sym typeface="Nunito"/>
-            </a:endParaRPr>
-          </a:p>
-          <a:p>
-            <a:pPr marL="0" lvl="0" indent="0" algn="ctr" rtl="0">
-              <a:spcBef>
-                <a:spcPts val="0"/>
-              </a:spcBef>
-              <a:spcAft>
-                <a:spcPts val="0"/>
-              </a:spcAft>
-              <a:buNone/>
-            </a:pPr>
-            <a:r>
-              <a:rPr lang="pt-BR" sz="1300">
-                <a:solidFill>
-                  <a:srgbClr val="434343"/>
-                </a:solidFill>
-                <a:latin typeface="Nunito"/>
-                <a:ea typeface="Nunito"/>
-                <a:cs typeface="Nunito"/>
-                <a:sym typeface="Nunito"/>
-              </a:rPr>
-              <a:t>intermediário</a:t>
-            </a:r>
-            <a:endParaRPr sz="1300">
-              <a:solidFill>
-                <a:srgbClr val="434343"/>
-              </a:solidFill>
-              <a:latin typeface="Nunito"/>
-              <a:ea typeface="Nunito"/>
-              <a:cs typeface="Nunito"/>
-              <a:sym typeface="Nunito"/>
-            </a:endParaRPr>
-          </a:p>
-        </p:txBody>
-      </p:sp>
-      <p:sp>
-        <p:nvSpPr>
-          <p:cNvPr id="296" name="Google Shape;296;p14"/>
-          <p:cNvSpPr txBox="1"/>
-          <p:nvPr/>
-        </p:nvSpPr>
-        <p:spPr>
-          <a:xfrm>
-            <a:off x="4914828" y="1585764"/>
-            <a:ext cx="1423800" cy="585000"/>
-          </a:xfrm>
-          <a:prstGeom prst="rect">
-            <a:avLst/>
-          </a:prstGeom>
-          <a:noFill/>
-          <a:ln>
-            <a:noFill/>
-          </a:ln>
-        </p:spPr>
-        <p:txBody>
-          <a:bodyPr spcFirstLastPara="1" wrap="square" lIns="91425" tIns="91425" rIns="91425" bIns="91425" anchor="t" anchorCtr="0">
-            <a:spAutoFit/>
-          </a:bodyPr>
-          <a:lstStyle/>
-          <a:p>
-            <a:pPr marL="0" lvl="0" indent="0" algn="ctr" rtl="0">
-              <a:spcBef>
-                <a:spcPts val="0"/>
-              </a:spcBef>
-              <a:spcAft>
-                <a:spcPts val="0"/>
-              </a:spcAft>
-              <a:buNone/>
-            </a:pPr>
-            <a:r>
-              <a:rPr lang="pt-BR" sz="1300">
-                <a:solidFill>
-                  <a:srgbClr val="434343"/>
-                </a:solidFill>
-                <a:latin typeface="Nunito"/>
-                <a:ea typeface="Nunito"/>
-                <a:cs typeface="Nunito"/>
-                <a:sym typeface="Nunito"/>
-              </a:rPr>
-              <a:t>código</a:t>
-            </a:r>
-            <a:endParaRPr sz="1300">
-              <a:solidFill>
-                <a:srgbClr val="434343"/>
-              </a:solidFill>
-              <a:latin typeface="Nunito"/>
-              <a:ea typeface="Nunito"/>
-              <a:cs typeface="Nunito"/>
-              <a:sym typeface="Nunito"/>
-            </a:endParaRPr>
-          </a:p>
-          <a:p>
-            <a:pPr marL="0" lvl="0" indent="0" algn="ctr" rtl="0">
-              <a:spcBef>
-                <a:spcPts val="0"/>
-              </a:spcBef>
-              <a:spcAft>
-                <a:spcPts val="0"/>
-              </a:spcAft>
-              <a:buNone/>
-            </a:pPr>
-            <a:r>
-              <a:rPr lang="pt-BR" sz="1300">
-                <a:solidFill>
-                  <a:srgbClr val="434343"/>
-                </a:solidFill>
-                <a:latin typeface="Nunito"/>
-                <a:ea typeface="Nunito"/>
-                <a:cs typeface="Nunito"/>
-                <a:sym typeface="Nunito"/>
-              </a:rPr>
-              <a:t>intermediário</a:t>
-            </a:r>
-            <a:endParaRPr sz="1300">
-              <a:solidFill>
-                <a:srgbClr val="434343"/>
-              </a:solidFill>
-              <a:latin typeface="Nunito"/>
-              <a:ea typeface="Nunito"/>
-              <a:cs typeface="Nunito"/>
-              <a:sym typeface="Nunito"/>
-            </a:endParaRPr>
-          </a:p>
-        </p:txBody>
-      </p:sp>
-      <p:sp>
-        <p:nvSpPr>
-          <p:cNvPr id="297" name="Google Shape;297;p14"/>
-          <p:cNvSpPr txBox="1"/>
-          <p:nvPr/>
-        </p:nvSpPr>
-        <p:spPr>
-          <a:xfrm>
-            <a:off x="441150" y="210550"/>
-            <a:ext cx="2155800" cy="400200"/>
-          </a:xfrm>
-          <a:prstGeom prst="rect">
-            <a:avLst/>
-          </a:prstGeom>
-          <a:solidFill>
-            <a:srgbClr val="F3F3F3"/>
-          </a:solidFill>
-          <a:ln>
-            <a:noFill/>
-          </a:ln>
-        </p:spPr>
-        <p:txBody>
-          <a:bodyPr spcFirstLastPara="1" wrap="square" lIns="91425" tIns="91425" rIns="91425" bIns="91425" anchor="t" anchorCtr="0">
-            <a:spAutoFit/>
-          </a:bodyPr>
-          <a:lstStyle/>
-          <a:p>
-            <a:pPr marL="0" lvl="0" indent="0" algn="ctr" rtl="0">
-              <a:spcBef>
-                <a:spcPts val="0"/>
-              </a:spcBef>
-              <a:spcAft>
-                <a:spcPts val="0"/>
-              </a:spcAft>
-              <a:buNone/>
-            </a:pPr>
-            <a:r>
-              <a:rPr lang="pt-BR" b="1">
-                <a:latin typeface="Nunito"/>
-                <a:ea typeface="Nunito"/>
-                <a:cs typeface="Nunito"/>
-                <a:sym typeface="Nunito"/>
-              </a:rPr>
-              <a:t>Fluxo de compilação</a:t>
-            </a:r>
-            <a:endParaRPr b="1">
-              <a:latin typeface="Nunito"/>
-              <a:ea typeface="Nunito"/>
-              <a:cs typeface="Nunito"/>
-              <a:sym typeface="Nunito"/>
-            </a:endParaRPr>
-          </a:p>
-        </p:txBody>
-      </p:sp>
-      <p:cxnSp>
-        <p:nvCxnSpPr>
-          <p:cNvPr id="300" name="Google Shape;300;p14"/>
-          <p:cNvCxnSpPr>
-            <a:cxnSpLocks/>
-            <a:stCxn id="284" idx="2"/>
-            <a:endCxn id="291" idx="0"/>
-          </p:cNvCxnSpPr>
-          <p:nvPr/>
-        </p:nvCxnSpPr>
-        <p:spPr>
-          <a:xfrm>
-            <a:off x="4436625" y="2199750"/>
-            <a:ext cx="20053" cy="1249317"/>
-          </a:xfrm>
-          <a:prstGeom prst="straightConnector1">
-            <a:avLst/>
-          </a:prstGeom>
-          <a:noFill/>
-          <a:ln w="9525" cap="flat" cmpd="sng">
-            <a:solidFill>
-              <a:schemeClr val="dk2"/>
-            </a:solidFill>
-            <a:prstDash val="solid"/>
-            <a:round/>
-            <a:headEnd type="none" w="med" len="med"/>
-            <a:tailEnd type="none" w="med" len="med"/>
-          </a:ln>
-        </p:spPr>
-      </p:cxnSp>
-    </p:spTree>
-  </p:cSld>
-  <p:clrMapOvr>
-    <a:masterClrMapping/>
-  </p:clrMapOvr>
-  <p:timing>
-    <p:tnLst>
-      <p:par>
-        <p:cTn id="1" dur="indefinite" restart="never" nodeType="tmRoot">
-          <p:childTnLst>
-            <p:seq concurrent="1" nextAc="seek">
-              <p:cTn id="2" dur="indefinite" nodeType="mainSeq">
-                <p:childTnLst>
-                  <p:par>
-                    <p:cTn id="3" fill="hold">
-                      <p:stCondLst>
-                        <p:cond delay="indefinite"/>
-                        <p:cond evt="onBegin" delay="0">
-                          <p:tn val="2"/>
-                        </p:cond>
-                      </p:stCondLst>
-                      <p:childTnLst>
-                        <p:par>
-                          <p:cTn id="4" fill="hold">
-                            <p:stCondLst>
-                              <p:cond delay="0"/>
-                            </p:stCondLst>
-                            <p:childTnLst>
-                              <p:par>
-                                <p:cTn id="5" presetID="10" presetClass="entr" presetSubtype="0" fill="hold" nodeType="withEffect">
-                                  <p:stCondLst>
-                                    <p:cond delay="0"/>
-                                  </p:stCondLst>
-                                  <p:childTnLst>
-                                    <p:set>
-                                      <p:cBhvr>
-                                        <p:cTn id="6" dur="1" fill="hold">
-                                          <p:stCondLst>
-                                            <p:cond delay="0"/>
-                                          </p:stCondLst>
-                                        </p:cTn>
-                                        <p:tgtEl>
-                                          <p:spTgt spid="300"/>
-                                        </p:tgtEl>
-                                        <p:attrNameLst>
-                                          <p:attrName>style.visibility</p:attrName>
-                                        </p:attrNameLst>
-                                      </p:cBhvr>
-                                      <p:to>
-                                        <p:strVal val="visible"/>
-                                      </p:to>
-                                    </p:set>
-                                    <p:animEffect transition="in" filter="fade">
-                                      <p:cBhvr>
-                                        <p:cTn id="7" dur="1000"/>
-                                        <p:tgtEl>
-                                          <p:spTgt spid="300"/>
-                                        </p:tgtEl>
-                                      </p:cBhvr>
-                                    </p:animEffect>
-                                  </p:childTnLst>
-                                </p:cTn>
-                              </p:par>
-                            </p:childTnLst>
-                          </p:cTn>
-                        </p:par>
-                      </p:childTnLst>
-                    </p:cTn>
-                  </p:par>
-                </p:childTnLst>
-              </p:cTn>
-              <p:prevCondLst>
-                <p:cond evt="onPrev" delay="0">
-                  <p:tgtEl>
-                    <p:sldTgt/>
-                  </p:tgtEl>
-                </p:cond>
-              </p:prevCondLst>
-              <p:nextCondLst>
-                <p:cond evt="onNext" delay="0">
-                  <p:tgtEl>
-                    <p:sldTgt/>
-                  </p:tgtEl>
-                </p:cond>
-              </p:nextCondLst>
-            </p:seq>
-          </p:childTnLst>
-        </p:cTn>
-      </p:par>
-    </p:tnLst>
-  </p:timing>
-</p:sld>
-</file>
-
-<file path=ppt/slides/slide20.xml><?xml version="1.0" encoding="utf-8"?>
+<file path=ppt/slides/slide21.xml><?xml version="1.0" encoding="utf-8"?>
 <p:sld xmlns:a="http://schemas.openxmlformats.org/drawingml/2006/main" xmlns:r="http://schemas.openxmlformats.org/officeDocument/2006/relationships" xmlns:p="http://schemas.openxmlformats.org/presentationml/2006/main">
   <p:cSld>
     <p:spTree>
@@ -29678,7 +30467,7 @@
 </p:sld>
 </file>
 
-<file path=ppt/slides/slide21.xml><?xml version="1.0" encoding="utf-8"?>
+<file path=ppt/slides/slide22.xml><?xml version="1.0" encoding="utf-8"?>
 <p:sld xmlns:a="http://schemas.openxmlformats.org/drawingml/2006/main" xmlns:r="http://schemas.openxmlformats.org/officeDocument/2006/relationships" xmlns:p="http://schemas.openxmlformats.org/presentationml/2006/main">
   <p:cSld>
     <p:spTree>
@@ -32226,7 +33015,12 @@
             <p:ph type="title"/>
           </p:nvPr>
         </p:nvSpPr>
-        <p:spPr/>
+        <p:spPr>
+          <a:xfrm>
+            <a:off x="324086" y="44171"/>
+            <a:ext cx="7030500" cy="999300"/>
+          </a:xfrm>
+        </p:spPr>
         <p:txBody>
           <a:bodyPr/>
           <a:lstStyle/>
@@ -32641,7 +33435,7 @@
         </p:nvSpPr>
         <p:spPr>
           <a:xfrm>
-            <a:off x="3754581" y="1211595"/>
+            <a:off x="3761507" y="619527"/>
             <a:ext cx="3061855" cy="916809"/>
           </a:xfrm>
           <a:prstGeom prst="rect">
@@ -32686,7 +33480,7 @@
                 <a:latin typeface="Courier New" panose="02070309020205020404" pitchFamily="49" charset="0"/>
                 <a:cs typeface="Courier New" panose="02070309020205020404" pitchFamily="49" charset="0"/>
               </a:rPr>
-              <a:t>long</a:t>
+              <a:t>int</a:t>
             </a:r>
             <a:r>
               <a:rPr lang="pt-BR" sz="1600" dirty="0">
@@ -32696,7 +33490,7 @@
                 <a:latin typeface="Courier New" panose="02070309020205020404" pitchFamily="49" charset="0"/>
                 <a:cs typeface="Courier New" panose="02070309020205020404" pitchFamily="49" charset="0"/>
               </a:rPr>
-              <a:t> a, b, c, v[8]; </a:t>
+              <a:t> a, b = 55, v[4]; </a:t>
             </a:r>
           </a:p>
           <a:p>
@@ -32723,8 +33517,8 @@
         </p:nvSpPr>
         <p:spPr>
           <a:xfrm>
-            <a:off x="3408217" y="3012638"/>
-            <a:ext cx="3768437" cy="1947289"/>
+            <a:off x="3408217" y="1861458"/>
+            <a:ext cx="3768437" cy="3098470"/>
           </a:xfrm>
           <a:prstGeom prst="rect">
             <a:avLst/>
@@ -32756,6 +33550,16 @@
                 <a:latin typeface="Courier New" panose="02070309020205020404" pitchFamily="49" charset="0"/>
                 <a:cs typeface="Courier New" panose="02070309020205020404" pitchFamily="49" charset="0"/>
               </a:rPr>
+              <a:t>	</a:t>
+            </a:r>
+            <a:r>
+              <a:rPr lang="pt-BR" sz="1600" b="1" dirty="0">
+                <a:solidFill>
+                  <a:srgbClr val="FF0000"/>
+                </a:solidFill>
+                <a:latin typeface="Courier New" panose="02070309020205020404" pitchFamily="49" charset="0"/>
+                <a:cs typeface="Courier New" panose="02070309020205020404" pitchFamily="49" charset="0"/>
+              </a:rPr>
               <a:t>.data</a:t>
             </a:r>
           </a:p>
@@ -32768,10 +33572,18 @@
                 <a:latin typeface="Courier New" panose="02070309020205020404" pitchFamily="49" charset="0"/>
                 <a:cs typeface="Courier New" panose="02070309020205020404" pitchFamily="49" charset="0"/>
               </a:rPr>
-              <a:t>#a</a:t>
-            </a:r>
-          </a:p>
-          <a:p>
+              <a:t>	.</a:t>
+            </a:r>
+            <a:r>
+              <a:rPr lang="pt-BR" sz="1600" b="1" dirty="0" err="1">
+                <a:solidFill>
+                  <a:schemeClr val="bg2"/>
+                </a:solidFill>
+                <a:latin typeface="Courier New" panose="02070309020205020404" pitchFamily="49" charset="0"/>
+                <a:cs typeface="Courier New" panose="02070309020205020404" pitchFamily="49" charset="0"/>
+              </a:rPr>
+              <a:t>globl</a:t>
+            </a:r>
             <a:r>
               <a:rPr lang="pt-BR" sz="1600" b="1" dirty="0">
                 <a:solidFill>
@@ -32780,7 +33592,7 @@
                 <a:latin typeface="Courier New" panose="02070309020205020404" pitchFamily="49" charset="0"/>
                 <a:cs typeface="Courier New" panose="02070309020205020404" pitchFamily="49" charset="0"/>
               </a:rPr>
-              <a:t>#b</a:t>
+              <a:t> a</a:t>
             </a:r>
           </a:p>
           <a:p>
@@ -32792,7 +33604,7 @@
                 <a:latin typeface="Courier New" panose="02070309020205020404" pitchFamily="49" charset="0"/>
                 <a:cs typeface="Courier New" panose="02070309020205020404" pitchFamily="49" charset="0"/>
               </a:rPr>
-              <a:t>#c</a:t>
+              <a:t>a:</a:t>
             </a:r>
           </a:p>
           <a:p>
@@ -32804,49 +33616,172 @@
                 <a:latin typeface="Courier New" panose="02070309020205020404" pitchFamily="49" charset="0"/>
                 <a:cs typeface="Courier New" panose="02070309020205020404" pitchFamily="49" charset="0"/>
               </a:rPr>
-              <a:t>#v</a:t>
-            </a:r>
-          </a:p>
-          <a:p>
-            <a:r>
-              <a:rPr lang="pt-BR" sz="1600" dirty="0">
+              <a:t>	.</a:t>
+            </a:r>
+            <a:r>
+              <a:rPr lang="pt-BR" sz="1600" b="1" dirty="0" err="1">
                 <a:solidFill>
                   <a:schemeClr val="bg2"/>
                 </a:solidFill>
                 <a:latin typeface="Courier New" panose="02070309020205020404" pitchFamily="49" charset="0"/>
                 <a:cs typeface="Courier New" panose="02070309020205020404" pitchFamily="49" charset="0"/>
               </a:rPr>
-              <a:t>.global</a:t>
-            </a:r>
-          </a:p>
-          <a:p>
-            <a:r>
-              <a:rPr lang="pt-BR" sz="1600" dirty="0">
+              <a:t>space</a:t>
+            </a:r>
+            <a:r>
+              <a:rPr lang="pt-BR" sz="1600" b="1" dirty="0">
                 <a:solidFill>
                   <a:schemeClr val="bg2"/>
                 </a:solidFill>
                 <a:latin typeface="Courier New" panose="02070309020205020404" pitchFamily="49" charset="0"/>
                 <a:cs typeface="Courier New" panose="02070309020205020404" pitchFamily="49" charset="0"/>
               </a:rPr>
-              <a:t>.</a:t>
-            </a:r>
-            <a:r>
-              <a:rPr lang="pt-BR" sz="1600" dirty="0" err="1">
+              <a:t> 4</a:t>
+            </a:r>
+          </a:p>
+          <a:p>
+            <a:r>
+              <a:rPr lang="pt-BR" sz="1600" b="1" dirty="0">
                 <a:solidFill>
                   <a:schemeClr val="bg2"/>
                 </a:solidFill>
                 <a:latin typeface="Courier New" panose="02070309020205020404" pitchFamily="49" charset="0"/>
                 <a:cs typeface="Courier New" panose="02070309020205020404" pitchFamily="49" charset="0"/>
               </a:rPr>
-              <a:t>section</a:t>
-            </a:r>
-            <a:endParaRPr lang="pt-BR" sz="1600" dirty="0">
-              <a:solidFill>
-                <a:schemeClr val="bg2"/>
-              </a:solidFill>
-              <a:latin typeface="Courier New" panose="02070309020205020404" pitchFamily="49" charset="0"/>
-              <a:cs typeface="Courier New" panose="02070309020205020404" pitchFamily="49" charset="0"/>
-            </a:endParaRPr>
+              <a:t>	.</a:t>
+            </a:r>
+            <a:r>
+              <a:rPr lang="pt-BR" sz="1600" b="1" dirty="0" err="1">
+                <a:solidFill>
+                  <a:schemeClr val="bg2"/>
+                </a:solidFill>
+                <a:latin typeface="Courier New" panose="02070309020205020404" pitchFamily="49" charset="0"/>
+                <a:cs typeface="Courier New" panose="02070309020205020404" pitchFamily="49" charset="0"/>
+              </a:rPr>
+              <a:t>globl</a:t>
+            </a:r>
+            <a:r>
+              <a:rPr lang="pt-BR" sz="1600" b="1" dirty="0">
+                <a:solidFill>
+                  <a:schemeClr val="bg2"/>
+                </a:solidFill>
+                <a:latin typeface="Courier New" panose="02070309020205020404" pitchFamily="49" charset="0"/>
+                <a:cs typeface="Courier New" panose="02070309020205020404" pitchFamily="49" charset="0"/>
+              </a:rPr>
+              <a:t> b</a:t>
+            </a:r>
+          </a:p>
+          <a:p>
+            <a:r>
+              <a:rPr lang="pt-BR" sz="1600" b="1" dirty="0">
+                <a:solidFill>
+                  <a:schemeClr val="bg2"/>
+                </a:solidFill>
+                <a:latin typeface="Courier New" panose="02070309020205020404" pitchFamily="49" charset="0"/>
+                <a:cs typeface="Courier New" panose="02070309020205020404" pitchFamily="49" charset="0"/>
+              </a:rPr>
+              <a:t>b:	</a:t>
+            </a:r>
+          </a:p>
+          <a:p>
+            <a:r>
+              <a:rPr lang="pt-BR" sz="1600" b="1" dirty="0">
+                <a:solidFill>
+                  <a:schemeClr val="bg2"/>
+                </a:solidFill>
+                <a:latin typeface="Courier New" panose="02070309020205020404" pitchFamily="49" charset="0"/>
+                <a:cs typeface="Courier New" panose="02070309020205020404" pitchFamily="49" charset="0"/>
+              </a:rPr>
+              <a:t>	.word 55</a:t>
+            </a:r>
+          </a:p>
+          <a:p>
+            <a:r>
+              <a:rPr lang="pt-BR" sz="1600" b="1" dirty="0">
+                <a:solidFill>
+                  <a:schemeClr val="bg2"/>
+                </a:solidFill>
+                <a:latin typeface="Courier New" panose="02070309020205020404" pitchFamily="49" charset="0"/>
+                <a:cs typeface="Courier New" panose="02070309020205020404" pitchFamily="49" charset="0"/>
+              </a:rPr>
+              <a:t>	.</a:t>
+            </a:r>
+            <a:r>
+              <a:rPr lang="pt-BR" sz="1600" b="1" dirty="0" err="1">
+                <a:solidFill>
+                  <a:schemeClr val="bg2"/>
+                </a:solidFill>
+                <a:latin typeface="Courier New" panose="02070309020205020404" pitchFamily="49" charset="0"/>
+                <a:cs typeface="Courier New" panose="02070309020205020404" pitchFamily="49" charset="0"/>
+              </a:rPr>
+              <a:t>globl</a:t>
+            </a:r>
+            <a:r>
+              <a:rPr lang="pt-BR" sz="1600" b="1" dirty="0">
+                <a:solidFill>
+                  <a:schemeClr val="bg2"/>
+                </a:solidFill>
+                <a:latin typeface="Courier New" panose="02070309020205020404" pitchFamily="49" charset="0"/>
+                <a:cs typeface="Courier New" panose="02070309020205020404" pitchFamily="49" charset="0"/>
+              </a:rPr>
+              <a:t> v</a:t>
+            </a:r>
+          </a:p>
+          <a:p>
+            <a:r>
+              <a:rPr lang="pt-BR" sz="1600" b="1" dirty="0">
+                <a:solidFill>
+                  <a:schemeClr val="bg2"/>
+                </a:solidFill>
+                <a:latin typeface="Courier New" panose="02070309020205020404" pitchFamily="49" charset="0"/>
+                <a:cs typeface="Courier New" panose="02070309020205020404" pitchFamily="49" charset="0"/>
+              </a:rPr>
+              <a:t>v:</a:t>
+            </a:r>
+          </a:p>
+          <a:p>
+            <a:r>
+              <a:rPr lang="pt-BR" sz="1600" b="1" dirty="0">
+                <a:solidFill>
+                  <a:schemeClr val="bg2"/>
+                </a:solidFill>
+                <a:latin typeface="Courier New" panose="02070309020205020404" pitchFamily="49" charset="0"/>
+                <a:cs typeface="Courier New" panose="02070309020205020404" pitchFamily="49" charset="0"/>
+              </a:rPr>
+              <a:t>	.</a:t>
+            </a:r>
+            <a:r>
+              <a:rPr lang="pt-BR" sz="1600" b="1" dirty="0" err="1">
+                <a:solidFill>
+                  <a:schemeClr val="bg2"/>
+                </a:solidFill>
+                <a:latin typeface="Courier New" panose="02070309020205020404" pitchFamily="49" charset="0"/>
+                <a:cs typeface="Courier New" panose="02070309020205020404" pitchFamily="49" charset="0"/>
+              </a:rPr>
+              <a:t>space</a:t>
+            </a:r>
+            <a:r>
+              <a:rPr lang="pt-BR" sz="1600" b="1" dirty="0">
+                <a:solidFill>
+                  <a:schemeClr val="bg2"/>
+                </a:solidFill>
+                <a:latin typeface="Courier New" panose="02070309020205020404" pitchFamily="49" charset="0"/>
+                <a:cs typeface="Courier New" panose="02070309020205020404" pitchFamily="49" charset="0"/>
+              </a:rPr>
+              <a:t> 16</a:t>
+            </a:r>
+          </a:p>
+          <a:p>
+            <a:r>
+              <a:rPr lang="pt-BR" sz="1600" dirty="0">
+                <a:solidFill>
+                  <a:srgbClr val="FF0000"/>
+                </a:solidFill>
+                <a:latin typeface="Courier New" panose="02070309020205020404" pitchFamily="49" charset="0"/>
+                <a:cs typeface="Courier New" panose="02070309020205020404" pitchFamily="49" charset="0"/>
+              </a:rPr>
+              <a:t>__start</a:t>
+            </a:r>
           </a:p>
           <a:p>
             <a:r>
@@ -32885,8 +33820,8 @@
         </p:nvCxnSpPr>
         <p:spPr>
           <a:xfrm>
-            <a:off x="5285509" y="2128404"/>
-            <a:ext cx="6927" cy="884234"/>
+            <a:off x="5292435" y="1536336"/>
+            <a:ext cx="1" cy="325122"/>
           </a:xfrm>
           <a:prstGeom prst="straightConnector1">
             <a:avLst/>
@@ -32924,7 +33859,7 @@
         </p:nvSpPr>
         <p:spPr>
           <a:xfrm>
-            <a:off x="5410202" y="2343043"/>
+            <a:off x="6861464" y="1338051"/>
             <a:ext cx="2514598" cy="523220"/>
           </a:xfrm>
           <a:prstGeom prst="rect">
@@ -32946,7 +33881,7 @@
           <a:p>
             <a:r>
               <a:rPr lang="pt-BR" dirty="0"/>
-              <a:t>Endereços de memória (#)</a:t>
+              <a:t>Endereços de memória</a:t>
             </a:r>
           </a:p>
         </p:txBody>
@@ -35239,8 +36174,8 @@
       <p:bldP spid="9" grpId="0"/>
       <p:bldP spid="10" grpId="0"/>
       <p:bldP spid="11" grpId="0"/>
-      <p:bldP spid="61" grpId="0"/>
-      <p:bldP spid="20" grpId="0"/>
+      <p:bldP spid="61" grpId="0" animBg="1"/>
+      <p:bldP spid="20" grpId="0" animBg="1"/>
     </p:bldLst>
   </p:timing>
 </p:sld>

--- a/slides/geracao_codigo.pptx
+++ b/slides/geracao_codigo.pptx
@@ -18616,8 +18616,8 @@
         </p:nvSpPr>
         <p:spPr>
           <a:xfrm>
-            <a:off x="4819500" y="1817925"/>
-            <a:ext cx="4192200" cy="2541600"/>
+            <a:off x="4802250" y="1701125"/>
+            <a:ext cx="4192200" cy="2780201"/>
           </a:xfrm>
           <a:prstGeom prst="rect">
             <a:avLst/>
@@ -18634,7 +18634,7 @@
         </p:spPr>
         <p:txBody>
           <a:bodyPr spcFirstLastPara="1" wrap="square" lIns="91425" tIns="91425" rIns="91425" bIns="91425" anchor="t" anchorCtr="0">
-            <a:normAutofit fontScale="85000" lnSpcReduction="10000"/>
+            <a:normAutofit fontScale="77500" lnSpcReduction="20000"/>
           </a:bodyPr>
           <a:lstStyle/>
           <a:p>
@@ -18648,15 +18648,42 @@
               <a:buNone/>
             </a:pPr>
             <a:r>
-              <a:rPr lang="pt-BR" sz="1700">
+              <a:rPr lang="pt-BR" sz="1700" dirty="0" err="1">
                 <a:latin typeface="Courier"/>
                 <a:ea typeface="Courier"/>
                 <a:cs typeface="Courier"/>
                 <a:sym typeface="Courier"/>
               </a:rPr>
-              <a:t>if_stmt: T_IF ‘(‘ expr ‘)’ ‘{‘</a:t>
-            </a:r>
-            <a:endParaRPr sz="1700">
+              <a:t>if_stmt</a:t>
+            </a:r>
+            <a:r>
+              <a:rPr lang="pt-BR" sz="1700" dirty="0">
+                <a:latin typeface="Courier"/>
+                <a:ea typeface="Courier"/>
+                <a:cs typeface="Courier"/>
+                <a:sym typeface="Courier"/>
+              </a:rPr>
+              <a:t>: T_IF ‘(‘ </a:t>
+            </a:r>
+            <a:r>
+              <a:rPr lang="pt-BR" sz="1700" dirty="0" err="1">
+                <a:latin typeface="Courier"/>
+                <a:ea typeface="Courier"/>
+                <a:cs typeface="Courier"/>
+                <a:sym typeface="Courier"/>
+              </a:rPr>
+              <a:t>expr</a:t>
+            </a:r>
+            <a:r>
+              <a:rPr lang="pt-BR" sz="1700" dirty="0">
+                <a:latin typeface="Courier"/>
+                <a:ea typeface="Courier"/>
+                <a:cs typeface="Courier"/>
+                <a:sym typeface="Courier"/>
+              </a:rPr>
+              <a:t> ‘)’ ‘{‘</a:t>
+            </a:r>
+            <a:endParaRPr sz="1700" dirty="0">
               <a:latin typeface="Courier"/>
               <a:ea typeface="Courier"/>
               <a:cs typeface="Courier"/>
@@ -18674,41 +18701,24 @@
               <a:buNone/>
             </a:pPr>
             <a:r>
-              <a:rPr lang="pt-BR" sz="1700">
+              <a:rPr lang="pt-BR" sz="1700" dirty="0">
                 <a:latin typeface="Courier"/>
                 <a:ea typeface="Courier"/>
                 <a:cs typeface="Courier"/>
                 <a:sym typeface="Courier"/>
               </a:rPr>
-              <a:t>		  		stmt_list</a:t>
-            </a:r>
-            <a:endParaRPr sz="1700">
-              <a:latin typeface="Courier"/>
-              <a:ea typeface="Courier"/>
-              <a:cs typeface="Courier"/>
-              <a:sym typeface="Courier"/>
-            </a:endParaRPr>
-          </a:p>
-          <a:p>
-            <a:pPr marL="914400" lvl="0" indent="0" algn="l" rtl="0">
-              <a:spcBef>
-                <a:spcPts val="1200"/>
-              </a:spcBef>
-              <a:spcAft>
-                <a:spcPts val="0"/>
-              </a:spcAft>
-              <a:buNone/>
-            </a:pPr>
-            <a:r>
-              <a:rPr lang="pt-BR" sz="1700">
+              <a:t>		  				</a:t>
+            </a:r>
+            <a:r>
+              <a:rPr lang="pt-BR" sz="1700" dirty="0" err="1">
                 <a:latin typeface="Courier"/>
                 <a:ea typeface="Courier"/>
                 <a:cs typeface="Courier"/>
                 <a:sym typeface="Courier"/>
               </a:rPr>
-              <a:t>  ‘}’ T_ELSE ‘{‘</a:t>
-            </a:r>
-            <a:endParaRPr sz="1700">
+              <a:t>stmt_list</a:t>
+            </a:r>
+            <a:endParaRPr lang="pt-BR" sz="1700" dirty="0">
               <a:latin typeface="Courier"/>
               <a:ea typeface="Courier"/>
               <a:cs typeface="Courier"/>
@@ -18726,15 +18736,50 @@
               <a:buNone/>
             </a:pPr>
             <a:r>
-              <a:rPr lang="pt-BR" sz="1700">
+              <a:rPr lang="pt-BR" sz="1700" dirty="0">
                 <a:latin typeface="Courier"/>
                 <a:ea typeface="Courier"/>
                 <a:cs typeface="Courier"/>
                 <a:sym typeface="Courier"/>
               </a:rPr>
-              <a:t>				stmt_list</a:t>
-            </a:r>
-            <a:endParaRPr sz="1700">
+              <a:t>	‘}’ T_ELSE ‘{‘</a:t>
+            </a:r>
+            <a:endParaRPr sz="1700" dirty="0">
+              <a:latin typeface="Courier"/>
+              <a:ea typeface="Courier"/>
+              <a:cs typeface="Courier"/>
+              <a:sym typeface="Courier"/>
+            </a:endParaRPr>
+          </a:p>
+          <a:p>
+            <a:pPr marL="0" lvl="0" indent="0" algn="l" rtl="0">
+              <a:spcBef>
+                <a:spcPts val="1200"/>
+              </a:spcBef>
+              <a:spcAft>
+                <a:spcPts val="0"/>
+              </a:spcAft>
+              <a:buNone/>
+            </a:pPr>
+            <a:r>
+              <a:rPr lang="pt-BR" sz="1700" dirty="0">
+                <a:latin typeface="Courier"/>
+                <a:ea typeface="Courier"/>
+                <a:cs typeface="Courier"/>
+                <a:sym typeface="Courier"/>
+              </a:rPr>
+              <a:t>						</a:t>
+            </a:r>
+            <a:r>
+              <a:rPr lang="pt-BR" sz="1700" dirty="0" err="1">
+                <a:latin typeface="Courier"/>
+                <a:ea typeface="Courier"/>
+                <a:cs typeface="Courier"/>
+                <a:sym typeface="Courier"/>
+              </a:rPr>
+              <a:t>stmt_list</a:t>
+            </a:r>
+            <a:endParaRPr sz="1700" dirty="0">
               <a:latin typeface="Courier"/>
               <a:ea typeface="Courier"/>
               <a:cs typeface="Courier"/>
@@ -18752,7 +18797,7 @@
               <a:buNone/>
             </a:pPr>
             <a:r>
-              <a:rPr lang="pt-BR" sz="1700">
+              <a:rPr lang="pt-BR" sz="1700" dirty="0">
                 <a:latin typeface="Courier"/>
                 <a:ea typeface="Courier"/>
                 <a:cs typeface="Courier"/>
@@ -18760,7 +18805,27 @@
               </a:rPr>
               <a:t>‘}’</a:t>
             </a:r>
-            <a:endParaRPr sz="1700">
+          </a:p>
+          <a:p>
+            <a:pPr marL="914400" lvl="0" indent="457200" algn="l" rtl="0">
+              <a:spcBef>
+                <a:spcPts val="1200"/>
+              </a:spcBef>
+              <a:spcAft>
+                <a:spcPts val="1200"/>
+              </a:spcAft>
+              <a:buNone/>
+            </a:pPr>
+            <a:r>
+              <a:rPr lang="pt-BR" sz="1700" dirty="0">
+                <a:latin typeface="Courier"/>
+                <a:ea typeface="Courier"/>
+                <a:cs typeface="Courier"/>
+                <a:sym typeface="Courier"/>
+              </a:rPr>
+              <a:t>;</a:t>
+            </a:r>
+            <a:endParaRPr sz="1700" dirty="0">
               <a:latin typeface="Courier"/>
               <a:ea typeface="Courier"/>
               <a:cs typeface="Courier"/>
@@ -18773,6 +18838,7 @@
         <p:nvCxnSpPr>
           <p:cNvPr id="398" name="Google Shape;398;p22"/>
           <p:cNvCxnSpPr>
+            <a:cxnSpLocks/>
             <a:stCxn id="396" idx="3"/>
             <a:endCxn id="397" idx="1"/>
           </p:cNvCxnSpPr>
@@ -18781,7 +18847,7 @@
         <p:spPr>
           <a:xfrm>
             <a:off x="3634950" y="3088725"/>
-            <a:ext cx="1184700" cy="0"/>
+            <a:ext cx="1167300" cy="2501"/>
           </a:xfrm>
           <a:prstGeom prst="straightConnector1">
             <a:avLst/>
@@ -20923,7 +20989,7 @@
         </p:spPr>
         <p:txBody>
           <a:bodyPr spcFirstLastPara="1" wrap="square" lIns="91425" tIns="91425" rIns="91425" bIns="91425" anchor="t" anchorCtr="0">
-            <a:normAutofit/>
+            <a:normAutofit fontScale="92500" lnSpcReduction="20000"/>
           </a:bodyPr>
           <a:lstStyle/>
           <a:p>
@@ -20943,7 +21009,47 @@
                 <a:cs typeface="Courier"/>
                 <a:sym typeface="Courier"/>
               </a:rPr>
-              <a:t>for: T_FOR ‘(‘ </a:t>
+              <a:t>for: T_FOR </a:t>
+            </a:r>
+          </a:p>
+          <a:p>
+            <a:pPr marL="0" lvl="0" indent="0" algn="l" rtl="0">
+              <a:spcBef>
+                <a:spcPts val="0"/>
+              </a:spcBef>
+              <a:spcAft>
+                <a:spcPts val="0"/>
+              </a:spcAft>
+              <a:buNone/>
+            </a:pPr>
+            <a:r>
+              <a:rPr lang="pt-BR" sz="1400" dirty="0">
+                <a:latin typeface="Courier"/>
+                <a:ea typeface="Courier"/>
+                <a:cs typeface="Courier"/>
+                <a:sym typeface="Courier"/>
+              </a:rPr>
+              <a:t>	‘(‘ </a:t>
+            </a:r>
+          </a:p>
+          <a:p>
+            <a:pPr marL="0" lvl="0" indent="0" algn="l" rtl="0">
+              <a:spcBef>
+                <a:spcPts val="0"/>
+              </a:spcBef>
+              <a:spcAft>
+                <a:spcPts val="0"/>
+              </a:spcAft>
+              <a:buNone/>
+            </a:pPr>
+            <a:r>
+              <a:rPr lang="pt-BR" sz="1400" dirty="0">
+                <a:latin typeface="Courier"/>
+                <a:ea typeface="Courier"/>
+                <a:cs typeface="Courier"/>
+                <a:sym typeface="Courier"/>
+              </a:rPr>
+              <a:t>		</a:t>
             </a:r>
             <a:r>
               <a:rPr lang="pt-BR" sz="1400" dirty="0" err="1">
@@ -20963,6 +21069,26 @@
               </a:rPr>
               <a:t> `;´ </a:t>
             </a:r>
+          </a:p>
+          <a:p>
+            <a:pPr marL="0" lvl="0" indent="0" algn="l" rtl="0">
+              <a:spcBef>
+                <a:spcPts val="0"/>
+              </a:spcBef>
+              <a:spcAft>
+                <a:spcPts val="0"/>
+              </a:spcAft>
+              <a:buNone/>
+            </a:pPr>
+            <a:r>
+              <a:rPr lang="pt-BR" sz="1400" dirty="0">
+                <a:latin typeface="Courier"/>
+                <a:ea typeface="Courier"/>
+                <a:cs typeface="Courier"/>
+                <a:sym typeface="Courier"/>
+              </a:rPr>
+              <a:t>		</a:t>
+            </a:r>
             <a:r>
               <a:rPr lang="pt-BR" sz="1400" dirty="0" err="1">
                 <a:latin typeface="Courier"/>
@@ -20979,7 +21105,7 @@
                 <a:cs typeface="Courier"/>
                 <a:sym typeface="Courier"/>
               </a:rPr>
-              <a:t> `;´ </a:t>
+              <a:t> `;´ 			</a:t>
             </a:r>
             <a:r>
               <a:rPr lang="pt-BR" sz="1400" dirty="0" err="1">
@@ -20990,6 +21116,23 @@
               </a:rPr>
               <a:t>next_expr</a:t>
             </a:r>
+            <a:endParaRPr lang="pt-BR" sz="1400" dirty="0">
+              <a:latin typeface="Courier"/>
+              <a:ea typeface="Courier"/>
+              <a:cs typeface="Courier"/>
+              <a:sym typeface="Courier"/>
+            </a:endParaRPr>
+          </a:p>
+          <a:p>
+            <a:pPr marL="0" lvl="0" indent="0" algn="l" rtl="0">
+              <a:spcBef>
+                <a:spcPts val="0"/>
+              </a:spcBef>
+              <a:spcAft>
+                <a:spcPts val="0"/>
+              </a:spcAft>
+              <a:buNone/>
+            </a:pPr>
             <a:r>
               <a:rPr lang="pt-BR" sz="1400" dirty="0">
                 <a:latin typeface="Courier"/>
@@ -20997,7 +21140,27 @@
                 <a:cs typeface="Courier"/>
                 <a:sym typeface="Courier"/>
               </a:rPr>
-              <a:t>‘)’ 	‘{‘</a:t>
+              <a:t>	‘)’</a:t>
+            </a:r>
+          </a:p>
+          <a:p>
+            <a:pPr marL="0" lvl="0" indent="0" algn="l" rtl="0">
+              <a:spcBef>
+                <a:spcPts val="0"/>
+              </a:spcBef>
+              <a:spcAft>
+                <a:spcPts val="0"/>
+              </a:spcAft>
+              <a:buNone/>
+            </a:pPr>
+            <a:r>
+              <a:rPr lang="pt-BR" sz="1400" dirty="0">
+                <a:latin typeface="Courier"/>
+                <a:ea typeface="Courier"/>
+                <a:cs typeface="Courier"/>
+                <a:sym typeface="Courier"/>
+              </a:rPr>
+              <a:t> 	‘{‘</a:t>
             </a:r>
             <a:endParaRPr sz="1400" dirty="0">
               <a:latin typeface="Courier"/>
@@ -21059,6 +21222,26 @@
                 <a:sym typeface="Courier"/>
               </a:rPr>
               <a:t>‘}’</a:t>
+            </a:r>
+          </a:p>
+          <a:p>
+            <a:pPr marL="914400" lvl="0" indent="0" algn="l" rtl="0">
+              <a:spcBef>
+                <a:spcPts val="1200"/>
+              </a:spcBef>
+              <a:spcAft>
+                <a:spcPts val="0"/>
+              </a:spcAft>
+              <a:buNone/>
+            </a:pPr>
+            <a:r>
+              <a:rPr lang="pt-BR" sz="1400" dirty="0">
+                <a:latin typeface="Courier"/>
+                <a:ea typeface="Courier"/>
+                <a:cs typeface="Courier"/>
+                <a:sym typeface="Courier"/>
+              </a:rPr>
+              <a:t>;</a:t>
             </a:r>
             <a:endParaRPr sz="1400" dirty="0">
               <a:latin typeface="Courier"/>
@@ -23148,7 +23331,7 @@
         <p:spPr>
           <a:xfrm>
             <a:off x="149550" y="2536875"/>
-            <a:ext cx="3627000" cy="1584000"/>
+            <a:ext cx="3475393" cy="1584000"/>
           </a:xfrm>
           <a:prstGeom prst="rect">
             <a:avLst/>
@@ -23319,8 +23502,8 @@
         </p:nvSpPr>
         <p:spPr>
           <a:xfrm>
-            <a:off x="4232250" y="1817925"/>
-            <a:ext cx="4779600" cy="3021900"/>
+            <a:off x="3873137" y="1817925"/>
+            <a:ext cx="5138713" cy="3021900"/>
           </a:xfrm>
           <a:prstGeom prst="rect">
             <a:avLst/>
@@ -23351,15 +23534,60 @@
               <a:buNone/>
             </a:pPr>
             <a:r>
-              <a:rPr lang="pt-BR" sz="1400">
+              <a:rPr lang="pt-BR" sz="1400" dirty="0" err="1">
                 <a:latin typeface="Courier"/>
                 <a:ea typeface="Courier"/>
                 <a:cs typeface="Courier"/>
                 <a:sym typeface="Courier"/>
               </a:rPr>
-              <a:t>function: type T_ID ‘(‘ param_list ‘)’ ‘{‘</a:t>
-            </a:r>
-            <a:endParaRPr sz="1400">
+              <a:t>function</a:t>
+            </a:r>
+            <a:r>
+              <a:rPr lang="pt-BR" sz="1400" dirty="0">
+                <a:latin typeface="Courier"/>
+                <a:ea typeface="Courier"/>
+                <a:cs typeface="Courier"/>
+                <a:sym typeface="Courier"/>
+              </a:rPr>
+              <a:t>: </a:t>
+            </a:r>
+            <a:r>
+              <a:rPr lang="pt-BR" sz="1400" dirty="0" err="1">
+                <a:latin typeface="Courier"/>
+                <a:ea typeface="Courier"/>
+                <a:cs typeface="Courier"/>
+                <a:sym typeface="Courier"/>
+              </a:rPr>
+              <a:t>type</a:t>
+            </a:r>
+            <a:r>
+              <a:rPr lang="pt-BR" sz="1400" dirty="0">
+                <a:latin typeface="Courier"/>
+                <a:ea typeface="Courier"/>
+                <a:cs typeface="Courier"/>
+                <a:sym typeface="Courier"/>
+              </a:rPr>
+              <a:t> T_ID ‘(‘ </a:t>
+            </a:r>
+            <a:r>
+              <a:rPr lang="pt-BR" sz="1400" dirty="0" err="1">
+                <a:latin typeface="Courier"/>
+                <a:ea typeface="Courier"/>
+                <a:cs typeface="Courier"/>
+                <a:sym typeface="Courier"/>
+              </a:rPr>
+              <a:t>param_list</a:t>
+            </a:r>
+            <a:r>
+              <a:rPr lang="pt-BR" sz="1400" dirty="0">
+                <a:latin typeface="Courier"/>
+                <a:ea typeface="Courier"/>
+                <a:cs typeface="Courier"/>
+                <a:sym typeface="Courier"/>
+              </a:rPr>
+              <a:t> ‘)’ ‘{‘</a:t>
+            </a:r>
+            <a:endParaRPr sz="1400" dirty="0">
               <a:latin typeface="Courier"/>
               <a:ea typeface="Courier"/>
               <a:cs typeface="Courier"/>
@@ -23377,15 +23605,24 @@
               <a:buNone/>
             </a:pPr>
             <a:r>
-              <a:rPr lang="pt-BR" sz="1400">
+              <a:rPr lang="pt-BR" sz="1400" dirty="0">
                 <a:latin typeface="Courier"/>
                 <a:ea typeface="Courier"/>
                 <a:cs typeface="Courier"/>
                 <a:sym typeface="Courier"/>
               </a:rPr>
-              <a:t>		  		stmt_list</a:t>
-            </a:r>
-            <a:endParaRPr sz="1400">
+              <a:t>		</a:t>
+            </a:r>
+            <a:r>
+              <a:rPr lang="pt-BR" sz="1400" dirty="0" err="1">
+                <a:latin typeface="Courier"/>
+                <a:ea typeface="Courier"/>
+                <a:cs typeface="Courier"/>
+                <a:sym typeface="Courier"/>
+              </a:rPr>
+              <a:t>stmt_list</a:t>
+            </a:r>
+            <a:endParaRPr sz="1400" dirty="0">
               <a:latin typeface="Courier"/>
               <a:ea typeface="Courier"/>
               <a:cs typeface="Courier"/>
@@ -23403,15 +23640,24 @@
               <a:buNone/>
             </a:pPr>
             <a:r>
-              <a:rPr lang="pt-BR" sz="1400">
+              <a:rPr lang="pt-BR" sz="1400" dirty="0">
                 <a:latin typeface="Courier"/>
                 <a:ea typeface="Courier"/>
                 <a:cs typeface="Courier"/>
                 <a:sym typeface="Courier"/>
               </a:rPr>
-              <a:t>				return</a:t>
-            </a:r>
-            <a:endParaRPr sz="1400">
+              <a:t>		</a:t>
+            </a:r>
+            <a:r>
+              <a:rPr lang="pt-BR" sz="1400" dirty="0" err="1">
+                <a:latin typeface="Courier"/>
+                <a:ea typeface="Courier"/>
+                <a:cs typeface="Courier"/>
+                <a:sym typeface="Courier"/>
+              </a:rPr>
+              <a:t>return</a:t>
+            </a:r>
+            <a:endParaRPr sz="1400" dirty="0">
               <a:latin typeface="Courier"/>
               <a:ea typeface="Courier"/>
               <a:cs typeface="Courier"/>
@@ -23429,7 +23675,7 @@
               <a:buNone/>
             </a:pPr>
             <a:r>
-              <a:rPr lang="pt-BR" sz="1400">
+              <a:rPr lang="pt-BR" sz="1400" dirty="0">
                 <a:latin typeface="Courier"/>
                 <a:ea typeface="Courier"/>
                 <a:cs typeface="Courier"/>
@@ -23437,12 +23683,6 @@
               </a:rPr>
               <a:t>‘}’</a:t>
             </a:r>
-            <a:endParaRPr sz="1400">
-              <a:latin typeface="Courier"/>
-              <a:ea typeface="Courier"/>
-              <a:cs typeface="Courier"/>
-              <a:sym typeface="Courier"/>
-            </a:endParaRPr>
           </a:p>
           <a:p>
             <a:pPr marL="914400" lvl="0" indent="457200" algn="l" rtl="0">
@@ -23455,7 +23695,7 @@
               <a:buNone/>
             </a:pPr>
             <a:r>
-              <a:rPr lang="pt-BR" sz="1400">
+              <a:rPr lang="pt-BR" sz="1400" dirty="0">
                 <a:latin typeface="Courier"/>
                 <a:ea typeface="Courier"/>
                 <a:cs typeface="Courier"/>
@@ -23463,7 +23703,7 @@
               </a:rPr>
               <a:t>;</a:t>
             </a:r>
-            <a:endParaRPr sz="1400">
+            <a:endParaRPr sz="1400" dirty="0">
               <a:latin typeface="Courier"/>
               <a:ea typeface="Courier"/>
               <a:cs typeface="Courier"/>
@@ -23481,15 +23721,42 @@
               <a:buNone/>
             </a:pPr>
             <a:r>
-              <a:rPr lang="pt-BR" sz="1400">
+              <a:rPr lang="pt-BR" sz="1400" dirty="0" err="1">
                 <a:latin typeface="Courier"/>
                 <a:ea typeface="Courier"/>
                 <a:cs typeface="Courier"/>
                 <a:sym typeface="Courier"/>
               </a:rPr>
-              <a:t>return: %empty </a:t>
-            </a:r>
-            <a:endParaRPr sz="1400">
+              <a:t>return</a:t>
+            </a:r>
+            <a:r>
+              <a:rPr lang="pt-BR" sz="1400" dirty="0">
+                <a:latin typeface="Courier"/>
+                <a:ea typeface="Courier"/>
+                <a:cs typeface="Courier"/>
+                <a:sym typeface="Courier"/>
+              </a:rPr>
+              <a:t>: %</a:t>
+            </a:r>
+            <a:r>
+              <a:rPr lang="pt-BR" sz="1400" dirty="0" err="1">
+                <a:latin typeface="Courier"/>
+                <a:ea typeface="Courier"/>
+                <a:cs typeface="Courier"/>
+                <a:sym typeface="Courier"/>
+              </a:rPr>
+              <a:t>empty</a:t>
+            </a:r>
+            <a:r>
+              <a:rPr lang="pt-BR" sz="1400" dirty="0">
+                <a:latin typeface="Courier"/>
+                <a:ea typeface="Courier"/>
+                <a:cs typeface="Courier"/>
+                <a:sym typeface="Courier"/>
+              </a:rPr>
+              <a:t> </a:t>
+            </a:r>
+            <a:endParaRPr sz="1400" dirty="0">
               <a:latin typeface="Courier"/>
               <a:ea typeface="Courier"/>
               <a:cs typeface="Courier"/>
@@ -23507,15 +23774,15 @@
               <a:buNone/>
             </a:pPr>
             <a:r>
-              <a:rPr lang="pt-BR" sz="1400">
+              <a:rPr lang="pt-BR" sz="1400" dirty="0">
                 <a:latin typeface="Courier"/>
                 <a:ea typeface="Courier"/>
                 <a:cs typeface="Courier"/>
                 <a:sym typeface="Courier"/>
               </a:rPr>
-              <a:t>	    | T_RETURN ‘;’</a:t>
-            </a:r>
-            <a:endParaRPr sz="1400">
+              <a:t>        | T_RETURN ‘;’</a:t>
+            </a:r>
+            <a:endParaRPr sz="1400" dirty="0">
               <a:latin typeface="Courier"/>
               <a:ea typeface="Courier"/>
               <a:cs typeface="Courier"/>
@@ -23533,15 +23800,33 @@
               <a:buNone/>
             </a:pPr>
             <a:r>
-              <a:rPr lang="pt-BR" sz="1400">
+              <a:rPr lang="pt-BR" sz="1400" dirty="0">
                 <a:latin typeface="Courier"/>
                 <a:ea typeface="Courier"/>
                 <a:cs typeface="Courier"/>
                 <a:sym typeface="Courier"/>
               </a:rPr>
-              <a:t>        | T_RETURN return_val ‘;’</a:t>
-            </a:r>
-            <a:endParaRPr sz="1400">
+              <a:t>        | T_RETURN </a:t>
+            </a:r>
+            <a:r>
+              <a:rPr lang="pt-BR" sz="1400" dirty="0" err="1">
+                <a:latin typeface="Courier"/>
+                <a:ea typeface="Courier"/>
+                <a:cs typeface="Courier"/>
+                <a:sym typeface="Courier"/>
+              </a:rPr>
+              <a:t>return_val</a:t>
+            </a:r>
+            <a:r>
+              <a:rPr lang="pt-BR" sz="1400" dirty="0">
+                <a:latin typeface="Courier"/>
+                <a:ea typeface="Courier"/>
+                <a:cs typeface="Courier"/>
+                <a:sym typeface="Courier"/>
+              </a:rPr>
+              <a:t> ‘;’</a:t>
+            </a:r>
+            <a:endParaRPr sz="1400" dirty="0">
               <a:latin typeface="Courier"/>
               <a:ea typeface="Courier"/>
               <a:cs typeface="Courier"/>
@@ -23559,15 +23844,15 @@
               <a:buNone/>
             </a:pPr>
             <a:r>
-              <a:rPr lang="pt-BR" sz="1400">
+              <a:rPr lang="pt-BR" sz="1400" dirty="0">
                 <a:latin typeface="Courier"/>
                 <a:ea typeface="Courier"/>
                 <a:cs typeface="Courier"/>
                 <a:sym typeface="Courier"/>
               </a:rPr>
-              <a:t>	    ;</a:t>
-            </a:r>
-            <a:endParaRPr sz="1400">
+              <a:t>        ;</a:t>
+            </a:r>
+            <a:endParaRPr sz="1400" dirty="0">
               <a:latin typeface="Courier"/>
               <a:ea typeface="Courier"/>
               <a:cs typeface="Courier"/>
@@ -23585,15 +23870,24 @@
               <a:buNone/>
             </a:pPr>
             <a:r>
-              <a:rPr lang="pt-BR" sz="1400">
+              <a:rPr lang="pt-BR" sz="1400" dirty="0" err="1">
                 <a:latin typeface="Courier"/>
                 <a:ea typeface="Courier"/>
                 <a:cs typeface="Courier"/>
                 <a:sym typeface="Courier"/>
               </a:rPr>
-              <a:t>return_val: T_ID</a:t>
-            </a:r>
-            <a:endParaRPr sz="1400">
+              <a:t>return_val</a:t>
+            </a:r>
+            <a:r>
+              <a:rPr lang="pt-BR" sz="1400" dirty="0">
+                <a:latin typeface="Courier"/>
+                <a:ea typeface="Courier"/>
+                <a:cs typeface="Courier"/>
+                <a:sym typeface="Courier"/>
+              </a:rPr>
+              <a:t>: T_ID</a:t>
+            </a:r>
+            <a:endParaRPr sz="1400" dirty="0">
               <a:latin typeface="Courier"/>
               <a:ea typeface="Courier"/>
               <a:cs typeface="Courier"/>
@@ -23611,15 +23905,24 @@
               <a:buNone/>
             </a:pPr>
             <a:r>
-              <a:rPr lang="pt-BR" sz="1400">
+              <a:rPr lang="pt-BR" sz="1400" dirty="0">
                 <a:latin typeface="Courier"/>
                 <a:ea typeface="Courier"/>
                 <a:cs typeface="Courier"/>
                 <a:sym typeface="Courier"/>
               </a:rPr>
-              <a:t>		  | value</a:t>
-            </a:r>
-            <a:endParaRPr sz="1400">
+              <a:t>	 | </a:t>
+            </a:r>
+            <a:r>
+              <a:rPr lang="pt-BR" sz="1400" dirty="0" err="1">
+                <a:latin typeface="Courier"/>
+                <a:ea typeface="Courier"/>
+                <a:cs typeface="Courier"/>
+                <a:sym typeface="Courier"/>
+              </a:rPr>
+              <a:t>value</a:t>
+            </a:r>
+            <a:endParaRPr sz="1400" dirty="0">
               <a:latin typeface="Courier"/>
               <a:ea typeface="Courier"/>
               <a:cs typeface="Courier"/>
@@ -23637,15 +23940,15 @@
               <a:buNone/>
             </a:pPr>
             <a:r>
-              <a:rPr lang="pt-BR" sz="1400">
+              <a:rPr lang="pt-BR" sz="1400" dirty="0">
                 <a:latin typeface="Courier"/>
                 <a:ea typeface="Courier"/>
                 <a:cs typeface="Courier"/>
                 <a:sym typeface="Courier"/>
               </a:rPr>
-              <a:t>		  ;</a:t>
-            </a:r>
-            <a:endParaRPr sz="1400">
+              <a:t>	 ;</a:t>
+            </a:r>
+            <a:endParaRPr sz="1400" dirty="0">
               <a:latin typeface="Courier"/>
               <a:ea typeface="Courier"/>
               <a:cs typeface="Courier"/>
@@ -23658,6 +23961,7 @@
         <p:nvCxnSpPr>
           <p:cNvPr id="416" name="Google Shape;416;p24"/>
           <p:cNvCxnSpPr>
+            <a:cxnSpLocks/>
             <a:stCxn id="414" idx="3"/>
             <a:endCxn id="415" idx="1"/>
           </p:cNvCxnSpPr>
@@ -23665,8 +23969,8 @@
         </p:nvCxnSpPr>
         <p:spPr>
           <a:xfrm>
-            <a:off x="3776550" y="3328875"/>
-            <a:ext cx="455700" cy="0"/>
+            <a:off x="3624943" y="3328875"/>
+            <a:ext cx="248194" cy="0"/>
           </a:xfrm>
           <a:prstGeom prst="straightConnector1">
             <a:avLst/>

--- a/slides/geracao_codigo.pptx
+++ b/slides/geracao_codigo.pptx
@@ -16787,7 +16787,7 @@
         <p:push/>
       </p:transition>
     </mc:Choice>
-    <mc:Fallback xmlns="" xmlns:mv="urn:schemas-microsoft-com:mac:vml" xmlns:c="http://schemas.openxmlformats.org/drawingml/2006/chart" xmlns:dgm="http://schemas.openxmlformats.org/drawingml/2006/diagram" xmlns:o="urn:schemas-microsoft-com:office:office" xmlns:v="urn:schemas-microsoft-com:vml" xmlns:pvml="urn:schemas-microsoft-com:office:powerpoint" xmlns:com="http://schemas.openxmlformats.org/drawingml/2006/compatibility" xmlns:p15="http://schemas.microsoft.com/office/powerpoint/2012/main" xmlns:ahyp="http://schemas.microsoft.com/office/drawing/2018/hyperlinkcolor">
+    <mc:Fallback xmlns:ahyp="http://schemas.microsoft.com/office/drawing/2018/hyperlinkcolor" xmlns:p15="http://schemas.microsoft.com/office/powerpoint/2012/main" xmlns:com="http://schemas.openxmlformats.org/drawingml/2006/compatibility" xmlns:pvml="urn:schemas-microsoft-com:office:powerpoint" xmlns:v="urn:schemas-microsoft-com:vml" xmlns:o="urn:schemas-microsoft-com:office:office" xmlns:dgm="http://schemas.openxmlformats.org/drawingml/2006/diagram" xmlns:c="http://schemas.openxmlformats.org/drawingml/2006/chart" xmlns:mv="urn:schemas-microsoft-com:mac:vml" xmlns="">
       <p:transition spd="slow">
         <p:fade/>
       </p:transition>
@@ -21105,7 +21105,7 @@
                 <a:cs typeface="Courier"/>
                 <a:sym typeface="Courier"/>
               </a:rPr>
-              <a:t> `;´ 			</a:t>
+              <a:t> `;´ 				</a:t>
             </a:r>
             <a:r>
               <a:rPr lang="pt-BR" sz="1400" dirty="0" err="1">
@@ -21627,8 +21627,8 @@
         </p:nvSpPr>
         <p:spPr>
           <a:xfrm>
-            <a:off x="5213725" y="1854875"/>
-            <a:ext cx="3609300" cy="2401200"/>
+            <a:off x="5213725" y="1978272"/>
+            <a:ext cx="3609300" cy="2154406"/>
           </a:xfrm>
           <a:prstGeom prst="rect">
             <a:avLst/>
@@ -21660,38 +21660,6 @@
               <a:buNone/>
             </a:pPr>
             <a:r>
-              <a:rPr lang="pt-BR" sz="1600" b="1" dirty="0">
-                <a:solidFill>
-                  <a:srgbClr val="666666"/>
-                </a:solidFill>
-                <a:latin typeface="Courier New"/>
-                <a:ea typeface="Courier New"/>
-                <a:cs typeface="Courier New"/>
-                <a:sym typeface="Courier New"/>
-              </a:rPr>
-              <a:t># escrever #i → t0</a:t>
-            </a:r>
-            <a:endParaRPr sz="1600" b="1" dirty="0">
-              <a:solidFill>
-                <a:srgbClr val="666666"/>
-              </a:solidFill>
-              <a:latin typeface="Courier New"/>
-              <a:ea typeface="Courier New"/>
-              <a:cs typeface="Courier New"/>
-              <a:sym typeface="Courier New"/>
-            </a:endParaRPr>
-          </a:p>
-          <a:p>
-            <a:pPr marL="0" lvl="0" indent="457200" algn="l" rtl="0">
-              <a:spcBef>
-                <a:spcPts val="0"/>
-              </a:spcBef>
-              <a:spcAft>
-                <a:spcPts val="0"/>
-              </a:spcAft>
-              <a:buNone/>
-            </a:pPr>
-            <a:r>
               <a:rPr lang="pt-BR" sz="1600" b="1" dirty="0" err="1">
                 <a:solidFill>
                   <a:schemeClr val="dk1"/>
@@ -21701,7 +21669,7 @@
                 <a:cs typeface="Courier New"/>
                 <a:sym typeface="Courier New"/>
               </a:rPr>
-              <a:t>ld</a:t>
+              <a:t>addi</a:t>
             </a:r>
             <a:r>
               <a:rPr lang="pt-BR" sz="1600" b="1" dirty="0">
@@ -21710,7 +21678,7 @@
                 <a:cs typeface="Courier New"/>
                 <a:sym typeface="Courier New"/>
               </a:rPr>
-              <a:t>      </a:t>
+              <a:t>    </a:t>
             </a:r>
             <a:r>
               <a:rPr lang="pt-BR" sz="1600" b="1" dirty="0">
@@ -21731,7 +21699,7 @@
                 <a:cs typeface="Courier New"/>
                 <a:sym typeface="Courier New"/>
               </a:rPr>
-              <a:t>,0</a:t>
+              <a:t>,x0,0 # i &lt;- 0</a:t>
             </a:r>
             <a:endParaRPr sz="1600" b="1" dirty="0">
               <a:latin typeface="Courier New"/>
@@ -21884,16 +21852,7 @@
                 <a:cs typeface="Courier New"/>
                 <a:sym typeface="Courier New"/>
               </a:rPr>
-              <a:t>,</a:t>
-            </a:r>
-            <a:r>
-              <a:rPr lang="pt-BR" sz="1600" b="1">
-                <a:latin typeface="Courier New"/>
-                <a:ea typeface="Courier New"/>
-                <a:cs typeface="Courier New"/>
-                <a:sym typeface="Courier New"/>
-              </a:rPr>
-              <a:t>t1,exit</a:t>
+              <a:t>,t1,exit</a:t>
             </a:r>
             <a:endParaRPr sz="1600" b="1" dirty="0">
               <a:latin typeface="Courier New"/>
@@ -31534,7 +31493,7 @@
             </a:r>
             <a:r>
               <a:rPr lang="pt-BR" sz="1530" dirty="0"/>
-              <a:t>melhoria na eficiência do código gerado levando em conta o custo das instruções..</a:t>
+              <a:t>melhoria na eficiência do código gerado levando em conta o custo das instruções.</a:t>
             </a:r>
             <a:endParaRPr sz="1530" dirty="0"/>
           </a:p>
@@ -34456,7 +34415,7 @@
         <p:spPr>
           <a:xfrm>
             <a:off x="3540642" y="2427898"/>
-            <a:ext cx="1789272" cy="338554"/>
+            <a:ext cx="2036135" cy="338554"/>
           </a:xfrm>
           <a:prstGeom prst="rect">
             <a:avLst/>
@@ -34474,7 +34433,7 @@
                 <a:latin typeface="Courier New" panose="02070309020205020404" pitchFamily="49" charset="0"/>
                 <a:cs typeface="Courier New" panose="02070309020205020404" pitchFamily="49" charset="0"/>
               </a:rPr>
-              <a:t>c = b – a + 3</a:t>
+              <a:t>c = b * (a + 3)</a:t>
             </a:r>
           </a:p>
         </p:txBody>
@@ -34564,7 +34523,7 @@
         <p:spPr>
           <a:xfrm>
             <a:off x="970639" y="4015947"/>
-            <a:ext cx="614271" cy="307777"/>
+            <a:ext cx="612668" cy="307777"/>
           </a:xfrm>
           <a:prstGeom prst="rect">
             <a:avLst/>
@@ -34579,7 +34538,7 @@
           <a:p>
             <a:r>
               <a:rPr lang="pt-BR" dirty="0"/>
-              <a:t>IADD</a:t>
+              <a:t>IMUL</a:t>
             </a:r>
           </a:p>
         </p:txBody>
@@ -34820,8 +34779,8 @@
         </p:nvCxnSpPr>
         <p:spPr>
           <a:xfrm flipH="1">
-            <a:off x="1277775" y="3749279"/>
-            <a:ext cx="381975" cy="266668"/>
+            <a:off x="1276973" y="3749279"/>
+            <a:ext cx="382777" cy="266668"/>
           </a:xfrm>
           <a:prstGeom prst="line">
             <a:avLst/>
@@ -34901,7 +34860,7 @@
         <p:spPr>
           <a:xfrm flipH="1">
             <a:off x="849773" y="4323724"/>
-            <a:ext cx="428002" cy="282621"/>
+            <a:ext cx="427200" cy="282621"/>
           </a:xfrm>
           <a:prstGeom prst="line">
             <a:avLst/>
@@ -34940,8 +34899,8 @@
         </p:nvCxnSpPr>
         <p:spPr>
           <a:xfrm>
-            <a:off x="1277775" y="4323724"/>
-            <a:ext cx="307135" cy="266668"/>
+            <a:off x="1276973" y="4323724"/>
+            <a:ext cx="307937" cy="266668"/>
           </a:xfrm>
           <a:prstGeom prst="line">
             <a:avLst/>
@@ -35053,11 +35012,18 @@
           </a:p>
           <a:p>
             <a:r>
+              <a:rPr lang="pt-BR" sz="1600" dirty="0" err="1">
+                <a:latin typeface="Courier New" panose="02070309020205020404" pitchFamily="49" charset="0"/>
+                <a:cs typeface="Courier New" panose="02070309020205020404" pitchFamily="49" charset="0"/>
+              </a:rPr>
+              <a:t>mul</a:t>
+            </a:r>
+            <a:r>
               <a:rPr lang="pt-BR" sz="1600" dirty="0">
                 <a:latin typeface="Courier New" panose="02070309020205020404" pitchFamily="49" charset="0"/>
                 <a:cs typeface="Courier New" panose="02070309020205020404" pitchFamily="49" charset="0"/>
               </a:rPr>
-              <a:t>sub t0,t1,t0</a:t>
+              <a:t> t0,t1,t0</a:t>
             </a:r>
           </a:p>
           <a:p>
@@ -35125,7 +35091,7 @@
                 <a:latin typeface="Courier New" panose="02070309020205020404" pitchFamily="49" charset="0"/>
                 <a:cs typeface="Courier New" panose="02070309020205020404" pitchFamily="49" charset="0"/>
               </a:rPr>
-              <a:t>t1 = b + t0</a:t>
+              <a:t>t1 = b * t0</a:t>
             </a:r>
           </a:p>
           <a:p>
